--- a/Lecture slides/AMOS B05 - Agile Programming.pptx
+++ b/Lecture slides/AMOS B05 - Agile Programming.pptx
@@ -52,6 +52,8 @@
     <p:sldId id="297" r:id="rId48"/>
     <p:sldId id="298" r:id="rId49"/>
     <p:sldId id="299" r:id="rId50"/>
+    <p:sldId id="300" r:id="rId51"/>
+    <p:sldId id="301" r:id="rId52"/>
   </p:sldIdLst>
   <p:sldSz cy="5143500" cx="9144000"/>
   <p:notesSz cx="6858000" cy="9144000"/>
@@ -4312,7 +4314,7 @@
       </p:grpSpPr>
       <p:sp>
         <p:nvSpPr>
-          <p:cNvPr id="317" name="Google Shape;317;g22e426526d4_0_267:notes"/>
+          <p:cNvPr id="317" name="Google Shape;317;g25b0dbeb2fc_0_0:notes"/>
           <p:cNvSpPr/>
           <p:nvPr>
             <p:ph idx="2" type="sldImg"/>
@@ -4347,7 +4349,7 @@
       </p:sp>
       <p:sp>
         <p:nvSpPr>
-          <p:cNvPr id="318" name="Google Shape;318;g22e426526d4_0_267:notes"/>
+          <p:cNvPr id="318" name="Google Shape;318;g25b0dbeb2fc_0_0:notes"/>
           <p:cNvSpPr txBox="1"/>
           <p:nvPr>
             <p:ph idx="1" type="body"/>
@@ -4397,7 +4399,7 @@
   <p:cSld>
     <p:spTree>
       <p:nvGrpSpPr>
-        <p:cNvPr id="323" name="Shape 323"/>
+        <p:cNvPr id="321" name="Shape 321"/>
         <p:cNvGrpSpPr/>
         <p:nvPr/>
       </p:nvGrpSpPr>
@@ -4411,7 +4413,7 @@
       </p:grpSpPr>
       <p:sp>
         <p:nvSpPr>
-          <p:cNvPr id="324" name="Google Shape;324;g1e1c0ffff1d_0_38:notes"/>
+          <p:cNvPr id="322" name="Google Shape;322;g25b0dbeb2fc_0_4:notes"/>
           <p:cNvSpPr/>
           <p:nvPr>
             <p:ph idx="2" type="sldImg"/>
@@ -4446,7 +4448,7 @@
       </p:sp>
       <p:sp>
         <p:nvSpPr>
-          <p:cNvPr id="325" name="Google Shape;325;g1e1c0ffff1d_0_38:notes"/>
+          <p:cNvPr id="323" name="Google Shape;323;g25b0dbeb2fc_0_4:notes"/>
           <p:cNvSpPr txBox="1"/>
           <p:nvPr>
             <p:ph idx="1" type="body"/>
@@ -4496,7 +4498,7 @@
   <p:cSld>
     <p:spTree>
       <p:nvGrpSpPr>
-        <p:cNvPr id="329" name="Shape 329"/>
+        <p:cNvPr id="328" name="Shape 328"/>
         <p:cNvGrpSpPr/>
         <p:nvPr/>
       </p:nvGrpSpPr>
@@ -4510,7 +4512,7 @@
       </p:grpSpPr>
       <p:sp>
         <p:nvSpPr>
-          <p:cNvPr id="330" name="Google Shape;330;g1e1c0ffff1d_0_43:notes"/>
+          <p:cNvPr id="329" name="Google Shape;329;g22e426526d4_0_267:notes"/>
           <p:cNvSpPr/>
           <p:nvPr>
             <p:ph idx="2" type="sldImg"/>
@@ -4545,7 +4547,205 @@
       </p:sp>
       <p:sp>
         <p:nvSpPr>
-          <p:cNvPr id="331" name="Google Shape;331;g1e1c0ffff1d_0_43:notes"/>
+          <p:cNvPr id="330" name="Google Shape;330;g22e426526d4_0_267:notes"/>
+          <p:cNvSpPr txBox="1"/>
+          <p:nvPr>
+            <p:ph idx="1" type="body"/>
+          </p:nvPr>
+        </p:nvSpPr>
+        <p:spPr>
+          <a:xfrm>
+            <a:off x="685800" y="4343400"/>
+            <a:ext cx="5486400" cy="4114800"/>
+          </a:xfrm>
+          <a:prstGeom prst="rect">
+            <a:avLst/>
+          </a:prstGeom>
+        </p:spPr>
+        <p:txBody>
+          <a:bodyPr anchorCtr="0" anchor="t" bIns="91425" lIns="91425" spcFirstLastPara="1" rIns="91425" wrap="square" tIns="91425">
+            <a:noAutofit/>
+          </a:bodyPr>
+          <a:lstStyle/>
+          <a:p>
+            <a:pPr indent="0" lvl="0" marL="0" rtl="0" algn="l">
+              <a:spcBef>
+                <a:spcPts val="0"/>
+              </a:spcBef>
+              <a:spcAft>
+                <a:spcPts val="0"/>
+              </a:spcAft>
+              <a:buNone/>
+            </a:pPr>
+            <a:r>
+              <a:t/>
+            </a:r>
+            <a:endParaRPr/>
+          </a:p>
+        </p:txBody>
+      </p:sp>
+    </p:spTree>
+  </p:cSld>
+  <p:clrMapOvr>
+    <a:masterClrMapping/>
+  </p:clrMapOvr>
+</p:notes>
+</file>
+
+<file path=ppt/notesSlides/notesSlide45.xml><?xml version="1.0" encoding="utf-8"?>
+<p:notes xmlns:a="http://schemas.openxmlformats.org/drawingml/2006/main" xmlns:r="http://schemas.openxmlformats.org/officeDocument/2006/relationships" xmlns:mc="http://schemas.openxmlformats.org/markup-compatibility/2006" xmlns:mv="urn:schemas-microsoft-com:mac:vml" xmlns:p="http://schemas.openxmlformats.org/presentationml/2006/main" xmlns:c="http://schemas.openxmlformats.org/drawingml/2006/chart" xmlns:dgm="http://schemas.openxmlformats.org/drawingml/2006/diagram" xmlns:o="urn:schemas-microsoft-com:office:office" xmlns:v="urn:schemas-microsoft-com:vml" xmlns:pvml="urn:schemas-microsoft-com:office:powerpoint" xmlns:com="http://schemas.openxmlformats.org/drawingml/2006/compatibility" xmlns:p14="http://schemas.microsoft.com/office/powerpoint/2010/main" xmlns:p15="http://schemas.microsoft.com/office/powerpoint/2012/main" xmlns:ahyp="http://schemas.microsoft.com/office/drawing/2018/hyperlinkcolor" showMasterPhAnim="0" showMasterSp="0">
+  <p:cSld>
+    <p:spTree>
+      <p:nvGrpSpPr>
+        <p:cNvPr id="335" name="Shape 335"/>
+        <p:cNvGrpSpPr/>
+        <p:nvPr/>
+      </p:nvGrpSpPr>
+      <p:grpSpPr>
+        <a:xfrm>
+          <a:off x="0" y="0"/>
+          <a:ext cx="0" cy="0"/>
+          <a:chOff x="0" y="0"/>
+          <a:chExt cx="0" cy="0"/>
+        </a:xfrm>
+      </p:grpSpPr>
+      <p:sp>
+        <p:nvSpPr>
+          <p:cNvPr id="336" name="Google Shape;336;g1e1c0ffff1d_0_38:notes"/>
+          <p:cNvSpPr/>
+          <p:nvPr>
+            <p:ph idx="2" type="sldImg"/>
+          </p:nvPr>
+        </p:nvSpPr>
+        <p:spPr>
+          <a:xfrm>
+            <a:off x="381300" y="685800"/>
+            <a:ext cx="6096000" cy="3429000"/>
+          </a:xfrm>
+          <a:custGeom>
+            <a:rect b="b" l="l" r="r" t="t"/>
+            <a:pathLst>
+              <a:path extrusionOk="0" h="120000" w="120000">
+                <a:moveTo>
+                  <a:pt x="0" y="0"/>
+                </a:moveTo>
+                <a:lnTo>
+                  <a:pt x="120000" y="0"/>
+                </a:lnTo>
+                <a:lnTo>
+                  <a:pt x="120000" y="120000"/>
+                </a:lnTo>
+                <a:lnTo>
+                  <a:pt x="0" y="120000"/>
+                </a:lnTo>
+                <a:close/>
+              </a:path>
+            </a:pathLst>
+          </a:custGeom>
+        </p:spPr>
+      </p:sp>
+      <p:sp>
+        <p:nvSpPr>
+          <p:cNvPr id="337" name="Google Shape;337;g1e1c0ffff1d_0_38:notes"/>
+          <p:cNvSpPr txBox="1"/>
+          <p:nvPr>
+            <p:ph idx="1" type="body"/>
+          </p:nvPr>
+        </p:nvSpPr>
+        <p:spPr>
+          <a:xfrm>
+            <a:off x="685800" y="4343400"/>
+            <a:ext cx="5486400" cy="4114800"/>
+          </a:xfrm>
+          <a:prstGeom prst="rect">
+            <a:avLst/>
+          </a:prstGeom>
+        </p:spPr>
+        <p:txBody>
+          <a:bodyPr anchorCtr="0" anchor="t" bIns="91425" lIns="91425" spcFirstLastPara="1" rIns="91425" wrap="square" tIns="91425">
+            <a:noAutofit/>
+          </a:bodyPr>
+          <a:lstStyle/>
+          <a:p>
+            <a:pPr indent="0" lvl="0" marL="0" rtl="0" algn="l">
+              <a:spcBef>
+                <a:spcPts val="0"/>
+              </a:spcBef>
+              <a:spcAft>
+                <a:spcPts val="0"/>
+              </a:spcAft>
+              <a:buNone/>
+            </a:pPr>
+            <a:r>
+              <a:t/>
+            </a:r>
+            <a:endParaRPr/>
+          </a:p>
+        </p:txBody>
+      </p:sp>
+    </p:spTree>
+  </p:cSld>
+  <p:clrMapOvr>
+    <a:masterClrMapping/>
+  </p:clrMapOvr>
+</p:notes>
+</file>
+
+<file path=ppt/notesSlides/notesSlide46.xml><?xml version="1.0" encoding="utf-8"?>
+<p:notes xmlns:a="http://schemas.openxmlformats.org/drawingml/2006/main" xmlns:r="http://schemas.openxmlformats.org/officeDocument/2006/relationships" xmlns:mc="http://schemas.openxmlformats.org/markup-compatibility/2006" xmlns:mv="urn:schemas-microsoft-com:mac:vml" xmlns:p="http://schemas.openxmlformats.org/presentationml/2006/main" xmlns:c="http://schemas.openxmlformats.org/drawingml/2006/chart" xmlns:dgm="http://schemas.openxmlformats.org/drawingml/2006/diagram" xmlns:o="urn:schemas-microsoft-com:office:office" xmlns:v="urn:schemas-microsoft-com:vml" xmlns:pvml="urn:schemas-microsoft-com:office:powerpoint" xmlns:com="http://schemas.openxmlformats.org/drawingml/2006/compatibility" xmlns:p14="http://schemas.microsoft.com/office/powerpoint/2010/main" xmlns:p15="http://schemas.microsoft.com/office/powerpoint/2012/main" xmlns:ahyp="http://schemas.microsoft.com/office/drawing/2018/hyperlinkcolor" showMasterPhAnim="0" showMasterSp="0">
+  <p:cSld>
+    <p:spTree>
+      <p:nvGrpSpPr>
+        <p:cNvPr id="341" name="Shape 341"/>
+        <p:cNvGrpSpPr/>
+        <p:nvPr/>
+      </p:nvGrpSpPr>
+      <p:grpSpPr>
+        <a:xfrm>
+          <a:off x="0" y="0"/>
+          <a:ext cx="0" cy="0"/>
+          <a:chOff x="0" y="0"/>
+          <a:chExt cx="0" cy="0"/>
+        </a:xfrm>
+      </p:grpSpPr>
+      <p:sp>
+        <p:nvSpPr>
+          <p:cNvPr id="342" name="Google Shape;342;g1e1c0ffff1d_0_43:notes"/>
+          <p:cNvSpPr/>
+          <p:nvPr>
+            <p:ph idx="2" type="sldImg"/>
+          </p:nvPr>
+        </p:nvSpPr>
+        <p:spPr>
+          <a:xfrm>
+            <a:off x="381300" y="685800"/>
+            <a:ext cx="6096000" cy="3429000"/>
+          </a:xfrm>
+          <a:custGeom>
+            <a:rect b="b" l="l" r="r" t="t"/>
+            <a:pathLst>
+              <a:path extrusionOk="0" h="120000" w="120000">
+                <a:moveTo>
+                  <a:pt x="0" y="0"/>
+                </a:moveTo>
+                <a:lnTo>
+                  <a:pt x="120000" y="0"/>
+                </a:lnTo>
+                <a:lnTo>
+                  <a:pt x="120000" y="120000"/>
+                </a:lnTo>
+                <a:lnTo>
+                  <a:pt x="0" y="120000"/>
+                </a:lnTo>
+                <a:close/>
+              </a:path>
+            </a:pathLst>
+          </a:custGeom>
+        </p:spPr>
+      </p:sp>
+      <p:sp>
+        <p:nvSpPr>
+          <p:cNvPr id="343" name="Google Shape;343;g1e1c0ffff1d_0_43:notes"/>
           <p:cNvSpPr txBox="1"/>
           <p:nvPr>
             <p:ph idx="1" type="body"/>
@@ -10821,6 +11021,23 @@
             <a:endParaRPr/>
           </a:p>
           <a:p>
+            <a:pPr indent="-342900" lvl="0" marL="457200" rtl="0" algn="l">
+              <a:spcBef>
+                <a:spcPts val="0"/>
+              </a:spcBef>
+              <a:spcAft>
+                <a:spcPts val="0"/>
+              </a:spcAft>
+              <a:buSzPts val="1800"/>
+              <a:buAutoNum type="arabicPeriod"/>
+            </a:pPr>
+            <a:r>
+              <a:rPr lang="en"/>
+              <a:t>Mid-project review</a:t>
+            </a:r>
+            <a:endParaRPr/>
+          </a:p>
+          <a:p>
             <a:pPr indent="0" lvl="0" marL="0" rtl="0" algn="l">
               <a:spcBef>
                 <a:spcPts val="1200"/>
@@ -16217,224 +16434,35 @@
         </p:nvSpPr>
         <p:spPr>
           <a:xfrm>
-            <a:off x="0" y="0"/>
-            <a:ext cx="9144000" cy="685800"/>
+            <a:off x="0" y="-7"/>
+            <a:ext cx="9144000" cy="2386500"/>
           </a:xfrm>
           <a:prstGeom prst="rect">
             <a:avLst/>
           </a:prstGeom>
         </p:spPr>
         <p:txBody>
-          <a:bodyPr anchorCtr="0" anchor="ctr" bIns="91425" lIns="274300" spcFirstLastPara="1" rIns="91425" wrap="square" tIns="91425">
+          <a:bodyPr anchorCtr="0" anchor="b" bIns="274300" lIns="91425" spcFirstLastPara="1" rIns="91425" wrap="square" tIns="91425">
             <a:noAutofit/>
           </a:bodyPr>
           <a:lstStyle/>
           <a:p>
-            <a:pPr indent="0" lvl="0" marL="0" rtl="0" algn="l">
-              <a:spcBef>
-                <a:spcPts val="0"/>
-              </a:spcBef>
-              <a:spcAft>
-                <a:spcPts val="0"/>
-              </a:spcAft>
-              <a:buNone/>
-            </a:pPr>
-            <a:r>
-              <a:rPr lang="en"/>
-              <a:t>Summary</a:t>
-            </a:r>
-            <a:endParaRPr/>
-          </a:p>
-        </p:txBody>
-      </p:sp>
-      <p:sp>
-        <p:nvSpPr>
-          <p:cNvPr id="321" name="Google Shape;321;p49"/>
-          <p:cNvSpPr txBox="1"/>
-          <p:nvPr>
-            <p:ph idx="1" type="body"/>
-          </p:nvPr>
-        </p:nvSpPr>
-        <p:spPr>
-          <a:xfrm>
-            <a:off x="274320" y="914400"/>
-            <a:ext cx="8595300" cy="4114800"/>
-          </a:xfrm>
-          <a:prstGeom prst="rect">
-            <a:avLst/>
-          </a:prstGeom>
-        </p:spPr>
-        <p:txBody>
-          <a:bodyPr anchorCtr="0" anchor="t" bIns="0" lIns="0" spcFirstLastPara="1" rIns="0" wrap="square" tIns="0">
-            <a:noAutofit/>
-          </a:bodyPr>
-          <a:lstStyle/>
-          <a:p>
-            <a:pPr indent="-342900" lvl="0" marL="457200" rtl="0" algn="l">
-              <a:spcBef>
-                <a:spcPts val="0"/>
-              </a:spcBef>
-              <a:spcAft>
-                <a:spcPts val="0"/>
-              </a:spcAft>
-              <a:buSzPts val="1800"/>
-              <a:buAutoNum type="arabicPeriod"/>
-            </a:pPr>
-            <a:r>
-              <a:rPr lang="en"/>
-              <a:t>Agile programming</a:t>
-            </a:r>
-            <a:endParaRPr/>
-          </a:p>
-          <a:p>
-            <a:pPr indent="-342900" lvl="0" marL="457200" rtl="0" algn="l">
-              <a:spcBef>
-                <a:spcPts val="0"/>
-              </a:spcBef>
-              <a:spcAft>
-                <a:spcPts val="0"/>
-              </a:spcAft>
-              <a:buSzPts val="1800"/>
-              <a:buAutoNum type="arabicPeriod"/>
-            </a:pPr>
-            <a:r>
-              <a:rPr lang="en"/>
-              <a:t>Refactoring</a:t>
-            </a:r>
-            <a:endParaRPr/>
-          </a:p>
-          <a:p>
-            <a:pPr indent="-342900" lvl="0" marL="457200" rtl="0" algn="l">
-              <a:spcBef>
-                <a:spcPts val="0"/>
-              </a:spcBef>
-              <a:spcAft>
-                <a:spcPts val="0"/>
-              </a:spcAft>
-              <a:buSzPts val="1800"/>
-              <a:buAutoNum type="arabicPeriod"/>
-            </a:pPr>
-            <a:r>
-              <a:rPr lang="en"/>
-              <a:t>Test-driven development</a:t>
-            </a:r>
-            <a:endParaRPr/>
-          </a:p>
-          <a:p>
-            <a:pPr indent="-342900" lvl="0" marL="457200" rtl="0" algn="l">
-              <a:spcBef>
-                <a:spcPts val="0"/>
-              </a:spcBef>
-              <a:spcAft>
-                <a:spcPts val="0"/>
-              </a:spcAft>
-              <a:buSzPts val="1800"/>
-              <a:buAutoNum type="arabicPeriod"/>
-            </a:pPr>
-            <a:r>
-              <a:rPr lang="en"/>
-              <a:t>Code review</a:t>
-            </a:r>
-            <a:endParaRPr/>
-          </a:p>
-          <a:p>
-            <a:pPr indent="-342900" lvl="0" marL="457200" rtl="0" algn="l">
-              <a:spcBef>
-                <a:spcPts val="0"/>
-              </a:spcBef>
-              <a:spcAft>
-                <a:spcPts val="0"/>
-              </a:spcAft>
-              <a:buSzPts val="1800"/>
-              <a:buAutoNum type="arabicPeriod"/>
-            </a:pPr>
-            <a:r>
-              <a:rPr lang="en"/>
-              <a:t>Build processes</a:t>
-            </a:r>
-            <a:endParaRPr/>
-          </a:p>
-          <a:p>
-            <a:pPr indent="0" lvl="0" marL="0" rtl="0" algn="l">
-              <a:spcBef>
-                <a:spcPts val="1200"/>
-              </a:spcBef>
-              <a:spcAft>
-                <a:spcPts val="1200"/>
-              </a:spcAft>
-              <a:buNone/>
-            </a:pPr>
-            <a:r>
-              <a:t/>
-            </a:r>
-            <a:endParaRPr/>
-          </a:p>
-        </p:txBody>
-      </p:sp>
-      <p:sp>
-        <p:nvSpPr>
-          <p:cNvPr id="322" name="Google Shape;322;p49"/>
-          <p:cNvSpPr txBox="1"/>
-          <p:nvPr>
-            <p:ph idx="12" type="sldNum"/>
-          </p:nvPr>
-        </p:nvSpPr>
-        <p:spPr>
-          <a:xfrm>
-            <a:off x="7315202" y="4416550"/>
-            <a:ext cx="1828800" cy="731400"/>
-          </a:xfrm>
-          <a:prstGeom prst="rect">
-            <a:avLst/>
-          </a:prstGeom>
-        </p:spPr>
-        <p:txBody>
-          <a:bodyPr anchorCtr="0" anchor="b" bIns="91425" lIns="91425" spcFirstLastPara="1" rIns="91425" wrap="square" tIns="91425">
-            <a:noAutofit/>
-          </a:bodyPr>
-          <a:lstStyle/>
-          <a:p>
-            <a:pPr indent="0" lvl="0" marL="0" rtl="0" algn="r">
-              <a:spcBef>
-                <a:spcPts val="0"/>
-              </a:spcBef>
-              <a:spcAft>
-                <a:spcPts val="0"/>
-              </a:spcAft>
-              <a:buNone/>
-            </a:pPr>
-            <a:fld id="{00000000-1234-1234-1234-123412341234}" type="slidenum">
-              <a:rPr lang="en"/>
-              <a:t>‹#›</a:t>
-            </a:fld>
-            <a:endParaRPr/>
-          </a:p>
-          <a:p>
-            <a:pPr indent="0" lvl="0" marL="0" rtl="0" algn="r">
-              <a:spcBef>
-                <a:spcPts val="0"/>
-              </a:spcBef>
-              <a:spcAft>
-                <a:spcPts val="0"/>
-              </a:spcAft>
-              <a:buNone/>
-            </a:pPr>
-            <a:r>
-              <a:rPr b="0" lang="en" sz="900" u="sng">
-                <a:solidFill>
-                  <a:schemeClr val="hlink"/>
-                </a:solidFill>
-                <a:hlinkClick r:id="rId3"/>
-              </a:rPr>
-              <a:t>https://profriehle.com</a:t>
-            </a:r>
-            <a:r>
-              <a:rPr b="0" lang="en" sz="900">
-                <a:solidFill>
-                  <a:schemeClr val="dk2"/>
-                </a:solidFill>
-              </a:rPr>
-              <a:t> </a:t>
+            <a:pPr indent="0" lvl="0" marL="0" rtl="0" algn="ctr">
+              <a:spcBef>
+                <a:spcPts val="0"/>
+              </a:spcBef>
+              <a:spcAft>
+                <a:spcPts val="0"/>
+              </a:spcAft>
+              <a:buNone/>
+            </a:pPr>
+            <a:r>
+              <a:rPr lang="en"/>
+              <a:t>6</a:t>
+            </a:r>
+            <a:r>
+              <a:rPr lang="en"/>
+              <a:t>. Mid-Project Review</a:t>
             </a:r>
             <a:endParaRPr/>
           </a:p>
@@ -16453,7 +16481,7 @@
   <p:cSld>
     <p:spTree>
       <p:nvGrpSpPr>
-        <p:cNvPr id="326" name="Shape 326"/>
+        <p:cNvPr id="324" name="Shape 324"/>
         <p:cNvGrpSpPr/>
         <p:nvPr/>
       </p:nvGrpSpPr>
@@ -16467,39 +16495,39 @@
       </p:grpSpPr>
       <p:sp>
         <p:nvSpPr>
-          <p:cNvPr id="327" name="Google Shape;327;p50"/>
+          <p:cNvPr id="325" name="Google Shape;325;p50"/>
           <p:cNvSpPr txBox="1"/>
           <p:nvPr>
-            <p:ph type="ctrTitle"/>
+            <p:ph type="title"/>
           </p:nvPr>
         </p:nvSpPr>
         <p:spPr>
           <a:xfrm>
             <a:off x="0" y="0"/>
-            <a:ext cx="9144000" cy="2388900"/>
+            <a:ext cx="9144000" cy="685800"/>
           </a:xfrm>
           <a:prstGeom prst="rect">
             <a:avLst/>
           </a:prstGeom>
         </p:spPr>
         <p:txBody>
-          <a:bodyPr anchorCtr="0" anchor="b" bIns="274300" lIns="91425" spcFirstLastPara="1" rIns="91425" wrap="square" tIns="91425">
+          <a:bodyPr anchorCtr="0" anchor="ctr" bIns="91425" lIns="274300" spcFirstLastPara="1" rIns="91425" wrap="square" tIns="91425">
             <a:noAutofit/>
           </a:bodyPr>
           <a:lstStyle/>
           <a:p>
-            <a:pPr indent="0" lvl="0" marL="0" rtl="0" algn="ctr">
-              <a:spcBef>
-                <a:spcPts val="0"/>
-              </a:spcBef>
-              <a:spcAft>
-                <a:spcPts val="0"/>
-              </a:spcAft>
-              <a:buNone/>
-            </a:pPr>
-            <a:r>
-              <a:rPr lang="en"/>
-              <a:t>Thank you! Any questions?</a:t>
+            <a:pPr indent="0" lvl="0" marL="0" rtl="0" algn="l">
+              <a:spcBef>
+                <a:spcPts val="0"/>
+              </a:spcBef>
+              <a:spcAft>
+                <a:spcPts val="0"/>
+              </a:spcAft>
+              <a:buNone/>
+            </a:pPr>
+            <a:r>
+              <a:rPr lang="en"/>
+              <a:t>Milestone: Mid-Project Review (Quality Gate)</a:t>
             </a:r>
             <a:endParaRPr/>
           </a:p>
@@ -16507,120 +16535,177 @@
       </p:sp>
       <p:sp>
         <p:nvSpPr>
-          <p:cNvPr id="328" name="Google Shape;328;p50"/>
+          <p:cNvPr id="326" name="Google Shape;326;p50"/>
           <p:cNvSpPr txBox="1"/>
           <p:nvPr>
-            <p:ph idx="1" type="subTitle"/>
-          </p:nvPr>
-        </p:nvSpPr>
-        <p:spPr>
-          <a:xfrm>
-            <a:off x="0" y="2569475"/>
-            <a:ext cx="9144000" cy="2574000"/>
+            <p:ph idx="1" type="body"/>
+          </p:nvPr>
+        </p:nvSpPr>
+        <p:spPr>
+          <a:xfrm>
+            <a:off x="274320" y="914400"/>
+            <a:ext cx="8595300" cy="4114800"/>
           </a:xfrm>
           <a:prstGeom prst="rect">
             <a:avLst/>
           </a:prstGeom>
         </p:spPr>
         <p:txBody>
-          <a:bodyPr anchorCtr="0" anchor="t" bIns="91425" lIns="91425" spcFirstLastPara="1" rIns="91425" wrap="square" tIns="274300">
+          <a:bodyPr anchorCtr="0" anchor="t" bIns="0" lIns="0" spcFirstLastPara="1" rIns="0" wrap="square" tIns="0">
             <a:noAutofit/>
           </a:bodyPr>
           <a:lstStyle/>
           <a:p>
-            <a:pPr indent="0" lvl="0" marL="0" rtl="0" algn="ctr">
-              <a:lnSpc>
-                <a:spcPct val="150000"/>
-              </a:lnSpc>
-              <a:spcBef>
-                <a:spcPts val="0"/>
-              </a:spcBef>
-              <a:spcAft>
-                <a:spcPts val="0"/>
-              </a:spcAft>
-              <a:buNone/>
-            </a:pPr>
-            <a:r>
-              <a:rPr lang="en" u="sng">
+            <a:pPr indent="0" lvl="0" marL="0" rtl="0" algn="l">
+              <a:spcBef>
+                <a:spcPts val="0"/>
+              </a:spcBef>
+              <a:spcAft>
+                <a:spcPts val="0"/>
+              </a:spcAft>
+              <a:buNone/>
+            </a:pPr>
+            <a:r>
+              <a:rPr lang="en"/>
+              <a:t>We expect you to demo your work</a:t>
+            </a:r>
+            <a:endParaRPr/>
+          </a:p>
+          <a:p>
+            <a:pPr indent="-342900" lvl="0" marL="457200" rtl="0" algn="l">
+              <a:spcBef>
+                <a:spcPts val="1200"/>
+              </a:spcBef>
+              <a:spcAft>
+                <a:spcPts val="0"/>
+              </a:spcAft>
+              <a:buSzPts val="1800"/>
+              <a:buChar char="●"/>
+            </a:pPr>
+            <a:r>
+              <a:rPr lang="en"/>
+              <a:t>One command to start the software for demoing purposes</a:t>
+            </a:r>
+            <a:endParaRPr/>
+          </a:p>
+          <a:p>
+            <a:pPr indent="-342900" lvl="0" marL="457200" rtl="0" algn="l">
+              <a:spcBef>
+                <a:spcPts val="0"/>
+              </a:spcBef>
+              <a:spcAft>
+                <a:spcPts val="0"/>
+              </a:spcAft>
+              <a:buSzPts val="1800"/>
+              <a:buChar char="●"/>
+            </a:pPr>
+            <a:r>
+              <a:rPr lang="en"/>
+              <a:t>Have a script for the most common use-case and demo it</a:t>
+            </a:r>
+            <a:endParaRPr/>
+          </a:p>
+          <a:p>
+            <a:pPr indent="-342900" lvl="0" marL="457200" rtl="0" algn="l">
+              <a:spcBef>
+                <a:spcPts val="0"/>
+              </a:spcBef>
+              <a:spcAft>
+                <a:spcPts val="0"/>
+              </a:spcAft>
+              <a:buSzPts val="1800"/>
+              <a:buChar char="●"/>
+            </a:pPr>
+            <a:r>
+              <a:rPr lang="en"/>
+              <a:t>We will call arbitrarily on people in the team to show this</a:t>
+            </a:r>
+            <a:endParaRPr/>
+          </a:p>
+          <a:p>
+            <a:pPr indent="0" lvl="0" marL="0" rtl="0" algn="l">
+              <a:spcBef>
+                <a:spcPts val="1200"/>
+              </a:spcBef>
+              <a:spcAft>
+                <a:spcPts val="1200"/>
+              </a:spcAft>
+              <a:buNone/>
+            </a:pPr>
+            <a:r>
+              <a:rPr lang="en"/>
+              <a:t>Feel free to coordinate with and learn from other teams</a:t>
+            </a:r>
+            <a:endParaRPr/>
+          </a:p>
+        </p:txBody>
+      </p:sp>
+      <p:sp>
+        <p:nvSpPr>
+          <p:cNvPr id="327" name="Google Shape;327;p50"/>
+          <p:cNvSpPr txBox="1"/>
+          <p:nvPr>
+            <p:ph idx="12" type="sldNum"/>
+          </p:nvPr>
+        </p:nvSpPr>
+        <p:spPr>
+          <a:xfrm>
+            <a:off x="7315202" y="4416550"/>
+            <a:ext cx="1828800" cy="731400"/>
+          </a:xfrm>
+          <a:prstGeom prst="rect">
+            <a:avLst/>
+          </a:prstGeom>
+        </p:spPr>
+        <p:txBody>
+          <a:bodyPr anchorCtr="0" anchor="b" bIns="91425" lIns="91425" spcFirstLastPara="1" rIns="91425" wrap="square" tIns="91425">
+            <a:noAutofit/>
+          </a:bodyPr>
+          <a:lstStyle/>
+          <a:p>
+            <a:pPr indent="0" lvl="0" marL="0" rtl="0" algn="r">
+              <a:spcBef>
+                <a:spcPts val="0"/>
+              </a:spcBef>
+              <a:spcAft>
+                <a:spcPts val="0"/>
+              </a:spcAft>
+              <a:buNone/>
+            </a:pPr>
+            <a:fld id="{00000000-1234-1234-1234-123412341234}" type="slidenum">
+              <a:rPr lang="en"/>
+              <a:t>‹#›</a:t>
+            </a:fld>
+            <a:endParaRPr/>
+          </a:p>
+          <a:p>
+            <a:pPr indent="0" lvl="0" marL="0" rtl="0" algn="r">
+              <a:spcBef>
+                <a:spcPts val="0"/>
+              </a:spcBef>
+              <a:spcAft>
+                <a:spcPts val="0"/>
+              </a:spcAft>
+              <a:buNone/>
+            </a:pPr>
+            <a:r>
+              <a:rPr b="0" lang="en" sz="900" u="sng">
                 <a:solidFill>
                   <a:schemeClr val="hlink"/>
                 </a:solidFill>
                 <a:hlinkClick r:id="rId3"/>
               </a:rPr>
-              <a:t>dirk.riehle@fau.de</a:t>
-            </a:r>
-            <a:r>
-              <a:rPr lang="en"/>
+              <a:t>https://profriehle.com</a:t>
+            </a:r>
+            <a:r>
+              <a:rPr b="0" lang="en" sz="900">
+                <a:solidFill>
+                  <a:schemeClr val="dk2"/>
+                </a:solidFill>
+              </a:rPr>
               <a:t> </a:t>
             </a:r>
-            <a:r>
-              <a:rPr lang="en" sz="2400"/>
-              <a:t>–</a:t>
-            </a:r>
-            <a:r>
-              <a:rPr lang="en"/>
-              <a:t> </a:t>
-            </a:r>
-            <a:r>
-              <a:rPr lang="en" u="sng">
-                <a:solidFill>
-                  <a:schemeClr val="hlink"/>
-                </a:solidFill>
-                <a:hlinkClick r:id="rId4"/>
-              </a:rPr>
-              <a:t>https://oss.cs.fau.de</a:t>
-            </a:r>
-            <a:endParaRPr/>
-          </a:p>
-          <a:p>
-            <a:pPr indent="0" lvl="0" marL="0" rtl="0" algn="ctr">
-              <a:lnSpc>
-                <a:spcPct val="150000"/>
-              </a:lnSpc>
-              <a:spcBef>
-                <a:spcPts val="0"/>
-              </a:spcBef>
-              <a:spcAft>
-                <a:spcPts val="0"/>
-              </a:spcAft>
-              <a:buNone/>
-            </a:pPr>
-            <a:r>
-              <a:rPr lang="en" sz="2400" u="sng">
-                <a:solidFill>
-                  <a:schemeClr val="hlink"/>
-                </a:solidFill>
-                <a:hlinkClick r:id="rId5"/>
-              </a:rPr>
-              <a:t>dirk@riehle.org</a:t>
-            </a:r>
-            <a:r>
-              <a:rPr lang="en" sz="2400"/>
-              <a:t> – </a:t>
-            </a:r>
-            <a:r>
-              <a:rPr lang="en" sz="2400" u="sng">
-                <a:solidFill>
-                  <a:schemeClr val="hlink"/>
-                </a:solidFill>
-                <a:hlinkClick r:id="rId6"/>
-              </a:rPr>
-              <a:t>https://dirkriehle.com</a:t>
-            </a:r>
-            <a:r>
-              <a:rPr lang="en" sz="2400"/>
-              <a:t> – </a:t>
-            </a:r>
-            <a:r>
-              <a:rPr lang="en" sz="2400" u="sng">
-                <a:solidFill>
-                  <a:schemeClr val="hlink"/>
-                </a:solidFill>
-                <a:hlinkClick r:id="rId7"/>
-              </a:rPr>
-              <a:t>@dirkriehle</a:t>
-            </a:r>
-            <a:endParaRPr sz="2400"/>
+            <a:endParaRPr/>
           </a:p>
         </p:txBody>
       </p:sp>
@@ -16637,7 +16722,7 @@
   <p:cSld>
     <p:spTree>
       <p:nvGrpSpPr>
-        <p:cNvPr id="332" name="Shape 332"/>
+        <p:cNvPr id="331" name="Shape 331"/>
         <p:cNvGrpSpPr/>
         <p:nvPr/>
       </p:nvGrpSpPr>
@@ -16651,7 +16736,7 @@
       </p:grpSpPr>
       <p:sp>
         <p:nvSpPr>
-          <p:cNvPr id="333" name="Google Shape;333;p51"/>
+          <p:cNvPr id="332" name="Google Shape;332;p51"/>
           <p:cNvSpPr txBox="1"/>
           <p:nvPr>
             <p:ph type="title"/>
@@ -16683,7 +16768,148 @@
             </a:pPr>
             <a:r>
               <a:rPr lang="en"/>
-              <a:t>Legal Notices</a:t>
+              <a:t>Summary</a:t>
+            </a:r>
+            <a:endParaRPr/>
+          </a:p>
+        </p:txBody>
+      </p:sp>
+      <p:sp>
+        <p:nvSpPr>
+          <p:cNvPr id="333" name="Google Shape;333;p51"/>
+          <p:cNvSpPr txBox="1"/>
+          <p:nvPr>
+            <p:ph idx="1" type="body"/>
+          </p:nvPr>
+        </p:nvSpPr>
+        <p:spPr>
+          <a:xfrm>
+            <a:off x="274320" y="914400"/>
+            <a:ext cx="8595300" cy="4114800"/>
+          </a:xfrm>
+          <a:prstGeom prst="rect">
+            <a:avLst/>
+          </a:prstGeom>
+        </p:spPr>
+        <p:txBody>
+          <a:bodyPr anchorCtr="0" anchor="t" bIns="0" lIns="0" spcFirstLastPara="1" rIns="0" wrap="square" tIns="0">
+            <a:noAutofit/>
+          </a:bodyPr>
+          <a:lstStyle/>
+          <a:p>
+            <a:pPr indent="-342900" lvl="0" marL="457200" rtl="0" algn="l">
+              <a:spcBef>
+                <a:spcPts val="0"/>
+              </a:spcBef>
+              <a:spcAft>
+                <a:spcPts val="0"/>
+              </a:spcAft>
+              <a:buSzPts val="1800"/>
+              <a:buAutoNum type="arabicPeriod"/>
+            </a:pPr>
+            <a:r>
+              <a:rPr lang="en"/>
+              <a:t>Agile programming</a:t>
+            </a:r>
+            <a:endParaRPr/>
+          </a:p>
+          <a:p>
+            <a:pPr indent="-342900" lvl="0" marL="457200" rtl="0" algn="l">
+              <a:spcBef>
+                <a:spcPts val="0"/>
+              </a:spcBef>
+              <a:spcAft>
+                <a:spcPts val="0"/>
+              </a:spcAft>
+              <a:buSzPts val="1800"/>
+              <a:buAutoNum type="arabicPeriod"/>
+            </a:pPr>
+            <a:r>
+              <a:rPr lang="en"/>
+              <a:t>Refactoring</a:t>
+            </a:r>
+            <a:endParaRPr/>
+          </a:p>
+          <a:p>
+            <a:pPr indent="-342900" lvl="0" marL="457200" rtl="0" algn="l">
+              <a:spcBef>
+                <a:spcPts val="0"/>
+              </a:spcBef>
+              <a:spcAft>
+                <a:spcPts val="0"/>
+              </a:spcAft>
+              <a:buSzPts val="1800"/>
+              <a:buAutoNum type="arabicPeriod"/>
+            </a:pPr>
+            <a:r>
+              <a:rPr lang="en"/>
+              <a:t>Test-driven development</a:t>
+            </a:r>
+            <a:endParaRPr/>
+          </a:p>
+          <a:p>
+            <a:pPr indent="-342900" lvl="0" marL="457200" rtl="0" algn="l">
+              <a:spcBef>
+                <a:spcPts val="0"/>
+              </a:spcBef>
+              <a:spcAft>
+                <a:spcPts val="0"/>
+              </a:spcAft>
+              <a:buSzPts val="1800"/>
+              <a:buAutoNum type="arabicPeriod"/>
+            </a:pPr>
+            <a:r>
+              <a:rPr lang="en"/>
+              <a:t>Code review</a:t>
+            </a:r>
+            <a:endParaRPr/>
+          </a:p>
+          <a:p>
+            <a:pPr indent="-342900" lvl="0" marL="457200" rtl="0" algn="l">
+              <a:spcBef>
+                <a:spcPts val="0"/>
+              </a:spcBef>
+              <a:spcAft>
+                <a:spcPts val="0"/>
+              </a:spcAft>
+              <a:buSzPts val="1800"/>
+              <a:buAutoNum type="arabicPeriod"/>
+            </a:pPr>
+            <a:r>
+              <a:rPr lang="en"/>
+              <a:t>Build processes</a:t>
+            </a:r>
+            <a:endParaRPr/>
+          </a:p>
+          <a:p>
+            <a:pPr indent="-342900" lvl="0" marL="457200" rtl="0" algn="l">
+              <a:spcBef>
+                <a:spcPts val="0"/>
+              </a:spcBef>
+              <a:spcAft>
+                <a:spcPts val="0"/>
+              </a:spcAft>
+              <a:buSzPts val="1800"/>
+              <a:buAutoNum type="arabicPeriod"/>
+            </a:pPr>
+            <a:r>
+              <a:rPr lang="en"/>
+              <a:t>Mid-project review</a:t>
+            </a:r>
+            <a:endParaRPr/>
+          </a:p>
+          <a:p>
+            <a:pPr indent="0" lvl="0" marL="0" rtl="0" algn="l">
+              <a:spcBef>
+                <a:spcPts val="1200"/>
+              </a:spcBef>
+              <a:spcAft>
+                <a:spcPts val="1200"/>
+              </a:spcAft>
+              <a:buNone/>
+            </a:pPr>
+            <a:r>
+              <a:t/>
             </a:r>
             <a:endParaRPr/>
           </a:p>
@@ -16747,6 +16973,324 @@
               <a:t>https://profriehle.com</a:t>
             </a:r>
             <a:r>
+              <a:rPr b="0" lang="en" sz="900">
+                <a:solidFill>
+                  <a:schemeClr val="dk2"/>
+                </a:solidFill>
+              </a:rPr>
+              <a:t> </a:t>
+            </a:r>
+            <a:endParaRPr/>
+          </a:p>
+        </p:txBody>
+      </p:sp>
+    </p:spTree>
+  </p:cSld>
+  <p:clrMapOvr>
+    <a:masterClrMapping/>
+  </p:clrMapOvr>
+</p:sld>
+</file>
+
+<file path=ppt/slides/slide45.xml><?xml version="1.0" encoding="utf-8"?>
+<p:sld xmlns:a="http://schemas.openxmlformats.org/drawingml/2006/main" xmlns:r="http://schemas.openxmlformats.org/officeDocument/2006/relationships" xmlns:mc="http://schemas.openxmlformats.org/markup-compatibility/2006" xmlns:mv="urn:schemas-microsoft-com:mac:vml" xmlns:p="http://schemas.openxmlformats.org/presentationml/2006/main" xmlns:c="http://schemas.openxmlformats.org/drawingml/2006/chart" xmlns:dgm="http://schemas.openxmlformats.org/drawingml/2006/diagram" xmlns:o="urn:schemas-microsoft-com:office:office" xmlns:v="urn:schemas-microsoft-com:vml" xmlns:pvml="urn:schemas-microsoft-com:office:powerpoint" xmlns:com="http://schemas.openxmlformats.org/drawingml/2006/compatibility" xmlns:p14="http://schemas.microsoft.com/office/powerpoint/2010/main" xmlns:p15="http://schemas.microsoft.com/office/powerpoint/2012/main" xmlns:ahyp="http://schemas.microsoft.com/office/drawing/2018/hyperlinkcolor">
+  <p:cSld>
+    <p:spTree>
+      <p:nvGrpSpPr>
+        <p:cNvPr id="338" name="Shape 338"/>
+        <p:cNvGrpSpPr/>
+        <p:nvPr/>
+      </p:nvGrpSpPr>
+      <p:grpSpPr>
+        <a:xfrm>
+          <a:off x="0" y="0"/>
+          <a:ext cx="0" cy="0"/>
+          <a:chOff x="0" y="0"/>
+          <a:chExt cx="0" cy="0"/>
+        </a:xfrm>
+      </p:grpSpPr>
+      <p:sp>
+        <p:nvSpPr>
+          <p:cNvPr id="339" name="Google Shape;339;p52"/>
+          <p:cNvSpPr txBox="1"/>
+          <p:nvPr>
+            <p:ph type="ctrTitle"/>
+          </p:nvPr>
+        </p:nvSpPr>
+        <p:spPr>
+          <a:xfrm>
+            <a:off x="0" y="0"/>
+            <a:ext cx="9144000" cy="2388900"/>
+          </a:xfrm>
+          <a:prstGeom prst="rect">
+            <a:avLst/>
+          </a:prstGeom>
+        </p:spPr>
+        <p:txBody>
+          <a:bodyPr anchorCtr="0" anchor="b" bIns="274300" lIns="91425" spcFirstLastPara="1" rIns="91425" wrap="square" tIns="91425">
+            <a:noAutofit/>
+          </a:bodyPr>
+          <a:lstStyle/>
+          <a:p>
+            <a:pPr indent="0" lvl="0" marL="0" rtl="0" algn="ctr">
+              <a:spcBef>
+                <a:spcPts val="0"/>
+              </a:spcBef>
+              <a:spcAft>
+                <a:spcPts val="0"/>
+              </a:spcAft>
+              <a:buNone/>
+            </a:pPr>
+            <a:r>
+              <a:rPr lang="en"/>
+              <a:t>Thank you! Any questions?</a:t>
+            </a:r>
+            <a:endParaRPr/>
+          </a:p>
+        </p:txBody>
+      </p:sp>
+      <p:sp>
+        <p:nvSpPr>
+          <p:cNvPr id="340" name="Google Shape;340;p52"/>
+          <p:cNvSpPr txBox="1"/>
+          <p:nvPr>
+            <p:ph idx="1" type="subTitle"/>
+          </p:nvPr>
+        </p:nvSpPr>
+        <p:spPr>
+          <a:xfrm>
+            <a:off x="0" y="2569475"/>
+            <a:ext cx="9144000" cy="2574000"/>
+          </a:xfrm>
+          <a:prstGeom prst="rect">
+            <a:avLst/>
+          </a:prstGeom>
+        </p:spPr>
+        <p:txBody>
+          <a:bodyPr anchorCtr="0" anchor="t" bIns="91425" lIns="91425" spcFirstLastPara="1" rIns="91425" wrap="square" tIns="274300">
+            <a:noAutofit/>
+          </a:bodyPr>
+          <a:lstStyle/>
+          <a:p>
+            <a:pPr indent="0" lvl="0" marL="0" rtl="0" algn="ctr">
+              <a:lnSpc>
+                <a:spcPct val="150000"/>
+              </a:lnSpc>
+              <a:spcBef>
+                <a:spcPts val="0"/>
+              </a:spcBef>
+              <a:spcAft>
+                <a:spcPts val="0"/>
+              </a:spcAft>
+              <a:buNone/>
+            </a:pPr>
+            <a:r>
+              <a:rPr lang="en" u="sng">
+                <a:solidFill>
+                  <a:schemeClr val="hlink"/>
+                </a:solidFill>
+                <a:hlinkClick r:id="rId3"/>
+              </a:rPr>
+              <a:t>dirk.riehle@fau.de</a:t>
+            </a:r>
+            <a:r>
+              <a:rPr lang="en"/>
+              <a:t> </a:t>
+            </a:r>
+            <a:r>
+              <a:rPr lang="en" sz="2400"/>
+              <a:t>–</a:t>
+            </a:r>
+            <a:r>
+              <a:rPr lang="en"/>
+              <a:t> </a:t>
+            </a:r>
+            <a:r>
+              <a:rPr lang="en" u="sng">
+                <a:solidFill>
+                  <a:schemeClr val="hlink"/>
+                </a:solidFill>
+                <a:hlinkClick r:id="rId4"/>
+              </a:rPr>
+              <a:t>https://oss.cs.fau.de</a:t>
+            </a:r>
+            <a:endParaRPr/>
+          </a:p>
+          <a:p>
+            <a:pPr indent="0" lvl="0" marL="0" rtl="0" algn="ctr">
+              <a:lnSpc>
+                <a:spcPct val="150000"/>
+              </a:lnSpc>
+              <a:spcBef>
+                <a:spcPts val="0"/>
+              </a:spcBef>
+              <a:spcAft>
+                <a:spcPts val="0"/>
+              </a:spcAft>
+              <a:buNone/>
+            </a:pPr>
+            <a:r>
+              <a:rPr lang="en" sz="2400" u="sng">
+                <a:solidFill>
+                  <a:schemeClr val="hlink"/>
+                </a:solidFill>
+                <a:hlinkClick r:id="rId5"/>
+              </a:rPr>
+              <a:t>dirk@riehle.org</a:t>
+            </a:r>
+            <a:r>
+              <a:rPr lang="en" sz="2400"/>
+              <a:t> – </a:t>
+            </a:r>
+            <a:r>
+              <a:rPr lang="en" sz="2400" u="sng">
+                <a:solidFill>
+                  <a:schemeClr val="hlink"/>
+                </a:solidFill>
+                <a:hlinkClick r:id="rId6"/>
+              </a:rPr>
+              <a:t>https://dirkriehle.com</a:t>
+            </a:r>
+            <a:r>
+              <a:rPr lang="en" sz="2400"/>
+              <a:t> – </a:t>
+            </a:r>
+            <a:r>
+              <a:rPr lang="en" sz="2400" u="sng">
+                <a:solidFill>
+                  <a:schemeClr val="hlink"/>
+                </a:solidFill>
+                <a:hlinkClick r:id="rId7"/>
+              </a:rPr>
+              <a:t>@dirkriehle</a:t>
+            </a:r>
+            <a:endParaRPr sz="2400"/>
+          </a:p>
+        </p:txBody>
+      </p:sp>
+    </p:spTree>
+  </p:cSld>
+  <p:clrMapOvr>
+    <a:masterClrMapping/>
+  </p:clrMapOvr>
+</p:sld>
+</file>
+
+<file path=ppt/slides/slide46.xml><?xml version="1.0" encoding="utf-8"?>
+<p:sld xmlns:a="http://schemas.openxmlformats.org/drawingml/2006/main" xmlns:r="http://schemas.openxmlformats.org/officeDocument/2006/relationships" xmlns:mc="http://schemas.openxmlformats.org/markup-compatibility/2006" xmlns:mv="urn:schemas-microsoft-com:mac:vml" xmlns:p="http://schemas.openxmlformats.org/presentationml/2006/main" xmlns:c="http://schemas.openxmlformats.org/drawingml/2006/chart" xmlns:dgm="http://schemas.openxmlformats.org/drawingml/2006/diagram" xmlns:o="urn:schemas-microsoft-com:office:office" xmlns:v="urn:schemas-microsoft-com:vml" xmlns:pvml="urn:schemas-microsoft-com:office:powerpoint" xmlns:com="http://schemas.openxmlformats.org/drawingml/2006/compatibility" xmlns:p14="http://schemas.microsoft.com/office/powerpoint/2010/main" xmlns:p15="http://schemas.microsoft.com/office/powerpoint/2012/main" xmlns:ahyp="http://schemas.microsoft.com/office/drawing/2018/hyperlinkcolor">
+  <p:cSld>
+    <p:spTree>
+      <p:nvGrpSpPr>
+        <p:cNvPr id="344" name="Shape 344"/>
+        <p:cNvGrpSpPr/>
+        <p:nvPr/>
+      </p:nvGrpSpPr>
+      <p:grpSpPr>
+        <a:xfrm>
+          <a:off x="0" y="0"/>
+          <a:ext cx="0" cy="0"/>
+          <a:chOff x="0" y="0"/>
+          <a:chExt cx="0" cy="0"/>
+        </a:xfrm>
+      </p:grpSpPr>
+      <p:sp>
+        <p:nvSpPr>
+          <p:cNvPr id="345" name="Google Shape;345;p53"/>
+          <p:cNvSpPr txBox="1"/>
+          <p:nvPr>
+            <p:ph type="title"/>
+          </p:nvPr>
+        </p:nvSpPr>
+        <p:spPr>
+          <a:xfrm>
+            <a:off x="0" y="0"/>
+            <a:ext cx="9144000" cy="685800"/>
+          </a:xfrm>
+          <a:prstGeom prst="rect">
+            <a:avLst/>
+          </a:prstGeom>
+        </p:spPr>
+        <p:txBody>
+          <a:bodyPr anchorCtr="0" anchor="ctr" bIns="91425" lIns="274300" spcFirstLastPara="1" rIns="91425" wrap="square" tIns="91425">
+            <a:noAutofit/>
+          </a:bodyPr>
+          <a:lstStyle/>
+          <a:p>
+            <a:pPr indent="0" lvl="0" marL="0" rtl="0" algn="l">
+              <a:spcBef>
+                <a:spcPts val="0"/>
+              </a:spcBef>
+              <a:spcAft>
+                <a:spcPts val="0"/>
+              </a:spcAft>
+              <a:buNone/>
+            </a:pPr>
+            <a:r>
+              <a:rPr lang="en"/>
+              <a:t>Legal Notices</a:t>
+            </a:r>
+            <a:endParaRPr/>
+          </a:p>
+        </p:txBody>
+      </p:sp>
+      <p:sp>
+        <p:nvSpPr>
+          <p:cNvPr id="346" name="Google Shape;346;p53"/>
+          <p:cNvSpPr txBox="1"/>
+          <p:nvPr>
+            <p:ph idx="12" type="sldNum"/>
+          </p:nvPr>
+        </p:nvSpPr>
+        <p:spPr>
+          <a:xfrm>
+            <a:off x="7315202" y="4416550"/>
+            <a:ext cx="1828800" cy="731400"/>
+          </a:xfrm>
+          <a:prstGeom prst="rect">
+            <a:avLst/>
+          </a:prstGeom>
+        </p:spPr>
+        <p:txBody>
+          <a:bodyPr anchorCtr="0" anchor="b" bIns="91425" lIns="91425" spcFirstLastPara="1" rIns="91425" wrap="square" tIns="91425">
+            <a:noAutofit/>
+          </a:bodyPr>
+          <a:lstStyle/>
+          <a:p>
+            <a:pPr indent="0" lvl="0" marL="0" rtl="0" algn="r">
+              <a:spcBef>
+                <a:spcPts val="0"/>
+              </a:spcBef>
+              <a:spcAft>
+                <a:spcPts val="0"/>
+              </a:spcAft>
+              <a:buNone/>
+            </a:pPr>
+            <a:fld id="{00000000-1234-1234-1234-123412341234}" type="slidenum">
+              <a:rPr lang="en"/>
+              <a:t>‹#›</a:t>
+            </a:fld>
+            <a:endParaRPr/>
+          </a:p>
+          <a:p>
+            <a:pPr indent="0" lvl="0" marL="0" rtl="0" algn="r">
+              <a:spcBef>
+                <a:spcPts val="0"/>
+              </a:spcBef>
+              <a:spcAft>
+                <a:spcPts val="0"/>
+              </a:spcAft>
+              <a:buNone/>
+            </a:pPr>
+            <a:r>
+              <a:rPr b="0" lang="en" sz="900" u="sng">
+                <a:solidFill>
+                  <a:schemeClr val="hlink"/>
+                </a:solidFill>
+                <a:hlinkClick r:id="rId3"/>
+              </a:rPr>
+              <a:t>https://profriehle.com</a:t>
+            </a:r>
+            <a:r>
               <a:rPr b="0" lang="en" sz="900"/>
               <a:t> </a:t>
             </a:r>
@@ -16756,7 +17300,7 @@
       </p:sp>
       <p:sp>
         <p:nvSpPr>
-          <p:cNvPr id="335" name="Google Shape;335;p51"/>
+          <p:cNvPr id="347" name="Google Shape;347;p53"/>
           <p:cNvSpPr txBox="1"/>
           <p:nvPr>
             <p:ph idx="1" type="body"/>
@@ -17769,7 +18313,7 @@
             <a:tbl>
               <a:tblPr>
                 <a:noFill/>
-                <a:tableStyleId>{0BFAB277-7C6F-4FAA-B799-585F20D424B8}</a:tableStyleId>
+                <a:tableStyleId>{BCFAE0F4-7B9A-4860-8BD1-7D6DF1BBBD74}</a:tableStyleId>
               </a:tblPr>
               <a:tblGrid>
                 <a:gridCol w="2865125"/>
@@ -19149,6 +19693,285 @@
 </file>
 
 <file path=ppt/theme/theme1.xml><?xml version="1.0" encoding="utf-8"?>
+<a:theme xmlns:a="http://schemas.openxmlformats.org/drawingml/2006/main" xmlns:r="http://schemas.openxmlformats.org/officeDocument/2006/relationships">
+  <a:themeElements>
+    <a:clrScheme name="Default">
+      <a:dk1>
+        <a:srgbClr val="000000"/>
+      </a:dk1>
+      <a:lt1>
+        <a:srgbClr val="FFFFFF"/>
+      </a:lt1>
+      <a:dk2>
+        <a:srgbClr val="158158"/>
+      </a:dk2>
+      <a:lt2>
+        <a:srgbClr val="F3F3F3"/>
+      </a:lt2>
+      <a:accent1>
+        <a:srgbClr val="058DC7"/>
+      </a:accent1>
+      <a:accent2>
+        <a:srgbClr val="50B432"/>
+      </a:accent2>
+      <a:accent3>
+        <a:srgbClr val="ED561B"/>
+      </a:accent3>
+      <a:accent4>
+        <a:srgbClr val="EDEF00"/>
+      </a:accent4>
+      <a:accent5>
+        <a:srgbClr val="24CBE5"/>
+      </a:accent5>
+      <a:accent6>
+        <a:srgbClr val="64E572"/>
+      </a:accent6>
+      <a:hlink>
+        <a:srgbClr val="2200CC"/>
+      </a:hlink>
+      <a:folHlink>
+        <a:srgbClr val="551A8B"/>
+      </a:folHlink>
+    </a:clrScheme>
+    <a:fontScheme name="Office">
+      <a:majorFont>
+        <a:latin typeface="Arial"/>
+        <a:ea typeface=""/>
+        <a:cs typeface=""/>
+        <a:font script="Jpan" typeface="ＭＳ Ｐゴシック"/>
+        <a:font script="Hang" typeface="맑은 고딕"/>
+        <a:font script="Hans" typeface="宋体"/>
+        <a:font script="Hant" typeface="新細明體"/>
+        <a:font script="Arab" typeface="Times New Roman"/>
+        <a:font script="Hebr" typeface="Times New Roman"/>
+        <a:font script="Thai" typeface="Angsana New"/>
+        <a:font script="Ethi" typeface="Nyala"/>
+        <a:font script="Beng" typeface="Vrinda"/>
+        <a:font script="Gujr" typeface="Shruti"/>
+        <a:font script="Khmr" typeface="MoolBoran"/>
+        <a:font script="Knda" typeface="Tunga"/>
+        <a:font script="Guru" typeface="Raavi"/>
+        <a:font script="Cans" typeface="Euphemia"/>
+        <a:font script="Cher" typeface="Plantagenet Cherokee"/>
+        <a:font script="Yiii" typeface="Microsoft Yi Baiti"/>
+        <a:font script="Tibt" typeface="Microsoft Himalaya"/>
+        <a:font script="Thaa" typeface="MV Boli"/>
+        <a:font script="Deva" typeface="Mangal"/>
+        <a:font script="Telu" typeface="Gautami"/>
+        <a:font script="Taml" typeface="Latha"/>
+        <a:font script="Syrc" typeface="Estrangelo Edessa"/>
+        <a:font script="Orya" typeface="Kalinga"/>
+        <a:font script="Mlym" typeface="Kartika"/>
+        <a:font script="Laoo" typeface="DokChampa"/>
+        <a:font script="Sinh" typeface="Iskoola Pota"/>
+        <a:font script="Mong" typeface="Mongolian Baiti"/>
+        <a:font script="Viet" typeface="Times New Roman"/>
+        <a:font script="Uigh" typeface="Microsoft Uighur"/>
+        <a:font script="Geor" typeface="Sylfaen"/>
+      </a:majorFont>
+      <a:minorFont>
+        <a:latin typeface="Arial"/>
+        <a:ea typeface=""/>
+        <a:cs typeface=""/>
+        <a:font script="Jpan" typeface="ＭＳ Ｐゴシック"/>
+        <a:font script="Hang" typeface="맑은 고딕"/>
+        <a:font script="Hans" typeface="宋体"/>
+        <a:font script="Hant" typeface="新細明體"/>
+        <a:font script="Arab" typeface="Arial"/>
+        <a:font script="Hebr" typeface="Arial"/>
+        <a:font script="Thai" typeface="Cordia New"/>
+        <a:font script="Ethi" typeface="Nyala"/>
+        <a:font script="Beng" typeface="Vrinda"/>
+        <a:font script="Gujr" typeface="Shruti"/>
+        <a:font script="Khmr" typeface="DaunPenh"/>
+        <a:font script="Knda" typeface="Tunga"/>
+        <a:font script="Guru" typeface="Raavi"/>
+        <a:font script="Cans" typeface="Euphemia"/>
+        <a:font script="Cher" typeface="Plantagenet Cherokee"/>
+        <a:font script="Yiii" typeface="Microsoft Yi Baiti"/>
+        <a:font script="Tibt" typeface="Microsoft Himalaya"/>
+        <a:font script="Thaa" typeface="MV Boli"/>
+        <a:font script="Deva" typeface="Mangal"/>
+        <a:font script="Telu" typeface="Gautami"/>
+        <a:font script="Taml" typeface="Latha"/>
+        <a:font script="Syrc" typeface="Estrangelo Edessa"/>
+        <a:font script="Orya" typeface="Kalinga"/>
+        <a:font script="Mlym" typeface="Kartika"/>
+        <a:font script="Laoo" typeface="DokChampa"/>
+        <a:font script="Sinh" typeface="Iskoola Pota"/>
+        <a:font script="Mong" typeface="Mongolian Baiti"/>
+        <a:font script="Viet" typeface="Arial"/>
+        <a:font script="Uigh" typeface="Microsoft Uighur"/>
+        <a:font script="Geor" typeface="Sylfaen"/>
+      </a:minorFont>
+    </a:fontScheme>
+    <a:fmtScheme name="Office">
+      <a:fillStyleLst>
+        <a:solidFill>
+          <a:schemeClr val="phClr"/>
+        </a:solidFill>
+        <a:gradFill rotWithShape="1">
+          <a:gsLst>
+            <a:gs pos="0">
+              <a:schemeClr val="phClr">
+                <a:tint val="50000"/>
+                <a:satMod val="300000"/>
+              </a:schemeClr>
+            </a:gs>
+            <a:gs pos="35000">
+              <a:schemeClr val="phClr">
+                <a:tint val="37000"/>
+                <a:satMod val="300000"/>
+              </a:schemeClr>
+            </a:gs>
+            <a:gs pos="100000">
+              <a:schemeClr val="phClr">
+                <a:tint val="15000"/>
+                <a:satMod val="350000"/>
+              </a:schemeClr>
+            </a:gs>
+          </a:gsLst>
+          <a:lin ang="16200000" scaled="1"/>
+        </a:gradFill>
+        <a:gradFill rotWithShape="1">
+          <a:gsLst>
+            <a:gs pos="0">
+              <a:schemeClr val="phClr">
+                <a:tint val="100000"/>
+                <a:shade val="100000"/>
+                <a:satMod val="130000"/>
+              </a:schemeClr>
+            </a:gs>
+            <a:gs pos="100000">
+              <a:schemeClr val="phClr">
+                <a:tint val="50000"/>
+                <a:shade val="100000"/>
+                <a:satMod val="350000"/>
+              </a:schemeClr>
+            </a:gs>
+          </a:gsLst>
+          <a:lin ang="16200000" scaled="0"/>
+        </a:gradFill>
+      </a:fillStyleLst>
+      <a:lnStyleLst>
+        <a:ln w="9525" cap="flat" cmpd="sng" algn="ctr">
+          <a:solidFill>
+            <a:schemeClr val="phClr">
+              <a:shade val="95000"/>
+              <a:satMod val="105000"/>
+            </a:schemeClr>
+          </a:solidFill>
+          <a:prstDash val="solid"/>
+        </a:ln>
+        <a:ln w="25400" cap="flat" cmpd="sng" algn="ctr">
+          <a:solidFill>
+            <a:schemeClr val="phClr"/>
+          </a:solidFill>
+          <a:prstDash val="solid"/>
+        </a:ln>
+        <a:ln w="38100" cap="flat" cmpd="sng" algn="ctr">
+          <a:solidFill>
+            <a:schemeClr val="phClr"/>
+          </a:solidFill>
+          <a:prstDash val="solid"/>
+        </a:ln>
+      </a:lnStyleLst>
+      <a:effectStyleLst>
+        <a:effectStyle>
+          <a:effectLst>
+            <a:outerShdw blurRad="40000" dist="20000" dir="5400000" rotWithShape="0">
+              <a:srgbClr val="000000">
+                <a:alpha val="38000"/>
+              </a:srgbClr>
+            </a:outerShdw>
+          </a:effectLst>
+        </a:effectStyle>
+        <a:effectStyle>
+          <a:effectLst>
+            <a:outerShdw blurRad="40000" dist="23000" dir="5400000" rotWithShape="0">
+              <a:srgbClr val="000000">
+                <a:alpha val="35000"/>
+              </a:srgbClr>
+            </a:outerShdw>
+          </a:effectLst>
+        </a:effectStyle>
+        <a:effectStyle>
+          <a:effectLst>
+            <a:outerShdw blurRad="40000" dist="23000" dir="5400000" rotWithShape="0">
+              <a:srgbClr val="000000">
+                <a:alpha val="35000"/>
+              </a:srgbClr>
+            </a:outerShdw>
+          </a:effectLst>
+          <a:scene3d>
+            <a:camera prst="orthographicFront">
+              <a:rot lat="0" lon="0" rev="0"/>
+            </a:camera>
+            <a:lightRig rig="threePt" dir="t">
+              <a:rot lat="0" lon="0" rev="1200000"/>
+            </a:lightRig>
+          </a:scene3d>
+          <a:sp3d>
+            <a:bevelT w="63500" h="25400"/>
+          </a:sp3d>
+        </a:effectStyle>
+      </a:effectStyleLst>
+      <a:bgFillStyleLst>
+        <a:solidFill>
+          <a:schemeClr val="phClr"/>
+        </a:solidFill>
+        <a:gradFill rotWithShape="1">
+          <a:gsLst>
+            <a:gs pos="0">
+              <a:schemeClr val="phClr">
+                <a:tint val="40000"/>
+                <a:satMod val="350000"/>
+              </a:schemeClr>
+            </a:gs>
+            <a:gs pos="40000">
+              <a:schemeClr val="phClr">
+                <a:tint val="45000"/>
+                <a:shade val="99000"/>
+                <a:satMod val="350000"/>
+              </a:schemeClr>
+            </a:gs>
+            <a:gs pos="100000">
+              <a:schemeClr val="phClr">
+                <a:shade val="20000"/>
+                <a:satMod val="255000"/>
+              </a:schemeClr>
+            </a:gs>
+          </a:gsLst>
+          <a:path path="circle">
+            <a:fillToRect l="50000" t="-80000" r="50000" b="180000"/>
+          </a:path>
+        </a:gradFill>
+        <a:gradFill rotWithShape="1">
+          <a:gsLst>
+            <a:gs pos="0">
+              <a:schemeClr val="phClr">
+                <a:tint val="80000"/>
+                <a:satMod val="300000"/>
+              </a:schemeClr>
+            </a:gs>
+            <a:gs pos="100000">
+              <a:schemeClr val="phClr">
+                <a:shade val="30000"/>
+                <a:satMod val="200000"/>
+              </a:schemeClr>
+            </a:gs>
+          </a:gsLst>
+          <a:path path="circle">
+            <a:fillToRect l="50000" t="50000" r="50000" b="50000"/>
+          </a:path>
+        </a:gradFill>
+      </a:bgFillStyleLst>
+    </a:fmtScheme>
+  </a:themeElements>
+</a:theme>
+</file>
+
+<file path=ppt/theme/theme2.xml><?xml version="1.0" encoding="utf-8"?>
 <a:theme xmlns:a="http://schemas.openxmlformats.org/drawingml/2006/main" xmlns:r="http://schemas.openxmlformats.org/officeDocument/2006/relationships" name="AMOS Slides Template">
   <a:themeElements>
     <a:clrScheme name="Simple Light">
@@ -19425,283 +20248,4 @@
     </a:fmtScheme>
   </a:themeElements>
 </a:theme>
-</file>
-
-<file path=ppt/theme/theme2.xml><?xml version="1.0" encoding="utf-8"?>
-<a:theme xmlns:a="http://schemas.openxmlformats.org/drawingml/2006/main" xmlns:r="http://schemas.openxmlformats.org/officeDocument/2006/relationships">
-  <a:themeElements>
-    <a:clrScheme name="Default">
-      <a:dk1>
-        <a:srgbClr val="000000"/>
-      </a:dk1>
-      <a:lt1>
-        <a:srgbClr val="FFFFFF"/>
-      </a:lt1>
-      <a:dk2>
-        <a:srgbClr val="158158"/>
-      </a:dk2>
-      <a:lt2>
-        <a:srgbClr val="F3F3F3"/>
-      </a:lt2>
-      <a:accent1>
-        <a:srgbClr val="058DC7"/>
-      </a:accent1>
-      <a:accent2>
-        <a:srgbClr val="50B432"/>
-      </a:accent2>
-      <a:accent3>
-        <a:srgbClr val="ED561B"/>
-      </a:accent3>
-      <a:accent4>
-        <a:srgbClr val="EDEF00"/>
-      </a:accent4>
-      <a:accent5>
-        <a:srgbClr val="24CBE5"/>
-      </a:accent5>
-      <a:accent6>
-        <a:srgbClr val="64E572"/>
-      </a:accent6>
-      <a:hlink>
-        <a:srgbClr val="2200CC"/>
-      </a:hlink>
-      <a:folHlink>
-        <a:srgbClr val="551A8B"/>
-      </a:folHlink>
-    </a:clrScheme>
-    <a:fontScheme name="Office">
-      <a:majorFont>
-        <a:latin typeface="Arial"/>
-        <a:ea typeface=""/>
-        <a:cs typeface=""/>
-        <a:font script="Jpan" typeface="ＭＳ Ｐゴシック"/>
-        <a:font script="Hang" typeface="맑은 고딕"/>
-        <a:font script="Hans" typeface="宋体"/>
-        <a:font script="Hant" typeface="新細明體"/>
-        <a:font script="Arab" typeface="Times New Roman"/>
-        <a:font script="Hebr" typeface="Times New Roman"/>
-        <a:font script="Thai" typeface="Angsana New"/>
-        <a:font script="Ethi" typeface="Nyala"/>
-        <a:font script="Beng" typeface="Vrinda"/>
-        <a:font script="Gujr" typeface="Shruti"/>
-        <a:font script="Khmr" typeface="MoolBoran"/>
-        <a:font script="Knda" typeface="Tunga"/>
-        <a:font script="Guru" typeface="Raavi"/>
-        <a:font script="Cans" typeface="Euphemia"/>
-        <a:font script="Cher" typeface="Plantagenet Cherokee"/>
-        <a:font script="Yiii" typeface="Microsoft Yi Baiti"/>
-        <a:font script="Tibt" typeface="Microsoft Himalaya"/>
-        <a:font script="Thaa" typeface="MV Boli"/>
-        <a:font script="Deva" typeface="Mangal"/>
-        <a:font script="Telu" typeface="Gautami"/>
-        <a:font script="Taml" typeface="Latha"/>
-        <a:font script="Syrc" typeface="Estrangelo Edessa"/>
-        <a:font script="Orya" typeface="Kalinga"/>
-        <a:font script="Mlym" typeface="Kartika"/>
-        <a:font script="Laoo" typeface="DokChampa"/>
-        <a:font script="Sinh" typeface="Iskoola Pota"/>
-        <a:font script="Mong" typeface="Mongolian Baiti"/>
-        <a:font script="Viet" typeface="Times New Roman"/>
-        <a:font script="Uigh" typeface="Microsoft Uighur"/>
-        <a:font script="Geor" typeface="Sylfaen"/>
-      </a:majorFont>
-      <a:minorFont>
-        <a:latin typeface="Arial"/>
-        <a:ea typeface=""/>
-        <a:cs typeface=""/>
-        <a:font script="Jpan" typeface="ＭＳ Ｐゴシック"/>
-        <a:font script="Hang" typeface="맑은 고딕"/>
-        <a:font script="Hans" typeface="宋体"/>
-        <a:font script="Hant" typeface="新細明體"/>
-        <a:font script="Arab" typeface="Arial"/>
-        <a:font script="Hebr" typeface="Arial"/>
-        <a:font script="Thai" typeface="Cordia New"/>
-        <a:font script="Ethi" typeface="Nyala"/>
-        <a:font script="Beng" typeface="Vrinda"/>
-        <a:font script="Gujr" typeface="Shruti"/>
-        <a:font script="Khmr" typeface="DaunPenh"/>
-        <a:font script="Knda" typeface="Tunga"/>
-        <a:font script="Guru" typeface="Raavi"/>
-        <a:font script="Cans" typeface="Euphemia"/>
-        <a:font script="Cher" typeface="Plantagenet Cherokee"/>
-        <a:font script="Yiii" typeface="Microsoft Yi Baiti"/>
-        <a:font script="Tibt" typeface="Microsoft Himalaya"/>
-        <a:font script="Thaa" typeface="MV Boli"/>
-        <a:font script="Deva" typeface="Mangal"/>
-        <a:font script="Telu" typeface="Gautami"/>
-        <a:font script="Taml" typeface="Latha"/>
-        <a:font script="Syrc" typeface="Estrangelo Edessa"/>
-        <a:font script="Orya" typeface="Kalinga"/>
-        <a:font script="Mlym" typeface="Kartika"/>
-        <a:font script="Laoo" typeface="DokChampa"/>
-        <a:font script="Sinh" typeface="Iskoola Pota"/>
-        <a:font script="Mong" typeface="Mongolian Baiti"/>
-        <a:font script="Viet" typeface="Arial"/>
-        <a:font script="Uigh" typeface="Microsoft Uighur"/>
-        <a:font script="Geor" typeface="Sylfaen"/>
-      </a:minorFont>
-    </a:fontScheme>
-    <a:fmtScheme name="Office">
-      <a:fillStyleLst>
-        <a:solidFill>
-          <a:schemeClr val="phClr"/>
-        </a:solidFill>
-        <a:gradFill rotWithShape="1">
-          <a:gsLst>
-            <a:gs pos="0">
-              <a:schemeClr val="phClr">
-                <a:tint val="50000"/>
-                <a:satMod val="300000"/>
-              </a:schemeClr>
-            </a:gs>
-            <a:gs pos="35000">
-              <a:schemeClr val="phClr">
-                <a:tint val="37000"/>
-                <a:satMod val="300000"/>
-              </a:schemeClr>
-            </a:gs>
-            <a:gs pos="100000">
-              <a:schemeClr val="phClr">
-                <a:tint val="15000"/>
-                <a:satMod val="350000"/>
-              </a:schemeClr>
-            </a:gs>
-          </a:gsLst>
-          <a:lin ang="16200000" scaled="1"/>
-        </a:gradFill>
-        <a:gradFill rotWithShape="1">
-          <a:gsLst>
-            <a:gs pos="0">
-              <a:schemeClr val="phClr">
-                <a:tint val="100000"/>
-                <a:shade val="100000"/>
-                <a:satMod val="130000"/>
-              </a:schemeClr>
-            </a:gs>
-            <a:gs pos="100000">
-              <a:schemeClr val="phClr">
-                <a:tint val="50000"/>
-                <a:shade val="100000"/>
-                <a:satMod val="350000"/>
-              </a:schemeClr>
-            </a:gs>
-          </a:gsLst>
-          <a:lin ang="16200000" scaled="0"/>
-        </a:gradFill>
-      </a:fillStyleLst>
-      <a:lnStyleLst>
-        <a:ln w="9525" cap="flat" cmpd="sng" algn="ctr">
-          <a:solidFill>
-            <a:schemeClr val="phClr">
-              <a:shade val="95000"/>
-              <a:satMod val="105000"/>
-            </a:schemeClr>
-          </a:solidFill>
-          <a:prstDash val="solid"/>
-        </a:ln>
-        <a:ln w="25400" cap="flat" cmpd="sng" algn="ctr">
-          <a:solidFill>
-            <a:schemeClr val="phClr"/>
-          </a:solidFill>
-          <a:prstDash val="solid"/>
-        </a:ln>
-        <a:ln w="38100" cap="flat" cmpd="sng" algn="ctr">
-          <a:solidFill>
-            <a:schemeClr val="phClr"/>
-          </a:solidFill>
-          <a:prstDash val="solid"/>
-        </a:ln>
-      </a:lnStyleLst>
-      <a:effectStyleLst>
-        <a:effectStyle>
-          <a:effectLst>
-            <a:outerShdw blurRad="40000" dist="20000" dir="5400000" rotWithShape="0">
-              <a:srgbClr val="000000">
-                <a:alpha val="38000"/>
-              </a:srgbClr>
-            </a:outerShdw>
-          </a:effectLst>
-        </a:effectStyle>
-        <a:effectStyle>
-          <a:effectLst>
-            <a:outerShdw blurRad="40000" dist="23000" dir="5400000" rotWithShape="0">
-              <a:srgbClr val="000000">
-                <a:alpha val="35000"/>
-              </a:srgbClr>
-            </a:outerShdw>
-          </a:effectLst>
-        </a:effectStyle>
-        <a:effectStyle>
-          <a:effectLst>
-            <a:outerShdw blurRad="40000" dist="23000" dir="5400000" rotWithShape="0">
-              <a:srgbClr val="000000">
-                <a:alpha val="35000"/>
-              </a:srgbClr>
-            </a:outerShdw>
-          </a:effectLst>
-          <a:scene3d>
-            <a:camera prst="orthographicFront">
-              <a:rot lat="0" lon="0" rev="0"/>
-            </a:camera>
-            <a:lightRig rig="threePt" dir="t">
-              <a:rot lat="0" lon="0" rev="1200000"/>
-            </a:lightRig>
-          </a:scene3d>
-          <a:sp3d>
-            <a:bevelT w="63500" h="25400"/>
-          </a:sp3d>
-        </a:effectStyle>
-      </a:effectStyleLst>
-      <a:bgFillStyleLst>
-        <a:solidFill>
-          <a:schemeClr val="phClr"/>
-        </a:solidFill>
-        <a:gradFill rotWithShape="1">
-          <a:gsLst>
-            <a:gs pos="0">
-              <a:schemeClr val="phClr">
-                <a:tint val="40000"/>
-                <a:satMod val="350000"/>
-              </a:schemeClr>
-            </a:gs>
-            <a:gs pos="40000">
-              <a:schemeClr val="phClr">
-                <a:tint val="45000"/>
-                <a:shade val="99000"/>
-                <a:satMod val="350000"/>
-              </a:schemeClr>
-            </a:gs>
-            <a:gs pos="100000">
-              <a:schemeClr val="phClr">
-                <a:shade val="20000"/>
-                <a:satMod val="255000"/>
-              </a:schemeClr>
-            </a:gs>
-          </a:gsLst>
-          <a:path path="circle">
-            <a:fillToRect l="50000" t="-80000" r="50000" b="180000"/>
-          </a:path>
-        </a:gradFill>
-        <a:gradFill rotWithShape="1">
-          <a:gsLst>
-            <a:gs pos="0">
-              <a:schemeClr val="phClr">
-                <a:tint val="80000"/>
-                <a:satMod val="300000"/>
-              </a:schemeClr>
-            </a:gs>
-            <a:gs pos="100000">
-              <a:schemeClr val="phClr">
-                <a:shade val="30000"/>
-                <a:satMod val="200000"/>
-              </a:schemeClr>
-            </a:gs>
-          </a:gsLst>
-          <a:path path="circle">
-            <a:fillToRect l="50000" t="50000" r="50000" b="50000"/>
-          </a:path>
-        </a:gradFill>
-      </a:bgFillStyleLst>
-    </a:fmtScheme>
-  </a:themeElements>
-</a:theme>
 </file>
--- a/Lecture slides/AMOS B05 - Agile Programming.pptx
+++ b/Lecture slides/AMOS B05 - Agile Programming.pptx
@@ -9732,7 +9732,7 @@
           <a:p>
             <a:pPr indent="-317500" lvl="1" marL="914400" rtl="0" algn="l">
               <a:spcBef>
-                <a:spcPts val="1000"/>
+                <a:spcPts val="0"/>
               </a:spcBef>
               <a:spcAft>
                 <a:spcPts val="0"/>
@@ -18089,7 +18089,7 @@
             </a:pPr>
             <a:r>
               <a:rPr lang="en"/>
-              <a:t>© Copyright 2023 Dirk Riehle, some rights reserved</a:t>
+              <a:t>© Copyright 2024 Dirk Riehle, some rights reserved</a:t>
             </a:r>
             <a:endParaRPr/>
           </a:p>
@@ -19231,7 +19231,7 @@
             <a:tbl>
               <a:tblPr>
                 <a:noFill/>
-                <a:tableStyleId>{A913D90E-B5D7-4DCE-AB82-6B532860B167}</a:tableStyleId>
+                <a:tableStyleId>{66FDB3F6-3C18-4372-80E8-D314660C1B23}</a:tableStyleId>
               </a:tblPr>
               <a:tblGrid>
                 <a:gridCol w="2865125"/>
@@ -20449,6 +20449,285 @@
 </file>
 
 <file path=ppt/theme/theme1.xml><?xml version="1.0" encoding="utf-8"?>
+<a:theme xmlns:a="http://schemas.openxmlformats.org/drawingml/2006/main" xmlns:r="http://schemas.openxmlformats.org/officeDocument/2006/relationships">
+  <a:themeElements>
+    <a:clrScheme name="Default">
+      <a:dk1>
+        <a:srgbClr val="000000"/>
+      </a:dk1>
+      <a:lt1>
+        <a:srgbClr val="FFFFFF"/>
+      </a:lt1>
+      <a:dk2>
+        <a:srgbClr val="158158"/>
+      </a:dk2>
+      <a:lt2>
+        <a:srgbClr val="F3F3F3"/>
+      </a:lt2>
+      <a:accent1>
+        <a:srgbClr val="058DC7"/>
+      </a:accent1>
+      <a:accent2>
+        <a:srgbClr val="50B432"/>
+      </a:accent2>
+      <a:accent3>
+        <a:srgbClr val="ED561B"/>
+      </a:accent3>
+      <a:accent4>
+        <a:srgbClr val="EDEF00"/>
+      </a:accent4>
+      <a:accent5>
+        <a:srgbClr val="24CBE5"/>
+      </a:accent5>
+      <a:accent6>
+        <a:srgbClr val="64E572"/>
+      </a:accent6>
+      <a:hlink>
+        <a:srgbClr val="2200CC"/>
+      </a:hlink>
+      <a:folHlink>
+        <a:srgbClr val="551A8B"/>
+      </a:folHlink>
+    </a:clrScheme>
+    <a:fontScheme name="Office">
+      <a:majorFont>
+        <a:latin typeface="Arial"/>
+        <a:ea typeface=""/>
+        <a:cs typeface=""/>
+        <a:font script="Jpan" typeface="ＭＳ Ｐゴシック"/>
+        <a:font script="Hang" typeface="맑은 고딕"/>
+        <a:font script="Hans" typeface="宋体"/>
+        <a:font script="Hant" typeface="新細明體"/>
+        <a:font script="Arab" typeface="Times New Roman"/>
+        <a:font script="Hebr" typeface="Times New Roman"/>
+        <a:font script="Thai" typeface="Angsana New"/>
+        <a:font script="Ethi" typeface="Nyala"/>
+        <a:font script="Beng" typeface="Vrinda"/>
+        <a:font script="Gujr" typeface="Shruti"/>
+        <a:font script="Khmr" typeface="MoolBoran"/>
+        <a:font script="Knda" typeface="Tunga"/>
+        <a:font script="Guru" typeface="Raavi"/>
+        <a:font script="Cans" typeface="Euphemia"/>
+        <a:font script="Cher" typeface="Plantagenet Cherokee"/>
+        <a:font script="Yiii" typeface="Microsoft Yi Baiti"/>
+        <a:font script="Tibt" typeface="Microsoft Himalaya"/>
+        <a:font script="Thaa" typeface="MV Boli"/>
+        <a:font script="Deva" typeface="Mangal"/>
+        <a:font script="Telu" typeface="Gautami"/>
+        <a:font script="Taml" typeface="Latha"/>
+        <a:font script="Syrc" typeface="Estrangelo Edessa"/>
+        <a:font script="Orya" typeface="Kalinga"/>
+        <a:font script="Mlym" typeface="Kartika"/>
+        <a:font script="Laoo" typeface="DokChampa"/>
+        <a:font script="Sinh" typeface="Iskoola Pota"/>
+        <a:font script="Mong" typeface="Mongolian Baiti"/>
+        <a:font script="Viet" typeface="Times New Roman"/>
+        <a:font script="Uigh" typeface="Microsoft Uighur"/>
+        <a:font script="Geor" typeface="Sylfaen"/>
+      </a:majorFont>
+      <a:minorFont>
+        <a:latin typeface="Arial"/>
+        <a:ea typeface=""/>
+        <a:cs typeface=""/>
+        <a:font script="Jpan" typeface="ＭＳ Ｐゴシック"/>
+        <a:font script="Hang" typeface="맑은 고딕"/>
+        <a:font script="Hans" typeface="宋体"/>
+        <a:font script="Hant" typeface="新細明體"/>
+        <a:font script="Arab" typeface="Arial"/>
+        <a:font script="Hebr" typeface="Arial"/>
+        <a:font script="Thai" typeface="Cordia New"/>
+        <a:font script="Ethi" typeface="Nyala"/>
+        <a:font script="Beng" typeface="Vrinda"/>
+        <a:font script="Gujr" typeface="Shruti"/>
+        <a:font script="Khmr" typeface="DaunPenh"/>
+        <a:font script="Knda" typeface="Tunga"/>
+        <a:font script="Guru" typeface="Raavi"/>
+        <a:font script="Cans" typeface="Euphemia"/>
+        <a:font script="Cher" typeface="Plantagenet Cherokee"/>
+        <a:font script="Yiii" typeface="Microsoft Yi Baiti"/>
+        <a:font script="Tibt" typeface="Microsoft Himalaya"/>
+        <a:font script="Thaa" typeface="MV Boli"/>
+        <a:font script="Deva" typeface="Mangal"/>
+        <a:font script="Telu" typeface="Gautami"/>
+        <a:font script="Taml" typeface="Latha"/>
+        <a:font script="Syrc" typeface="Estrangelo Edessa"/>
+        <a:font script="Orya" typeface="Kalinga"/>
+        <a:font script="Mlym" typeface="Kartika"/>
+        <a:font script="Laoo" typeface="DokChampa"/>
+        <a:font script="Sinh" typeface="Iskoola Pota"/>
+        <a:font script="Mong" typeface="Mongolian Baiti"/>
+        <a:font script="Viet" typeface="Arial"/>
+        <a:font script="Uigh" typeface="Microsoft Uighur"/>
+        <a:font script="Geor" typeface="Sylfaen"/>
+      </a:minorFont>
+    </a:fontScheme>
+    <a:fmtScheme name="Office">
+      <a:fillStyleLst>
+        <a:solidFill>
+          <a:schemeClr val="phClr"/>
+        </a:solidFill>
+        <a:gradFill rotWithShape="1">
+          <a:gsLst>
+            <a:gs pos="0">
+              <a:schemeClr val="phClr">
+                <a:tint val="50000"/>
+                <a:satMod val="300000"/>
+              </a:schemeClr>
+            </a:gs>
+            <a:gs pos="35000">
+              <a:schemeClr val="phClr">
+                <a:tint val="37000"/>
+                <a:satMod val="300000"/>
+              </a:schemeClr>
+            </a:gs>
+            <a:gs pos="100000">
+              <a:schemeClr val="phClr">
+                <a:tint val="15000"/>
+                <a:satMod val="350000"/>
+              </a:schemeClr>
+            </a:gs>
+          </a:gsLst>
+          <a:lin ang="16200000" scaled="1"/>
+        </a:gradFill>
+        <a:gradFill rotWithShape="1">
+          <a:gsLst>
+            <a:gs pos="0">
+              <a:schemeClr val="phClr">
+                <a:tint val="100000"/>
+                <a:shade val="100000"/>
+                <a:satMod val="130000"/>
+              </a:schemeClr>
+            </a:gs>
+            <a:gs pos="100000">
+              <a:schemeClr val="phClr">
+                <a:tint val="50000"/>
+                <a:shade val="100000"/>
+                <a:satMod val="350000"/>
+              </a:schemeClr>
+            </a:gs>
+          </a:gsLst>
+          <a:lin ang="16200000" scaled="0"/>
+        </a:gradFill>
+      </a:fillStyleLst>
+      <a:lnStyleLst>
+        <a:ln w="9525" cap="flat" cmpd="sng" algn="ctr">
+          <a:solidFill>
+            <a:schemeClr val="phClr">
+              <a:shade val="95000"/>
+              <a:satMod val="105000"/>
+            </a:schemeClr>
+          </a:solidFill>
+          <a:prstDash val="solid"/>
+        </a:ln>
+        <a:ln w="25400" cap="flat" cmpd="sng" algn="ctr">
+          <a:solidFill>
+            <a:schemeClr val="phClr"/>
+          </a:solidFill>
+          <a:prstDash val="solid"/>
+        </a:ln>
+        <a:ln w="38100" cap="flat" cmpd="sng" algn="ctr">
+          <a:solidFill>
+            <a:schemeClr val="phClr"/>
+          </a:solidFill>
+          <a:prstDash val="solid"/>
+        </a:ln>
+      </a:lnStyleLst>
+      <a:effectStyleLst>
+        <a:effectStyle>
+          <a:effectLst>
+            <a:outerShdw blurRad="40000" dist="20000" dir="5400000" rotWithShape="0">
+              <a:srgbClr val="000000">
+                <a:alpha val="38000"/>
+              </a:srgbClr>
+            </a:outerShdw>
+          </a:effectLst>
+        </a:effectStyle>
+        <a:effectStyle>
+          <a:effectLst>
+            <a:outerShdw blurRad="40000" dist="23000" dir="5400000" rotWithShape="0">
+              <a:srgbClr val="000000">
+                <a:alpha val="35000"/>
+              </a:srgbClr>
+            </a:outerShdw>
+          </a:effectLst>
+        </a:effectStyle>
+        <a:effectStyle>
+          <a:effectLst>
+            <a:outerShdw blurRad="40000" dist="23000" dir="5400000" rotWithShape="0">
+              <a:srgbClr val="000000">
+                <a:alpha val="35000"/>
+              </a:srgbClr>
+            </a:outerShdw>
+          </a:effectLst>
+          <a:scene3d>
+            <a:camera prst="orthographicFront">
+              <a:rot lat="0" lon="0" rev="0"/>
+            </a:camera>
+            <a:lightRig rig="threePt" dir="t">
+              <a:rot lat="0" lon="0" rev="1200000"/>
+            </a:lightRig>
+          </a:scene3d>
+          <a:sp3d>
+            <a:bevelT w="63500" h="25400"/>
+          </a:sp3d>
+        </a:effectStyle>
+      </a:effectStyleLst>
+      <a:bgFillStyleLst>
+        <a:solidFill>
+          <a:schemeClr val="phClr"/>
+        </a:solidFill>
+        <a:gradFill rotWithShape="1">
+          <a:gsLst>
+            <a:gs pos="0">
+              <a:schemeClr val="phClr">
+                <a:tint val="40000"/>
+                <a:satMod val="350000"/>
+              </a:schemeClr>
+            </a:gs>
+            <a:gs pos="40000">
+              <a:schemeClr val="phClr">
+                <a:tint val="45000"/>
+                <a:shade val="99000"/>
+                <a:satMod val="350000"/>
+              </a:schemeClr>
+            </a:gs>
+            <a:gs pos="100000">
+              <a:schemeClr val="phClr">
+                <a:shade val="20000"/>
+                <a:satMod val="255000"/>
+              </a:schemeClr>
+            </a:gs>
+          </a:gsLst>
+          <a:path path="circle">
+            <a:fillToRect l="50000" t="-80000" r="50000" b="180000"/>
+          </a:path>
+        </a:gradFill>
+        <a:gradFill rotWithShape="1">
+          <a:gsLst>
+            <a:gs pos="0">
+              <a:schemeClr val="phClr">
+                <a:tint val="80000"/>
+                <a:satMod val="300000"/>
+              </a:schemeClr>
+            </a:gs>
+            <a:gs pos="100000">
+              <a:schemeClr val="phClr">
+                <a:shade val="30000"/>
+                <a:satMod val="200000"/>
+              </a:schemeClr>
+            </a:gs>
+          </a:gsLst>
+          <a:path path="circle">
+            <a:fillToRect l="50000" t="50000" r="50000" b="50000"/>
+          </a:path>
+        </a:gradFill>
+      </a:bgFillStyleLst>
+    </a:fmtScheme>
+  </a:themeElements>
+</a:theme>
+</file>
+
+<file path=ppt/theme/theme2.xml><?xml version="1.0" encoding="utf-8"?>
 <a:theme xmlns:a="http://schemas.openxmlformats.org/drawingml/2006/main" xmlns:r="http://schemas.openxmlformats.org/officeDocument/2006/relationships" name="AMOS Slides Template">
   <a:themeElements>
     <a:clrScheme name="Simple Light">
@@ -20725,283 +21004,4 @@
     </a:fmtScheme>
   </a:themeElements>
 </a:theme>
-</file>
-
-<file path=ppt/theme/theme2.xml><?xml version="1.0" encoding="utf-8"?>
-<a:theme xmlns:a="http://schemas.openxmlformats.org/drawingml/2006/main" xmlns:r="http://schemas.openxmlformats.org/officeDocument/2006/relationships">
-  <a:themeElements>
-    <a:clrScheme name="Default">
-      <a:dk1>
-        <a:srgbClr val="000000"/>
-      </a:dk1>
-      <a:lt1>
-        <a:srgbClr val="FFFFFF"/>
-      </a:lt1>
-      <a:dk2>
-        <a:srgbClr val="158158"/>
-      </a:dk2>
-      <a:lt2>
-        <a:srgbClr val="F3F3F3"/>
-      </a:lt2>
-      <a:accent1>
-        <a:srgbClr val="058DC7"/>
-      </a:accent1>
-      <a:accent2>
-        <a:srgbClr val="50B432"/>
-      </a:accent2>
-      <a:accent3>
-        <a:srgbClr val="ED561B"/>
-      </a:accent3>
-      <a:accent4>
-        <a:srgbClr val="EDEF00"/>
-      </a:accent4>
-      <a:accent5>
-        <a:srgbClr val="24CBE5"/>
-      </a:accent5>
-      <a:accent6>
-        <a:srgbClr val="64E572"/>
-      </a:accent6>
-      <a:hlink>
-        <a:srgbClr val="2200CC"/>
-      </a:hlink>
-      <a:folHlink>
-        <a:srgbClr val="551A8B"/>
-      </a:folHlink>
-    </a:clrScheme>
-    <a:fontScheme name="Office">
-      <a:majorFont>
-        <a:latin typeface="Arial"/>
-        <a:ea typeface=""/>
-        <a:cs typeface=""/>
-        <a:font script="Jpan" typeface="ＭＳ Ｐゴシック"/>
-        <a:font script="Hang" typeface="맑은 고딕"/>
-        <a:font script="Hans" typeface="宋体"/>
-        <a:font script="Hant" typeface="新細明體"/>
-        <a:font script="Arab" typeface="Times New Roman"/>
-        <a:font script="Hebr" typeface="Times New Roman"/>
-        <a:font script="Thai" typeface="Angsana New"/>
-        <a:font script="Ethi" typeface="Nyala"/>
-        <a:font script="Beng" typeface="Vrinda"/>
-        <a:font script="Gujr" typeface="Shruti"/>
-        <a:font script="Khmr" typeface="MoolBoran"/>
-        <a:font script="Knda" typeface="Tunga"/>
-        <a:font script="Guru" typeface="Raavi"/>
-        <a:font script="Cans" typeface="Euphemia"/>
-        <a:font script="Cher" typeface="Plantagenet Cherokee"/>
-        <a:font script="Yiii" typeface="Microsoft Yi Baiti"/>
-        <a:font script="Tibt" typeface="Microsoft Himalaya"/>
-        <a:font script="Thaa" typeface="MV Boli"/>
-        <a:font script="Deva" typeface="Mangal"/>
-        <a:font script="Telu" typeface="Gautami"/>
-        <a:font script="Taml" typeface="Latha"/>
-        <a:font script="Syrc" typeface="Estrangelo Edessa"/>
-        <a:font script="Orya" typeface="Kalinga"/>
-        <a:font script="Mlym" typeface="Kartika"/>
-        <a:font script="Laoo" typeface="DokChampa"/>
-        <a:font script="Sinh" typeface="Iskoola Pota"/>
-        <a:font script="Mong" typeface="Mongolian Baiti"/>
-        <a:font script="Viet" typeface="Times New Roman"/>
-        <a:font script="Uigh" typeface="Microsoft Uighur"/>
-        <a:font script="Geor" typeface="Sylfaen"/>
-      </a:majorFont>
-      <a:minorFont>
-        <a:latin typeface="Arial"/>
-        <a:ea typeface=""/>
-        <a:cs typeface=""/>
-        <a:font script="Jpan" typeface="ＭＳ Ｐゴシック"/>
-        <a:font script="Hang" typeface="맑은 고딕"/>
-        <a:font script="Hans" typeface="宋体"/>
-        <a:font script="Hant" typeface="新細明體"/>
-        <a:font script="Arab" typeface="Arial"/>
-        <a:font script="Hebr" typeface="Arial"/>
-        <a:font script="Thai" typeface="Cordia New"/>
-        <a:font script="Ethi" typeface="Nyala"/>
-        <a:font script="Beng" typeface="Vrinda"/>
-        <a:font script="Gujr" typeface="Shruti"/>
-        <a:font script="Khmr" typeface="DaunPenh"/>
-        <a:font script="Knda" typeface="Tunga"/>
-        <a:font script="Guru" typeface="Raavi"/>
-        <a:font script="Cans" typeface="Euphemia"/>
-        <a:font script="Cher" typeface="Plantagenet Cherokee"/>
-        <a:font script="Yiii" typeface="Microsoft Yi Baiti"/>
-        <a:font script="Tibt" typeface="Microsoft Himalaya"/>
-        <a:font script="Thaa" typeface="MV Boli"/>
-        <a:font script="Deva" typeface="Mangal"/>
-        <a:font script="Telu" typeface="Gautami"/>
-        <a:font script="Taml" typeface="Latha"/>
-        <a:font script="Syrc" typeface="Estrangelo Edessa"/>
-        <a:font script="Orya" typeface="Kalinga"/>
-        <a:font script="Mlym" typeface="Kartika"/>
-        <a:font script="Laoo" typeface="DokChampa"/>
-        <a:font script="Sinh" typeface="Iskoola Pota"/>
-        <a:font script="Mong" typeface="Mongolian Baiti"/>
-        <a:font script="Viet" typeface="Arial"/>
-        <a:font script="Uigh" typeface="Microsoft Uighur"/>
-        <a:font script="Geor" typeface="Sylfaen"/>
-      </a:minorFont>
-    </a:fontScheme>
-    <a:fmtScheme name="Office">
-      <a:fillStyleLst>
-        <a:solidFill>
-          <a:schemeClr val="phClr"/>
-        </a:solidFill>
-        <a:gradFill rotWithShape="1">
-          <a:gsLst>
-            <a:gs pos="0">
-              <a:schemeClr val="phClr">
-                <a:tint val="50000"/>
-                <a:satMod val="300000"/>
-              </a:schemeClr>
-            </a:gs>
-            <a:gs pos="35000">
-              <a:schemeClr val="phClr">
-                <a:tint val="37000"/>
-                <a:satMod val="300000"/>
-              </a:schemeClr>
-            </a:gs>
-            <a:gs pos="100000">
-              <a:schemeClr val="phClr">
-                <a:tint val="15000"/>
-                <a:satMod val="350000"/>
-              </a:schemeClr>
-            </a:gs>
-          </a:gsLst>
-          <a:lin ang="16200000" scaled="1"/>
-        </a:gradFill>
-        <a:gradFill rotWithShape="1">
-          <a:gsLst>
-            <a:gs pos="0">
-              <a:schemeClr val="phClr">
-                <a:tint val="100000"/>
-                <a:shade val="100000"/>
-                <a:satMod val="130000"/>
-              </a:schemeClr>
-            </a:gs>
-            <a:gs pos="100000">
-              <a:schemeClr val="phClr">
-                <a:tint val="50000"/>
-                <a:shade val="100000"/>
-                <a:satMod val="350000"/>
-              </a:schemeClr>
-            </a:gs>
-          </a:gsLst>
-          <a:lin ang="16200000" scaled="0"/>
-        </a:gradFill>
-      </a:fillStyleLst>
-      <a:lnStyleLst>
-        <a:ln w="9525" cap="flat" cmpd="sng" algn="ctr">
-          <a:solidFill>
-            <a:schemeClr val="phClr">
-              <a:shade val="95000"/>
-              <a:satMod val="105000"/>
-            </a:schemeClr>
-          </a:solidFill>
-          <a:prstDash val="solid"/>
-        </a:ln>
-        <a:ln w="25400" cap="flat" cmpd="sng" algn="ctr">
-          <a:solidFill>
-            <a:schemeClr val="phClr"/>
-          </a:solidFill>
-          <a:prstDash val="solid"/>
-        </a:ln>
-        <a:ln w="38100" cap="flat" cmpd="sng" algn="ctr">
-          <a:solidFill>
-            <a:schemeClr val="phClr"/>
-          </a:solidFill>
-          <a:prstDash val="solid"/>
-        </a:ln>
-      </a:lnStyleLst>
-      <a:effectStyleLst>
-        <a:effectStyle>
-          <a:effectLst>
-            <a:outerShdw blurRad="40000" dist="20000" dir="5400000" rotWithShape="0">
-              <a:srgbClr val="000000">
-                <a:alpha val="38000"/>
-              </a:srgbClr>
-            </a:outerShdw>
-          </a:effectLst>
-        </a:effectStyle>
-        <a:effectStyle>
-          <a:effectLst>
-            <a:outerShdw blurRad="40000" dist="23000" dir="5400000" rotWithShape="0">
-              <a:srgbClr val="000000">
-                <a:alpha val="35000"/>
-              </a:srgbClr>
-            </a:outerShdw>
-          </a:effectLst>
-        </a:effectStyle>
-        <a:effectStyle>
-          <a:effectLst>
-            <a:outerShdw blurRad="40000" dist="23000" dir="5400000" rotWithShape="0">
-              <a:srgbClr val="000000">
-                <a:alpha val="35000"/>
-              </a:srgbClr>
-            </a:outerShdw>
-          </a:effectLst>
-          <a:scene3d>
-            <a:camera prst="orthographicFront">
-              <a:rot lat="0" lon="0" rev="0"/>
-            </a:camera>
-            <a:lightRig rig="threePt" dir="t">
-              <a:rot lat="0" lon="0" rev="1200000"/>
-            </a:lightRig>
-          </a:scene3d>
-          <a:sp3d>
-            <a:bevelT w="63500" h="25400"/>
-          </a:sp3d>
-        </a:effectStyle>
-      </a:effectStyleLst>
-      <a:bgFillStyleLst>
-        <a:solidFill>
-          <a:schemeClr val="phClr"/>
-        </a:solidFill>
-        <a:gradFill rotWithShape="1">
-          <a:gsLst>
-            <a:gs pos="0">
-              <a:schemeClr val="phClr">
-                <a:tint val="40000"/>
-                <a:satMod val="350000"/>
-              </a:schemeClr>
-            </a:gs>
-            <a:gs pos="40000">
-              <a:schemeClr val="phClr">
-                <a:tint val="45000"/>
-                <a:shade val="99000"/>
-                <a:satMod val="350000"/>
-              </a:schemeClr>
-            </a:gs>
-            <a:gs pos="100000">
-              <a:schemeClr val="phClr">
-                <a:shade val="20000"/>
-                <a:satMod val="255000"/>
-              </a:schemeClr>
-            </a:gs>
-          </a:gsLst>
-          <a:path path="circle">
-            <a:fillToRect l="50000" t="-80000" r="50000" b="180000"/>
-          </a:path>
-        </a:gradFill>
-        <a:gradFill rotWithShape="1">
-          <a:gsLst>
-            <a:gs pos="0">
-              <a:schemeClr val="phClr">
-                <a:tint val="80000"/>
-                <a:satMod val="300000"/>
-              </a:schemeClr>
-            </a:gs>
-            <a:gs pos="100000">
-              <a:schemeClr val="phClr">
-                <a:shade val="30000"/>
-                <a:satMod val="200000"/>
-              </a:schemeClr>
-            </a:gs>
-          </a:gsLst>
-          <a:path path="circle">
-            <a:fillToRect l="50000" t="50000" r="50000" b="50000"/>
-          </a:path>
-        </a:gradFill>
-      </a:bgFillStyleLst>
-    </a:fmtScheme>
-  </a:themeElements>
-</a:theme>
 </file>
--- a/Lecture slides/AMOS B05 - Agile Programming.pptx
+++ b/Lecture slides/AMOS B05 - Agile Programming.pptx
@@ -6309,148 +6309,6 @@
       <p:sp>
         <p:nvSpPr>
           <p:cNvPr id="19" name="Google Shape;19;p4"/>
-          <p:cNvSpPr txBox="1"/>
-          <p:nvPr>
-            <p:ph idx="12" type="sldNum"/>
-          </p:nvPr>
-        </p:nvSpPr>
-        <p:spPr>
-          <a:xfrm>
-            <a:off x="7315202" y="4416550"/>
-            <a:ext cx="1828800" cy="731400"/>
-          </a:xfrm>
-          <a:prstGeom prst="rect">
-            <a:avLst/>
-          </a:prstGeom>
-        </p:spPr>
-        <p:txBody>
-          <a:bodyPr anchorCtr="0" anchor="b" bIns="91425" lIns="91425" spcFirstLastPara="1" rIns="91425" wrap="square" tIns="91425">
-            <a:noAutofit/>
-          </a:bodyPr>
-          <a:lstStyle>
-            <a:lvl1pPr lvl="0">
-              <a:buNone/>
-              <a:defRPr>
-                <a:solidFill>
-                  <a:schemeClr val="dk1"/>
-                </a:solidFill>
-              </a:defRPr>
-            </a:lvl1pPr>
-            <a:lvl2pPr lvl="1">
-              <a:buNone/>
-              <a:defRPr>
-                <a:solidFill>
-                  <a:schemeClr val="dk1"/>
-                </a:solidFill>
-              </a:defRPr>
-            </a:lvl2pPr>
-            <a:lvl3pPr lvl="2">
-              <a:buNone/>
-              <a:defRPr>
-                <a:solidFill>
-                  <a:schemeClr val="dk1"/>
-                </a:solidFill>
-              </a:defRPr>
-            </a:lvl3pPr>
-            <a:lvl4pPr lvl="3">
-              <a:buNone/>
-              <a:defRPr>
-                <a:solidFill>
-                  <a:schemeClr val="dk1"/>
-                </a:solidFill>
-              </a:defRPr>
-            </a:lvl4pPr>
-            <a:lvl5pPr lvl="4">
-              <a:buNone/>
-              <a:defRPr>
-                <a:solidFill>
-                  <a:schemeClr val="dk1"/>
-                </a:solidFill>
-              </a:defRPr>
-            </a:lvl5pPr>
-            <a:lvl6pPr lvl="5">
-              <a:buNone/>
-              <a:defRPr>
-                <a:solidFill>
-                  <a:schemeClr val="dk1"/>
-                </a:solidFill>
-              </a:defRPr>
-            </a:lvl6pPr>
-            <a:lvl7pPr lvl="6">
-              <a:buNone/>
-              <a:defRPr>
-                <a:solidFill>
-                  <a:schemeClr val="dk1"/>
-                </a:solidFill>
-              </a:defRPr>
-            </a:lvl7pPr>
-            <a:lvl8pPr lvl="7">
-              <a:buNone/>
-              <a:defRPr>
-                <a:solidFill>
-                  <a:schemeClr val="dk1"/>
-                </a:solidFill>
-              </a:defRPr>
-            </a:lvl8pPr>
-            <a:lvl9pPr lvl="8">
-              <a:buNone/>
-              <a:defRPr>
-                <a:solidFill>
-                  <a:schemeClr val="dk1"/>
-                </a:solidFill>
-              </a:defRPr>
-            </a:lvl9pPr>
-          </a:lstStyle>
-          <a:p>
-            <a:pPr indent="0" lvl="0" marL="0" rtl="0" algn="r">
-              <a:spcBef>
-                <a:spcPts val="0"/>
-              </a:spcBef>
-              <a:spcAft>
-                <a:spcPts val="0"/>
-              </a:spcAft>
-              <a:buNone/>
-            </a:pPr>
-            <a:fld id="{00000000-1234-1234-1234-123412341234}" type="slidenum">
-              <a:rPr lang="en"/>
-              <a:t>‹#›</a:t>
-            </a:fld>
-            <a:endParaRPr/>
-          </a:p>
-          <a:p>
-            <a:pPr indent="0" lvl="0" marL="0" rtl="0" algn="r">
-              <a:spcBef>
-                <a:spcPts val="0"/>
-              </a:spcBef>
-              <a:spcAft>
-                <a:spcPts val="0"/>
-              </a:spcAft>
-              <a:buNone/>
-            </a:pPr>
-            <a:r>
-              <a:rPr b="0" lang="en" sz="900" u="sng">
-                <a:solidFill>
-                  <a:schemeClr val="hlink"/>
-                </a:solidFill>
-                <a:hlinkClick r:id="rId2"/>
-              </a:rPr>
-              <a:t>https://profriehle.com</a:t>
-            </a:r>
-            <a:r>
-              <a:rPr b="0" lang="en" sz="900">
-                <a:solidFill>
-                  <a:schemeClr val="dk2"/>
-                </a:solidFill>
-              </a:rPr>
-              <a:t> </a:t>
-            </a:r>
-            <a:endParaRPr/>
-          </a:p>
-        </p:txBody>
-      </p:sp>
-      <p:sp>
-        <p:nvSpPr>
-          <p:cNvPr id="20" name="Google Shape;20;p4"/>
           <p:cNvSpPr/>
           <p:nvPr/>
         </p:nvSpPr>
@@ -6492,6 +6350,147 @@
                 <a:schemeClr val="dk1"/>
               </a:solidFill>
             </a:endParaRPr>
+          </a:p>
+        </p:txBody>
+      </p:sp>
+      <p:sp>
+        <p:nvSpPr>
+          <p:cNvPr id="20" name="Google Shape;20;p4"/>
+          <p:cNvSpPr txBox="1"/>
+          <p:nvPr>
+            <p:ph idx="12" type="sldNum"/>
+          </p:nvPr>
+        </p:nvSpPr>
+        <p:spPr>
+          <a:xfrm>
+            <a:off x="7315202" y="4229100"/>
+            <a:ext cx="1828800" cy="914400"/>
+          </a:xfrm>
+          <a:prstGeom prst="rect">
+            <a:avLst/>
+          </a:prstGeom>
+          <a:ln>
+            <a:noFill/>
+          </a:ln>
+        </p:spPr>
+        <p:txBody>
+          <a:bodyPr anchorCtr="0" anchor="b" bIns="91425" lIns="91425" spcFirstLastPara="1" rIns="91425" wrap="square" tIns="91425">
+            <a:noAutofit/>
+          </a:bodyPr>
+          <a:lstStyle>
+            <a:lvl1pPr lvl="0" rtl="0" algn="r">
+              <a:buNone/>
+              <a:defRPr b="1" sz="2400">
+                <a:solidFill>
+                  <a:schemeClr val="dk2"/>
+                </a:solidFill>
+              </a:defRPr>
+            </a:lvl1pPr>
+            <a:lvl2pPr lvl="1" rtl="0" algn="r">
+              <a:buNone/>
+              <a:defRPr b="1" sz="2400">
+                <a:solidFill>
+                  <a:schemeClr val="dk2"/>
+                </a:solidFill>
+              </a:defRPr>
+            </a:lvl2pPr>
+            <a:lvl3pPr lvl="2" rtl="0" algn="r">
+              <a:buNone/>
+              <a:defRPr b="1" sz="2400">
+                <a:solidFill>
+                  <a:schemeClr val="dk2"/>
+                </a:solidFill>
+              </a:defRPr>
+            </a:lvl3pPr>
+            <a:lvl4pPr lvl="3" rtl="0" algn="r">
+              <a:buNone/>
+              <a:defRPr b="1" sz="2400">
+                <a:solidFill>
+                  <a:schemeClr val="dk2"/>
+                </a:solidFill>
+              </a:defRPr>
+            </a:lvl4pPr>
+            <a:lvl5pPr lvl="4" rtl="0" algn="r">
+              <a:buNone/>
+              <a:defRPr b="1" sz="2400">
+                <a:solidFill>
+                  <a:schemeClr val="dk2"/>
+                </a:solidFill>
+              </a:defRPr>
+            </a:lvl5pPr>
+            <a:lvl6pPr lvl="5" rtl="0" algn="r">
+              <a:buNone/>
+              <a:defRPr b="1" sz="2400">
+                <a:solidFill>
+                  <a:schemeClr val="dk2"/>
+                </a:solidFill>
+              </a:defRPr>
+            </a:lvl6pPr>
+            <a:lvl7pPr lvl="6" rtl="0" algn="r">
+              <a:buNone/>
+              <a:defRPr b="1" sz="2400">
+                <a:solidFill>
+                  <a:schemeClr val="dk2"/>
+                </a:solidFill>
+              </a:defRPr>
+            </a:lvl7pPr>
+            <a:lvl8pPr lvl="7" rtl="0" algn="r">
+              <a:buNone/>
+              <a:defRPr b="1" sz="2400">
+                <a:solidFill>
+                  <a:schemeClr val="dk2"/>
+                </a:solidFill>
+              </a:defRPr>
+            </a:lvl8pPr>
+            <a:lvl9pPr lvl="8" rtl="0" algn="r">
+              <a:buNone/>
+              <a:defRPr b="1" sz="2400">
+                <a:solidFill>
+                  <a:schemeClr val="dk2"/>
+                </a:solidFill>
+              </a:defRPr>
+            </a:lvl9pPr>
+          </a:lstStyle>
+          <a:p>
+            <a:pPr indent="0" lvl="0" marL="0" rtl="0" algn="r">
+              <a:spcBef>
+                <a:spcPts val="0"/>
+              </a:spcBef>
+              <a:spcAft>
+                <a:spcPts val="0"/>
+              </a:spcAft>
+              <a:buNone/>
+            </a:pPr>
+            <a:fld id="{00000000-1234-1234-1234-123412341234}" type="slidenum">
+              <a:rPr lang="en"/>
+              <a:t>‹#›</a:t>
+            </a:fld>
+            <a:endParaRPr/>
+          </a:p>
+          <a:p>
+            <a:pPr indent="0" lvl="0" marL="0" rtl="0" algn="r">
+              <a:spcBef>
+                <a:spcPts val="0"/>
+              </a:spcBef>
+              <a:spcAft>
+                <a:spcPts val="0"/>
+              </a:spcAft>
+              <a:buNone/>
+            </a:pPr>
+            <a:r>
+              <a:rPr b="0" lang="en" sz="900" u="sng">
+                <a:solidFill>
+                  <a:schemeClr val="hlink"/>
+                </a:solidFill>
+                <a:hlinkClick r:id="rId2"/>
+              </a:rPr>
+              <a:t>uni1.de/amos</a:t>
+            </a:r>
+            <a:r>
+              <a:rPr b="0" lang="en" sz="900"/>
+              <a:t> </a:t>
+            </a:r>
+            <a:endParaRPr b="0" sz="900"/>
           </a:p>
         </p:txBody>
       </p:sp>
@@ -6901,148 +6900,6 @@
       <p:sp>
         <p:nvSpPr>
           <p:cNvPr id="25" name="Google Shape;25;p5"/>
-          <p:cNvSpPr txBox="1"/>
-          <p:nvPr>
-            <p:ph idx="12" type="sldNum"/>
-          </p:nvPr>
-        </p:nvSpPr>
-        <p:spPr>
-          <a:xfrm>
-            <a:off x="7315202" y="4416550"/>
-            <a:ext cx="1828800" cy="731400"/>
-          </a:xfrm>
-          <a:prstGeom prst="rect">
-            <a:avLst/>
-          </a:prstGeom>
-        </p:spPr>
-        <p:txBody>
-          <a:bodyPr anchorCtr="0" anchor="b" bIns="91425" lIns="91425" spcFirstLastPara="1" rIns="91425" wrap="square" tIns="91425">
-            <a:noAutofit/>
-          </a:bodyPr>
-          <a:lstStyle>
-            <a:lvl1pPr lvl="0">
-              <a:buNone/>
-              <a:defRPr>
-                <a:solidFill>
-                  <a:schemeClr val="dk1"/>
-                </a:solidFill>
-              </a:defRPr>
-            </a:lvl1pPr>
-            <a:lvl2pPr lvl="1">
-              <a:buNone/>
-              <a:defRPr>
-                <a:solidFill>
-                  <a:schemeClr val="dk1"/>
-                </a:solidFill>
-              </a:defRPr>
-            </a:lvl2pPr>
-            <a:lvl3pPr lvl="2">
-              <a:buNone/>
-              <a:defRPr>
-                <a:solidFill>
-                  <a:schemeClr val="dk1"/>
-                </a:solidFill>
-              </a:defRPr>
-            </a:lvl3pPr>
-            <a:lvl4pPr lvl="3">
-              <a:buNone/>
-              <a:defRPr>
-                <a:solidFill>
-                  <a:schemeClr val="dk1"/>
-                </a:solidFill>
-              </a:defRPr>
-            </a:lvl4pPr>
-            <a:lvl5pPr lvl="4">
-              <a:buNone/>
-              <a:defRPr>
-                <a:solidFill>
-                  <a:schemeClr val="dk1"/>
-                </a:solidFill>
-              </a:defRPr>
-            </a:lvl5pPr>
-            <a:lvl6pPr lvl="5">
-              <a:buNone/>
-              <a:defRPr>
-                <a:solidFill>
-                  <a:schemeClr val="dk1"/>
-                </a:solidFill>
-              </a:defRPr>
-            </a:lvl6pPr>
-            <a:lvl7pPr lvl="6">
-              <a:buNone/>
-              <a:defRPr>
-                <a:solidFill>
-                  <a:schemeClr val="dk1"/>
-                </a:solidFill>
-              </a:defRPr>
-            </a:lvl7pPr>
-            <a:lvl8pPr lvl="7">
-              <a:buNone/>
-              <a:defRPr>
-                <a:solidFill>
-                  <a:schemeClr val="dk1"/>
-                </a:solidFill>
-              </a:defRPr>
-            </a:lvl8pPr>
-            <a:lvl9pPr lvl="8">
-              <a:buNone/>
-              <a:defRPr>
-                <a:solidFill>
-                  <a:schemeClr val="dk1"/>
-                </a:solidFill>
-              </a:defRPr>
-            </a:lvl9pPr>
-          </a:lstStyle>
-          <a:p>
-            <a:pPr indent="0" lvl="0" marL="0" rtl="0" algn="r">
-              <a:spcBef>
-                <a:spcPts val="0"/>
-              </a:spcBef>
-              <a:spcAft>
-                <a:spcPts val="0"/>
-              </a:spcAft>
-              <a:buNone/>
-            </a:pPr>
-            <a:fld id="{00000000-1234-1234-1234-123412341234}" type="slidenum">
-              <a:rPr lang="en"/>
-              <a:t>‹#›</a:t>
-            </a:fld>
-            <a:endParaRPr/>
-          </a:p>
-          <a:p>
-            <a:pPr indent="0" lvl="0" marL="0" rtl="0" algn="r">
-              <a:spcBef>
-                <a:spcPts val="0"/>
-              </a:spcBef>
-              <a:spcAft>
-                <a:spcPts val="0"/>
-              </a:spcAft>
-              <a:buNone/>
-            </a:pPr>
-            <a:r>
-              <a:rPr b="0" lang="en" sz="900" u="sng">
-                <a:solidFill>
-                  <a:schemeClr val="hlink"/>
-                </a:solidFill>
-                <a:hlinkClick r:id="rId2"/>
-              </a:rPr>
-              <a:t>https://profriehle.com</a:t>
-            </a:r>
-            <a:r>
-              <a:rPr b="0" lang="en" sz="900">
-                <a:solidFill>
-                  <a:schemeClr val="dk2"/>
-                </a:solidFill>
-              </a:rPr>
-              <a:t> </a:t>
-            </a:r>
-            <a:endParaRPr/>
-          </a:p>
-        </p:txBody>
-      </p:sp>
-      <p:sp>
-        <p:nvSpPr>
-          <p:cNvPr id="26" name="Google Shape;26;p5"/>
           <p:cNvSpPr/>
           <p:nvPr/>
         </p:nvSpPr>
@@ -7084,6 +6941,147 @@
                 <a:schemeClr val="dk1"/>
               </a:solidFill>
             </a:endParaRPr>
+          </a:p>
+        </p:txBody>
+      </p:sp>
+      <p:sp>
+        <p:nvSpPr>
+          <p:cNvPr id="26" name="Google Shape;26;p5"/>
+          <p:cNvSpPr txBox="1"/>
+          <p:nvPr>
+            <p:ph idx="12" type="sldNum"/>
+          </p:nvPr>
+        </p:nvSpPr>
+        <p:spPr>
+          <a:xfrm>
+            <a:off x="7315202" y="4229100"/>
+            <a:ext cx="1828800" cy="914400"/>
+          </a:xfrm>
+          <a:prstGeom prst="rect">
+            <a:avLst/>
+          </a:prstGeom>
+          <a:ln>
+            <a:noFill/>
+          </a:ln>
+        </p:spPr>
+        <p:txBody>
+          <a:bodyPr anchorCtr="0" anchor="b" bIns="91425" lIns="91425" spcFirstLastPara="1" rIns="91425" wrap="square" tIns="91425">
+            <a:noAutofit/>
+          </a:bodyPr>
+          <a:lstStyle>
+            <a:lvl1pPr lvl="0" rtl="0" algn="r">
+              <a:buNone/>
+              <a:defRPr b="1" sz="2400">
+                <a:solidFill>
+                  <a:schemeClr val="dk2"/>
+                </a:solidFill>
+              </a:defRPr>
+            </a:lvl1pPr>
+            <a:lvl2pPr lvl="1" rtl="0" algn="r">
+              <a:buNone/>
+              <a:defRPr b="1" sz="2400">
+                <a:solidFill>
+                  <a:schemeClr val="dk2"/>
+                </a:solidFill>
+              </a:defRPr>
+            </a:lvl2pPr>
+            <a:lvl3pPr lvl="2" rtl="0" algn="r">
+              <a:buNone/>
+              <a:defRPr b="1" sz="2400">
+                <a:solidFill>
+                  <a:schemeClr val="dk2"/>
+                </a:solidFill>
+              </a:defRPr>
+            </a:lvl3pPr>
+            <a:lvl4pPr lvl="3" rtl="0" algn="r">
+              <a:buNone/>
+              <a:defRPr b="1" sz="2400">
+                <a:solidFill>
+                  <a:schemeClr val="dk2"/>
+                </a:solidFill>
+              </a:defRPr>
+            </a:lvl4pPr>
+            <a:lvl5pPr lvl="4" rtl="0" algn="r">
+              <a:buNone/>
+              <a:defRPr b="1" sz="2400">
+                <a:solidFill>
+                  <a:schemeClr val="dk2"/>
+                </a:solidFill>
+              </a:defRPr>
+            </a:lvl5pPr>
+            <a:lvl6pPr lvl="5" rtl="0" algn="r">
+              <a:buNone/>
+              <a:defRPr b="1" sz="2400">
+                <a:solidFill>
+                  <a:schemeClr val="dk2"/>
+                </a:solidFill>
+              </a:defRPr>
+            </a:lvl6pPr>
+            <a:lvl7pPr lvl="6" rtl="0" algn="r">
+              <a:buNone/>
+              <a:defRPr b="1" sz="2400">
+                <a:solidFill>
+                  <a:schemeClr val="dk2"/>
+                </a:solidFill>
+              </a:defRPr>
+            </a:lvl7pPr>
+            <a:lvl8pPr lvl="7" rtl="0" algn="r">
+              <a:buNone/>
+              <a:defRPr b="1" sz="2400">
+                <a:solidFill>
+                  <a:schemeClr val="dk2"/>
+                </a:solidFill>
+              </a:defRPr>
+            </a:lvl8pPr>
+            <a:lvl9pPr lvl="8" rtl="0" algn="r">
+              <a:buNone/>
+              <a:defRPr b="1" sz="2400">
+                <a:solidFill>
+                  <a:schemeClr val="dk2"/>
+                </a:solidFill>
+              </a:defRPr>
+            </a:lvl9pPr>
+          </a:lstStyle>
+          <a:p>
+            <a:pPr indent="0" lvl="0" marL="0" rtl="0" algn="r">
+              <a:spcBef>
+                <a:spcPts val="0"/>
+              </a:spcBef>
+              <a:spcAft>
+                <a:spcPts val="0"/>
+              </a:spcAft>
+              <a:buNone/>
+            </a:pPr>
+            <a:fld id="{00000000-1234-1234-1234-123412341234}" type="slidenum">
+              <a:rPr lang="en"/>
+              <a:t>‹#›</a:t>
+            </a:fld>
+            <a:endParaRPr/>
+          </a:p>
+          <a:p>
+            <a:pPr indent="0" lvl="0" marL="0" rtl="0" algn="r">
+              <a:spcBef>
+                <a:spcPts val="0"/>
+              </a:spcBef>
+              <a:spcAft>
+                <a:spcPts val="0"/>
+              </a:spcAft>
+              <a:buNone/>
+            </a:pPr>
+            <a:r>
+              <a:rPr b="0" lang="en" sz="900" u="sng">
+                <a:solidFill>
+                  <a:schemeClr val="hlink"/>
+                </a:solidFill>
+                <a:hlinkClick r:id="rId2"/>
+              </a:rPr>
+              <a:t>uni1.de/amos</a:t>
+            </a:r>
+            <a:r>
+              <a:rPr b="0" lang="en" sz="900"/>
+              <a:t> </a:t>
+            </a:r>
+            <a:endParaRPr b="0" sz="900"/>
           </a:p>
         </p:txBody>
       </p:sp>
@@ -7240,148 +7238,6 @@
       <p:sp>
         <p:nvSpPr>
           <p:cNvPr id="29" name="Google Shape;29;p6"/>
-          <p:cNvSpPr txBox="1"/>
-          <p:nvPr>
-            <p:ph idx="12" type="sldNum"/>
-          </p:nvPr>
-        </p:nvSpPr>
-        <p:spPr>
-          <a:xfrm>
-            <a:off x="7315202" y="4416550"/>
-            <a:ext cx="1828800" cy="731400"/>
-          </a:xfrm>
-          <a:prstGeom prst="rect">
-            <a:avLst/>
-          </a:prstGeom>
-        </p:spPr>
-        <p:txBody>
-          <a:bodyPr anchorCtr="0" anchor="b" bIns="91425" lIns="91425" spcFirstLastPara="1" rIns="91425" wrap="square" tIns="91425">
-            <a:noAutofit/>
-          </a:bodyPr>
-          <a:lstStyle>
-            <a:lvl1pPr lvl="0">
-              <a:buNone/>
-              <a:defRPr>
-                <a:solidFill>
-                  <a:schemeClr val="dk1"/>
-                </a:solidFill>
-              </a:defRPr>
-            </a:lvl1pPr>
-            <a:lvl2pPr lvl="1">
-              <a:buNone/>
-              <a:defRPr>
-                <a:solidFill>
-                  <a:schemeClr val="dk1"/>
-                </a:solidFill>
-              </a:defRPr>
-            </a:lvl2pPr>
-            <a:lvl3pPr lvl="2">
-              <a:buNone/>
-              <a:defRPr>
-                <a:solidFill>
-                  <a:schemeClr val="dk1"/>
-                </a:solidFill>
-              </a:defRPr>
-            </a:lvl3pPr>
-            <a:lvl4pPr lvl="3">
-              <a:buNone/>
-              <a:defRPr>
-                <a:solidFill>
-                  <a:schemeClr val="dk1"/>
-                </a:solidFill>
-              </a:defRPr>
-            </a:lvl4pPr>
-            <a:lvl5pPr lvl="4">
-              <a:buNone/>
-              <a:defRPr>
-                <a:solidFill>
-                  <a:schemeClr val="dk1"/>
-                </a:solidFill>
-              </a:defRPr>
-            </a:lvl5pPr>
-            <a:lvl6pPr lvl="5">
-              <a:buNone/>
-              <a:defRPr>
-                <a:solidFill>
-                  <a:schemeClr val="dk1"/>
-                </a:solidFill>
-              </a:defRPr>
-            </a:lvl6pPr>
-            <a:lvl7pPr lvl="6">
-              <a:buNone/>
-              <a:defRPr>
-                <a:solidFill>
-                  <a:schemeClr val="dk1"/>
-                </a:solidFill>
-              </a:defRPr>
-            </a:lvl7pPr>
-            <a:lvl8pPr lvl="7">
-              <a:buNone/>
-              <a:defRPr>
-                <a:solidFill>
-                  <a:schemeClr val="dk1"/>
-                </a:solidFill>
-              </a:defRPr>
-            </a:lvl8pPr>
-            <a:lvl9pPr lvl="8">
-              <a:buNone/>
-              <a:defRPr>
-                <a:solidFill>
-                  <a:schemeClr val="dk1"/>
-                </a:solidFill>
-              </a:defRPr>
-            </a:lvl9pPr>
-          </a:lstStyle>
-          <a:p>
-            <a:pPr indent="0" lvl="0" marL="0" rtl="0" algn="r">
-              <a:spcBef>
-                <a:spcPts val="0"/>
-              </a:spcBef>
-              <a:spcAft>
-                <a:spcPts val="0"/>
-              </a:spcAft>
-              <a:buNone/>
-            </a:pPr>
-            <a:fld id="{00000000-1234-1234-1234-123412341234}" type="slidenum">
-              <a:rPr lang="en"/>
-              <a:t>‹#›</a:t>
-            </a:fld>
-            <a:endParaRPr/>
-          </a:p>
-          <a:p>
-            <a:pPr indent="0" lvl="0" marL="0" rtl="0" algn="r">
-              <a:spcBef>
-                <a:spcPts val="0"/>
-              </a:spcBef>
-              <a:spcAft>
-                <a:spcPts val="0"/>
-              </a:spcAft>
-              <a:buNone/>
-            </a:pPr>
-            <a:r>
-              <a:rPr b="0" lang="en" sz="900" u="sng">
-                <a:solidFill>
-                  <a:schemeClr val="hlink"/>
-                </a:solidFill>
-                <a:hlinkClick r:id="rId2"/>
-              </a:rPr>
-              <a:t>https://profriehle.com</a:t>
-            </a:r>
-            <a:r>
-              <a:rPr b="0" lang="en" sz="900">
-                <a:solidFill>
-                  <a:schemeClr val="dk2"/>
-                </a:solidFill>
-              </a:rPr>
-              <a:t> </a:t>
-            </a:r>
-            <a:endParaRPr/>
-          </a:p>
-        </p:txBody>
-      </p:sp>
-      <p:sp>
-        <p:nvSpPr>
-          <p:cNvPr id="30" name="Google Shape;30;p6"/>
           <p:cNvSpPr/>
           <p:nvPr/>
         </p:nvSpPr>
@@ -7419,6 +7275,147 @@
               <a:t/>
             </a:r>
             <a:endParaRPr/>
+          </a:p>
+        </p:txBody>
+      </p:sp>
+      <p:sp>
+        <p:nvSpPr>
+          <p:cNvPr id="30" name="Google Shape;30;p6"/>
+          <p:cNvSpPr txBox="1"/>
+          <p:nvPr>
+            <p:ph idx="12" type="sldNum"/>
+          </p:nvPr>
+        </p:nvSpPr>
+        <p:spPr>
+          <a:xfrm>
+            <a:off x="7315202" y="4229100"/>
+            <a:ext cx="1828800" cy="914400"/>
+          </a:xfrm>
+          <a:prstGeom prst="rect">
+            <a:avLst/>
+          </a:prstGeom>
+          <a:ln>
+            <a:noFill/>
+          </a:ln>
+        </p:spPr>
+        <p:txBody>
+          <a:bodyPr anchorCtr="0" anchor="b" bIns="91425" lIns="91425" spcFirstLastPara="1" rIns="91425" wrap="square" tIns="91425">
+            <a:noAutofit/>
+          </a:bodyPr>
+          <a:lstStyle>
+            <a:lvl1pPr lvl="0" rtl="0" algn="r">
+              <a:buNone/>
+              <a:defRPr b="1" sz="2400">
+                <a:solidFill>
+                  <a:schemeClr val="dk2"/>
+                </a:solidFill>
+              </a:defRPr>
+            </a:lvl1pPr>
+            <a:lvl2pPr lvl="1" rtl="0" algn="r">
+              <a:buNone/>
+              <a:defRPr b="1" sz="2400">
+                <a:solidFill>
+                  <a:schemeClr val="dk2"/>
+                </a:solidFill>
+              </a:defRPr>
+            </a:lvl2pPr>
+            <a:lvl3pPr lvl="2" rtl="0" algn="r">
+              <a:buNone/>
+              <a:defRPr b="1" sz="2400">
+                <a:solidFill>
+                  <a:schemeClr val="dk2"/>
+                </a:solidFill>
+              </a:defRPr>
+            </a:lvl3pPr>
+            <a:lvl4pPr lvl="3" rtl="0" algn="r">
+              <a:buNone/>
+              <a:defRPr b="1" sz="2400">
+                <a:solidFill>
+                  <a:schemeClr val="dk2"/>
+                </a:solidFill>
+              </a:defRPr>
+            </a:lvl4pPr>
+            <a:lvl5pPr lvl="4" rtl="0" algn="r">
+              <a:buNone/>
+              <a:defRPr b="1" sz="2400">
+                <a:solidFill>
+                  <a:schemeClr val="dk2"/>
+                </a:solidFill>
+              </a:defRPr>
+            </a:lvl5pPr>
+            <a:lvl6pPr lvl="5" rtl="0" algn="r">
+              <a:buNone/>
+              <a:defRPr b="1" sz="2400">
+                <a:solidFill>
+                  <a:schemeClr val="dk2"/>
+                </a:solidFill>
+              </a:defRPr>
+            </a:lvl6pPr>
+            <a:lvl7pPr lvl="6" rtl="0" algn="r">
+              <a:buNone/>
+              <a:defRPr b="1" sz="2400">
+                <a:solidFill>
+                  <a:schemeClr val="dk2"/>
+                </a:solidFill>
+              </a:defRPr>
+            </a:lvl7pPr>
+            <a:lvl8pPr lvl="7" rtl="0" algn="r">
+              <a:buNone/>
+              <a:defRPr b="1" sz="2400">
+                <a:solidFill>
+                  <a:schemeClr val="dk2"/>
+                </a:solidFill>
+              </a:defRPr>
+            </a:lvl8pPr>
+            <a:lvl9pPr lvl="8" rtl="0" algn="r">
+              <a:buNone/>
+              <a:defRPr b="1" sz="2400">
+                <a:solidFill>
+                  <a:schemeClr val="dk2"/>
+                </a:solidFill>
+              </a:defRPr>
+            </a:lvl9pPr>
+          </a:lstStyle>
+          <a:p>
+            <a:pPr indent="0" lvl="0" marL="0" rtl="0" algn="r">
+              <a:spcBef>
+                <a:spcPts val="0"/>
+              </a:spcBef>
+              <a:spcAft>
+                <a:spcPts val="0"/>
+              </a:spcAft>
+              <a:buNone/>
+            </a:pPr>
+            <a:fld id="{00000000-1234-1234-1234-123412341234}" type="slidenum">
+              <a:rPr lang="en"/>
+              <a:t>‹#›</a:t>
+            </a:fld>
+            <a:endParaRPr/>
+          </a:p>
+          <a:p>
+            <a:pPr indent="0" lvl="0" marL="0" rtl="0" algn="r">
+              <a:spcBef>
+                <a:spcPts val="0"/>
+              </a:spcBef>
+              <a:spcAft>
+                <a:spcPts val="0"/>
+              </a:spcAft>
+              <a:buNone/>
+            </a:pPr>
+            <a:r>
+              <a:rPr b="0" lang="en" sz="900" u="sng">
+                <a:solidFill>
+                  <a:schemeClr val="hlink"/>
+                </a:solidFill>
+                <a:hlinkClick r:id="rId2"/>
+              </a:rPr>
+              <a:t>uni1.de/amos</a:t>
+            </a:r>
+            <a:r>
+              <a:rPr b="0" lang="en" sz="900"/>
+              <a:t> </a:t>
+            </a:r>
+            <a:endParaRPr b="0" sz="900"/>
           </a:p>
         </p:txBody>
       </p:sp>
@@ -7900,8 +7897,8 @@
         </p:nvSpPr>
         <p:spPr>
           <a:xfrm>
-            <a:off x="7315202" y="4416550"/>
-            <a:ext cx="1828800" cy="731400"/>
+            <a:off x="7315202" y="4229100"/>
+            <a:ext cx="1828800" cy="914400"/>
           </a:xfrm>
           <a:prstGeom prst="rect">
             <a:avLst/>
@@ -8016,19 +8013,19 @@
               <a:buNone/>
             </a:pPr>
             <a:r>
-              <a:rPr b="0" lang="en" sz="900" u="sng">
+              <a:rPr b="0" lang="en" sz="1000" u="sng">
                 <a:solidFill>
                   <a:schemeClr val="hlink"/>
                 </a:solidFill>
                 <a:hlinkClick r:id="rId1"/>
               </a:rPr>
-              <a:t>https://profriehle.com</a:t>
-            </a:r>
-            <a:r>
-              <a:rPr b="0" lang="en" sz="900"/>
+              <a:t>uni1.de/amos</a:t>
+            </a:r>
+            <a:r>
+              <a:rPr b="0" lang="en" sz="1000"/>
               <a:t> </a:t>
             </a:r>
-            <a:endParaRPr b="0" sz="900"/>
+            <a:endParaRPr b="0" sz="1000"/>
           </a:p>
         </p:txBody>
       </p:sp>
@@ -8964,8 +8961,8 @@
         </p:nvSpPr>
         <p:spPr>
           <a:xfrm>
-            <a:off x="7315202" y="4416550"/>
-            <a:ext cx="1828800" cy="731400"/>
+            <a:off x="7315202" y="4229100"/>
+            <a:ext cx="1828800" cy="914400"/>
           </a:xfrm>
           <a:prstGeom prst="rect">
             <a:avLst/>
@@ -8987,10 +8984,18 @@
               <a:buNone/>
             </a:pPr>
             <a:fld id="{00000000-1234-1234-1234-123412341234}" type="slidenum">
-              <a:rPr lang="en"/>
+              <a:rPr lang="en">
+                <a:solidFill>
+                  <a:schemeClr val="dk2"/>
+                </a:solidFill>
+              </a:rPr>
               <a:t>‹#›</a:t>
             </a:fld>
-            <a:endParaRPr/>
+            <a:endParaRPr>
+              <a:solidFill>
+                <a:schemeClr val="dk2"/>
+              </a:solidFill>
+            </a:endParaRPr>
           </a:p>
           <a:p>
             <a:pPr indent="0" lvl="0" marL="0" rtl="0" algn="r">
@@ -9009,7 +9014,7 @@
                 </a:solidFill>
                 <a:hlinkClick r:id="rId3"/>
               </a:rPr>
-              <a:t>https://profriehle.com</a:t>
+              <a:t>uni1.de/amos</a:t>
             </a:r>
             <a:r>
               <a:rPr b="0" lang="en" sz="900">
@@ -9019,7 +9024,11 @@
               </a:rPr>
               <a:t> </a:t>
             </a:r>
-            <a:endParaRPr/>
+            <a:endParaRPr b="0" sz="900">
+              <a:solidFill>
+                <a:schemeClr val="dk2"/>
+              </a:solidFill>
+            </a:endParaRPr>
           </a:p>
         </p:txBody>
       </p:sp>
@@ -9126,8 +9135,8 @@
         </p:nvSpPr>
         <p:spPr>
           <a:xfrm>
-            <a:off x="7315202" y="4416550"/>
-            <a:ext cx="1828800" cy="731400"/>
+            <a:off x="7315202" y="4229100"/>
+            <a:ext cx="1828800" cy="914400"/>
           </a:xfrm>
           <a:prstGeom prst="rect">
             <a:avLst/>
@@ -9149,10 +9158,18 @@
               <a:buNone/>
             </a:pPr>
             <a:fld id="{00000000-1234-1234-1234-123412341234}" type="slidenum">
-              <a:rPr lang="en"/>
+              <a:rPr lang="en">
+                <a:solidFill>
+                  <a:schemeClr val="dk2"/>
+                </a:solidFill>
+              </a:rPr>
               <a:t>‹#›</a:t>
             </a:fld>
-            <a:endParaRPr/>
+            <a:endParaRPr>
+              <a:solidFill>
+                <a:schemeClr val="dk2"/>
+              </a:solidFill>
+            </a:endParaRPr>
           </a:p>
           <a:p>
             <a:pPr indent="0" lvl="0" marL="0" rtl="0" algn="r">
@@ -9171,7 +9188,7 @@
                 </a:solidFill>
                 <a:hlinkClick r:id="rId3"/>
               </a:rPr>
-              <a:t>https://profriehle.com</a:t>
+              <a:t>uni1.de/amos</a:t>
             </a:r>
             <a:r>
               <a:rPr b="0" lang="en" sz="900">
@@ -9181,7 +9198,11 @@
               </a:rPr>
               <a:t> </a:t>
             </a:r>
-            <a:endParaRPr/>
+            <a:endParaRPr b="0" sz="900">
+              <a:solidFill>
+                <a:schemeClr val="dk2"/>
+              </a:solidFill>
+            </a:endParaRPr>
           </a:p>
         </p:txBody>
       </p:sp>
@@ -9353,8 +9374,8 @@
         </p:nvSpPr>
         <p:spPr>
           <a:xfrm>
-            <a:off x="7315202" y="4416550"/>
-            <a:ext cx="1828800" cy="731400"/>
+            <a:off x="7315202" y="4229100"/>
+            <a:ext cx="1828800" cy="914400"/>
           </a:xfrm>
           <a:prstGeom prst="rect">
             <a:avLst/>
@@ -9376,10 +9397,18 @@
               <a:buNone/>
             </a:pPr>
             <a:fld id="{00000000-1234-1234-1234-123412341234}" type="slidenum">
-              <a:rPr lang="en"/>
+              <a:rPr lang="en">
+                <a:solidFill>
+                  <a:schemeClr val="dk2"/>
+                </a:solidFill>
+              </a:rPr>
               <a:t>‹#›</a:t>
             </a:fld>
-            <a:endParaRPr/>
+            <a:endParaRPr>
+              <a:solidFill>
+                <a:schemeClr val="dk2"/>
+              </a:solidFill>
+            </a:endParaRPr>
           </a:p>
           <a:p>
             <a:pPr indent="0" lvl="0" marL="0" rtl="0" algn="r">
@@ -9398,7 +9427,7 @@
                 </a:solidFill>
                 <a:hlinkClick r:id="rId3"/>
               </a:rPr>
-              <a:t>https://profriehle.com</a:t>
+              <a:t>uni1.de/amos</a:t>
             </a:r>
             <a:r>
               <a:rPr b="0" lang="en" sz="900">
@@ -9408,7 +9437,11 @@
               </a:rPr>
               <a:t> </a:t>
             </a:r>
-            <a:endParaRPr/>
+            <a:endParaRPr b="0" sz="900">
+              <a:solidFill>
+                <a:schemeClr val="dk2"/>
+              </a:solidFill>
+            </a:endParaRPr>
           </a:p>
         </p:txBody>
       </p:sp>
@@ -9791,8 +9824,8 @@
         </p:nvSpPr>
         <p:spPr>
           <a:xfrm>
-            <a:off x="7315202" y="4416550"/>
-            <a:ext cx="1828800" cy="731400"/>
+            <a:off x="7315202" y="4229100"/>
+            <a:ext cx="1828800" cy="914400"/>
           </a:xfrm>
           <a:prstGeom prst="rect">
             <a:avLst/>
@@ -9814,10 +9847,18 @@
               <a:buNone/>
             </a:pPr>
             <a:fld id="{00000000-1234-1234-1234-123412341234}" type="slidenum">
-              <a:rPr lang="en"/>
+              <a:rPr lang="en">
+                <a:solidFill>
+                  <a:schemeClr val="dk2"/>
+                </a:solidFill>
+              </a:rPr>
               <a:t>‹#›</a:t>
             </a:fld>
-            <a:endParaRPr/>
+            <a:endParaRPr>
+              <a:solidFill>
+                <a:schemeClr val="dk2"/>
+              </a:solidFill>
+            </a:endParaRPr>
           </a:p>
           <a:p>
             <a:pPr indent="0" lvl="0" marL="0" rtl="0" algn="r">
@@ -9836,7 +9877,7 @@
                 </a:solidFill>
                 <a:hlinkClick r:id="rId3"/>
               </a:rPr>
-              <a:t>https://profriehle.com</a:t>
+              <a:t>uni1.de/amos</a:t>
             </a:r>
             <a:r>
               <a:rPr b="0" lang="en" sz="900">
@@ -9846,7 +9887,11 @@
               </a:rPr>
               <a:t> </a:t>
             </a:r>
-            <a:endParaRPr/>
+            <a:endParaRPr b="0" sz="900">
+              <a:solidFill>
+                <a:schemeClr val="dk2"/>
+              </a:solidFill>
+            </a:endParaRPr>
           </a:p>
         </p:txBody>
       </p:sp>
@@ -10059,8 +10104,8 @@
         </p:nvSpPr>
         <p:spPr>
           <a:xfrm>
-            <a:off x="7315202" y="4416550"/>
-            <a:ext cx="1828800" cy="731400"/>
+            <a:off x="7315202" y="4229100"/>
+            <a:ext cx="1828800" cy="914400"/>
           </a:xfrm>
           <a:prstGeom prst="rect">
             <a:avLst/>
@@ -10082,10 +10127,18 @@
               <a:buNone/>
             </a:pPr>
             <a:fld id="{00000000-1234-1234-1234-123412341234}" type="slidenum">
-              <a:rPr lang="en"/>
+              <a:rPr lang="en">
+                <a:solidFill>
+                  <a:schemeClr val="dk2"/>
+                </a:solidFill>
+              </a:rPr>
               <a:t>‹#›</a:t>
             </a:fld>
-            <a:endParaRPr/>
+            <a:endParaRPr>
+              <a:solidFill>
+                <a:schemeClr val="dk2"/>
+              </a:solidFill>
+            </a:endParaRPr>
           </a:p>
           <a:p>
             <a:pPr indent="0" lvl="0" marL="0" rtl="0" algn="r">
@@ -10104,7 +10157,7 @@
                 </a:solidFill>
                 <a:hlinkClick r:id="rId3"/>
               </a:rPr>
-              <a:t>https://profriehle.com</a:t>
+              <a:t>uni1.de/amos</a:t>
             </a:r>
             <a:r>
               <a:rPr b="0" lang="en" sz="900">
@@ -10114,7 +10167,11 @@
               </a:rPr>
               <a:t> </a:t>
             </a:r>
-            <a:endParaRPr/>
+            <a:endParaRPr b="0" sz="900">
+              <a:solidFill>
+                <a:schemeClr val="dk2"/>
+              </a:solidFill>
+            </a:endParaRPr>
           </a:p>
         </p:txBody>
       </p:sp>
@@ -10304,8 +10361,8 @@
         </p:nvSpPr>
         <p:spPr>
           <a:xfrm>
-            <a:off x="7315202" y="4416550"/>
-            <a:ext cx="1828800" cy="731400"/>
+            <a:off x="7315202" y="4229100"/>
+            <a:ext cx="1828800" cy="914400"/>
           </a:xfrm>
           <a:prstGeom prst="rect">
             <a:avLst/>
@@ -10327,10 +10384,18 @@
               <a:buNone/>
             </a:pPr>
             <a:fld id="{00000000-1234-1234-1234-123412341234}" type="slidenum">
-              <a:rPr lang="en"/>
+              <a:rPr lang="en">
+                <a:solidFill>
+                  <a:schemeClr val="dk2"/>
+                </a:solidFill>
+              </a:rPr>
               <a:t>‹#›</a:t>
             </a:fld>
-            <a:endParaRPr/>
+            <a:endParaRPr>
+              <a:solidFill>
+                <a:schemeClr val="dk2"/>
+              </a:solidFill>
+            </a:endParaRPr>
           </a:p>
           <a:p>
             <a:pPr indent="0" lvl="0" marL="0" rtl="0" algn="r">
@@ -10349,7 +10414,7 @@
                 </a:solidFill>
                 <a:hlinkClick r:id="rId3"/>
               </a:rPr>
-              <a:t>https://profriehle.com</a:t>
+              <a:t>uni1.de/amos</a:t>
             </a:r>
             <a:r>
               <a:rPr b="0" lang="en" sz="900">
@@ -10359,7 +10424,11 @@
               </a:rPr>
               <a:t> </a:t>
             </a:r>
-            <a:endParaRPr/>
+            <a:endParaRPr b="0" sz="900">
+              <a:solidFill>
+                <a:schemeClr val="dk2"/>
+              </a:solidFill>
+            </a:endParaRPr>
           </a:p>
         </p:txBody>
       </p:sp>
@@ -10572,8 +10641,8 @@
         </p:nvSpPr>
         <p:spPr>
           <a:xfrm>
-            <a:off x="7315202" y="4416550"/>
-            <a:ext cx="1828800" cy="731400"/>
+            <a:off x="7315202" y="4229100"/>
+            <a:ext cx="1828800" cy="914400"/>
           </a:xfrm>
           <a:prstGeom prst="rect">
             <a:avLst/>
@@ -10595,10 +10664,18 @@
               <a:buNone/>
             </a:pPr>
             <a:fld id="{00000000-1234-1234-1234-123412341234}" type="slidenum">
-              <a:rPr lang="en"/>
+              <a:rPr lang="en">
+                <a:solidFill>
+                  <a:schemeClr val="dk2"/>
+                </a:solidFill>
+              </a:rPr>
               <a:t>‹#›</a:t>
             </a:fld>
-            <a:endParaRPr/>
+            <a:endParaRPr>
+              <a:solidFill>
+                <a:schemeClr val="dk2"/>
+              </a:solidFill>
+            </a:endParaRPr>
           </a:p>
           <a:p>
             <a:pPr indent="0" lvl="0" marL="0" rtl="0" algn="r">
@@ -10617,7 +10694,7 @@
                 </a:solidFill>
                 <a:hlinkClick r:id="rId3"/>
               </a:rPr>
-              <a:t>https://profriehle.com</a:t>
+              <a:t>uni1.de/amos</a:t>
             </a:r>
             <a:r>
               <a:rPr b="0" lang="en" sz="900">
@@ -10627,7 +10704,11 @@
               </a:rPr>
               <a:t> </a:t>
             </a:r>
-            <a:endParaRPr/>
+            <a:endParaRPr b="0" sz="900">
+              <a:solidFill>
+                <a:schemeClr val="dk2"/>
+              </a:solidFill>
+            </a:endParaRPr>
           </a:p>
         </p:txBody>
       </p:sp>
@@ -10790,8 +10871,8 @@
         </p:nvSpPr>
         <p:spPr>
           <a:xfrm>
-            <a:off x="7315202" y="4416550"/>
-            <a:ext cx="1828800" cy="731400"/>
+            <a:off x="7315202" y="4229100"/>
+            <a:ext cx="1828800" cy="914400"/>
           </a:xfrm>
           <a:prstGeom prst="rect">
             <a:avLst/>
@@ -10813,10 +10894,18 @@
               <a:buNone/>
             </a:pPr>
             <a:fld id="{00000000-1234-1234-1234-123412341234}" type="slidenum">
-              <a:rPr lang="en"/>
+              <a:rPr lang="en">
+                <a:solidFill>
+                  <a:schemeClr val="dk2"/>
+                </a:solidFill>
+              </a:rPr>
               <a:t>‹#›</a:t>
             </a:fld>
-            <a:endParaRPr/>
+            <a:endParaRPr>
+              <a:solidFill>
+                <a:schemeClr val="dk2"/>
+              </a:solidFill>
+            </a:endParaRPr>
           </a:p>
           <a:p>
             <a:pPr indent="0" lvl="0" marL="0" rtl="0" algn="r">
@@ -10835,7 +10924,7 @@
                 </a:solidFill>
                 <a:hlinkClick r:id="rId3"/>
               </a:rPr>
-              <a:t>https://profriehle.com</a:t>
+              <a:t>uni1.de/amos</a:t>
             </a:r>
             <a:r>
               <a:rPr b="0" lang="en" sz="900">
@@ -10845,7 +10934,11 @@
               </a:rPr>
               <a:t> </a:t>
             </a:r>
-            <a:endParaRPr/>
+            <a:endParaRPr b="0" sz="900">
+              <a:solidFill>
+                <a:schemeClr val="dk2"/>
+              </a:solidFill>
+            </a:endParaRPr>
           </a:p>
         </p:txBody>
       </p:sp>
@@ -10989,8 +11082,8 @@
         </p:nvSpPr>
         <p:spPr>
           <a:xfrm>
-            <a:off x="7315202" y="4416550"/>
-            <a:ext cx="1828800" cy="731400"/>
+            <a:off x="7315202" y="4229100"/>
+            <a:ext cx="1828800" cy="914400"/>
           </a:xfrm>
           <a:prstGeom prst="rect">
             <a:avLst/>
@@ -11012,10 +11105,18 @@
               <a:buNone/>
             </a:pPr>
             <a:fld id="{00000000-1234-1234-1234-123412341234}" type="slidenum">
-              <a:rPr lang="en"/>
+              <a:rPr lang="en">
+                <a:solidFill>
+                  <a:schemeClr val="dk2"/>
+                </a:solidFill>
+              </a:rPr>
               <a:t>‹#›</a:t>
             </a:fld>
-            <a:endParaRPr/>
+            <a:endParaRPr>
+              <a:solidFill>
+                <a:schemeClr val="dk2"/>
+              </a:solidFill>
+            </a:endParaRPr>
           </a:p>
           <a:p>
             <a:pPr indent="0" lvl="0" marL="0" rtl="0" algn="r">
@@ -11034,7 +11135,7 @@
                 </a:solidFill>
                 <a:hlinkClick r:id="rId3"/>
               </a:rPr>
-              <a:t>https://profriehle.com</a:t>
+              <a:t>uni1.de/amos</a:t>
             </a:r>
             <a:r>
               <a:rPr b="0" lang="en" sz="900">
@@ -11044,7 +11145,11 @@
               </a:rPr>
               <a:t> </a:t>
             </a:r>
-            <a:endParaRPr/>
+            <a:endParaRPr b="0" sz="900">
+              <a:solidFill>
+                <a:schemeClr val="dk2"/>
+              </a:solidFill>
+            </a:endParaRPr>
           </a:p>
         </p:txBody>
       </p:sp>
@@ -11264,8 +11369,8 @@
         </p:nvSpPr>
         <p:spPr>
           <a:xfrm>
-            <a:off x="7315202" y="4416550"/>
-            <a:ext cx="1828800" cy="731400"/>
+            <a:off x="7315202" y="4229100"/>
+            <a:ext cx="1828800" cy="914400"/>
           </a:xfrm>
           <a:prstGeom prst="rect">
             <a:avLst/>
@@ -11287,10 +11392,18 @@
               <a:buNone/>
             </a:pPr>
             <a:fld id="{00000000-1234-1234-1234-123412341234}" type="slidenum">
-              <a:rPr lang="en"/>
+              <a:rPr lang="en">
+                <a:solidFill>
+                  <a:schemeClr val="dk2"/>
+                </a:solidFill>
+              </a:rPr>
               <a:t>‹#›</a:t>
             </a:fld>
-            <a:endParaRPr/>
+            <a:endParaRPr>
+              <a:solidFill>
+                <a:schemeClr val="dk2"/>
+              </a:solidFill>
+            </a:endParaRPr>
           </a:p>
           <a:p>
             <a:pPr indent="0" lvl="0" marL="0" rtl="0" algn="r">
@@ -11309,7 +11422,7 @@
                 </a:solidFill>
                 <a:hlinkClick r:id="rId3"/>
               </a:rPr>
-              <a:t>https://profriehle.com</a:t>
+              <a:t>uni1.de/amos</a:t>
             </a:r>
             <a:r>
               <a:rPr b="0" lang="en" sz="900">
@@ -11319,7 +11432,11 @@
               </a:rPr>
               <a:t> </a:t>
             </a:r>
-            <a:endParaRPr/>
+            <a:endParaRPr b="0" sz="900">
+              <a:solidFill>
+                <a:schemeClr val="dk2"/>
+              </a:solidFill>
+            </a:endParaRPr>
           </a:p>
         </p:txBody>
       </p:sp>
@@ -11398,8 +11515,8 @@
         </p:nvSpPr>
         <p:spPr>
           <a:xfrm>
-            <a:off x="7315202" y="4416550"/>
-            <a:ext cx="1828800" cy="731400"/>
+            <a:off x="7315202" y="4229100"/>
+            <a:ext cx="1828800" cy="914400"/>
           </a:xfrm>
           <a:prstGeom prst="rect">
             <a:avLst/>
@@ -11421,10 +11538,18 @@
               <a:buNone/>
             </a:pPr>
             <a:fld id="{00000000-1234-1234-1234-123412341234}" type="slidenum">
-              <a:rPr lang="en"/>
+              <a:rPr lang="en">
+                <a:solidFill>
+                  <a:schemeClr val="dk2"/>
+                </a:solidFill>
+              </a:rPr>
               <a:t>‹#›</a:t>
             </a:fld>
-            <a:endParaRPr/>
+            <a:endParaRPr>
+              <a:solidFill>
+                <a:schemeClr val="dk2"/>
+              </a:solidFill>
+            </a:endParaRPr>
           </a:p>
           <a:p>
             <a:pPr indent="0" lvl="0" marL="0" rtl="0" algn="r">
@@ -11443,7 +11568,7 @@
                 </a:solidFill>
                 <a:hlinkClick r:id="rId3"/>
               </a:rPr>
-              <a:t>https://profriehle.com</a:t>
+              <a:t>uni1.de/amos</a:t>
             </a:r>
             <a:r>
               <a:rPr b="0" lang="en" sz="900">
@@ -11453,7 +11578,11 @@
               </a:rPr>
               <a:t> </a:t>
             </a:r>
-            <a:endParaRPr/>
+            <a:endParaRPr b="0" sz="900">
+              <a:solidFill>
+                <a:schemeClr val="dk2"/>
+              </a:solidFill>
+            </a:endParaRPr>
           </a:p>
         </p:txBody>
       </p:sp>
@@ -11720,8 +11849,8 @@
         </p:nvSpPr>
         <p:spPr>
           <a:xfrm>
-            <a:off x="7315202" y="4416550"/>
-            <a:ext cx="1828800" cy="731400"/>
+            <a:off x="7315202" y="4229100"/>
+            <a:ext cx="1828800" cy="914400"/>
           </a:xfrm>
           <a:prstGeom prst="rect">
             <a:avLst/>
@@ -11743,10 +11872,18 @@
               <a:buNone/>
             </a:pPr>
             <a:fld id="{00000000-1234-1234-1234-123412341234}" type="slidenum">
-              <a:rPr lang="en"/>
+              <a:rPr lang="en">
+                <a:solidFill>
+                  <a:schemeClr val="dk2"/>
+                </a:solidFill>
+              </a:rPr>
               <a:t>‹#›</a:t>
             </a:fld>
-            <a:endParaRPr/>
+            <a:endParaRPr>
+              <a:solidFill>
+                <a:schemeClr val="dk2"/>
+              </a:solidFill>
+            </a:endParaRPr>
           </a:p>
           <a:p>
             <a:pPr indent="0" lvl="0" marL="0" rtl="0" algn="r">
@@ -11765,7 +11902,7 @@
                 </a:solidFill>
                 <a:hlinkClick r:id="rId3"/>
               </a:rPr>
-              <a:t>https://profriehle.com</a:t>
+              <a:t>uni1.de/amos</a:t>
             </a:r>
             <a:r>
               <a:rPr b="0" lang="en" sz="900">
@@ -11775,7 +11912,11 @@
               </a:rPr>
               <a:t> </a:t>
             </a:r>
-            <a:endParaRPr/>
+            <a:endParaRPr b="0" sz="900">
+              <a:solidFill>
+                <a:schemeClr val="dk2"/>
+              </a:solidFill>
+            </a:endParaRPr>
           </a:p>
         </p:txBody>
       </p:sp>
@@ -12053,8 +12194,8 @@
         </p:nvSpPr>
         <p:spPr>
           <a:xfrm>
-            <a:off x="7315202" y="4416550"/>
-            <a:ext cx="1828800" cy="731400"/>
+            <a:off x="7315202" y="4229100"/>
+            <a:ext cx="1828800" cy="914400"/>
           </a:xfrm>
           <a:prstGeom prst="rect">
             <a:avLst/>
@@ -12076,10 +12217,18 @@
               <a:buNone/>
             </a:pPr>
             <a:fld id="{00000000-1234-1234-1234-123412341234}" type="slidenum">
-              <a:rPr lang="en"/>
+              <a:rPr lang="en">
+                <a:solidFill>
+                  <a:schemeClr val="dk2"/>
+                </a:solidFill>
+              </a:rPr>
               <a:t>‹#›</a:t>
             </a:fld>
-            <a:endParaRPr/>
+            <a:endParaRPr>
+              <a:solidFill>
+                <a:schemeClr val="dk2"/>
+              </a:solidFill>
+            </a:endParaRPr>
           </a:p>
           <a:p>
             <a:pPr indent="0" lvl="0" marL="0" rtl="0" algn="r">
@@ -12098,7 +12247,7 @@
                 </a:solidFill>
                 <a:hlinkClick r:id="rId3"/>
               </a:rPr>
-              <a:t>https://profriehle.com</a:t>
+              <a:t>uni1.de/amos</a:t>
             </a:r>
             <a:r>
               <a:rPr b="0" lang="en" sz="900">
@@ -12108,7 +12257,11 @@
               </a:rPr>
               <a:t> </a:t>
             </a:r>
-            <a:endParaRPr/>
+            <a:endParaRPr b="0" sz="900">
+              <a:solidFill>
+                <a:schemeClr val="dk2"/>
+              </a:solidFill>
+            </a:endParaRPr>
           </a:p>
         </p:txBody>
       </p:sp>
@@ -12187,8 +12340,8 @@
         </p:nvSpPr>
         <p:spPr>
           <a:xfrm>
-            <a:off x="7315202" y="4416550"/>
-            <a:ext cx="1828800" cy="731400"/>
+            <a:off x="7315202" y="4229100"/>
+            <a:ext cx="1828800" cy="914400"/>
           </a:xfrm>
           <a:prstGeom prst="rect">
             <a:avLst/>
@@ -12210,10 +12363,18 @@
               <a:buNone/>
             </a:pPr>
             <a:fld id="{00000000-1234-1234-1234-123412341234}" type="slidenum">
-              <a:rPr lang="en"/>
+              <a:rPr lang="en">
+                <a:solidFill>
+                  <a:schemeClr val="dk2"/>
+                </a:solidFill>
+              </a:rPr>
               <a:t>‹#›</a:t>
             </a:fld>
-            <a:endParaRPr/>
+            <a:endParaRPr>
+              <a:solidFill>
+                <a:schemeClr val="dk2"/>
+              </a:solidFill>
+            </a:endParaRPr>
           </a:p>
           <a:p>
             <a:pPr indent="0" lvl="0" marL="0" rtl="0" algn="r">
@@ -12232,7 +12393,7 @@
                 </a:solidFill>
                 <a:hlinkClick r:id="rId3"/>
               </a:rPr>
-              <a:t>https://profriehle.com</a:t>
+              <a:t>uni1.de/amos</a:t>
             </a:r>
             <a:r>
               <a:rPr b="0" lang="en" sz="900">
@@ -12242,7 +12403,11 @@
               </a:rPr>
               <a:t> </a:t>
             </a:r>
-            <a:endParaRPr/>
+            <a:endParaRPr b="0" sz="900">
+              <a:solidFill>
+                <a:schemeClr val="dk2"/>
+              </a:solidFill>
+            </a:endParaRPr>
           </a:p>
         </p:txBody>
       </p:sp>
@@ -12537,8 +12702,8 @@
         </p:nvSpPr>
         <p:spPr>
           <a:xfrm>
-            <a:off x="7315202" y="4416550"/>
-            <a:ext cx="1828800" cy="731400"/>
+            <a:off x="7315202" y="4229100"/>
+            <a:ext cx="1828800" cy="914400"/>
           </a:xfrm>
           <a:prstGeom prst="rect">
             <a:avLst/>
@@ -12560,10 +12725,18 @@
               <a:buNone/>
             </a:pPr>
             <a:fld id="{00000000-1234-1234-1234-123412341234}" type="slidenum">
-              <a:rPr lang="en"/>
+              <a:rPr lang="en">
+                <a:solidFill>
+                  <a:schemeClr val="dk2"/>
+                </a:solidFill>
+              </a:rPr>
               <a:t>‹#›</a:t>
             </a:fld>
-            <a:endParaRPr/>
+            <a:endParaRPr>
+              <a:solidFill>
+                <a:schemeClr val="dk2"/>
+              </a:solidFill>
+            </a:endParaRPr>
           </a:p>
           <a:p>
             <a:pPr indent="0" lvl="0" marL="0" rtl="0" algn="r">
@@ -12582,7 +12755,7 @@
                 </a:solidFill>
                 <a:hlinkClick r:id="rId3"/>
               </a:rPr>
-              <a:t>https://profriehle.com</a:t>
+              <a:t>uni1.de/amos</a:t>
             </a:r>
             <a:r>
               <a:rPr b="0" lang="en" sz="900">
@@ -12592,7 +12765,11 @@
               </a:rPr>
               <a:t> </a:t>
             </a:r>
-            <a:endParaRPr/>
+            <a:endParaRPr b="0" sz="900">
+              <a:solidFill>
+                <a:schemeClr val="dk2"/>
+              </a:solidFill>
+            </a:endParaRPr>
           </a:p>
         </p:txBody>
       </p:sp>
@@ -12747,8 +12924,8 @@
         </p:nvSpPr>
         <p:spPr>
           <a:xfrm>
-            <a:off x="7315202" y="4416550"/>
-            <a:ext cx="1828800" cy="731400"/>
+            <a:off x="7315202" y="4229100"/>
+            <a:ext cx="1828800" cy="914400"/>
           </a:xfrm>
           <a:prstGeom prst="rect">
             <a:avLst/>
@@ -12770,10 +12947,18 @@
               <a:buNone/>
             </a:pPr>
             <a:fld id="{00000000-1234-1234-1234-123412341234}" type="slidenum">
-              <a:rPr lang="en"/>
+              <a:rPr lang="en">
+                <a:solidFill>
+                  <a:schemeClr val="dk2"/>
+                </a:solidFill>
+              </a:rPr>
               <a:t>‹#›</a:t>
             </a:fld>
-            <a:endParaRPr/>
+            <a:endParaRPr>
+              <a:solidFill>
+                <a:schemeClr val="dk2"/>
+              </a:solidFill>
+            </a:endParaRPr>
           </a:p>
           <a:p>
             <a:pPr indent="0" lvl="0" marL="0" rtl="0" algn="r">
@@ -12792,7 +12977,7 @@
                 </a:solidFill>
                 <a:hlinkClick r:id="rId3"/>
               </a:rPr>
-              <a:t>https://profriehle.com</a:t>
+              <a:t>uni1.de/amos</a:t>
             </a:r>
             <a:r>
               <a:rPr b="0" lang="en" sz="900">
@@ -12802,7 +12987,11 @@
               </a:rPr>
               <a:t> </a:t>
             </a:r>
-            <a:endParaRPr/>
+            <a:endParaRPr b="0" sz="900">
+              <a:solidFill>
+                <a:schemeClr val="dk2"/>
+              </a:solidFill>
+            </a:endParaRPr>
           </a:p>
         </p:txBody>
       </p:sp>
@@ -12965,8 +13154,8 @@
         </p:nvSpPr>
         <p:spPr>
           <a:xfrm>
-            <a:off x="7315202" y="4416550"/>
-            <a:ext cx="1828800" cy="731400"/>
+            <a:off x="7315202" y="4229100"/>
+            <a:ext cx="1828800" cy="914400"/>
           </a:xfrm>
           <a:prstGeom prst="rect">
             <a:avLst/>
@@ -12988,10 +13177,18 @@
               <a:buNone/>
             </a:pPr>
             <a:fld id="{00000000-1234-1234-1234-123412341234}" type="slidenum">
-              <a:rPr lang="en"/>
+              <a:rPr lang="en">
+                <a:solidFill>
+                  <a:schemeClr val="dk2"/>
+                </a:solidFill>
+              </a:rPr>
               <a:t>‹#›</a:t>
             </a:fld>
-            <a:endParaRPr/>
+            <a:endParaRPr>
+              <a:solidFill>
+                <a:schemeClr val="dk2"/>
+              </a:solidFill>
+            </a:endParaRPr>
           </a:p>
           <a:p>
             <a:pPr indent="0" lvl="0" marL="0" rtl="0" algn="r">
@@ -13010,7 +13207,7 @@
                 </a:solidFill>
                 <a:hlinkClick r:id="rId3"/>
               </a:rPr>
-              <a:t>https://profriehle.com</a:t>
+              <a:t>uni1.de/amos</a:t>
             </a:r>
             <a:r>
               <a:rPr b="0" lang="en" sz="900">
@@ -13020,7 +13217,11 @@
               </a:rPr>
               <a:t> </a:t>
             </a:r>
-            <a:endParaRPr/>
+            <a:endParaRPr b="0" sz="900">
+              <a:solidFill>
+                <a:schemeClr val="dk2"/>
+              </a:solidFill>
+            </a:endParaRPr>
           </a:p>
         </p:txBody>
       </p:sp>
@@ -13160,8 +13361,8 @@
         </p:nvSpPr>
         <p:spPr>
           <a:xfrm>
-            <a:off x="7315202" y="4416550"/>
-            <a:ext cx="1828800" cy="731400"/>
+            <a:off x="7315202" y="4229100"/>
+            <a:ext cx="1828800" cy="914400"/>
           </a:xfrm>
           <a:prstGeom prst="rect">
             <a:avLst/>
@@ -13183,10 +13384,18 @@
               <a:buNone/>
             </a:pPr>
             <a:fld id="{00000000-1234-1234-1234-123412341234}" type="slidenum">
-              <a:rPr lang="en"/>
+              <a:rPr lang="en">
+                <a:solidFill>
+                  <a:schemeClr val="dk2"/>
+                </a:solidFill>
+              </a:rPr>
               <a:t>‹#›</a:t>
             </a:fld>
-            <a:endParaRPr/>
+            <a:endParaRPr>
+              <a:solidFill>
+                <a:schemeClr val="dk2"/>
+              </a:solidFill>
+            </a:endParaRPr>
           </a:p>
           <a:p>
             <a:pPr indent="0" lvl="0" marL="0" rtl="0" algn="r">
@@ -13205,7 +13414,7 @@
                 </a:solidFill>
                 <a:hlinkClick r:id="rId3"/>
               </a:rPr>
-              <a:t>https://profriehle.com</a:t>
+              <a:t>uni1.de/amos</a:t>
             </a:r>
             <a:r>
               <a:rPr b="0" lang="en" sz="900">
@@ -13215,7 +13424,11 @@
               </a:rPr>
               <a:t> </a:t>
             </a:r>
-            <a:endParaRPr/>
+            <a:endParaRPr b="0" sz="900">
+              <a:solidFill>
+                <a:schemeClr val="dk2"/>
+              </a:solidFill>
+            </a:endParaRPr>
           </a:p>
         </p:txBody>
       </p:sp>
@@ -13294,8 +13507,8 @@
         </p:nvSpPr>
         <p:spPr>
           <a:xfrm>
-            <a:off x="7315202" y="4416550"/>
-            <a:ext cx="1828800" cy="731400"/>
+            <a:off x="7315202" y="4229100"/>
+            <a:ext cx="1828800" cy="914400"/>
           </a:xfrm>
           <a:prstGeom prst="rect">
             <a:avLst/>
@@ -13317,10 +13530,18 @@
               <a:buNone/>
             </a:pPr>
             <a:fld id="{00000000-1234-1234-1234-123412341234}" type="slidenum">
-              <a:rPr lang="en"/>
+              <a:rPr lang="en">
+                <a:solidFill>
+                  <a:schemeClr val="dk2"/>
+                </a:solidFill>
+              </a:rPr>
               <a:t>‹#›</a:t>
             </a:fld>
-            <a:endParaRPr/>
+            <a:endParaRPr>
+              <a:solidFill>
+                <a:schemeClr val="dk2"/>
+              </a:solidFill>
+            </a:endParaRPr>
           </a:p>
           <a:p>
             <a:pPr indent="0" lvl="0" marL="0" rtl="0" algn="r">
@@ -13339,7 +13560,7 @@
                 </a:solidFill>
                 <a:hlinkClick r:id="rId3"/>
               </a:rPr>
-              <a:t>https://profriehle.com</a:t>
+              <a:t>uni1.de/amos</a:t>
             </a:r>
             <a:r>
               <a:rPr b="0" lang="en" sz="900">
@@ -13349,7 +13570,11 @@
               </a:rPr>
               <a:t> </a:t>
             </a:r>
-            <a:endParaRPr/>
+            <a:endParaRPr b="0" sz="900">
+              <a:solidFill>
+                <a:schemeClr val="dk2"/>
+              </a:solidFill>
+            </a:endParaRPr>
           </a:p>
         </p:txBody>
       </p:sp>
@@ -13747,8 +13972,8 @@
         </p:nvSpPr>
         <p:spPr>
           <a:xfrm>
-            <a:off x="7315202" y="4416550"/>
-            <a:ext cx="1828800" cy="731400"/>
+            <a:off x="7315202" y="4229100"/>
+            <a:ext cx="1828800" cy="914400"/>
           </a:xfrm>
           <a:prstGeom prst="rect">
             <a:avLst/>
@@ -13770,10 +13995,18 @@
               <a:buNone/>
             </a:pPr>
             <a:fld id="{00000000-1234-1234-1234-123412341234}" type="slidenum">
-              <a:rPr lang="en"/>
+              <a:rPr lang="en">
+                <a:solidFill>
+                  <a:schemeClr val="dk2"/>
+                </a:solidFill>
+              </a:rPr>
               <a:t>‹#›</a:t>
             </a:fld>
-            <a:endParaRPr/>
+            <a:endParaRPr>
+              <a:solidFill>
+                <a:schemeClr val="dk2"/>
+              </a:solidFill>
+            </a:endParaRPr>
           </a:p>
           <a:p>
             <a:pPr indent="0" lvl="0" marL="0" rtl="0" algn="r">
@@ -13792,7 +14025,7 @@
                 </a:solidFill>
                 <a:hlinkClick r:id="rId3"/>
               </a:rPr>
-              <a:t>https://profriehle.com</a:t>
+              <a:t>uni1.de/amos</a:t>
             </a:r>
             <a:r>
               <a:rPr b="0" lang="en" sz="900">
@@ -13802,7 +14035,11 @@
               </a:rPr>
               <a:t> </a:t>
             </a:r>
-            <a:endParaRPr/>
+            <a:endParaRPr b="0" sz="900">
+              <a:solidFill>
+                <a:schemeClr val="dk2"/>
+              </a:solidFill>
+            </a:endParaRPr>
           </a:p>
         </p:txBody>
       </p:sp>
@@ -13973,8 +14210,8 @@
         </p:nvSpPr>
         <p:spPr>
           <a:xfrm>
-            <a:off x="7315202" y="4416550"/>
-            <a:ext cx="1828800" cy="731400"/>
+            <a:off x="7315202" y="4229100"/>
+            <a:ext cx="1828800" cy="914400"/>
           </a:xfrm>
           <a:prstGeom prst="rect">
             <a:avLst/>
@@ -13996,10 +14233,18 @@
               <a:buNone/>
             </a:pPr>
             <a:fld id="{00000000-1234-1234-1234-123412341234}" type="slidenum">
-              <a:rPr lang="en"/>
+              <a:rPr lang="en">
+                <a:solidFill>
+                  <a:schemeClr val="dk2"/>
+                </a:solidFill>
+              </a:rPr>
               <a:t>‹#›</a:t>
             </a:fld>
-            <a:endParaRPr/>
+            <a:endParaRPr>
+              <a:solidFill>
+                <a:schemeClr val="dk2"/>
+              </a:solidFill>
+            </a:endParaRPr>
           </a:p>
           <a:p>
             <a:pPr indent="0" lvl="0" marL="0" rtl="0" algn="r">
@@ -14018,7 +14263,7 @@
                 </a:solidFill>
                 <a:hlinkClick r:id="rId3"/>
               </a:rPr>
-              <a:t>https://profriehle.com</a:t>
+              <a:t>uni1.de/amos</a:t>
             </a:r>
             <a:r>
               <a:rPr b="0" lang="en" sz="900">
@@ -14028,7 +14273,11 @@
               </a:rPr>
               <a:t> </a:t>
             </a:r>
-            <a:endParaRPr/>
+            <a:endParaRPr b="0" sz="900">
+              <a:solidFill>
+                <a:schemeClr val="dk2"/>
+              </a:solidFill>
+            </a:endParaRPr>
           </a:p>
         </p:txBody>
       </p:sp>
@@ -14267,8 +14516,8 @@
         </p:nvSpPr>
         <p:spPr>
           <a:xfrm>
-            <a:off x="7315202" y="4416550"/>
-            <a:ext cx="1828800" cy="731400"/>
+            <a:off x="7315202" y="4229100"/>
+            <a:ext cx="1828800" cy="914400"/>
           </a:xfrm>
           <a:prstGeom prst="rect">
             <a:avLst/>
@@ -14290,10 +14539,18 @@
               <a:buNone/>
             </a:pPr>
             <a:fld id="{00000000-1234-1234-1234-123412341234}" type="slidenum">
-              <a:rPr lang="en"/>
+              <a:rPr lang="en">
+                <a:solidFill>
+                  <a:schemeClr val="dk2"/>
+                </a:solidFill>
+              </a:rPr>
               <a:t>‹#›</a:t>
             </a:fld>
-            <a:endParaRPr/>
+            <a:endParaRPr>
+              <a:solidFill>
+                <a:schemeClr val="dk2"/>
+              </a:solidFill>
+            </a:endParaRPr>
           </a:p>
           <a:p>
             <a:pPr indent="0" lvl="0" marL="0" rtl="0" algn="r">
@@ -14312,7 +14569,7 @@
                 </a:solidFill>
                 <a:hlinkClick r:id="rId3"/>
               </a:rPr>
-              <a:t>https://profriehle.com</a:t>
+              <a:t>uni1.de/amos</a:t>
             </a:r>
             <a:r>
               <a:rPr b="0" lang="en" sz="900">
@@ -14322,7 +14579,11 @@
               </a:rPr>
               <a:t> </a:t>
             </a:r>
-            <a:endParaRPr/>
+            <a:endParaRPr b="0" sz="900">
+              <a:solidFill>
+                <a:schemeClr val="dk2"/>
+              </a:solidFill>
+            </a:endParaRPr>
           </a:p>
         </p:txBody>
       </p:sp>
@@ -14544,8 +14805,8 @@
         </p:nvSpPr>
         <p:spPr>
           <a:xfrm>
-            <a:off x="7315202" y="4416550"/>
-            <a:ext cx="1828800" cy="731400"/>
+            <a:off x="7315202" y="4229100"/>
+            <a:ext cx="1828800" cy="914400"/>
           </a:xfrm>
           <a:prstGeom prst="rect">
             <a:avLst/>
@@ -14567,10 +14828,18 @@
               <a:buNone/>
             </a:pPr>
             <a:fld id="{00000000-1234-1234-1234-123412341234}" type="slidenum">
-              <a:rPr lang="en"/>
+              <a:rPr lang="en">
+                <a:solidFill>
+                  <a:schemeClr val="dk2"/>
+                </a:solidFill>
+              </a:rPr>
               <a:t>‹#›</a:t>
             </a:fld>
-            <a:endParaRPr/>
+            <a:endParaRPr>
+              <a:solidFill>
+                <a:schemeClr val="dk2"/>
+              </a:solidFill>
+            </a:endParaRPr>
           </a:p>
           <a:p>
             <a:pPr indent="0" lvl="0" marL="0" rtl="0" algn="r">
@@ -14589,7 +14858,7 @@
                 </a:solidFill>
                 <a:hlinkClick r:id="rId3"/>
               </a:rPr>
-              <a:t>https://profriehle.com</a:t>
+              <a:t>uni1.de/amos</a:t>
             </a:r>
             <a:r>
               <a:rPr b="0" lang="en" sz="900">
@@ -14599,7 +14868,11 @@
               </a:rPr>
               <a:t> </a:t>
             </a:r>
-            <a:endParaRPr/>
+            <a:endParaRPr b="0" sz="900">
+              <a:solidFill>
+                <a:schemeClr val="dk2"/>
+              </a:solidFill>
+            </a:endParaRPr>
           </a:p>
         </p:txBody>
       </p:sp>
@@ -14948,8 +15221,8 @@
         </p:nvSpPr>
         <p:spPr>
           <a:xfrm>
-            <a:off x="7315202" y="4416550"/>
-            <a:ext cx="1828800" cy="731400"/>
+            <a:off x="7315202" y="4229100"/>
+            <a:ext cx="1828800" cy="914400"/>
           </a:xfrm>
           <a:prstGeom prst="rect">
             <a:avLst/>
@@ -14971,10 +15244,18 @@
               <a:buNone/>
             </a:pPr>
             <a:fld id="{00000000-1234-1234-1234-123412341234}" type="slidenum">
-              <a:rPr lang="en"/>
+              <a:rPr lang="en">
+                <a:solidFill>
+                  <a:schemeClr val="dk2"/>
+                </a:solidFill>
+              </a:rPr>
               <a:t>‹#›</a:t>
             </a:fld>
-            <a:endParaRPr/>
+            <a:endParaRPr>
+              <a:solidFill>
+                <a:schemeClr val="dk2"/>
+              </a:solidFill>
+            </a:endParaRPr>
           </a:p>
           <a:p>
             <a:pPr indent="0" lvl="0" marL="0" rtl="0" algn="r">
@@ -14993,7 +15274,7 @@
                 </a:solidFill>
                 <a:hlinkClick r:id="rId3"/>
               </a:rPr>
-              <a:t>https://profriehle.com</a:t>
+              <a:t>uni1.de/amos</a:t>
             </a:r>
             <a:r>
               <a:rPr b="0" lang="en" sz="900">
@@ -15003,7 +15284,11 @@
               </a:rPr>
               <a:t> </a:t>
             </a:r>
-            <a:endParaRPr/>
+            <a:endParaRPr b="0" sz="900">
+              <a:solidFill>
+                <a:schemeClr val="dk2"/>
+              </a:solidFill>
+            </a:endParaRPr>
           </a:p>
         </p:txBody>
       </p:sp>
@@ -15280,8 +15565,8 @@
         </p:nvSpPr>
         <p:spPr>
           <a:xfrm>
-            <a:off x="7315202" y="4416550"/>
-            <a:ext cx="1828800" cy="731400"/>
+            <a:off x="7315202" y="4229100"/>
+            <a:ext cx="1828800" cy="914400"/>
           </a:xfrm>
           <a:prstGeom prst="rect">
             <a:avLst/>
@@ -15303,10 +15588,18 @@
               <a:buNone/>
             </a:pPr>
             <a:fld id="{00000000-1234-1234-1234-123412341234}" type="slidenum">
-              <a:rPr lang="en"/>
+              <a:rPr lang="en">
+                <a:solidFill>
+                  <a:schemeClr val="dk2"/>
+                </a:solidFill>
+              </a:rPr>
               <a:t>‹#›</a:t>
             </a:fld>
-            <a:endParaRPr/>
+            <a:endParaRPr>
+              <a:solidFill>
+                <a:schemeClr val="dk2"/>
+              </a:solidFill>
+            </a:endParaRPr>
           </a:p>
           <a:p>
             <a:pPr indent="0" lvl="0" marL="0" rtl="0" algn="r">
@@ -15325,7 +15618,7 @@
                 </a:solidFill>
                 <a:hlinkClick r:id="rId3"/>
               </a:rPr>
-              <a:t>https://profriehle.com</a:t>
+              <a:t>uni1.de/amos</a:t>
             </a:r>
             <a:r>
               <a:rPr b="0" lang="en" sz="900">
@@ -15335,7 +15628,11 @@
               </a:rPr>
               <a:t> </a:t>
             </a:r>
-            <a:endParaRPr/>
+            <a:endParaRPr b="0" sz="900">
+              <a:solidFill>
+                <a:schemeClr val="dk2"/>
+              </a:solidFill>
+            </a:endParaRPr>
           </a:p>
         </p:txBody>
       </p:sp>
@@ -15631,8 +15928,8 @@
         </p:nvSpPr>
         <p:spPr>
           <a:xfrm>
-            <a:off x="7315202" y="4416550"/>
-            <a:ext cx="1828800" cy="731400"/>
+            <a:off x="7315202" y="4229100"/>
+            <a:ext cx="1828800" cy="914400"/>
           </a:xfrm>
           <a:prstGeom prst="rect">
             <a:avLst/>
@@ -15654,10 +15951,18 @@
               <a:buNone/>
             </a:pPr>
             <a:fld id="{00000000-1234-1234-1234-123412341234}" type="slidenum">
-              <a:rPr lang="en"/>
+              <a:rPr lang="en">
+                <a:solidFill>
+                  <a:schemeClr val="dk2"/>
+                </a:solidFill>
+              </a:rPr>
               <a:t>‹#›</a:t>
             </a:fld>
-            <a:endParaRPr/>
+            <a:endParaRPr>
+              <a:solidFill>
+                <a:schemeClr val="dk2"/>
+              </a:solidFill>
+            </a:endParaRPr>
           </a:p>
           <a:p>
             <a:pPr indent="0" lvl="0" marL="0" rtl="0" algn="r">
@@ -15676,7 +15981,7 @@
                 </a:solidFill>
                 <a:hlinkClick r:id="rId3"/>
               </a:rPr>
-              <a:t>https://profriehle.com</a:t>
+              <a:t>uni1.de/amos</a:t>
             </a:r>
             <a:r>
               <a:rPr b="0" lang="en" sz="900">
@@ -15686,7 +15991,11 @@
               </a:rPr>
               <a:t> </a:t>
             </a:r>
-            <a:endParaRPr/>
+            <a:endParaRPr b="0" sz="900">
+              <a:solidFill>
+                <a:schemeClr val="dk2"/>
+              </a:solidFill>
+            </a:endParaRPr>
           </a:p>
         </p:txBody>
       </p:sp>
@@ -15875,8 +16184,8 @@
         </p:nvSpPr>
         <p:spPr>
           <a:xfrm>
-            <a:off x="7315202" y="4416550"/>
-            <a:ext cx="1828800" cy="731400"/>
+            <a:off x="7315202" y="4229100"/>
+            <a:ext cx="1828800" cy="914400"/>
           </a:xfrm>
           <a:prstGeom prst="rect">
             <a:avLst/>
@@ -15898,10 +16207,18 @@
               <a:buNone/>
             </a:pPr>
             <a:fld id="{00000000-1234-1234-1234-123412341234}" type="slidenum">
-              <a:rPr lang="en"/>
+              <a:rPr lang="en">
+                <a:solidFill>
+                  <a:schemeClr val="dk2"/>
+                </a:solidFill>
+              </a:rPr>
               <a:t>‹#›</a:t>
             </a:fld>
-            <a:endParaRPr/>
+            <a:endParaRPr>
+              <a:solidFill>
+                <a:schemeClr val="dk2"/>
+              </a:solidFill>
+            </a:endParaRPr>
           </a:p>
           <a:p>
             <a:pPr indent="0" lvl="0" marL="0" rtl="0" algn="r">
@@ -15920,7 +16237,7 @@
                 </a:solidFill>
                 <a:hlinkClick r:id="rId3"/>
               </a:rPr>
-              <a:t>https://profriehle.com</a:t>
+              <a:t>uni1.de/amos</a:t>
             </a:r>
             <a:r>
               <a:rPr b="0" lang="en" sz="900">
@@ -15930,7 +16247,11 @@
               </a:rPr>
               <a:t> </a:t>
             </a:r>
-            <a:endParaRPr/>
+            <a:endParaRPr b="0" sz="900">
+              <a:solidFill>
+                <a:schemeClr val="dk2"/>
+              </a:solidFill>
+            </a:endParaRPr>
           </a:p>
         </p:txBody>
       </p:sp>
@@ -16037,8 +16358,8 @@
         </p:nvSpPr>
         <p:spPr>
           <a:xfrm>
-            <a:off x="7315202" y="4416550"/>
-            <a:ext cx="1828800" cy="731400"/>
+            <a:off x="7315202" y="4229100"/>
+            <a:ext cx="1828800" cy="914400"/>
           </a:xfrm>
           <a:prstGeom prst="rect">
             <a:avLst/>
@@ -16060,10 +16381,18 @@
               <a:buNone/>
             </a:pPr>
             <a:fld id="{00000000-1234-1234-1234-123412341234}" type="slidenum">
-              <a:rPr lang="en"/>
+              <a:rPr lang="en">
+                <a:solidFill>
+                  <a:schemeClr val="dk2"/>
+                </a:solidFill>
+              </a:rPr>
               <a:t>‹#›</a:t>
             </a:fld>
-            <a:endParaRPr/>
+            <a:endParaRPr>
+              <a:solidFill>
+                <a:schemeClr val="dk2"/>
+              </a:solidFill>
+            </a:endParaRPr>
           </a:p>
           <a:p>
             <a:pPr indent="0" lvl="0" marL="0" rtl="0" algn="r">
@@ -16082,7 +16411,7 @@
                 </a:solidFill>
                 <a:hlinkClick r:id="rId3"/>
               </a:rPr>
-              <a:t>https://profriehle.com</a:t>
+              <a:t>uni1.de/amos</a:t>
             </a:r>
             <a:r>
               <a:rPr b="0" lang="en" sz="900">
@@ -16092,7 +16421,11 @@
               </a:rPr>
               <a:t> </a:t>
             </a:r>
-            <a:endParaRPr/>
+            <a:endParaRPr b="0" sz="900">
+              <a:solidFill>
+                <a:schemeClr val="dk2"/>
+              </a:solidFill>
+            </a:endParaRPr>
           </a:p>
         </p:txBody>
       </p:sp>
@@ -16406,8 +16739,8 @@
         </p:nvSpPr>
         <p:spPr>
           <a:xfrm>
-            <a:off x="7315202" y="4416550"/>
-            <a:ext cx="1828800" cy="731400"/>
+            <a:off x="7315202" y="4229100"/>
+            <a:ext cx="1828800" cy="914400"/>
           </a:xfrm>
           <a:prstGeom prst="rect">
             <a:avLst/>
@@ -16429,10 +16762,18 @@
               <a:buNone/>
             </a:pPr>
             <a:fld id="{00000000-1234-1234-1234-123412341234}" type="slidenum">
-              <a:rPr lang="en"/>
+              <a:rPr lang="en">
+                <a:solidFill>
+                  <a:schemeClr val="dk2"/>
+                </a:solidFill>
+              </a:rPr>
               <a:t>‹#›</a:t>
             </a:fld>
-            <a:endParaRPr/>
+            <a:endParaRPr>
+              <a:solidFill>
+                <a:schemeClr val="dk2"/>
+              </a:solidFill>
+            </a:endParaRPr>
           </a:p>
           <a:p>
             <a:pPr indent="0" lvl="0" marL="0" rtl="0" algn="r">
@@ -16451,7 +16792,7 @@
                 </a:solidFill>
                 <a:hlinkClick r:id="rId3"/>
               </a:rPr>
-              <a:t>https://profriehle.com</a:t>
+              <a:t>uni1.de/amos</a:t>
             </a:r>
             <a:r>
               <a:rPr b="0" lang="en" sz="900">
@@ -16461,7 +16802,11 @@
               </a:rPr>
               <a:t> </a:t>
             </a:r>
-            <a:endParaRPr/>
+            <a:endParaRPr b="0" sz="900">
+              <a:solidFill>
+                <a:schemeClr val="dk2"/>
+              </a:solidFill>
+            </a:endParaRPr>
           </a:p>
         </p:txBody>
       </p:sp>
@@ -16682,8 +17027,8 @@
         </p:nvSpPr>
         <p:spPr>
           <a:xfrm>
-            <a:off x="7315202" y="4416550"/>
-            <a:ext cx="1828800" cy="731400"/>
+            <a:off x="7315202" y="4229100"/>
+            <a:ext cx="1828800" cy="914400"/>
           </a:xfrm>
           <a:prstGeom prst="rect">
             <a:avLst/>
@@ -16705,10 +17050,18 @@
               <a:buNone/>
             </a:pPr>
             <a:fld id="{00000000-1234-1234-1234-123412341234}" type="slidenum">
-              <a:rPr lang="en"/>
+              <a:rPr lang="en">
+                <a:solidFill>
+                  <a:schemeClr val="dk2"/>
+                </a:solidFill>
+              </a:rPr>
               <a:t>‹#›</a:t>
             </a:fld>
-            <a:endParaRPr/>
+            <a:endParaRPr>
+              <a:solidFill>
+                <a:schemeClr val="dk2"/>
+              </a:solidFill>
+            </a:endParaRPr>
           </a:p>
           <a:p>
             <a:pPr indent="0" lvl="0" marL="0" rtl="0" algn="r">
@@ -16727,7 +17080,7 @@
                 </a:solidFill>
                 <a:hlinkClick r:id="rId3"/>
               </a:rPr>
-              <a:t>https://profriehle.com</a:t>
+              <a:t>uni1.de/amos</a:t>
             </a:r>
             <a:r>
               <a:rPr b="0" lang="en" sz="900">
@@ -16737,7 +17090,11 @@
               </a:rPr>
               <a:t> </a:t>
             </a:r>
-            <a:endParaRPr/>
+            <a:endParaRPr b="0" sz="900">
+              <a:solidFill>
+                <a:schemeClr val="dk2"/>
+              </a:solidFill>
+            </a:endParaRPr>
           </a:p>
         </p:txBody>
       </p:sp>
@@ -16816,8 +17173,8 @@
         </p:nvSpPr>
         <p:spPr>
           <a:xfrm>
-            <a:off x="7315202" y="4416550"/>
-            <a:ext cx="1828800" cy="731400"/>
+            <a:off x="7315202" y="4229100"/>
+            <a:ext cx="1828800" cy="914400"/>
           </a:xfrm>
           <a:prstGeom prst="rect">
             <a:avLst/>
@@ -16839,10 +17196,18 @@
               <a:buNone/>
             </a:pPr>
             <a:fld id="{00000000-1234-1234-1234-123412341234}" type="slidenum">
-              <a:rPr lang="en"/>
+              <a:rPr lang="en">
+                <a:solidFill>
+                  <a:schemeClr val="dk2"/>
+                </a:solidFill>
+              </a:rPr>
               <a:t>‹#›</a:t>
             </a:fld>
-            <a:endParaRPr/>
+            <a:endParaRPr>
+              <a:solidFill>
+                <a:schemeClr val="dk2"/>
+              </a:solidFill>
+            </a:endParaRPr>
           </a:p>
           <a:p>
             <a:pPr indent="0" lvl="0" marL="0" rtl="0" algn="r">
@@ -16861,7 +17226,7 @@
                 </a:solidFill>
                 <a:hlinkClick r:id="rId3"/>
               </a:rPr>
-              <a:t>https://profriehle.com</a:t>
+              <a:t>uni1.de/amos</a:t>
             </a:r>
             <a:r>
               <a:rPr b="0" lang="en" sz="900">
@@ -16871,7 +17236,11 @@
               </a:rPr>
               <a:t> </a:t>
             </a:r>
-            <a:endParaRPr/>
+            <a:endParaRPr b="0" sz="900">
+              <a:solidFill>
+                <a:schemeClr val="dk2"/>
+              </a:solidFill>
+            </a:endParaRPr>
           </a:p>
         </p:txBody>
       </p:sp>
@@ -17034,8 +17403,8 @@
         </p:nvSpPr>
         <p:spPr>
           <a:xfrm>
-            <a:off x="7315202" y="4416550"/>
-            <a:ext cx="1828800" cy="731400"/>
+            <a:off x="7315202" y="4229100"/>
+            <a:ext cx="1828800" cy="914400"/>
           </a:xfrm>
           <a:prstGeom prst="rect">
             <a:avLst/>
@@ -17057,10 +17426,18 @@
               <a:buNone/>
             </a:pPr>
             <a:fld id="{00000000-1234-1234-1234-123412341234}" type="slidenum">
-              <a:rPr lang="en"/>
+              <a:rPr lang="en">
+                <a:solidFill>
+                  <a:schemeClr val="dk2"/>
+                </a:solidFill>
+              </a:rPr>
               <a:t>‹#›</a:t>
             </a:fld>
-            <a:endParaRPr/>
+            <a:endParaRPr>
+              <a:solidFill>
+                <a:schemeClr val="dk2"/>
+              </a:solidFill>
+            </a:endParaRPr>
           </a:p>
           <a:p>
             <a:pPr indent="0" lvl="0" marL="0" rtl="0" algn="r">
@@ -17079,7 +17456,7 @@
                 </a:solidFill>
                 <a:hlinkClick r:id="rId3"/>
               </a:rPr>
-              <a:t>https://profriehle.com</a:t>
+              <a:t>uni1.de/amos</a:t>
             </a:r>
             <a:r>
               <a:rPr b="0" lang="en" sz="900">
@@ -17089,7 +17466,11 @@
               </a:rPr>
               <a:t> </a:t>
             </a:r>
-            <a:endParaRPr/>
+            <a:endParaRPr b="0" sz="900">
+              <a:solidFill>
+                <a:schemeClr val="dk2"/>
+              </a:solidFill>
+            </a:endParaRPr>
           </a:p>
         </p:txBody>
       </p:sp>
@@ -17344,8 +17725,8 @@
         </p:nvSpPr>
         <p:spPr>
           <a:xfrm>
-            <a:off x="7315202" y="4416550"/>
-            <a:ext cx="1828800" cy="731400"/>
+            <a:off x="7315202" y="4229100"/>
+            <a:ext cx="1828800" cy="914400"/>
           </a:xfrm>
           <a:prstGeom prst="rect">
             <a:avLst/>
@@ -17367,10 +17748,18 @@
               <a:buNone/>
             </a:pPr>
             <a:fld id="{00000000-1234-1234-1234-123412341234}" type="slidenum">
-              <a:rPr lang="en"/>
+              <a:rPr lang="en">
+                <a:solidFill>
+                  <a:schemeClr val="dk2"/>
+                </a:solidFill>
+              </a:rPr>
               <a:t>‹#›</a:t>
             </a:fld>
-            <a:endParaRPr/>
+            <a:endParaRPr>
+              <a:solidFill>
+                <a:schemeClr val="dk2"/>
+              </a:solidFill>
+            </a:endParaRPr>
           </a:p>
           <a:p>
             <a:pPr indent="0" lvl="0" marL="0" rtl="0" algn="r">
@@ -17389,7 +17778,7 @@
                 </a:solidFill>
                 <a:hlinkClick r:id="rId3"/>
               </a:rPr>
-              <a:t>https://profriehle.com</a:t>
+              <a:t>uni1.de/amos</a:t>
             </a:r>
             <a:r>
               <a:rPr b="0" lang="en" sz="900">
@@ -17399,7 +17788,11 @@
               </a:rPr>
               <a:t> </a:t>
             </a:r>
-            <a:endParaRPr/>
+            <a:endParaRPr b="0" sz="900">
+              <a:solidFill>
+                <a:schemeClr val="dk2"/>
+              </a:solidFill>
+            </a:endParaRPr>
           </a:p>
         </p:txBody>
       </p:sp>
@@ -17619,8 +18012,8 @@
         </p:nvSpPr>
         <p:spPr>
           <a:xfrm>
-            <a:off x="7315202" y="4416550"/>
-            <a:ext cx="1828800" cy="731400"/>
+            <a:off x="7315202" y="4229100"/>
+            <a:ext cx="1828800" cy="914400"/>
           </a:xfrm>
           <a:prstGeom prst="rect">
             <a:avLst/>
@@ -17642,10 +18035,18 @@
               <a:buNone/>
             </a:pPr>
             <a:fld id="{00000000-1234-1234-1234-123412341234}" type="slidenum">
-              <a:rPr lang="en"/>
+              <a:rPr lang="en">
+                <a:solidFill>
+                  <a:schemeClr val="dk2"/>
+                </a:solidFill>
+              </a:rPr>
               <a:t>‹#›</a:t>
             </a:fld>
-            <a:endParaRPr/>
+            <a:endParaRPr>
+              <a:solidFill>
+                <a:schemeClr val="dk2"/>
+              </a:solidFill>
+            </a:endParaRPr>
           </a:p>
           <a:p>
             <a:pPr indent="0" lvl="0" marL="0" rtl="0" algn="r">
@@ -17664,7 +18065,7 @@
                 </a:solidFill>
                 <a:hlinkClick r:id="rId3"/>
               </a:rPr>
-              <a:t>https://profriehle.com</a:t>
+              <a:t>uni1.de/amos</a:t>
             </a:r>
             <a:r>
               <a:rPr b="0" lang="en" sz="900">
@@ -17674,7 +18075,11 @@
               </a:rPr>
               <a:t> </a:t>
             </a:r>
-            <a:endParaRPr/>
+            <a:endParaRPr b="0" sz="900">
+              <a:solidFill>
+                <a:schemeClr val="dk2"/>
+              </a:solidFill>
+            </a:endParaRPr>
           </a:p>
         </p:txBody>
       </p:sp>
@@ -17937,8 +18342,8 @@
         </p:nvSpPr>
         <p:spPr>
           <a:xfrm>
-            <a:off x="7315202" y="4416550"/>
-            <a:ext cx="1828800" cy="731400"/>
+            <a:off x="7315202" y="4229100"/>
+            <a:ext cx="1828800" cy="914400"/>
           </a:xfrm>
           <a:prstGeom prst="rect">
             <a:avLst/>
@@ -17960,10 +18365,18 @@
               <a:buNone/>
             </a:pPr>
             <a:fld id="{00000000-1234-1234-1234-123412341234}" type="slidenum">
-              <a:rPr lang="en"/>
+              <a:rPr lang="en">
+                <a:solidFill>
+                  <a:schemeClr val="dk2"/>
+                </a:solidFill>
+              </a:rPr>
               <a:t>‹#›</a:t>
             </a:fld>
-            <a:endParaRPr/>
+            <a:endParaRPr>
+              <a:solidFill>
+                <a:schemeClr val="dk2"/>
+              </a:solidFill>
+            </a:endParaRPr>
           </a:p>
           <a:p>
             <a:pPr indent="0" lvl="0" marL="0" rtl="0" algn="r">
@@ -17982,13 +18395,21 @@
                 </a:solidFill>
                 <a:hlinkClick r:id="rId3"/>
               </a:rPr>
-              <a:t>https://profriehle.com</a:t>
-            </a:r>
-            <a:r>
-              <a:rPr b="0" lang="en" sz="900"/>
+              <a:t>uni1.de/amos</a:t>
+            </a:r>
+            <a:r>
+              <a:rPr b="0" lang="en" sz="900">
+                <a:solidFill>
+                  <a:schemeClr val="dk2"/>
+                </a:solidFill>
+              </a:rPr>
               <a:t> </a:t>
             </a:r>
-            <a:endParaRPr b="0" sz="900"/>
+            <a:endParaRPr b="0" sz="900">
+              <a:solidFill>
+                <a:schemeClr val="dk2"/>
+              </a:solidFill>
+            </a:endParaRPr>
           </a:p>
         </p:txBody>
       </p:sp>
@@ -18260,8 +18681,8 @@
         </p:nvSpPr>
         <p:spPr>
           <a:xfrm>
-            <a:off x="7315202" y="4416550"/>
-            <a:ext cx="1828800" cy="731400"/>
+            <a:off x="7315202" y="4229100"/>
+            <a:ext cx="1828800" cy="914400"/>
           </a:xfrm>
           <a:prstGeom prst="rect">
             <a:avLst/>
@@ -18283,10 +18704,18 @@
               <a:buNone/>
             </a:pPr>
             <a:fld id="{00000000-1234-1234-1234-123412341234}" type="slidenum">
-              <a:rPr lang="en"/>
+              <a:rPr lang="en">
+                <a:solidFill>
+                  <a:schemeClr val="dk2"/>
+                </a:solidFill>
+              </a:rPr>
               <a:t>‹#›</a:t>
             </a:fld>
-            <a:endParaRPr/>
+            <a:endParaRPr>
+              <a:solidFill>
+                <a:schemeClr val="dk2"/>
+              </a:solidFill>
+            </a:endParaRPr>
           </a:p>
           <a:p>
             <a:pPr indent="0" lvl="0" marL="0" rtl="0" algn="r">
@@ -18305,7 +18734,7 @@
                 </a:solidFill>
                 <a:hlinkClick r:id="rId3"/>
               </a:rPr>
-              <a:t>https://profriehle.com</a:t>
+              <a:t>uni1.de/amos</a:t>
             </a:r>
             <a:r>
               <a:rPr b="0" lang="en" sz="900">
@@ -18315,7 +18744,11 @@
               </a:rPr>
               <a:t> </a:t>
             </a:r>
-            <a:endParaRPr/>
+            <a:endParaRPr b="0" sz="900">
+              <a:solidFill>
+                <a:schemeClr val="dk2"/>
+              </a:solidFill>
+            </a:endParaRPr>
           </a:p>
         </p:txBody>
       </p:sp>
@@ -18484,8 +18917,8 @@
         </p:nvSpPr>
         <p:spPr>
           <a:xfrm>
-            <a:off x="7315202" y="4416550"/>
-            <a:ext cx="1828800" cy="731400"/>
+            <a:off x="7315202" y="4229100"/>
+            <a:ext cx="1828800" cy="914400"/>
           </a:xfrm>
           <a:prstGeom prst="rect">
             <a:avLst/>
@@ -18507,10 +18940,18 @@
               <a:buNone/>
             </a:pPr>
             <a:fld id="{00000000-1234-1234-1234-123412341234}" type="slidenum">
-              <a:rPr lang="en"/>
+              <a:rPr lang="en">
+                <a:solidFill>
+                  <a:schemeClr val="dk2"/>
+                </a:solidFill>
+              </a:rPr>
               <a:t>‹#›</a:t>
             </a:fld>
-            <a:endParaRPr/>
+            <a:endParaRPr>
+              <a:solidFill>
+                <a:schemeClr val="dk2"/>
+              </a:solidFill>
+            </a:endParaRPr>
           </a:p>
           <a:p>
             <a:pPr indent="0" lvl="0" marL="0" rtl="0" algn="r">
@@ -18529,7 +18970,7 @@
                 </a:solidFill>
                 <a:hlinkClick r:id="rId3"/>
               </a:rPr>
-              <a:t>https://profriehle.com</a:t>
+              <a:t>uni1.de/amos</a:t>
             </a:r>
             <a:r>
               <a:rPr b="0" lang="en" sz="900">
@@ -18539,7 +18980,11 @@
               </a:rPr>
               <a:t> </a:t>
             </a:r>
-            <a:endParaRPr/>
+            <a:endParaRPr b="0" sz="900">
+              <a:solidFill>
+                <a:schemeClr val="dk2"/>
+              </a:solidFill>
+            </a:endParaRPr>
           </a:p>
         </p:txBody>
       </p:sp>
@@ -18775,8 +19220,8 @@
         </p:nvSpPr>
         <p:spPr>
           <a:xfrm>
-            <a:off x="7315202" y="4416550"/>
-            <a:ext cx="1828800" cy="731400"/>
+            <a:off x="7315202" y="4229100"/>
+            <a:ext cx="1828800" cy="914400"/>
           </a:xfrm>
           <a:prstGeom prst="rect">
             <a:avLst/>
@@ -18798,10 +19243,18 @@
               <a:buNone/>
             </a:pPr>
             <a:fld id="{00000000-1234-1234-1234-123412341234}" type="slidenum">
-              <a:rPr lang="en"/>
+              <a:rPr lang="en">
+                <a:solidFill>
+                  <a:schemeClr val="dk2"/>
+                </a:solidFill>
+              </a:rPr>
               <a:t>‹#›</a:t>
             </a:fld>
-            <a:endParaRPr/>
+            <a:endParaRPr>
+              <a:solidFill>
+                <a:schemeClr val="dk2"/>
+              </a:solidFill>
+            </a:endParaRPr>
           </a:p>
           <a:p>
             <a:pPr indent="0" lvl="0" marL="0" rtl="0" algn="r">
@@ -18820,7 +19273,7 @@
                 </a:solidFill>
                 <a:hlinkClick r:id="rId3"/>
               </a:rPr>
-              <a:t>https://profriehle.com</a:t>
+              <a:t>uni1.de/amos</a:t>
             </a:r>
             <a:r>
               <a:rPr b="0" lang="en" sz="900">
@@ -18830,7 +19283,11 @@
               </a:rPr>
               <a:t> </a:t>
             </a:r>
-            <a:endParaRPr/>
+            <a:endParaRPr b="0" sz="900">
+              <a:solidFill>
+                <a:schemeClr val="dk2"/>
+              </a:solidFill>
+            </a:endParaRPr>
           </a:p>
         </p:txBody>
       </p:sp>
@@ -19023,8 +19480,8 @@
         </p:nvSpPr>
         <p:spPr>
           <a:xfrm>
-            <a:off x="7315202" y="4416550"/>
-            <a:ext cx="1828800" cy="731400"/>
+            <a:off x="7315202" y="4229100"/>
+            <a:ext cx="1828800" cy="914400"/>
           </a:xfrm>
           <a:prstGeom prst="rect">
             <a:avLst/>
@@ -19046,10 +19503,18 @@
               <a:buNone/>
             </a:pPr>
             <a:fld id="{00000000-1234-1234-1234-123412341234}" type="slidenum">
-              <a:rPr lang="en"/>
+              <a:rPr lang="en">
+                <a:solidFill>
+                  <a:schemeClr val="dk2"/>
+                </a:solidFill>
+              </a:rPr>
               <a:t>‹#›</a:t>
             </a:fld>
-            <a:endParaRPr/>
+            <a:endParaRPr>
+              <a:solidFill>
+                <a:schemeClr val="dk2"/>
+              </a:solidFill>
+            </a:endParaRPr>
           </a:p>
           <a:p>
             <a:pPr indent="0" lvl="0" marL="0" rtl="0" algn="r">
@@ -19068,7 +19533,7 @@
                 </a:solidFill>
                 <a:hlinkClick r:id="rId3"/>
               </a:rPr>
-              <a:t>https://profriehle.com</a:t>
+              <a:t>uni1.de/amos</a:t>
             </a:r>
             <a:r>
               <a:rPr b="0" lang="en" sz="900">
@@ -19078,7 +19543,11 @@
               </a:rPr>
               <a:t> </a:t>
             </a:r>
-            <a:endParaRPr/>
+            <a:endParaRPr b="0" sz="900">
+              <a:solidFill>
+                <a:schemeClr val="dk2"/>
+              </a:solidFill>
+            </a:endParaRPr>
           </a:p>
         </p:txBody>
       </p:sp>
@@ -19157,8 +19626,8 @@
         </p:nvSpPr>
         <p:spPr>
           <a:xfrm>
-            <a:off x="7315202" y="4416550"/>
-            <a:ext cx="1828800" cy="731400"/>
+            <a:off x="7315202" y="4229100"/>
+            <a:ext cx="1828800" cy="914400"/>
           </a:xfrm>
           <a:prstGeom prst="rect">
             <a:avLst/>
@@ -19180,10 +19649,18 @@
               <a:buNone/>
             </a:pPr>
             <a:fld id="{00000000-1234-1234-1234-123412341234}" type="slidenum">
-              <a:rPr lang="en"/>
+              <a:rPr lang="en">
+                <a:solidFill>
+                  <a:schemeClr val="dk2"/>
+                </a:solidFill>
+              </a:rPr>
               <a:t>‹#›</a:t>
             </a:fld>
-            <a:endParaRPr/>
+            <a:endParaRPr>
+              <a:solidFill>
+                <a:schemeClr val="dk2"/>
+              </a:solidFill>
+            </a:endParaRPr>
           </a:p>
           <a:p>
             <a:pPr indent="0" lvl="0" marL="0" rtl="0" algn="r">
@@ -19202,7 +19679,7 @@
                 </a:solidFill>
                 <a:hlinkClick r:id="rId3"/>
               </a:rPr>
-              <a:t>https://profriehle.com</a:t>
+              <a:t>uni1.de/amos</a:t>
             </a:r>
             <a:r>
               <a:rPr b="0" lang="en" sz="900">
@@ -19212,7 +19689,11 @@
               </a:rPr>
               <a:t> </a:t>
             </a:r>
-            <a:endParaRPr/>
+            <a:endParaRPr b="0" sz="900">
+              <a:solidFill>
+                <a:schemeClr val="dk2"/>
+              </a:solidFill>
+            </a:endParaRPr>
           </a:p>
         </p:txBody>
       </p:sp>
@@ -19231,7 +19712,7 @@
             <a:tbl>
               <a:tblPr>
                 <a:noFill/>
-                <a:tableStyleId>{66FDB3F6-3C18-4372-80E8-D314660C1B23}</a:tableStyleId>
+                <a:tableStyleId>{1CB9922B-BBF4-4B35-BDFA-41C5CCEA1827}</a:tableStyleId>
               </a:tblPr>
               <a:tblGrid>
                 <a:gridCol w="2865125"/>
@@ -20449,6 +20930,285 @@
 </file>
 
 <file path=ppt/theme/theme1.xml><?xml version="1.0" encoding="utf-8"?>
+<a:theme xmlns:a="http://schemas.openxmlformats.org/drawingml/2006/main" xmlns:r="http://schemas.openxmlformats.org/officeDocument/2006/relationships" name="AMOS Slides Template">
+  <a:themeElements>
+    <a:clrScheme name="Simple Light">
+      <a:dk1>
+        <a:srgbClr val="000000"/>
+      </a:dk1>
+      <a:lt1>
+        <a:srgbClr val="FFFFFF"/>
+      </a:lt1>
+      <a:dk2>
+        <a:srgbClr val="404040"/>
+      </a:dk2>
+      <a:lt2>
+        <a:srgbClr val="808080"/>
+      </a:lt2>
+      <a:accent1>
+        <a:srgbClr val="D0D0D0"/>
+      </a:accent1>
+      <a:accent2>
+        <a:srgbClr val="4169E1"/>
+      </a:accent2>
+      <a:accent3>
+        <a:srgbClr val="D50D01"/>
+      </a:accent3>
+      <a:accent4>
+        <a:srgbClr val="FEB612"/>
+      </a:accent4>
+      <a:accent5>
+        <a:srgbClr val="4CAF50"/>
+      </a:accent5>
+      <a:accent6>
+        <a:srgbClr val="8E44AD"/>
+      </a:accent6>
+      <a:hlink>
+        <a:srgbClr val="34A3C5"/>
+      </a:hlink>
+      <a:folHlink>
+        <a:srgbClr val="0097A7"/>
+      </a:folHlink>
+    </a:clrScheme>
+    <a:fontScheme name="Office">
+      <a:majorFont>
+        <a:latin typeface="Arial"/>
+        <a:ea typeface=""/>
+        <a:cs typeface=""/>
+        <a:font script="Jpan" typeface="ＭＳ Ｐゴシック"/>
+        <a:font script="Hang" typeface="맑은 고딕"/>
+        <a:font script="Hans" typeface="宋体"/>
+        <a:font script="Hant" typeface="新細明體"/>
+        <a:font script="Arab" typeface="Times New Roman"/>
+        <a:font script="Hebr" typeface="Times New Roman"/>
+        <a:font script="Thai" typeface="Angsana New"/>
+        <a:font script="Ethi" typeface="Nyala"/>
+        <a:font script="Beng" typeface="Vrinda"/>
+        <a:font script="Gujr" typeface="Shruti"/>
+        <a:font script="Khmr" typeface="MoolBoran"/>
+        <a:font script="Knda" typeface="Tunga"/>
+        <a:font script="Guru" typeface="Raavi"/>
+        <a:font script="Cans" typeface="Euphemia"/>
+        <a:font script="Cher" typeface="Plantagenet Cherokee"/>
+        <a:font script="Yiii" typeface="Microsoft Yi Baiti"/>
+        <a:font script="Tibt" typeface="Microsoft Himalaya"/>
+        <a:font script="Thaa" typeface="MV Boli"/>
+        <a:font script="Deva" typeface="Mangal"/>
+        <a:font script="Telu" typeface="Gautami"/>
+        <a:font script="Taml" typeface="Latha"/>
+        <a:font script="Syrc" typeface="Estrangelo Edessa"/>
+        <a:font script="Orya" typeface="Kalinga"/>
+        <a:font script="Mlym" typeface="Kartika"/>
+        <a:font script="Laoo" typeface="DokChampa"/>
+        <a:font script="Sinh" typeface="Iskoola Pota"/>
+        <a:font script="Mong" typeface="Mongolian Baiti"/>
+        <a:font script="Viet" typeface="Times New Roman"/>
+        <a:font script="Uigh" typeface="Microsoft Uighur"/>
+        <a:font script="Geor" typeface="Sylfaen"/>
+      </a:majorFont>
+      <a:minorFont>
+        <a:latin typeface="Arial"/>
+        <a:ea typeface=""/>
+        <a:cs typeface=""/>
+        <a:font script="Jpan" typeface="ＭＳ Ｐゴシック"/>
+        <a:font script="Hang" typeface="맑은 고딕"/>
+        <a:font script="Hans" typeface="宋体"/>
+        <a:font script="Hant" typeface="新細明體"/>
+        <a:font script="Arab" typeface="Arial"/>
+        <a:font script="Hebr" typeface="Arial"/>
+        <a:font script="Thai" typeface="Cordia New"/>
+        <a:font script="Ethi" typeface="Nyala"/>
+        <a:font script="Beng" typeface="Vrinda"/>
+        <a:font script="Gujr" typeface="Shruti"/>
+        <a:font script="Khmr" typeface="DaunPenh"/>
+        <a:font script="Knda" typeface="Tunga"/>
+        <a:font script="Guru" typeface="Raavi"/>
+        <a:font script="Cans" typeface="Euphemia"/>
+        <a:font script="Cher" typeface="Plantagenet Cherokee"/>
+        <a:font script="Yiii" typeface="Microsoft Yi Baiti"/>
+        <a:font script="Tibt" typeface="Microsoft Himalaya"/>
+        <a:font script="Thaa" typeface="MV Boli"/>
+        <a:font script="Deva" typeface="Mangal"/>
+        <a:font script="Telu" typeface="Gautami"/>
+        <a:font script="Taml" typeface="Latha"/>
+        <a:font script="Syrc" typeface="Estrangelo Edessa"/>
+        <a:font script="Orya" typeface="Kalinga"/>
+        <a:font script="Mlym" typeface="Kartika"/>
+        <a:font script="Laoo" typeface="DokChampa"/>
+        <a:font script="Sinh" typeface="Iskoola Pota"/>
+        <a:font script="Mong" typeface="Mongolian Baiti"/>
+        <a:font script="Viet" typeface="Arial"/>
+        <a:font script="Uigh" typeface="Microsoft Uighur"/>
+        <a:font script="Geor" typeface="Sylfaen"/>
+      </a:minorFont>
+    </a:fontScheme>
+    <a:fmtScheme name="Office">
+      <a:fillStyleLst>
+        <a:solidFill>
+          <a:schemeClr val="phClr"/>
+        </a:solidFill>
+        <a:gradFill rotWithShape="1">
+          <a:gsLst>
+            <a:gs pos="0">
+              <a:schemeClr val="phClr">
+                <a:tint val="50000"/>
+                <a:satMod val="300000"/>
+              </a:schemeClr>
+            </a:gs>
+            <a:gs pos="35000">
+              <a:schemeClr val="phClr">
+                <a:tint val="37000"/>
+                <a:satMod val="300000"/>
+              </a:schemeClr>
+            </a:gs>
+            <a:gs pos="100000">
+              <a:schemeClr val="phClr">
+                <a:tint val="15000"/>
+                <a:satMod val="350000"/>
+              </a:schemeClr>
+            </a:gs>
+          </a:gsLst>
+          <a:lin ang="16200000" scaled="1"/>
+        </a:gradFill>
+        <a:gradFill rotWithShape="1">
+          <a:gsLst>
+            <a:gs pos="0">
+              <a:schemeClr val="phClr">
+                <a:tint val="100000"/>
+                <a:shade val="100000"/>
+                <a:satMod val="130000"/>
+              </a:schemeClr>
+            </a:gs>
+            <a:gs pos="100000">
+              <a:schemeClr val="phClr">
+                <a:tint val="50000"/>
+                <a:shade val="100000"/>
+                <a:satMod val="350000"/>
+              </a:schemeClr>
+            </a:gs>
+          </a:gsLst>
+          <a:lin ang="16200000" scaled="0"/>
+        </a:gradFill>
+      </a:fillStyleLst>
+      <a:lnStyleLst>
+        <a:ln w="9525" cap="flat" cmpd="sng" algn="ctr">
+          <a:solidFill>
+            <a:schemeClr val="phClr">
+              <a:shade val="95000"/>
+              <a:satMod val="105000"/>
+            </a:schemeClr>
+          </a:solidFill>
+          <a:prstDash val="solid"/>
+        </a:ln>
+        <a:ln w="25400" cap="flat" cmpd="sng" algn="ctr">
+          <a:solidFill>
+            <a:schemeClr val="phClr"/>
+          </a:solidFill>
+          <a:prstDash val="solid"/>
+        </a:ln>
+        <a:ln w="38100" cap="flat" cmpd="sng" algn="ctr">
+          <a:solidFill>
+            <a:schemeClr val="phClr"/>
+          </a:solidFill>
+          <a:prstDash val="solid"/>
+        </a:ln>
+      </a:lnStyleLst>
+      <a:effectStyleLst>
+        <a:effectStyle>
+          <a:effectLst>
+            <a:outerShdw blurRad="40000" dist="20000" dir="5400000" rotWithShape="0">
+              <a:srgbClr val="000000">
+                <a:alpha val="38000"/>
+              </a:srgbClr>
+            </a:outerShdw>
+          </a:effectLst>
+        </a:effectStyle>
+        <a:effectStyle>
+          <a:effectLst>
+            <a:outerShdw blurRad="40000" dist="23000" dir="5400000" rotWithShape="0">
+              <a:srgbClr val="000000">
+                <a:alpha val="35000"/>
+              </a:srgbClr>
+            </a:outerShdw>
+          </a:effectLst>
+        </a:effectStyle>
+        <a:effectStyle>
+          <a:effectLst>
+            <a:outerShdw blurRad="40000" dist="23000" dir="5400000" rotWithShape="0">
+              <a:srgbClr val="000000">
+                <a:alpha val="35000"/>
+              </a:srgbClr>
+            </a:outerShdw>
+          </a:effectLst>
+          <a:scene3d>
+            <a:camera prst="orthographicFront">
+              <a:rot lat="0" lon="0" rev="0"/>
+            </a:camera>
+            <a:lightRig rig="threePt" dir="t">
+              <a:rot lat="0" lon="0" rev="1200000"/>
+            </a:lightRig>
+          </a:scene3d>
+          <a:sp3d>
+            <a:bevelT w="63500" h="25400"/>
+          </a:sp3d>
+        </a:effectStyle>
+      </a:effectStyleLst>
+      <a:bgFillStyleLst>
+        <a:solidFill>
+          <a:schemeClr val="phClr"/>
+        </a:solidFill>
+        <a:gradFill rotWithShape="1">
+          <a:gsLst>
+            <a:gs pos="0">
+              <a:schemeClr val="phClr">
+                <a:tint val="40000"/>
+                <a:satMod val="350000"/>
+              </a:schemeClr>
+            </a:gs>
+            <a:gs pos="40000">
+              <a:schemeClr val="phClr">
+                <a:tint val="45000"/>
+                <a:shade val="99000"/>
+                <a:satMod val="350000"/>
+              </a:schemeClr>
+            </a:gs>
+            <a:gs pos="100000">
+              <a:schemeClr val="phClr">
+                <a:shade val="20000"/>
+                <a:satMod val="255000"/>
+              </a:schemeClr>
+            </a:gs>
+          </a:gsLst>
+          <a:path path="circle">
+            <a:fillToRect l="50000" t="-80000" r="50000" b="180000"/>
+          </a:path>
+        </a:gradFill>
+        <a:gradFill rotWithShape="1">
+          <a:gsLst>
+            <a:gs pos="0">
+              <a:schemeClr val="phClr">
+                <a:tint val="80000"/>
+                <a:satMod val="300000"/>
+              </a:schemeClr>
+            </a:gs>
+            <a:gs pos="100000">
+              <a:schemeClr val="phClr">
+                <a:shade val="30000"/>
+                <a:satMod val="200000"/>
+              </a:schemeClr>
+            </a:gs>
+          </a:gsLst>
+          <a:path path="circle">
+            <a:fillToRect l="50000" t="50000" r="50000" b="50000"/>
+          </a:path>
+        </a:gradFill>
+      </a:bgFillStyleLst>
+    </a:fmtScheme>
+  </a:themeElements>
+</a:theme>
+</file>
+
+<file path=ppt/theme/theme2.xml><?xml version="1.0" encoding="utf-8"?>
 <a:theme xmlns:a="http://schemas.openxmlformats.org/drawingml/2006/main" xmlns:r="http://schemas.openxmlformats.org/officeDocument/2006/relationships">
   <a:themeElements>
     <a:clrScheme name="Default">
@@ -20725,283 +21485,4 @@
     </a:fmtScheme>
   </a:themeElements>
 </a:theme>
-</file>
-
-<file path=ppt/theme/theme2.xml><?xml version="1.0" encoding="utf-8"?>
-<a:theme xmlns:a="http://schemas.openxmlformats.org/drawingml/2006/main" xmlns:r="http://schemas.openxmlformats.org/officeDocument/2006/relationships" name="AMOS Slides Template">
-  <a:themeElements>
-    <a:clrScheme name="Simple Light">
-      <a:dk1>
-        <a:srgbClr val="000000"/>
-      </a:dk1>
-      <a:lt1>
-        <a:srgbClr val="FFFFFF"/>
-      </a:lt1>
-      <a:dk2>
-        <a:srgbClr val="404040"/>
-      </a:dk2>
-      <a:lt2>
-        <a:srgbClr val="808080"/>
-      </a:lt2>
-      <a:accent1>
-        <a:srgbClr val="D0D0D0"/>
-      </a:accent1>
-      <a:accent2>
-        <a:srgbClr val="4169E1"/>
-      </a:accent2>
-      <a:accent3>
-        <a:srgbClr val="D50D01"/>
-      </a:accent3>
-      <a:accent4>
-        <a:srgbClr val="FEB612"/>
-      </a:accent4>
-      <a:accent5>
-        <a:srgbClr val="4CAF50"/>
-      </a:accent5>
-      <a:accent6>
-        <a:srgbClr val="8E44AD"/>
-      </a:accent6>
-      <a:hlink>
-        <a:srgbClr val="34A3C5"/>
-      </a:hlink>
-      <a:folHlink>
-        <a:srgbClr val="0097A7"/>
-      </a:folHlink>
-    </a:clrScheme>
-    <a:fontScheme name="Office">
-      <a:majorFont>
-        <a:latin typeface="Arial"/>
-        <a:ea typeface=""/>
-        <a:cs typeface=""/>
-        <a:font script="Jpan" typeface="ＭＳ Ｐゴシック"/>
-        <a:font script="Hang" typeface="맑은 고딕"/>
-        <a:font script="Hans" typeface="宋体"/>
-        <a:font script="Hant" typeface="新細明體"/>
-        <a:font script="Arab" typeface="Times New Roman"/>
-        <a:font script="Hebr" typeface="Times New Roman"/>
-        <a:font script="Thai" typeface="Angsana New"/>
-        <a:font script="Ethi" typeface="Nyala"/>
-        <a:font script="Beng" typeface="Vrinda"/>
-        <a:font script="Gujr" typeface="Shruti"/>
-        <a:font script="Khmr" typeface="MoolBoran"/>
-        <a:font script="Knda" typeface="Tunga"/>
-        <a:font script="Guru" typeface="Raavi"/>
-        <a:font script="Cans" typeface="Euphemia"/>
-        <a:font script="Cher" typeface="Plantagenet Cherokee"/>
-        <a:font script="Yiii" typeface="Microsoft Yi Baiti"/>
-        <a:font script="Tibt" typeface="Microsoft Himalaya"/>
-        <a:font script="Thaa" typeface="MV Boli"/>
-        <a:font script="Deva" typeface="Mangal"/>
-        <a:font script="Telu" typeface="Gautami"/>
-        <a:font script="Taml" typeface="Latha"/>
-        <a:font script="Syrc" typeface="Estrangelo Edessa"/>
-        <a:font script="Orya" typeface="Kalinga"/>
-        <a:font script="Mlym" typeface="Kartika"/>
-        <a:font script="Laoo" typeface="DokChampa"/>
-        <a:font script="Sinh" typeface="Iskoola Pota"/>
-        <a:font script="Mong" typeface="Mongolian Baiti"/>
-        <a:font script="Viet" typeface="Times New Roman"/>
-        <a:font script="Uigh" typeface="Microsoft Uighur"/>
-        <a:font script="Geor" typeface="Sylfaen"/>
-      </a:majorFont>
-      <a:minorFont>
-        <a:latin typeface="Arial"/>
-        <a:ea typeface=""/>
-        <a:cs typeface=""/>
-        <a:font script="Jpan" typeface="ＭＳ Ｐゴシック"/>
-        <a:font script="Hang" typeface="맑은 고딕"/>
-        <a:font script="Hans" typeface="宋体"/>
-        <a:font script="Hant" typeface="新細明體"/>
-        <a:font script="Arab" typeface="Arial"/>
-        <a:font script="Hebr" typeface="Arial"/>
-        <a:font script="Thai" typeface="Cordia New"/>
-        <a:font script="Ethi" typeface="Nyala"/>
-        <a:font script="Beng" typeface="Vrinda"/>
-        <a:font script="Gujr" typeface="Shruti"/>
-        <a:font script="Khmr" typeface="DaunPenh"/>
-        <a:font script="Knda" typeface="Tunga"/>
-        <a:font script="Guru" typeface="Raavi"/>
-        <a:font script="Cans" typeface="Euphemia"/>
-        <a:font script="Cher" typeface="Plantagenet Cherokee"/>
-        <a:font script="Yiii" typeface="Microsoft Yi Baiti"/>
-        <a:font script="Tibt" typeface="Microsoft Himalaya"/>
-        <a:font script="Thaa" typeface="MV Boli"/>
-        <a:font script="Deva" typeface="Mangal"/>
-        <a:font script="Telu" typeface="Gautami"/>
-        <a:font script="Taml" typeface="Latha"/>
-        <a:font script="Syrc" typeface="Estrangelo Edessa"/>
-        <a:font script="Orya" typeface="Kalinga"/>
-        <a:font script="Mlym" typeface="Kartika"/>
-        <a:font script="Laoo" typeface="DokChampa"/>
-        <a:font script="Sinh" typeface="Iskoola Pota"/>
-        <a:font script="Mong" typeface="Mongolian Baiti"/>
-        <a:font script="Viet" typeface="Arial"/>
-        <a:font script="Uigh" typeface="Microsoft Uighur"/>
-        <a:font script="Geor" typeface="Sylfaen"/>
-      </a:minorFont>
-    </a:fontScheme>
-    <a:fmtScheme name="Office">
-      <a:fillStyleLst>
-        <a:solidFill>
-          <a:schemeClr val="phClr"/>
-        </a:solidFill>
-        <a:gradFill rotWithShape="1">
-          <a:gsLst>
-            <a:gs pos="0">
-              <a:schemeClr val="phClr">
-                <a:tint val="50000"/>
-                <a:satMod val="300000"/>
-              </a:schemeClr>
-            </a:gs>
-            <a:gs pos="35000">
-              <a:schemeClr val="phClr">
-                <a:tint val="37000"/>
-                <a:satMod val="300000"/>
-              </a:schemeClr>
-            </a:gs>
-            <a:gs pos="100000">
-              <a:schemeClr val="phClr">
-                <a:tint val="15000"/>
-                <a:satMod val="350000"/>
-              </a:schemeClr>
-            </a:gs>
-          </a:gsLst>
-          <a:lin ang="16200000" scaled="1"/>
-        </a:gradFill>
-        <a:gradFill rotWithShape="1">
-          <a:gsLst>
-            <a:gs pos="0">
-              <a:schemeClr val="phClr">
-                <a:tint val="100000"/>
-                <a:shade val="100000"/>
-                <a:satMod val="130000"/>
-              </a:schemeClr>
-            </a:gs>
-            <a:gs pos="100000">
-              <a:schemeClr val="phClr">
-                <a:tint val="50000"/>
-                <a:shade val="100000"/>
-                <a:satMod val="350000"/>
-              </a:schemeClr>
-            </a:gs>
-          </a:gsLst>
-          <a:lin ang="16200000" scaled="0"/>
-        </a:gradFill>
-      </a:fillStyleLst>
-      <a:lnStyleLst>
-        <a:ln w="9525" cap="flat" cmpd="sng" algn="ctr">
-          <a:solidFill>
-            <a:schemeClr val="phClr">
-              <a:shade val="95000"/>
-              <a:satMod val="105000"/>
-            </a:schemeClr>
-          </a:solidFill>
-          <a:prstDash val="solid"/>
-        </a:ln>
-        <a:ln w="25400" cap="flat" cmpd="sng" algn="ctr">
-          <a:solidFill>
-            <a:schemeClr val="phClr"/>
-          </a:solidFill>
-          <a:prstDash val="solid"/>
-        </a:ln>
-        <a:ln w="38100" cap="flat" cmpd="sng" algn="ctr">
-          <a:solidFill>
-            <a:schemeClr val="phClr"/>
-          </a:solidFill>
-          <a:prstDash val="solid"/>
-        </a:ln>
-      </a:lnStyleLst>
-      <a:effectStyleLst>
-        <a:effectStyle>
-          <a:effectLst>
-            <a:outerShdw blurRad="40000" dist="20000" dir="5400000" rotWithShape="0">
-              <a:srgbClr val="000000">
-                <a:alpha val="38000"/>
-              </a:srgbClr>
-            </a:outerShdw>
-          </a:effectLst>
-        </a:effectStyle>
-        <a:effectStyle>
-          <a:effectLst>
-            <a:outerShdw blurRad="40000" dist="23000" dir="5400000" rotWithShape="0">
-              <a:srgbClr val="000000">
-                <a:alpha val="35000"/>
-              </a:srgbClr>
-            </a:outerShdw>
-          </a:effectLst>
-        </a:effectStyle>
-        <a:effectStyle>
-          <a:effectLst>
-            <a:outerShdw blurRad="40000" dist="23000" dir="5400000" rotWithShape="0">
-              <a:srgbClr val="000000">
-                <a:alpha val="35000"/>
-              </a:srgbClr>
-            </a:outerShdw>
-          </a:effectLst>
-          <a:scene3d>
-            <a:camera prst="orthographicFront">
-              <a:rot lat="0" lon="0" rev="0"/>
-            </a:camera>
-            <a:lightRig rig="threePt" dir="t">
-              <a:rot lat="0" lon="0" rev="1200000"/>
-            </a:lightRig>
-          </a:scene3d>
-          <a:sp3d>
-            <a:bevelT w="63500" h="25400"/>
-          </a:sp3d>
-        </a:effectStyle>
-      </a:effectStyleLst>
-      <a:bgFillStyleLst>
-        <a:solidFill>
-          <a:schemeClr val="phClr"/>
-        </a:solidFill>
-        <a:gradFill rotWithShape="1">
-          <a:gsLst>
-            <a:gs pos="0">
-              <a:schemeClr val="phClr">
-                <a:tint val="40000"/>
-                <a:satMod val="350000"/>
-              </a:schemeClr>
-            </a:gs>
-            <a:gs pos="40000">
-              <a:schemeClr val="phClr">
-                <a:tint val="45000"/>
-                <a:shade val="99000"/>
-                <a:satMod val="350000"/>
-              </a:schemeClr>
-            </a:gs>
-            <a:gs pos="100000">
-              <a:schemeClr val="phClr">
-                <a:shade val="20000"/>
-                <a:satMod val="255000"/>
-              </a:schemeClr>
-            </a:gs>
-          </a:gsLst>
-          <a:path path="circle">
-            <a:fillToRect l="50000" t="-80000" r="50000" b="180000"/>
-          </a:path>
-        </a:gradFill>
-        <a:gradFill rotWithShape="1">
-          <a:gsLst>
-            <a:gs pos="0">
-              <a:schemeClr val="phClr">
-                <a:tint val="80000"/>
-                <a:satMod val="300000"/>
-              </a:schemeClr>
-            </a:gs>
-            <a:gs pos="100000">
-              <a:schemeClr val="phClr">
-                <a:shade val="30000"/>
-                <a:satMod val="200000"/>
-              </a:schemeClr>
-            </a:gs>
-          </a:gsLst>
-          <a:path path="circle">
-            <a:fillToRect l="50000" t="50000" r="50000" b="50000"/>
-          </a:path>
-        </a:gradFill>
-      </a:bgFillStyleLst>
-    </a:fmtScheme>
-  </a:themeElements>
-</a:theme>
 </file>
--- a/Lecture slides/AMOS B05 - Agile Programming.pptx
+++ b/Lecture slides/AMOS B05 - Agile Programming.pptx
@@ -752,7 +752,7 @@
       </p:grpSpPr>
       <p:sp>
         <p:nvSpPr>
-          <p:cNvPr id="33" name="Google Shape;33;p:notes"/>
+          <p:cNvPr id="33" name="Google Shape;33;g2cd8edd7a55_0_122:notes"/>
           <p:cNvSpPr/>
           <p:nvPr>
             <p:ph idx="2" type="sldImg"/>
@@ -761,7 +761,7 @@
         <p:spPr>
           <a:xfrm>
             <a:off x="381300" y="685800"/>
-            <a:ext cx="6096075" cy="3429000"/>
+            <a:ext cx="6096000" cy="3429000"/>
           </a:xfrm>
           <a:custGeom>
             <a:rect b="b" l="l" r="r" t="t"/>
@@ -787,7 +787,7 @@
       </p:sp>
       <p:sp>
         <p:nvSpPr>
-          <p:cNvPr id="34" name="Google Shape;34;p:notes"/>
+          <p:cNvPr id="34" name="Google Shape;34;g2cd8edd7a55_0_122:notes"/>
           <p:cNvSpPr txBox="1"/>
           <p:nvPr>
             <p:ph idx="1" type="body"/>
@@ -6478,7 +6478,7 @@
               <a:buNone/>
             </a:pPr>
             <a:r>
-              <a:rPr b="0" lang="en" sz="900" u="sng">
+              <a:rPr b="0" lang="en" sz="1000" u="sng">
                 <a:solidFill>
                   <a:schemeClr val="hlink"/>
                 </a:solidFill>
@@ -6487,10 +6487,10 @@
               <a:t>uni1.de/amos</a:t>
             </a:r>
             <a:r>
-              <a:rPr b="0" lang="en" sz="900"/>
+              <a:rPr b="0" lang="en" sz="1000"/>
               <a:t> </a:t>
             </a:r>
-            <a:endParaRPr b="0" sz="900"/>
+            <a:endParaRPr b="0" sz="1000"/>
           </a:p>
         </p:txBody>
       </p:sp>
@@ -7069,7 +7069,7 @@
               <a:buNone/>
             </a:pPr>
             <a:r>
-              <a:rPr b="0" lang="en" sz="900" u="sng">
+              <a:rPr b="0" lang="en" sz="1000" u="sng">
                 <a:solidFill>
                   <a:schemeClr val="hlink"/>
                 </a:solidFill>
@@ -7078,10 +7078,10 @@
               <a:t>uni1.de/amos</a:t>
             </a:r>
             <a:r>
-              <a:rPr b="0" lang="en" sz="900"/>
+              <a:rPr b="0" lang="en" sz="1000"/>
               <a:t> </a:t>
             </a:r>
-            <a:endParaRPr b="0" sz="900"/>
+            <a:endParaRPr b="0" sz="1000"/>
           </a:p>
         </p:txBody>
       </p:sp>
@@ -7403,7 +7403,7 @@
               <a:buNone/>
             </a:pPr>
             <a:r>
-              <a:rPr b="0" lang="en" sz="900" u="sng">
+              <a:rPr b="0" lang="en" sz="1000" u="sng">
                 <a:solidFill>
                   <a:schemeClr val="hlink"/>
                 </a:solidFill>
@@ -7412,10 +7412,10 @@
               <a:t>uni1.de/amos</a:t>
             </a:r>
             <a:r>
-              <a:rPr b="0" lang="en" sz="900"/>
+              <a:rPr b="0" lang="en" sz="1000"/>
               <a:t> </a:t>
             </a:r>
-            <a:endParaRPr b="0" sz="900"/>
+            <a:endParaRPr b="0" sz="1000"/>
           </a:p>
         </p:txBody>
       </p:sp>
@@ -8984,18 +8984,10 @@
               <a:buNone/>
             </a:pPr>
             <a:fld id="{00000000-1234-1234-1234-123412341234}" type="slidenum">
-              <a:rPr lang="en">
-                <a:solidFill>
-                  <a:schemeClr val="dk2"/>
-                </a:solidFill>
-              </a:rPr>
+              <a:rPr lang="en"/>
               <a:t>‹#›</a:t>
             </a:fld>
-            <a:endParaRPr>
-              <a:solidFill>
-                <a:schemeClr val="dk2"/>
-              </a:solidFill>
-            </a:endParaRPr>
+            <a:endParaRPr/>
           </a:p>
           <a:p>
             <a:pPr indent="0" lvl="0" marL="0" rtl="0" algn="r">
@@ -9008,7 +9000,7 @@
               <a:buNone/>
             </a:pPr>
             <a:r>
-              <a:rPr b="0" lang="en" sz="900" u="sng">
+              <a:rPr b="0" lang="en" sz="1000" u="sng">
                 <a:solidFill>
                   <a:schemeClr val="hlink"/>
                 </a:solidFill>
@@ -9017,18 +9009,10 @@
               <a:t>uni1.de/amos</a:t>
             </a:r>
             <a:r>
-              <a:rPr b="0" lang="en" sz="900">
-                <a:solidFill>
-                  <a:schemeClr val="dk2"/>
-                </a:solidFill>
-              </a:rPr>
+              <a:rPr b="0" lang="en" sz="1000"/>
               <a:t> </a:t>
             </a:r>
-            <a:endParaRPr b="0" sz="900">
-              <a:solidFill>
-                <a:schemeClr val="dk2"/>
-              </a:solidFill>
-            </a:endParaRPr>
+            <a:endParaRPr b="0" sz="1000"/>
           </a:p>
         </p:txBody>
       </p:sp>
@@ -9158,18 +9142,10 @@
               <a:buNone/>
             </a:pPr>
             <a:fld id="{00000000-1234-1234-1234-123412341234}" type="slidenum">
-              <a:rPr lang="en">
-                <a:solidFill>
-                  <a:schemeClr val="dk2"/>
-                </a:solidFill>
-              </a:rPr>
+              <a:rPr lang="en"/>
               <a:t>‹#›</a:t>
             </a:fld>
-            <a:endParaRPr>
-              <a:solidFill>
-                <a:schemeClr val="dk2"/>
-              </a:solidFill>
-            </a:endParaRPr>
+            <a:endParaRPr/>
           </a:p>
           <a:p>
             <a:pPr indent="0" lvl="0" marL="0" rtl="0" algn="r">
@@ -9182,7 +9158,7 @@
               <a:buNone/>
             </a:pPr>
             <a:r>
-              <a:rPr b="0" lang="en" sz="900" u="sng">
+              <a:rPr b="0" lang="en" sz="1000" u="sng">
                 <a:solidFill>
                   <a:schemeClr val="hlink"/>
                 </a:solidFill>
@@ -9191,18 +9167,10 @@
               <a:t>uni1.de/amos</a:t>
             </a:r>
             <a:r>
-              <a:rPr b="0" lang="en" sz="900">
-                <a:solidFill>
-                  <a:schemeClr val="dk2"/>
-                </a:solidFill>
-              </a:rPr>
+              <a:rPr b="0" lang="en" sz="1000"/>
               <a:t> </a:t>
             </a:r>
-            <a:endParaRPr b="0" sz="900">
-              <a:solidFill>
-                <a:schemeClr val="dk2"/>
-              </a:solidFill>
-            </a:endParaRPr>
+            <a:endParaRPr b="0" sz="1000"/>
           </a:p>
         </p:txBody>
       </p:sp>
@@ -9397,18 +9365,10 @@
               <a:buNone/>
             </a:pPr>
             <a:fld id="{00000000-1234-1234-1234-123412341234}" type="slidenum">
-              <a:rPr lang="en">
-                <a:solidFill>
-                  <a:schemeClr val="dk2"/>
-                </a:solidFill>
-              </a:rPr>
+              <a:rPr lang="en"/>
               <a:t>‹#›</a:t>
             </a:fld>
-            <a:endParaRPr>
-              <a:solidFill>
-                <a:schemeClr val="dk2"/>
-              </a:solidFill>
-            </a:endParaRPr>
+            <a:endParaRPr/>
           </a:p>
           <a:p>
             <a:pPr indent="0" lvl="0" marL="0" rtl="0" algn="r">
@@ -9421,7 +9381,7 @@
               <a:buNone/>
             </a:pPr>
             <a:r>
-              <a:rPr b="0" lang="en" sz="900" u="sng">
+              <a:rPr b="0" lang="en" sz="1000" u="sng">
                 <a:solidFill>
                   <a:schemeClr val="hlink"/>
                 </a:solidFill>
@@ -9430,18 +9390,10 @@
               <a:t>uni1.de/amos</a:t>
             </a:r>
             <a:r>
-              <a:rPr b="0" lang="en" sz="900">
-                <a:solidFill>
-                  <a:schemeClr val="dk2"/>
-                </a:solidFill>
-              </a:rPr>
+              <a:rPr b="0" lang="en" sz="1000"/>
               <a:t> </a:t>
             </a:r>
-            <a:endParaRPr b="0" sz="900">
-              <a:solidFill>
-                <a:schemeClr val="dk2"/>
-              </a:solidFill>
-            </a:endParaRPr>
+            <a:endParaRPr b="0" sz="1000"/>
           </a:p>
         </p:txBody>
       </p:sp>
@@ -9847,18 +9799,10 @@
               <a:buNone/>
             </a:pPr>
             <a:fld id="{00000000-1234-1234-1234-123412341234}" type="slidenum">
-              <a:rPr lang="en">
-                <a:solidFill>
-                  <a:schemeClr val="dk2"/>
-                </a:solidFill>
-              </a:rPr>
+              <a:rPr lang="en"/>
               <a:t>‹#›</a:t>
             </a:fld>
-            <a:endParaRPr>
-              <a:solidFill>
-                <a:schemeClr val="dk2"/>
-              </a:solidFill>
-            </a:endParaRPr>
+            <a:endParaRPr/>
           </a:p>
           <a:p>
             <a:pPr indent="0" lvl="0" marL="0" rtl="0" algn="r">
@@ -9871,7 +9815,7 @@
               <a:buNone/>
             </a:pPr>
             <a:r>
-              <a:rPr b="0" lang="en" sz="900" u="sng">
+              <a:rPr b="0" lang="en" sz="1000" u="sng">
                 <a:solidFill>
                   <a:schemeClr val="hlink"/>
                 </a:solidFill>
@@ -9880,18 +9824,10 @@
               <a:t>uni1.de/amos</a:t>
             </a:r>
             <a:r>
-              <a:rPr b="0" lang="en" sz="900">
-                <a:solidFill>
-                  <a:schemeClr val="dk2"/>
-                </a:solidFill>
-              </a:rPr>
+              <a:rPr b="0" lang="en" sz="1000"/>
               <a:t> </a:t>
             </a:r>
-            <a:endParaRPr b="0" sz="900">
-              <a:solidFill>
-                <a:schemeClr val="dk2"/>
-              </a:solidFill>
-            </a:endParaRPr>
+            <a:endParaRPr b="0" sz="1000"/>
           </a:p>
         </p:txBody>
       </p:sp>
@@ -10127,18 +10063,10 @@
               <a:buNone/>
             </a:pPr>
             <a:fld id="{00000000-1234-1234-1234-123412341234}" type="slidenum">
-              <a:rPr lang="en">
-                <a:solidFill>
-                  <a:schemeClr val="dk2"/>
-                </a:solidFill>
-              </a:rPr>
+              <a:rPr lang="en"/>
               <a:t>‹#›</a:t>
             </a:fld>
-            <a:endParaRPr>
-              <a:solidFill>
-                <a:schemeClr val="dk2"/>
-              </a:solidFill>
-            </a:endParaRPr>
+            <a:endParaRPr/>
           </a:p>
           <a:p>
             <a:pPr indent="0" lvl="0" marL="0" rtl="0" algn="r">
@@ -10151,7 +10079,7 @@
               <a:buNone/>
             </a:pPr>
             <a:r>
-              <a:rPr b="0" lang="en" sz="900" u="sng">
+              <a:rPr b="0" lang="en" sz="1000" u="sng">
                 <a:solidFill>
                   <a:schemeClr val="hlink"/>
                 </a:solidFill>
@@ -10160,18 +10088,10 @@
               <a:t>uni1.de/amos</a:t>
             </a:r>
             <a:r>
-              <a:rPr b="0" lang="en" sz="900">
-                <a:solidFill>
-                  <a:schemeClr val="dk2"/>
-                </a:solidFill>
-              </a:rPr>
+              <a:rPr b="0" lang="en" sz="1000"/>
               <a:t> </a:t>
             </a:r>
-            <a:endParaRPr b="0" sz="900">
-              <a:solidFill>
-                <a:schemeClr val="dk2"/>
-              </a:solidFill>
-            </a:endParaRPr>
+            <a:endParaRPr b="0" sz="1000"/>
           </a:p>
         </p:txBody>
       </p:sp>
@@ -10384,18 +10304,10 @@
               <a:buNone/>
             </a:pPr>
             <a:fld id="{00000000-1234-1234-1234-123412341234}" type="slidenum">
-              <a:rPr lang="en">
-                <a:solidFill>
-                  <a:schemeClr val="dk2"/>
-                </a:solidFill>
-              </a:rPr>
+              <a:rPr lang="en"/>
               <a:t>‹#›</a:t>
             </a:fld>
-            <a:endParaRPr>
-              <a:solidFill>
-                <a:schemeClr val="dk2"/>
-              </a:solidFill>
-            </a:endParaRPr>
+            <a:endParaRPr/>
           </a:p>
           <a:p>
             <a:pPr indent="0" lvl="0" marL="0" rtl="0" algn="r">
@@ -10408,7 +10320,7 @@
               <a:buNone/>
             </a:pPr>
             <a:r>
-              <a:rPr b="0" lang="en" sz="900" u="sng">
+              <a:rPr b="0" lang="en" sz="1000" u="sng">
                 <a:solidFill>
                   <a:schemeClr val="hlink"/>
                 </a:solidFill>
@@ -10417,18 +10329,10 @@
               <a:t>uni1.de/amos</a:t>
             </a:r>
             <a:r>
-              <a:rPr b="0" lang="en" sz="900">
-                <a:solidFill>
-                  <a:schemeClr val="dk2"/>
-                </a:solidFill>
-              </a:rPr>
+              <a:rPr b="0" lang="en" sz="1000"/>
               <a:t> </a:t>
             </a:r>
-            <a:endParaRPr b="0" sz="900">
-              <a:solidFill>
-                <a:schemeClr val="dk2"/>
-              </a:solidFill>
-            </a:endParaRPr>
+            <a:endParaRPr b="0" sz="1000"/>
           </a:p>
         </p:txBody>
       </p:sp>
@@ -10664,18 +10568,10 @@
               <a:buNone/>
             </a:pPr>
             <a:fld id="{00000000-1234-1234-1234-123412341234}" type="slidenum">
-              <a:rPr lang="en">
-                <a:solidFill>
-                  <a:schemeClr val="dk2"/>
-                </a:solidFill>
-              </a:rPr>
+              <a:rPr lang="en"/>
               <a:t>‹#›</a:t>
             </a:fld>
-            <a:endParaRPr>
-              <a:solidFill>
-                <a:schemeClr val="dk2"/>
-              </a:solidFill>
-            </a:endParaRPr>
+            <a:endParaRPr/>
           </a:p>
           <a:p>
             <a:pPr indent="0" lvl="0" marL="0" rtl="0" algn="r">
@@ -10688,7 +10584,7 @@
               <a:buNone/>
             </a:pPr>
             <a:r>
-              <a:rPr b="0" lang="en" sz="900" u="sng">
+              <a:rPr b="0" lang="en" sz="1000" u="sng">
                 <a:solidFill>
                   <a:schemeClr val="hlink"/>
                 </a:solidFill>
@@ -10697,18 +10593,10 @@
               <a:t>uni1.de/amos</a:t>
             </a:r>
             <a:r>
-              <a:rPr b="0" lang="en" sz="900">
-                <a:solidFill>
-                  <a:schemeClr val="dk2"/>
-                </a:solidFill>
-              </a:rPr>
+              <a:rPr b="0" lang="en" sz="1000"/>
               <a:t> </a:t>
             </a:r>
-            <a:endParaRPr b="0" sz="900">
-              <a:solidFill>
-                <a:schemeClr val="dk2"/>
-              </a:solidFill>
-            </a:endParaRPr>
+            <a:endParaRPr b="0" sz="1000"/>
           </a:p>
         </p:txBody>
       </p:sp>
@@ -10894,18 +10782,10 @@
               <a:buNone/>
             </a:pPr>
             <a:fld id="{00000000-1234-1234-1234-123412341234}" type="slidenum">
-              <a:rPr lang="en">
-                <a:solidFill>
-                  <a:schemeClr val="dk2"/>
-                </a:solidFill>
-              </a:rPr>
+              <a:rPr lang="en"/>
               <a:t>‹#›</a:t>
             </a:fld>
-            <a:endParaRPr>
-              <a:solidFill>
-                <a:schemeClr val="dk2"/>
-              </a:solidFill>
-            </a:endParaRPr>
+            <a:endParaRPr/>
           </a:p>
           <a:p>
             <a:pPr indent="0" lvl="0" marL="0" rtl="0" algn="r">
@@ -10918,7 +10798,7 @@
               <a:buNone/>
             </a:pPr>
             <a:r>
-              <a:rPr b="0" lang="en" sz="900" u="sng">
+              <a:rPr b="0" lang="en" sz="1000" u="sng">
                 <a:solidFill>
                   <a:schemeClr val="hlink"/>
                 </a:solidFill>
@@ -10927,18 +10807,10 @@
               <a:t>uni1.de/amos</a:t>
             </a:r>
             <a:r>
-              <a:rPr b="0" lang="en" sz="900">
-                <a:solidFill>
-                  <a:schemeClr val="dk2"/>
-                </a:solidFill>
-              </a:rPr>
+              <a:rPr b="0" lang="en" sz="1000"/>
               <a:t> </a:t>
             </a:r>
-            <a:endParaRPr b="0" sz="900">
-              <a:solidFill>
-                <a:schemeClr val="dk2"/>
-              </a:solidFill>
-            </a:endParaRPr>
+            <a:endParaRPr b="0" sz="1000"/>
           </a:p>
         </p:txBody>
       </p:sp>
@@ -11105,18 +10977,10 @@
               <a:buNone/>
             </a:pPr>
             <a:fld id="{00000000-1234-1234-1234-123412341234}" type="slidenum">
-              <a:rPr lang="en">
-                <a:solidFill>
-                  <a:schemeClr val="dk2"/>
-                </a:solidFill>
-              </a:rPr>
+              <a:rPr lang="en"/>
               <a:t>‹#›</a:t>
             </a:fld>
-            <a:endParaRPr>
-              <a:solidFill>
-                <a:schemeClr val="dk2"/>
-              </a:solidFill>
-            </a:endParaRPr>
+            <a:endParaRPr/>
           </a:p>
           <a:p>
             <a:pPr indent="0" lvl="0" marL="0" rtl="0" algn="r">
@@ -11129,7 +10993,7 @@
               <a:buNone/>
             </a:pPr>
             <a:r>
-              <a:rPr b="0" lang="en" sz="900" u="sng">
+              <a:rPr b="0" lang="en" sz="1000" u="sng">
                 <a:solidFill>
                   <a:schemeClr val="hlink"/>
                 </a:solidFill>
@@ -11138,18 +11002,10 @@
               <a:t>uni1.de/amos</a:t>
             </a:r>
             <a:r>
-              <a:rPr b="0" lang="en" sz="900">
-                <a:solidFill>
-                  <a:schemeClr val="dk2"/>
-                </a:solidFill>
-              </a:rPr>
+              <a:rPr b="0" lang="en" sz="1000"/>
               <a:t> </a:t>
             </a:r>
-            <a:endParaRPr b="0" sz="900">
-              <a:solidFill>
-                <a:schemeClr val="dk2"/>
-              </a:solidFill>
-            </a:endParaRPr>
+            <a:endParaRPr b="0" sz="1000"/>
           </a:p>
         </p:txBody>
       </p:sp>
@@ -11392,18 +11248,10 @@
               <a:buNone/>
             </a:pPr>
             <a:fld id="{00000000-1234-1234-1234-123412341234}" type="slidenum">
-              <a:rPr lang="en">
-                <a:solidFill>
-                  <a:schemeClr val="dk2"/>
-                </a:solidFill>
-              </a:rPr>
+              <a:rPr lang="en"/>
               <a:t>‹#›</a:t>
             </a:fld>
-            <a:endParaRPr>
-              <a:solidFill>
-                <a:schemeClr val="dk2"/>
-              </a:solidFill>
-            </a:endParaRPr>
+            <a:endParaRPr/>
           </a:p>
           <a:p>
             <a:pPr indent="0" lvl="0" marL="0" rtl="0" algn="r">
@@ -11416,7 +11264,7 @@
               <a:buNone/>
             </a:pPr>
             <a:r>
-              <a:rPr b="0" lang="en" sz="900" u="sng">
+              <a:rPr b="0" lang="en" sz="1000" u="sng">
                 <a:solidFill>
                   <a:schemeClr val="hlink"/>
                 </a:solidFill>
@@ -11425,18 +11273,10 @@
               <a:t>uni1.de/amos</a:t>
             </a:r>
             <a:r>
-              <a:rPr b="0" lang="en" sz="900">
-                <a:solidFill>
-                  <a:schemeClr val="dk2"/>
-                </a:solidFill>
-              </a:rPr>
+              <a:rPr b="0" lang="en" sz="1000"/>
               <a:t> </a:t>
             </a:r>
-            <a:endParaRPr b="0" sz="900">
-              <a:solidFill>
-                <a:schemeClr val="dk2"/>
-              </a:solidFill>
-            </a:endParaRPr>
+            <a:endParaRPr b="0" sz="1000"/>
           </a:p>
         </p:txBody>
       </p:sp>
@@ -11538,18 +11378,10 @@
               <a:buNone/>
             </a:pPr>
             <a:fld id="{00000000-1234-1234-1234-123412341234}" type="slidenum">
-              <a:rPr lang="en">
-                <a:solidFill>
-                  <a:schemeClr val="dk2"/>
-                </a:solidFill>
-              </a:rPr>
+              <a:rPr lang="en"/>
               <a:t>‹#›</a:t>
             </a:fld>
-            <a:endParaRPr>
-              <a:solidFill>
-                <a:schemeClr val="dk2"/>
-              </a:solidFill>
-            </a:endParaRPr>
+            <a:endParaRPr/>
           </a:p>
           <a:p>
             <a:pPr indent="0" lvl="0" marL="0" rtl="0" algn="r">
@@ -11562,7 +11394,7 @@
               <a:buNone/>
             </a:pPr>
             <a:r>
-              <a:rPr b="0" lang="en" sz="900" u="sng">
+              <a:rPr b="0" lang="en" sz="1000" u="sng">
                 <a:solidFill>
                   <a:schemeClr val="hlink"/>
                 </a:solidFill>
@@ -11571,18 +11403,10 @@
               <a:t>uni1.de/amos</a:t>
             </a:r>
             <a:r>
-              <a:rPr b="0" lang="en" sz="900">
-                <a:solidFill>
-                  <a:schemeClr val="dk2"/>
-                </a:solidFill>
-              </a:rPr>
+              <a:rPr b="0" lang="en" sz="1000"/>
               <a:t> </a:t>
             </a:r>
-            <a:endParaRPr b="0" sz="900">
-              <a:solidFill>
-                <a:schemeClr val="dk2"/>
-              </a:solidFill>
-            </a:endParaRPr>
+            <a:endParaRPr b="0" sz="1000"/>
           </a:p>
         </p:txBody>
       </p:sp>
@@ -11872,18 +11696,10 @@
               <a:buNone/>
             </a:pPr>
             <a:fld id="{00000000-1234-1234-1234-123412341234}" type="slidenum">
-              <a:rPr lang="en">
-                <a:solidFill>
-                  <a:schemeClr val="dk2"/>
-                </a:solidFill>
-              </a:rPr>
+              <a:rPr lang="en"/>
               <a:t>‹#›</a:t>
             </a:fld>
-            <a:endParaRPr>
-              <a:solidFill>
-                <a:schemeClr val="dk2"/>
-              </a:solidFill>
-            </a:endParaRPr>
+            <a:endParaRPr/>
           </a:p>
           <a:p>
             <a:pPr indent="0" lvl="0" marL="0" rtl="0" algn="r">
@@ -11896,7 +11712,7 @@
               <a:buNone/>
             </a:pPr>
             <a:r>
-              <a:rPr b="0" lang="en" sz="900" u="sng">
+              <a:rPr b="0" lang="en" sz="1000" u="sng">
                 <a:solidFill>
                   <a:schemeClr val="hlink"/>
                 </a:solidFill>
@@ -11905,18 +11721,10 @@
               <a:t>uni1.de/amos</a:t>
             </a:r>
             <a:r>
-              <a:rPr b="0" lang="en" sz="900">
-                <a:solidFill>
-                  <a:schemeClr val="dk2"/>
-                </a:solidFill>
-              </a:rPr>
+              <a:rPr b="0" lang="en" sz="1000"/>
               <a:t> </a:t>
             </a:r>
-            <a:endParaRPr b="0" sz="900">
-              <a:solidFill>
-                <a:schemeClr val="dk2"/>
-              </a:solidFill>
-            </a:endParaRPr>
+            <a:endParaRPr b="0" sz="1000"/>
           </a:p>
         </p:txBody>
       </p:sp>
@@ -12217,18 +12025,10 @@
               <a:buNone/>
             </a:pPr>
             <a:fld id="{00000000-1234-1234-1234-123412341234}" type="slidenum">
-              <a:rPr lang="en">
-                <a:solidFill>
-                  <a:schemeClr val="dk2"/>
-                </a:solidFill>
-              </a:rPr>
+              <a:rPr lang="en"/>
               <a:t>‹#›</a:t>
             </a:fld>
-            <a:endParaRPr>
-              <a:solidFill>
-                <a:schemeClr val="dk2"/>
-              </a:solidFill>
-            </a:endParaRPr>
+            <a:endParaRPr/>
           </a:p>
           <a:p>
             <a:pPr indent="0" lvl="0" marL="0" rtl="0" algn="r">
@@ -12241,7 +12041,7 @@
               <a:buNone/>
             </a:pPr>
             <a:r>
-              <a:rPr b="0" lang="en" sz="900" u="sng">
+              <a:rPr b="0" lang="en" sz="1000" u="sng">
                 <a:solidFill>
                   <a:schemeClr val="hlink"/>
                 </a:solidFill>
@@ -12250,18 +12050,10 @@
               <a:t>uni1.de/amos</a:t>
             </a:r>
             <a:r>
-              <a:rPr b="0" lang="en" sz="900">
-                <a:solidFill>
-                  <a:schemeClr val="dk2"/>
-                </a:solidFill>
-              </a:rPr>
+              <a:rPr b="0" lang="en" sz="1000"/>
               <a:t> </a:t>
             </a:r>
-            <a:endParaRPr b="0" sz="900">
-              <a:solidFill>
-                <a:schemeClr val="dk2"/>
-              </a:solidFill>
-            </a:endParaRPr>
+            <a:endParaRPr b="0" sz="1000"/>
           </a:p>
         </p:txBody>
       </p:sp>
@@ -12363,18 +12155,10 @@
               <a:buNone/>
             </a:pPr>
             <a:fld id="{00000000-1234-1234-1234-123412341234}" type="slidenum">
-              <a:rPr lang="en">
-                <a:solidFill>
-                  <a:schemeClr val="dk2"/>
-                </a:solidFill>
-              </a:rPr>
+              <a:rPr lang="en"/>
               <a:t>‹#›</a:t>
             </a:fld>
-            <a:endParaRPr>
-              <a:solidFill>
-                <a:schemeClr val="dk2"/>
-              </a:solidFill>
-            </a:endParaRPr>
+            <a:endParaRPr/>
           </a:p>
           <a:p>
             <a:pPr indent="0" lvl="0" marL="0" rtl="0" algn="r">
@@ -12387,7 +12171,7 @@
               <a:buNone/>
             </a:pPr>
             <a:r>
-              <a:rPr b="0" lang="en" sz="900" u="sng">
+              <a:rPr b="0" lang="en" sz="1000" u="sng">
                 <a:solidFill>
                   <a:schemeClr val="hlink"/>
                 </a:solidFill>
@@ -12396,18 +12180,10 @@
               <a:t>uni1.de/amos</a:t>
             </a:r>
             <a:r>
-              <a:rPr b="0" lang="en" sz="900">
-                <a:solidFill>
-                  <a:schemeClr val="dk2"/>
-                </a:solidFill>
-              </a:rPr>
+              <a:rPr b="0" lang="en" sz="1000"/>
               <a:t> </a:t>
             </a:r>
-            <a:endParaRPr b="0" sz="900">
-              <a:solidFill>
-                <a:schemeClr val="dk2"/>
-              </a:solidFill>
-            </a:endParaRPr>
+            <a:endParaRPr b="0" sz="1000"/>
           </a:p>
         </p:txBody>
       </p:sp>
@@ -12725,18 +12501,10 @@
               <a:buNone/>
             </a:pPr>
             <a:fld id="{00000000-1234-1234-1234-123412341234}" type="slidenum">
-              <a:rPr lang="en">
-                <a:solidFill>
-                  <a:schemeClr val="dk2"/>
-                </a:solidFill>
-              </a:rPr>
+              <a:rPr lang="en"/>
               <a:t>‹#›</a:t>
             </a:fld>
-            <a:endParaRPr>
-              <a:solidFill>
-                <a:schemeClr val="dk2"/>
-              </a:solidFill>
-            </a:endParaRPr>
+            <a:endParaRPr/>
           </a:p>
           <a:p>
             <a:pPr indent="0" lvl="0" marL="0" rtl="0" algn="r">
@@ -12749,7 +12517,7 @@
               <a:buNone/>
             </a:pPr>
             <a:r>
-              <a:rPr b="0" lang="en" sz="900" u="sng">
+              <a:rPr b="0" lang="en" sz="1000" u="sng">
                 <a:solidFill>
                   <a:schemeClr val="hlink"/>
                 </a:solidFill>
@@ -12758,18 +12526,10 @@
               <a:t>uni1.de/amos</a:t>
             </a:r>
             <a:r>
-              <a:rPr b="0" lang="en" sz="900">
-                <a:solidFill>
-                  <a:schemeClr val="dk2"/>
-                </a:solidFill>
-              </a:rPr>
+              <a:rPr b="0" lang="en" sz="1000"/>
               <a:t> </a:t>
             </a:r>
-            <a:endParaRPr b="0" sz="900">
-              <a:solidFill>
-                <a:schemeClr val="dk2"/>
-              </a:solidFill>
-            </a:endParaRPr>
+            <a:endParaRPr b="0" sz="1000"/>
           </a:p>
         </p:txBody>
       </p:sp>
@@ -12947,18 +12707,10 @@
               <a:buNone/>
             </a:pPr>
             <a:fld id="{00000000-1234-1234-1234-123412341234}" type="slidenum">
-              <a:rPr lang="en">
-                <a:solidFill>
-                  <a:schemeClr val="dk2"/>
-                </a:solidFill>
-              </a:rPr>
+              <a:rPr lang="en"/>
               <a:t>‹#›</a:t>
             </a:fld>
-            <a:endParaRPr>
-              <a:solidFill>
-                <a:schemeClr val="dk2"/>
-              </a:solidFill>
-            </a:endParaRPr>
+            <a:endParaRPr/>
           </a:p>
           <a:p>
             <a:pPr indent="0" lvl="0" marL="0" rtl="0" algn="r">
@@ -12971,7 +12723,7 @@
               <a:buNone/>
             </a:pPr>
             <a:r>
-              <a:rPr b="0" lang="en" sz="900" u="sng">
+              <a:rPr b="0" lang="en" sz="1000" u="sng">
                 <a:solidFill>
                   <a:schemeClr val="hlink"/>
                 </a:solidFill>
@@ -12980,18 +12732,10 @@
               <a:t>uni1.de/amos</a:t>
             </a:r>
             <a:r>
-              <a:rPr b="0" lang="en" sz="900">
-                <a:solidFill>
-                  <a:schemeClr val="dk2"/>
-                </a:solidFill>
-              </a:rPr>
+              <a:rPr b="0" lang="en" sz="1000"/>
               <a:t> </a:t>
             </a:r>
-            <a:endParaRPr b="0" sz="900">
-              <a:solidFill>
-                <a:schemeClr val="dk2"/>
-              </a:solidFill>
-            </a:endParaRPr>
+            <a:endParaRPr b="0" sz="1000"/>
           </a:p>
         </p:txBody>
       </p:sp>
@@ -13177,18 +12921,10 @@
               <a:buNone/>
             </a:pPr>
             <a:fld id="{00000000-1234-1234-1234-123412341234}" type="slidenum">
-              <a:rPr lang="en">
-                <a:solidFill>
-                  <a:schemeClr val="dk2"/>
-                </a:solidFill>
-              </a:rPr>
+              <a:rPr lang="en"/>
               <a:t>‹#›</a:t>
             </a:fld>
-            <a:endParaRPr>
-              <a:solidFill>
-                <a:schemeClr val="dk2"/>
-              </a:solidFill>
-            </a:endParaRPr>
+            <a:endParaRPr/>
           </a:p>
           <a:p>
             <a:pPr indent="0" lvl="0" marL="0" rtl="0" algn="r">
@@ -13201,7 +12937,7 @@
               <a:buNone/>
             </a:pPr>
             <a:r>
-              <a:rPr b="0" lang="en" sz="900" u="sng">
+              <a:rPr b="0" lang="en" sz="1000" u="sng">
                 <a:solidFill>
                   <a:schemeClr val="hlink"/>
                 </a:solidFill>
@@ -13210,18 +12946,10 @@
               <a:t>uni1.de/amos</a:t>
             </a:r>
             <a:r>
-              <a:rPr b="0" lang="en" sz="900">
-                <a:solidFill>
-                  <a:schemeClr val="dk2"/>
-                </a:solidFill>
-              </a:rPr>
+              <a:rPr b="0" lang="en" sz="1000"/>
               <a:t> </a:t>
             </a:r>
-            <a:endParaRPr b="0" sz="900">
-              <a:solidFill>
-                <a:schemeClr val="dk2"/>
-              </a:solidFill>
-            </a:endParaRPr>
+            <a:endParaRPr b="0" sz="1000"/>
           </a:p>
         </p:txBody>
       </p:sp>
@@ -13384,18 +13112,10 @@
               <a:buNone/>
             </a:pPr>
             <a:fld id="{00000000-1234-1234-1234-123412341234}" type="slidenum">
-              <a:rPr lang="en">
-                <a:solidFill>
-                  <a:schemeClr val="dk2"/>
-                </a:solidFill>
-              </a:rPr>
+              <a:rPr lang="en"/>
               <a:t>‹#›</a:t>
             </a:fld>
-            <a:endParaRPr>
-              <a:solidFill>
-                <a:schemeClr val="dk2"/>
-              </a:solidFill>
-            </a:endParaRPr>
+            <a:endParaRPr/>
           </a:p>
           <a:p>
             <a:pPr indent="0" lvl="0" marL="0" rtl="0" algn="r">
@@ -13408,7 +13128,7 @@
               <a:buNone/>
             </a:pPr>
             <a:r>
-              <a:rPr b="0" lang="en" sz="900" u="sng">
+              <a:rPr b="0" lang="en" sz="1000" u="sng">
                 <a:solidFill>
                   <a:schemeClr val="hlink"/>
                 </a:solidFill>
@@ -13417,18 +13137,10 @@
               <a:t>uni1.de/amos</a:t>
             </a:r>
             <a:r>
-              <a:rPr b="0" lang="en" sz="900">
-                <a:solidFill>
-                  <a:schemeClr val="dk2"/>
-                </a:solidFill>
-              </a:rPr>
+              <a:rPr b="0" lang="en" sz="1000"/>
               <a:t> </a:t>
             </a:r>
-            <a:endParaRPr b="0" sz="900">
-              <a:solidFill>
-                <a:schemeClr val="dk2"/>
-              </a:solidFill>
-            </a:endParaRPr>
+            <a:endParaRPr b="0" sz="1000"/>
           </a:p>
         </p:txBody>
       </p:sp>
@@ -13530,18 +13242,10 @@
               <a:buNone/>
             </a:pPr>
             <a:fld id="{00000000-1234-1234-1234-123412341234}" type="slidenum">
-              <a:rPr lang="en">
-                <a:solidFill>
-                  <a:schemeClr val="dk2"/>
-                </a:solidFill>
-              </a:rPr>
+              <a:rPr lang="en"/>
               <a:t>‹#›</a:t>
             </a:fld>
-            <a:endParaRPr>
-              <a:solidFill>
-                <a:schemeClr val="dk2"/>
-              </a:solidFill>
-            </a:endParaRPr>
+            <a:endParaRPr/>
           </a:p>
           <a:p>
             <a:pPr indent="0" lvl="0" marL="0" rtl="0" algn="r">
@@ -13554,7 +13258,7 @@
               <a:buNone/>
             </a:pPr>
             <a:r>
-              <a:rPr b="0" lang="en" sz="900" u="sng">
+              <a:rPr b="0" lang="en" sz="1000" u="sng">
                 <a:solidFill>
                   <a:schemeClr val="hlink"/>
                 </a:solidFill>
@@ -13563,18 +13267,10 @@
               <a:t>uni1.de/amos</a:t>
             </a:r>
             <a:r>
-              <a:rPr b="0" lang="en" sz="900">
-                <a:solidFill>
-                  <a:schemeClr val="dk2"/>
-                </a:solidFill>
-              </a:rPr>
+              <a:rPr b="0" lang="en" sz="1000"/>
               <a:t> </a:t>
             </a:r>
-            <a:endParaRPr b="0" sz="900">
-              <a:solidFill>
-                <a:schemeClr val="dk2"/>
-              </a:solidFill>
-            </a:endParaRPr>
+            <a:endParaRPr b="0" sz="1000"/>
           </a:p>
         </p:txBody>
       </p:sp>
@@ -13995,18 +13691,10 @@
               <a:buNone/>
             </a:pPr>
             <a:fld id="{00000000-1234-1234-1234-123412341234}" type="slidenum">
-              <a:rPr lang="en">
-                <a:solidFill>
-                  <a:schemeClr val="dk2"/>
-                </a:solidFill>
-              </a:rPr>
+              <a:rPr lang="en"/>
               <a:t>‹#›</a:t>
             </a:fld>
-            <a:endParaRPr>
-              <a:solidFill>
-                <a:schemeClr val="dk2"/>
-              </a:solidFill>
-            </a:endParaRPr>
+            <a:endParaRPr/>
           </a:p>
           <a:p>
             <a:pPr indent="0" lvl="0" marL="0" rtl="0" algn="r">
@@ -14019,7 +13707,7 @@
               <a:buNone/>
             </a:pPr>
             <a:r>
-              <a:rPr b="0" lang="en" sz="900" u="sng">
+              <a:rPr b="0" lang="en" sz="1000" u="sng">
                 <a:solidFill>
                   <a:schemeClr val="hlink"/>
                 </a:solidFill>
@@ -14028,18 +13716,10 @@
               <a:t>uni1.de/amos</a:t>
             </a:r>
             <a:r>
-              <a:rPr b="0" lang="en" sz="900">
-                <a:solidFill>
-                  <a:schemeClr val="dk2"/>
-                </a:solidFill>
-              </a:rPr>
+              <a:rPr b="0" lang="en" sz="1000"/>
               <a:t> </a:t>
             </a:r>
-            <a:endParaRPr b="0" sz="900">
-              <a:solidFill>
-                <a:schemeClr val="dk2"/>
-              </a:solidFill>
-            </a:endParaRPr>
+            <a:endParaRPr b="0" sz="1000"/>
           </a:p>
         </p:txBody>
       </p:sp>
@@ -14233,18 +13913,10 @@
               <a:buNone/>
             </a:pPr>
             <a:fld id="{00000000-1234-1234-1234-123412341234}" type="slidenum">
-              <a:rPr lang="en">
-                <a:solidFill>
-                  <a:schemeClr val="dk2"/>
-                </a:solidFill>
-              </a:rPr>
+              <a:rPr lang="en"/>
               <a:t>‹#›</a:t>
             </a:fld>
-            <a:endParaRPr>
-              <a:solidFill>
-                <a:schemeClr val="dk2"/>
-              </a:solidFill>
-            </a:endParaRPr>
+            <a:endParaRPr/>
           </a:p>
           <a:p>
             <a:pPr indent="0" lvl="0" marL="0" rtl="0" algn="r">
@@ -14257,7 +13929,7 @@
               <a:buNone/>
             </a:pPr>
             <a:r>
-              <a:rPr b="0" lang="en" sz="900" u="sng">
+              <a:rPr b="0" lang="en" sz="1000" u="sng">
                 <a:solidFill>
                   <a:schemeClr val="hlink"/>
                 </a:solidFill>
@@ -14266,18 +13938,10 @@
               <a:t>uni1.de/amos</a:t>
             </a:r>
             <a:r>
-              <a:rPr b="0" lang="en" sz="900">
-                <a:solidFill>
-                  <a:schemeClr val="dk2"/>
-                </a:solidFill>
-              </a:rPr>
+              <a:rPr b="0" lang="en" sz="1000"/>
               <a:t> </a:t>
             </a:r>
-            <a:endParaRPr b="0" sz="900">
-              <a:solidFill>
-                <a:schemeClr val="dk2"/>
-              </a:solidFill>
-            </a:endParaRPr>
+            <a:endParaRPr b="0" sz="1000"/>
           </a:p>
         </p:txBody>
       </p:sp>
@@ -14539,18 +14203,10 @@
               <a:buNone/>
             </a:pPr>
             <a:fld id="{00000000-1234-1234-1234-123412341234}" type="slidenum">
-              <a:rPr lang="en">
-                <a:solidFill>
-                  <a:schemeClr val="dk2"/>
-                </a:solidFill>
-              </a:rPr>
+              <a:rPr lang="en"/>
               <a:t>‹#›</a:t>
             </a:fld>
-            <a:endParaRPr>
-              <a:solidFill>
-                <a:schemeClr val="dk2"/>
-              </a:solidFill>
-            </a:endParaRPr>
+            <a:endParaRPr/>
           </a:p>
           <a:p>
             <a:pPr indent="0" lvl="0" marL="0" rtl="0" algn="r">
@@ -14563,7 +14219,7 @@
               <a:buNone/>
             </a:pPr>
             <a:r>
-              <a:rPr b="0" lang="en" sz="900" u="sng">
+              <a:rPr b="0" lang="en" sz="1000" u="sng">
                 <a:solidFill>
                   <a:schemeClr val="hlink"/>
                 </a:solidFill>
@@ -14572,18 +14228,10 @@
               <a:t>uni1.de/amos</a:t>
             </a:r>
             <a:r>
-              <a:rPr b="0" lang="en" sz="900">
-                <a:solidFill>
-                  <a:schemeClr val="dk2"/>
-                </a:solidFill>
-              </a:rPr>
+              <a:rPr b="0" lang="en" sz="1000"/>
               <a:t> </a:t>
             </a:r>
-            <a:endParaRPr b="0" sz="900">
-              <a:solidFill>
-                <a:schemeClr val="dk2"/>
-              </a:solidFill>
-            </a:endParaRPr>
+            <a:endParaRPr b="0" sz="1000"/>
           </a:p>
         </p:txBody>
       </p:sp>
@@ -14828,18 +14476,10 @@
               <a:buNone/>
             </a:pPr>
             <a:fld id="{00000000-1234-1234-1234-123412341234}" type="slidenum">
-              <a:rPr lang="en">
-                <a:solidFill>
-                  <a:schemeClr val="dk2"/>
-                </a:solidFill>
-              </a:rPr>
+              <a:rPr lang="en"/>
               <a:t>‹#›</a:t>
             </a:fld>
-            <a:endParaRPr>
-              <a:solidFill>
-                <a:schemeClr val="dk2"/>
-              </a:solidFill>
-            </a:endParaRPr>
+            <a:endParaRPr/>
           </a:p>
           <a:p>
             <a:pPr indent="0" lvl="0" marL="0" rtl="0" algn="r">
@@ -14852,7 +14492,7 @@
               <a:buNone/>
             </a:pPr>
             <a:r>
-              <a:rPr b="0" lang="en" sz="900" u="sng">
+              <a:rPr b="0" lang="en" sz="1000" u="sng">
                 <a:solidFill>
                   <a:schemeClr val="hlink"/>
                 </a:solidFill>
@@ -14861,18 +14501,10 @@
               <a:t>uni1.de/amos</a:t>
             </a:r>
             <a:r>
-              <a:rPr b="0" lang="en" sz="900">
-                <a:solidFill>
-                  <a:schemeClr val="dk2"/>
-                </a:solidFill>
-              </a:rPr>
+              <a:rPr b="0" lang="en" sz="1000"/>
               <a:t> </a:t>
             </a:r>
-            <a:endParaRPr b="0" sz="900">
-              <a:solidFill>
-                <a:schemeClr val="dk2"/>
-              </a:solidFill>
-            </a:endParaRPr>
+            <a:endParaRPr b="0" sz="1000"/>
           </a:p>
         </p:txBody>
       </p:sp>
@@ -15244,18 +14876,10 @@
               <a:buNone/>
             </a:pPr>
             <a:fld id="{00000000-1234-1234-1234-123412341234}" type="slidenum">
-              <a:rPr lang="en">
-                <a:solidFill>
-                  <a:schemeClr val="dk2"/>
-                </a:solidFill>
-              </a:rPr>
+              <a:rPr lang="en"/>
               <a:t>‹#›</a:t>
             </a:fld>
-            <a:endParaRPr>
-              <a:solidFill>
-                <a:schemeClr val="dk2"/>
-              </a:solidFill>
-            </a:endParaRPr>
+            <a:endParaRPr/>
           </a:p>
           <a:p>
             <a:pPr indent="0" lvl="0" marL="0" rtl="0" algn="r">
@@ -15268,7 +14892,7 @@
               <a:buNone/>
             </a:pPr>
             <a:r>
-              <a:rPr b="0" lang="en" sz="900" u="sng">
+              <a:rPr b="0" lang="en" sz="1000" u="sng">
                 <a:solidFill>
                   <a:schemeClr val="hlink"/>
                 </a:solidFill>
@@ -15277,18 +14901,10 @@
               <a:t>uni1.de/amos</a:t>
             </a:r>
             <a:r>
-              <a:rPr b="0" lang="en" sz="900">
-                <a:solidFill>
-                  <a:schemeClr val="dk2"/>
-                </a:solidFill>
-              </a:rPr>
+              <a:rPr b="0" lang="en" sz="1000"/>
               <a:t> </a:t>
             </a:r>
-            <a:endParaRPr b="0" sz="900">
-              <a:solidFill>
-                <a:schemeClr val="dk2"/>
-              </a:solidFill>
-            </a:endParaRPr>
+            <a:endParaRPr b="0" sz="1000"/>
           </a:p>
         </p:txBody>
       </p:sp>
@@ -15588,18 +15204,10 @@
               <a:buNone/>
             </a:pPr>
             <a:fld id="{00000000-1234-1234-1234-123412341234}" type="slidenum">
-              <a:rPr lang="en">
-                <a:solidFill>
-                  <a:schemeClr val="dk2"/>
-                </a:solidFill>
-              </a:rPr>
+              <a:rPr lang="en"/>
               <a:t>‹#›</a:t>
             </a:fld>
-            <a:endParaRPr>
-              <a:solidFill>
-                <a:schemeClr val="dk2"/>
-              </a:solidFill>
-            </a:endParaRPr>
+            <a:endParaRPr/>
           </a:p>
           <a:p>
             <a:pPr indent="0" lvl="0" marL="0" rtl="0" algn="r">
@@ -15612,7 +15220,7 @@
               <a:buNone/>
             </a:pPr>
             <a:r>
-              <a:rPr b="0" lang="en" sz="900" u="sng">
+              <a:rPr b="0" lang="en" sz="1000" u="sng">
                 <a:solidFill>
                   <a:schemeClr val="hlink"/>
                 </a:solidFill>
@@ -15621,18 +15229,10 @@
               <a:t>uni1.de/amos</a:t>
             </a:r>
             <a:r>
-              <a:rPr b="0" lang="en" sz="900">
-                <a:solidFill>
-                  <a:schemeClr val="dk2"/>
-                </a:solidFill>
-              </a:rPr>
+              <a:rPr b="0" lang="en" sz="1000"/>
               <a:t> </a:t>
             </a:r>
-            <a:endParaRPr b="0" sz="900">
-              <a:solidFill>
-                <a:schemeClr val="dk2"/>
-              </a:solidFill>
-            </a:endParaRPr>
+            <a:endParaRPr b="0" sz="1000"/>
           </a:p>
         </p:txBody>
       </p:sp>
@@ -15951,18 +15551,10 @@
               <a:buNone/>
             </a:pPr>
             <a:fld id="{00000000-1234-1234-1234-123412341234}" type="slidenum">
-              <a:rPr lang="en">
-                <a:solidFill>
-                  <a:schemeClr val="dk2"/>
-                </a:solidFill>
-              </a:rPr>
+              <a:rPr lang="en"/>
               <a:t>‹#›</a:t>
             </a:fld>
-            <a:endParaRPr>
-              <a:solidFill>
-                <a:schemeClr val="dk2"/>
-              </a:solidFill>
-            </a:endParaRPr>
+            <a:endParaRPr/>
           </a:p>
           <a:p>
             <a:pPr indent="0" lvl="0" marL="0" rtl="0" algn="r">
@@ -15975,7 +15567,7 @@
               <a:buNone/>
             </a:pPr>
             <a:r>
-              <a:rPr b="0" lang="en" sz="900" u="sng">
+              <a:rPr b="0" lang="en" sz="1000" u="sng">
                 <a:solidFill>
                   <a:schemeClr val="hlink"/>
                 </a:solidFill>
@@ -15984,18 +15576,10 @@
               <a:t>uni1.de/amos</a:t>
             </a:r>
             <a:r>
-              <a:rPr b="0" lang="en" sz="900">
-                <a:solidFill>
-                  <a:schemeClr val="dk2"/>
-                </a:solidFill>
-              </a:rPr>
+              <a:rPr b="0" lang="en" sz="1000"/>
               <a:t> </a:t>
             </a:r>
-            <a:endParaRPr b="0" sz="900">
-              <a:solidFill>
-                <a:schemeClr val="dk2"/>
-              </a:solidFill>
-            </a:endParaRPr>
+            <a:endParaRPr b="0" sz="1000"/>
           </a:p>
         </p:txBody>
       </p:sp>
@@ -16207,18 +15791,10 @@
               <a:buNone/>
             </a:pPr>
             <a:fld id="{00000000-1234-1234-1234-123412341234}" type="slidenum">
-              <a:rPr lang="en">
-                <a:solidFill>
-                  <a:schemeClr val="dk2"/>
-                </a:solidFill>
-              </a:rPr>
+              <a:rPr lang="en"/>
               <a:t>‹#›</a:t>
             </a:fld>
-            <a:endParaRPr>
-              <a:solidFill>
-                <a:schemeClr val="dk2"/>
-              </a:solidFill>
-            </a:endParaRPr>
+            <a:endParaRPr/>
           </a:p>
           <a:p>
             <a:pPr indent="0" lvl="0" marL="0" rtl="0" algn="r">
@@ -16231,7 +15807,7 @@
               <a:buNone/>
             </a:pPr>
             <a:r>
-              <a:rPr b="0" lang="en" sz="900" u="sng">
+              <a:rPr b="0" lang="en" sz="1000" u="sng">
                 <a:solidFill>
                   <a:schemeClr val="hlink"/>
                 </a:solidFill>
@@ -16240,18 +15816,10 @@
               <a:t>uni1.de/amos</a:t>
             </a:r>
             <a:r>
-              <a:rPr b="0" lang="en" sz="900">
-                <a:solidFill>
-                  <a:schemeClr val="dk2"/>
-                </a:solidFill>
-              </a:rPr>
+              <a:rPr b="0" lang="en" sz="1000"/>
               <a:t> </a:t>
             </a:r>
-            <a:endParaRPr b="0" sz="900">
-              <a:solidFill>
-                <a:schemeClr val="dk2"/>
-              </a:solidFill>
-            </a:endParaRPr>
+            <a:endParaRPr b="0" sz="1000"/>
           </a:p>
         </p:txBody>
       </p:sp>
@@ -16381,18 +15949,10 @@
               <a:buNone/>
             </a:pPr>
             <a:fld id="{00000000-1234-1234-1234-123412341234}" type="slidenum">
-              <a:rPr lang="en">
-                <a:solidFill>
-                  <a:schemeClr val="dk2"/>
-                </a:solidFill>
-              </a:rPr>
+              <a:rPr lang="en"/>
               <a:t>‹#›</a:t>
             </a:fld>
-            <a:endParaRPr>
-              <a:solidFill>
-                <a:schemeClr val="dk2"/>
-              </a:solidFill>
-            </a:endParaRPr>
+            <a:endParaRPr/>
           </a:p>
           <a:p>
             <a:pPr indent="0" lvl="0" marL="0" rtl="0" algn="r">
@@ -16405,7 +15965,7 @@
               <a:buNone/>
             </a:pPr>
             <a:r>
-              <a:rPr b="0" lang="en" sz="900" u="sng">
+              <a:rPr b="0" lang="en" sz="1000" u="sng">
                 <a:solidFill>
                   <a:schemeClr val="hlink"/>
                 </a:solidFill>
@@ -16414,18 +15974,10 @@
               <a:t>uni1.de/amos</a:t>
             </a:r>
             <a:r>
-              <a:rPr b="0" lang="en" sz="900">
-                <a:solidFill>
-                  <a:schemeClr val="dk2"/>
-                </a:solidFill>
-              </a:rPr>
+              <a:rPr b="0" lang="en" sz="1000"/>
               <a:t> </a:t>
             </a:r>
-            <a:endParaRPr b="0" sz="900">
-              <a:solidFill>
-                <a:schemeClr val="dk2"/>
-              </a:solidFill>
-            </a:endParaRPr>
+            <a:endParaRPr b="0" sz="1000"/>
           </a:p>
         </p:txBody>
       </p:sp>
@@ -16762,18 +16314,10 @@
               <a:buNone/>
             </a:pPr>
             <a:fld id="{00000000-1234-1234-1234-123412341234}" type="slidenum">
-              <a:rPr lang="en">
-                <a:solidFill>
-                  <a:schemeClr val="dk2"/>
-                </a:solidFill>
-              </a:rPr>
+              <a:rPr lang="en"/>
               <a:t>‹#›</a:t>
             </a:fld>
-            <a:endParaRPr>
-              <a:solidFill>
-                <a:schemeClr val="dk2"/>
-              </a:solidFill>
-            </a:endParaRPr>
+            <a:endParaRPr/>
           </a:p>
           <a:p>
             <a:pPr indent="0" lvl="0" marL="0" rtl="0" algn="r">
@@ -16786,7 +16330,7 @@
               <a:buNone/>
             </a:pPr>
             <a:r>
-              <a:rPr b="0" lang="en" sz="900" u="sng">
+              <a:rPr b="0" lang="en" sz="1000" u="sng">
                 <a:solidFill>
                   <a:schemeClr val="hlink"/>
                 </a:solidFill>
@@ -16795,18 +16339,10 @@
               <a:t>uni1.de/amos</a:t>
             </a:r>
             <a:r>
-              <a:rPr b="0" lang="en" sz="900">
-                <a:solidFill>
-                  <a:schemeClr val="dk2"/>
-                </a:solidFill>
-              </a:rPr>
+              <a:rPr b="0" lang="en" sz="1000"/>
               <a:t> </a:t>
             </a:r>
-            <a:endParaRPr b="0" sz="900">
-              <a:solidFill>
-                <a:schemeClr val="dk2"/>
-              </a:solidFill>
-            </a:endParaRPr>
+            <a:endParaRPr b="0" sz="1000"/>
           </a:p>
         </p:txBody>
       </p:sp>
@@ -17050,18 +16586,10 @@
               <a:buNone/>
             </a:pPr>
             <a:fld id="{00000000-1234-1234-1234-123412341234}" type="slidenum">
-              <a:rPr lang="en">
-                <a:solidFill>
-                  <a:schemeClr val="dk2"/>
-                </a:solidFill>
-              </a:rPr>
+              <a:rPr lang="en"/>
               <a:t>‹#›</a:t>
             </a:fld>
-            <a:endParaRPr>
-              <a:solidFill>
-                <a:schemeClr val="dk2"/>
-              </a:solidFill>
-            </a:endParaRPr>
+            <a:endParaRPr/>
           </a:p>
           <a:p>
             <a:pPr indent="0" lvl="0" marL="0" rtl="0" algn="r">
@@ -17074,7 +16602,7 @@
               <a:buNone/>
             </a:pPr>
             <a:r>
-              <a:rPr b="0" lang="en" sz="900" u="sng">
+              <a:rPr b="0" lang="en" sz="1000" u="sng">
                 <a:solidFill>
                   <a:schemeClr val="hlink"/>
                 </a:solidFill>
@@ -17083,18 +16611,10 @@
               <a:t>uni1.de/amos</a:t>
             </a:r>
             <a:r>
-              <a:rPr b="0" lang="en" sz="900">
-                <a:solidFill>
-                  <a:schemeClr val="dk2"/>
-                </a:solidFill>
-              </a:rPr>
+              <a:rPr b="0" lang="en" sz="1000"/>
               <a:t> </a:t>
             </a:r>
-            <a:endParaRPr b="0" sz="900">
-              <a:solidFill>
-                <a:schemeClr val="dk2"/>
-              </a:solidFill>
-            </a:endParaRPr>
+            <a:endParaRPr b="0" sz="1000"/>
           </a:p>
         </p:txBody>
       </p:sp>
@@ -17196,18 +16716,10 @@
               <a:buNone/>
             </a:pPr>
             <a:fld id="{00000000-1234-1234-1234-123412341234}" type="slidenum">
-              <a:rPr lang="en">
-                <a:solidFill>
-                  <a:schemeClr val="dk2"/>
-                </a:solidFill>
-              </a:rPr>
+              <a:rPr lang="en"/>
               <a:t>‹#›</a:t>
             </a:fld>
-            <a:endParaRPr>
-              <a:solidFill>
-                <a:schemeClr val="dk2"/>
-              </a:solidFill>
-            </a:endParaRPr>
+            <a:endParaRPr/>
           </a:p>
           <a:p>
             <a:pPr indent="0" lvl="0" marL="0" rtl="0" algn="r">
@@ -17220,7 +16732,7 @@
               <a:buNone/>
             </a:pPr>
             <a:r>
-              <a:rPr b="0" lang="en" sz="900" u="sng">
+              <a:rPr b="0" lang="en" sz="1000" u="sng">
                 <a:solidFill>
                   <a:schemeClr val="hlink"/>
                 </a:solidFill>
@@ -17229,18 +16741,10 @@
               <a:t>uni1.de/amos</a:t>
             </a:r>
             <a:r>
-              <a:rPr b="0" lang="en" sz="900">
-                <a:solidFill>
-                  <a:schemeClr val="dk2"/>
-                </a:solidFill>
-              </a:rPr>
+              <a:rPr b="0" lang="en" sz="1000"/>
               <a:t> </a:t>
             </a:r>
-            <a:endParaRPr b="0" sz="900">
-              <a:solidFill>
-                <a:schemeClr val="dk2"/>
-              </a:solidFill>
-            </a:endParaRPr>
+            <a:endParaRPr b="0" sz="1000"/>
           </a:p>
         </p:txBody>
       </p:sp>
@@ -17426,18 +16930,10 @@
               <a:buNone/>
             </a:pPr>
             <a:fld id="{00000000-1234-1234-1234-123412341234}" type="slidenum">
-              <a:rPr lang="en">
-                <a:solidFill>
-                  <a:schemeClr val="dk2"/>
-                </a:solidFill>
-              </a:rPr>
+              <a:rPr lang="en"/>
               <a:t>‹#›</a:t>
             </a:fld>
-            <a:endParaRPr>
-              <a:solidFill>
-                <a:schemeClr val="dk2"/>
-              </a:solidFill>
-            </a:endParaRPr>
+            <a:endParaRPr/>
           </a:p>
           <a:p>
             <a:pPr indent="0" lvl="0" marL="0" rtl="0" algn="r">
@@ -17450,7 +16946,7 @@
               <a:buNone/>
             </a:pPr>
             <a:r>
-              <a:rPr b="0" lang="en" sz="900" u="sng">
+              <a:rPr b="0" lang="en" sz="1000" u="sng">
                 <a:solidFill>
                   <a:schemeClr val="hlink"/>
                 </a:solidFill>
@@ -17459,18 +16955,10 @@
               <a:t>uni1.de/amos</a:t>
             </a:r>
             <a:r>
-              <a:rPr b="0" lang="en" sz="900">
-                <a:solidFill>
-                  <a:schemeClr val="dk2"/>
-                </a:solidFill>
-              </a:rPr>
+              <a:rPr b="0" lang="en" sz="1000"/>
               <a:t> </a:t>
             </a:r>
-            <a:endParaRPr b="0" sz="900">
-              <a:solidFill>
-                <a:schemeClr val="dk2"/>
-              </a:solidFill>
-            </a:endParaRPr>
+            <a:endParaRPr b="0" sz="1000"/>
           </a:p>
         </p:txBody>
       </p:sp>
@@ -17748,18 +17236,10 @@
               <a:buNone/>
             </a:pPr>
             <a:fld id="{00000000-1234-1234-1234-123412341234}" type="slidenum">
-              <a:rPr lang="en">
-                <a:solidFill>
-                  <a:schemeClr val="dk2"/>
-                </a:solidFill>
-              </a:rPr>
+              <a:rPr lang="en"/>
               <a:t>‹#›</a:t>
             </a:fld>
-            <a:endParaRPr>
-              <a:solidFill>
-                <a:schemeClr val="dk2"/>
-              </a:solidFill>
-            </a:endParaRPr>
+            <a:endParaRPr/>
           </a:p>
           <a:p>
             <a:pPr indent="0" lvl="0" marL="0" rtl="0" algn="r">
@@ -17772,7 +17252,7 @@
               <a:buNone/>
             </a:pPr>
             <a:r>
-              <a:rPr b="0" lang="en" sz="900" u="sng">
+              <a:rPr b="0" lang="en" sz="1000" u="sng">
                 <a:solidFill>
                   <a:schemeClr val="hlink"/>
                 </a:solidFill>
@@ -17781,18 +17261,10 @@
               <a:t>uni1.de/amos</a:t>
             </a:r>
             <a:r>
-              <a:rPr b="0" lang="en" sz="900">
-                <a:solidFill>
-                  <a:schemeClr val="dk2"/>
-                </a:solidFill>
-              </a:rPr>
+              <a:rPr b="0" lang="en" sz="1000"/>
               <a:t> </a:t>
             </a:r>
-            <a:endParaRPr b="0" sz="900">
-              <a:solidFill>
-                <a:schemeClr val="dk2"/>
-              </a:solidFill>
-            </a:endParaRPr>
+            <a:endParaRPr b="0" sz="1000"/>
           </a:p>
         </p:txBody>
       </p:sp>
@@ -18035,18 +17507,10 @@
               <a:buNone/>
             </a:pPr>
             <a:fld id="{00000000-1234-1234-1234-123412341234}" type="slidenum">
-              <a:rPr lang="en">
-                <a:solidFill>
-                  <a:schemeClr val="dk2"/>
-                </a:solidFill>
-              </a:rPr>
+              <a:rPr lang="en"/>
               <a:t>‹#›</a:t>
             </a:fld>
-            <a:endParaRPr>
-              <a:solidFill>
-                <a:schemeClr val="dk2"/>
-              </a:solidFill>
-            </a:endParaRPr>
+            <a:endParaRPr/>
           </a:p>
           <a:p>
             <a:pPr indent="0" lvl="0" marL="0" rtl="0" algn="r">
@@ -18059,7 +17523,7 @@
               <a:buNone/>
             </a:pPr>
             <a:r>
-              <a:rPr b="0" lang="en" sz="900" u="sng">
+              <a:rPr b="0" lang="en" sz="1000" u="sng">
                 <a:solidFill>
                   <a:schemeClr val="hlink"/>
                 </a:solidFill>
@@ -18068,18 +17532,10 @@
               <a:t>uni1.de/amos</a:t>
             </a:r>
             <a:r>
-              <a:rPr b="0" lang="en" sz="900">
-                <a:solidFill>
-                  <a:schemeClr val="dk2"/>
-                </a:solidFill>
-              </a:rPr>
+              <a:rPr b="0" lang="en" sz="1000"/>
               <a:t> </a:t>
             </a:r>
-            <a:endParaRPr b="0" sz="900">
-              <a:solidFill>
-                <a:schemeClr val="dk2"/>
-              </a:solidFill>
-            </a:endParaRPr>
+            <a:endParaRPr b="0" sz="1000"/>
           </a:p>
         </p:txBody>
       </p:sp>
@@ -18365,18 +17821,10 @@
               <a:buNone/>
             </a:pPr>
             <a:fld id="{00000000-1234-1234-1234-123412341234}" type="slidenum">
-              <a:rPr lang="en">
-                <a:solidFill>
-                  <a:schemeClr val="dk2"/>
-                </a:solidFill>
-              </a:rPr>
+              <a:rPr lang="en"/>
               <a:t>‹#›</a:t>
             </a:fld>
-            <a:endParaRPr>
-              <a:solidFill>
-                <a:schemeClr val="dk2"/>
-              </a:solidFill>
-            </a:endParaRPr>
+            <a:endParaRPr/>
           </a:p>
           <a:p>
             <a:pPr indent="0" lvl="0" marL="0" rtl="0" algn="r">
@@ -18398,18 +17846,10 @@
               <a:t>uni1.de/amos</a:t>
             </a:r>
             <a:r>
-              <a:rPr b="0" lang="en" sz="900">
-                <a:solidFill>
-                  <a:schemeClr val="dk2"/>
-                </a:solidFill>
-              </a:rPr>
+              <a:rPr b="0" lang="en" sz="900"/>
               <a:t> </a:t>
             </a:r>
-            <a:endParaRPr b="0" sz="900">
-              <a:solidFill>
-                <a:schemeClr val="dk2"/>
-              </a:solidFill>
-            </a:endParaRPr>
+            <a:endParaRPr b="0" sz="900"/>
           </a:p>
         </p:txBody>
       </p:sp>
@@ -18510,7 +17950,7 @@
             </a:pPr>
             <a:r>
               <a:rPr lang="en"/>
-              <a:t>© Copyright 2024 Dirk Riehle, some rights reserved</a:t>
+              <a:t>© Copyright 2009, 2024 Dirk Riehle, some rights reserved</a:t>
             </a:r>
             <a:endParaRPr/>
           </a:p>
@@ -18704,18 +18144,10 @@
               <a:buNone/>
             </a:pPr>
             <a:fld id="{00000000-1234-1234-1234-123412341234}" type="slidenum">
-              <a:rPr lang="en">
-                <a:solidFill>
-                  <a:schemeClr val="dk2"/>
-                </a:solidFill>
-              </a:rPr>
+              <a:rPr lang="en"/>
               <a:t>‹#›</a:t>
             </a:fld>
-            <a:endParaRPr>
-              <a:solidFill>
-                <a:schemeClr val="dk2"/>
-              </a:solidFill>
-            </a:endParaRPr>
+            <a:endParaRPr/>
           </a:p>
           <a:p>
             <a:pPr indent="0" lvl="0" marL="0" rtl="0" algn="r">
@@ -18728,7 +18160,7 @@
               <a:buNone/>
             </a:pPr>
             <a:r>
-              <a:rPr b="0" lang="en" sz="900" u="sng">
+              <a:rPr b="0" lang="en" sz="1000" u="sng">
                 <a:solidFill>
                   <a:schemeClr val="hlink"/>
                 </a:solidFill>
@@ -18737,18 +18169,10 @@
               <a:t>uni1.de/amos</a:t>
             </a:r>
             <a:r>
-              <a:rPr b="0" lang="en" sz="900">
-                <a:solidFill>
-                  <a:schemeClr val="dk2"/>
-                </a:solidFill>
-              </a:rPr>
+              <a:rPr b="0" lang="en" sz="1000"/>
               <a:t> </a:t>
             </a:r>
-            <a:endParaRPr b="0" sz="900">
-              <a:solidFill>
-                <a:schemeClr val="dk2"/>
-              </a:solidFill>
-            </a:endParaRPr>
+            <a:endParaRPr b="0" sz="1000"/>
           </a:p>
         </p:txBody>
       </p:sp>
@@ -18940,18 +18364,10 @@
               <a:buNone/>
             </a:pPr>
             <a:fld id="{00000000-1234-1234-1234-123412341234}" type="slidenum">
-              <a:rPr lang="en">
-                <a:solidFill>
-                  <a:schemeClr val="dk2"/>
-                </a:solidFill>
-              </a:rPr>
+              <a:rPr lang="en"/>
               <a:t>‹#›</a:t>
             </a:fld>
-            <a:endParaRPr>
-              <a:solidFill>
-                <a:schemeClr val="dk2"/>
-              </a:solidFill>
-            </a:endParaRPr>
+            <a:endParaRPr/>
           </a:p>
           <a:p>
             <a:pPr indent="0" lvl="0" marL="0" rtl="0" algn="r">
@@ -18964,7 +18380,7 @@
               <a:buNone/>
             </a:pPr>
             <a:r>
-              <a:rPr b="0" lang="en" sz="900" u="sng">
+              <a:rPr b="0" lang="en" sz="1000" u="sng">
                 <a:solidFill>
                   <a:schemeClr val="hlink"/>
                 </a:solidFill>
@@ -18973,18 +18389,10 @@
               <a:t>uni1.de/amos</a:t>
             </a:r>
             <a:r>
-              <a:rPr b="0" lang="en" sz="900">
-                <a:solidFill>
-                  <a:schemeClr val="dk2"/>
-                </a:solidFill>
-              </a:rPr>
+              <a:rPr b="0" lang="en" sz="1000"/>
               <a:t> </a:t>
             </a:r>
-            <a:endParaRPr b="0" sz="900">
-              <a:solidFill>
-                <a:schemeClr val="dk2"/>
-              </a:solidFill>
-            </a:endParaRPr>
+            <a:endParaRPr b="0" sz="1000"/>
           </a:p>
         </p:txBody>
       </p:sp>
@@ -19243,18 +18651,10 @@
               <a:buNone/>
             </a:pPr>
             <a:fld id="{00000000-1234-1234-1234-123412341234}" type="slidenum">
-              <a:rPr lang="en">
-                <a:solidFill>
-                  <a:schemeClr val="dk2"/>
-                </a:solidFill>
-              </a:rPr>
+              <a:rPr lang="en"/>
               <a:t>‹#›</a:t>
             </a:fld>
-            <a:endParaRPr>
-              <a:solidFill>
-                <a:schemeClr val="dk2"/>
-              </a:solidFill>
-            </a:endParaRPr>
+            <a:endParaRPr/>
           </a:p>
           <a:p>
             <a:pPr indent="0" lvl="0" marL="0" rtl="0" algn="r">
@@ -19267,7 +18667,7 @@
               <a:buNone/>
             </a:pPr>
             <a:r>
-              <a:rPr b="0" lang="en" sz="900" u="sng">
+              <a:rPr b="0" lang="en" sz="1000" u="sng">
                 <a:solidFill>
                   <a:schemeClr val="hlink"/>
                 </a:solidFill>
@@ -19276,18 +18676,10 @@
               <a:t>uni1.de/amos</a:t>
             </a:r>
             <a:r>
-              <a:rPr b="0" lang="en" sz="900">
-                <a:solidFill>
-                  <a:schemeClr val="dk2"/>
-                </a:solidFill>
-              </a:rPr>
+              <a:rPr b="0" lang="en" sz="1000"/>
               <a:t> </a:t>
             </a:r>
-            <a:endParaRPr b="0" sz="900">
-              <a:solidFill>
-                <a:schemeClr val="dk2"/>
-              </a:solidFill>
-            </a:endParaRPr>
+            <a:endParaRPr b="0" sz="1000"/>
           </a:p>
         </p:txBody>
       </p:sp>
@@ -19503,18 +18895,10 @@
               <a:buNone/>
             </a:pPr>
             <a:fld id="{00000000-1234-1234-1234-123412341234}" type="slidenum">
-              <a:rPr lang="en">
-                <a:solidFill>
-                  <a:schemeClr val="dk2"/>
-                </a:solidFill>
-              </a:rPr>
+              <a:rPr lang="en"/>
               <a:t>‹#›</a:t>
             </a:fld>
-            <a:endParaRPr>
-              <a:solidFill>
-                <a:schemeClr val="dk2"/>
-              </a:solidFill>
-            </a:endParaRPr>
+            <a:endParaRPr/>
           </a:p>
           <a:p>
             <a:pPr indent="0" lvl="0" marL="0" rtl="0" algn="r">
@@ -19527,7 +18911,7 @@
               <a:buNone/>
             </a:pPr>
             <a:r>
-              <a:rPr b="0" lang="en" sz="900" u="sng">
+              <a:rPr b="0" lang="en" sz="1000" u="sng">
                 <a:solidFill>
                   <a:schemeClr val="hlink"/>
                 </a:solidFill>
@@ -19536,18 +18920,10 @@
               <a:t>uni1.de/amos</a:t>
             </a:r>
             <a:r>
-              <a:rPr b="0" lang="en" sz="900">
-                <a:solidFill>
-                  <a:schemeClr val="dk2"/>
-                </a:solidFill>
-              </a:rPr>
+              <a:rPr b="0" lang="en" sz="1000"/>
               <a:t> </a:t>
             </a:r>
-            <a:endParaRPr b="0" sz="900">
-              <a:solidFill>
-                <a:schemeClr val="dk2"/>
-              </a:solidFill>
-            </a:endParaRPr>
+            <a:endParaRPr b="0" sz="1000"/>
           </a:p>
         </p:txBody>
       </p:sp>
@@ -19649,18 +19025,10 @@
               <a:buNone/>
             </a:pPr>
             <a:fld id="{00000000-1234-1234-1234-123412341234}" type="slidenum">
-              <a:rPr lang="en">
-                <a:solidFill>
-                  <a:schemeClr val="dk2"/>
-                </a:solidFill>
-              </a:rPr>
+              <a:rPr lang="en"/>
               <a:t>‹#›</a:t>
             </a:fld>
-            <a:endParaRPr>
-              <a:solidFill>
-                <a:schemeClr val="dk2"/>
-              </a:solidFill>
-            </a:endParaRPr>
+            <a:endParaRPr/>
           </a:p>
           <a:p>
             <a:pPr indent="0" lvl="0" marL="0" rtl="0" algn="r">
@@ -19673,7 +19041,7 @@
               <a:buNone/>
             </a:pPr>
             <a:r>
-              <a:rPr b="0" lang="en" sz="900" u="sng">
+              <a:rPr b="0" lang="en" sz="1000" u="sng">
                 <a:solidFill>
                   <a:schemeClr val="hlink"/>
                 </a:solidFill>
@@ -19682,18 +19050,10 @@
               <a:t>uni1.de/amos</a:t>
             </a:r>
             <a:r>
-              <a:rPr b="0" lang="en" sz="900">
-                <a:solidFill>
-                  <a:schemeClr val="dk2"/>
-                </a:solidFill>
-              </a:rPr>
+              <a:rPr b="0" lang="en" sz="1000"/>
               <a:t> </a:t>
             </a:r>
-            <a:endParaRPr b="0" sz="900">
-              <a:solidFill>
-                <a:schemeClr val="dk2"/>
-              </a:solidFill>
-            </a:endParaRPr>
+            <a:endParaRPr b="0" sz="1000"/>
           </a:p>
         </p:txBody>
       </p:sp>
@@ -19712,7 +19072,7 @@
             <a:tbl>
               <a:tblPr>
                 <a:noFill/>
-                <a:tableStyleId>{1CB9922B-BBF4-4B35-BDFA-41C5CCEA1827}</a:tableStyleId>
+                <a:tableStyleId>{30A994A2-0324-4DF2-A6EC-840736DB42D5}</a:tableStyleId>
               </a:tblPr>
               <a:tblGrid>
                 <a:gridCol w="2865125"/>

--- a/Lecture slides/AMOS B05 - Agile Programming.pptx
+++ b/Lecture slides/AMOS B05 - Agile Programming.pptx
@@ -19072,7 +19072,7 @@
             <a:tbl>
               <a:tblPr>
                 <a:noFill/>
-                <a:tableStyleId>{30A994A2-0324-4DF2-A6EC-840736DB42D5}</a:tableStyleId>
+                <a:tableStyleId>{2C25DEFE-EB13-46BB-99A0-56F9EF83F260}</a:tableStyleId>
               </a:tblPr>
               <a:tblGrid>
                 <a:gridCol w="2865125"/>
@@ -20290,6 +20290,285 @@
 </file>
 
 <file path=ppt/theme/theme1.xml><?xml version="1.0" encoding="utf-8"?>
+<a:theme xmlns:a="http://schemas.openxmlformats.org/drawingml/2006/main" xmlns:r="http://schemas.openxmlformats.org/officeDocument/2006/relationships">
+  <a:themeElements>
+    <a:clrScheme name="Default">
+      <a:dk1>
+        <a:srgbClr val="000000"/>
+      </a:dk1>
+      <a:lt1>
+        <a:srgbClr val="FFFFFF"/>
+      </a:lt1>
+      <a:dk2>
+        <a:srgbClr val="158158"/>
+      </a:dk2>
+      <a:lt2>
+        <a:srgbClr val="F3F3F3"/>
+      </a:lt2>
+      <a:accent1>
+        <a:srgbClr val="058DC7"/>
+      </a:accent1>
+      <a:accent2>
+        <a:srgbClr val="50B432"/>
+      </a:accent2>
+      <a:accent3>
+        <a:srgbClr val="ED561B"/>
+      </a:accent3>
+      <a:accent4>
+        <a:srgbClr val="EDEF00"/>
+      </a:accent4>
+      <a:accent5>
+        <a:srgbClr val="24CBE5"/>
+      </a:accent5>
+      <a:accent6>
+        <a:srgbClr val="64E572"/>
+      </a:accent6>
+      <a:hlink>
+        <a:srgbClr val="2200CC"/>
+      </a:hlink>
+      <a:folHlink>
+        <a:srgbClr val="551A8B"/>
+      </a:folHlink>
+    </a:clrScheme>
+    <a:fontScheme name="Office">
+      <a:majorFont>
+        <a:latin typeface="Arial"/>
+        <a:ea typeface=""/>
+        <a:cs typeface=""/>
+        <a:font script="Jpan" typeface="ＭＳ Ｐゴシック"/>
+        <a:font script="Hang" typeface="맑은 고딕"/>
+        <a:font script="Hans" typeface="宋体"/>
+        <a:font script="Hant" typeface="新細明體"/>
+        <a:font script="Arab" typeface="Times New Roman"/>
+        <a:font script="Hebr" typeface="Times New Roman"/>
+        <a:font script="Thai" typeface="Angsana New"/>
+        <a:font script="Ethi" typeface="Nyala"/>
+        <a:font script="Beng" typeface="Vrinda"/>
+        <a:font script="Gujr" typeface="Shruti"/>
+        <a:font script="Khmr" typeface="MoolBoran"/>
+        <a:font script="Knda" typeface="Tunga"/>
+        <a:font script="Guru" typeface="Raavi"/>
+        <a:font script="Cans" typeface="Euphemia"/>
+        <a:font script="Cher" typeface="Plantagenet Cherokee"/>
+        <a:font script="Yiii" typeface="Microsoft Yi Baiti"/>
+        <a:font script="Tibt" typeface="Microsoft Himalaya"/>
+        <a:font script="Thaa" typeface="MV Boli"/>
+        <a:font script="Deva" typeface="Mangal"/>
+        <a:font script="Telu" typeface="Gautami"/>
+        <a:font script="Taml" typeface="Latha"/>
+        <a:font script="Syrc" typeface="Estrangelo Edessa"/>
+        <a:font script="Orya" typeface="Kalinga"/>
+        <a:font script="Mlym" typeface="Kartika"/>
+        <a:font script="Laoo" typeface="DokChampa"/>
+        <a:font script="Sinh" typeface="Iskoola Pota"/>
+        <a:font script="Mong" typeface="Mongolian Baiti"/>
+        <a:font script="Viet" typeface="Times New Roman"/>
+        <a:font script="Uigh" typeface="Microsoft Uighur"/>
+        <a:font script="Geor" typeface="Sylfaen"/>
+      </a:majorFont>
+      <a:minorFont>
+        <a:latin typeface="Arial"/>
+        <a:ea typeface=""/>
+        <a:cs typeface=""/>
+        <a:font script="Jpan" typeface="ＭＳ Ｐゴシック"/>
+        <a:font script="Hang" typeface="맑은 고딕"/>
+        <a:font script="Hans" typeface="宋体"/>
+        <a:font script="Hant" typeface="新細明體"/>
+        <a:font script="Arab" typeface="Arial"/>
+        <a:font script="Hebr" typeface="Arial"/>
+        <a:font script="Thai" typeface="Cordia New"/>
+        <a:font script="Ethi" typeface="Nyala"/>
+        <a:font script="Beng" typeface="Vrinda"/>
+        <a:font script="Gujr" typeface="Shruti"/>
+        <a:font script="Khmr" typeface="DaunPenh"/>
+        <a:font script="Knda" typeface="Tunga"/>
+        <a:font script="Guru" typeface="Raavi"/>
+        <a:font script="Cans" typeface="Euphemia"/>
+        <a:font script="Cher" typeface="Plantagenet Cherokee"/>
+        <a:font script="Yiii" typeface="Microsoft Yi Baiti"/>
+        <a:font script="Tibt" typeface="Microsoft Himalaya"/>
+        <a:font script="Thaa" typeface="MV Boli"/>
+        <a:font script="Deva" typeface="Mangal"/>
+        <a:font script="Telu" typeface="Gautami"/>
+        <a:font script="Taml" typeface="Latha"/>
+        <a:font script="Syrc" typeface="Estrangelo Edessa"/>
+        <a:font script="Orya" typeface="Kalinga"/>
+        <a:font script="Mlym" typeface="Kartika"/>
+        <a:font script="Laoo" typeface="DokChampa"/>
+        <a:font script="Sinh" typeface="Iskoola Pota"/>
+        <a:font script="Mong" typeface="Mongolian Baiti"/>
+        <a:font script="Viet" typeface="Arial"/>
+        <a:font script="Uigh" typeface="Microsoft Uighur"/>
+        <a:font script="Geor" typeface="Sylfaen"/>
+      </a:minorFont>
+    </a:fontScheme>
+    <a:fmtScheme name="Office">
+      <a:fillStyleLst>
+        <a:solidFill>
+          <a:schemeClr val="phClr"/>
+        </a:solidFill>
+        <a:gradFill rotWithShape="1">
+          <a:gsLst>
+            <a:gs pos="0">
+              <a:schemeClr val="phClr">
+                <a:tint val="50000"/>
+                <a:satMod val="300000"/>
+              </a:schemeClr>
+            </a:gs>
+            <a:gs pos="35000">
+              <a:schemeClr val="phClr">
+                <a:tint val="37000"/>
+                <a:satMod val="300000"/>
+              </a:schemeClr>
+            </a:gs>
+            <a:gs pos="100000">
+              <a:schemeClr val="phClr">
+                <a:tint val="15000"/>
+                <a:satMod val="350000"/>
+              </a:schemeClr>
+            </a:gs>
+          </a:gsLst>
+          <a:lin ang="16200000" scaled="1"/>
+        </a:gradFill>
+        <a:gradFill rotWithShape="1">
+          <a:gsLst>
+            <a:gs pos="0">
+              <a:schemeClr val="phClr">
+                <a:tint val="100000"/>
+                <a:shade val="100000"/>
+                <a:satMod val="130000"/>
+              </a:schemeClr>
+            </a:gs>
+            <a:gs pos="100000">
+              <a:schemeClr val="phClr">
+                <a:tint val="50000"/>
+                <a:shade val="100000"/>
+                <a:satMod val="350000"/>
+              </a:schemeClr>
+            </a:gs>
+          </a:gsLst>
+          <a:lin ang="16200000" scaled="0"/>
+        </a:gradFill>
+      </a:fillStyleLst>
+      <a:lnStyleLst>
+        <a:ln w="9525" cap="flat" cmpd="sng" algn="ctr">
+          <a:solidFill>
+            <a:schemeClr val="phClr">
+              <a:shade val="95000"/>
+              <a:satMod val="105000"/>
+            </a:schemeClr>
+          </a:solidFill>
+          <a:prstDash val="solid"/>
+        </a:ln>
+        <a:ln w="25400" cap="flat" cmpd="sng" algn="ctr">
+          <a:solidFill>
+            <a:schemeClr val="phClr"/>
+          </a:solidFill>
+          <a:prstDash val="solid"/>
+        </a:ln>
+        <a:ln w="38100" cap="flat" cmpd="sng" algn="ctr">
+          <a:solidFill>
+            <a:schemeClr val="phClr"/>
+          </a:solidFill>
+          <a:prstDash val="solid"/>
+        </a:ln>
+      </a:lnStyleLst>
+      <a:effectStyleLst>
+        <a:effectStyle>
+          <a:effectLst>
+            <a:outerShdw blurRad="40000" dist="20000" dir="5400000" rotWithShape="0">
+              <a:srgbClr val="000000">
+                <a:alpha val="38000"/>
+              </a:srgbClr>
+            </a:outerShdw>
+          </a:effectLst>
+        </a:effectStyle>
+        <a:effectStyle>
+          <a:effectLst>
+            <a:outerShdw blurRad="40000" dist="23000" dir="5400000" rotWithShape="0">
+              <a:srgbClr val="000000">
+                <a:alpha val="35000"/>
+              </a:srgbClr>
+            </a:outerShdw>
+          </a:effectLst>
+        </a:effectStyle>
+        <a:effectStyle>
+          <a:effectLst>
+            <a:outerShdw blurRad="40000" dist="23000" dir="5400000" rotWithShape="0">
+              <a:srgbClr val="000000">
+                <a:alpha val="35000"/>
+              </a:srgbClr>
+            </a:outerShdw>
+          </a:effectLst>
+          <a:scene3d>
+            <a:camera prst="orthographicFront">
+              <a:rot lat="0" lon="0" rev="0"/>
+            </a:camera>
+            <a:lightRig rig="threePt" dir="t">
+              <a:rot lat="0" lon="0" rev="1200000"/>
+            </a:lightRig>
+          </a:scene3d>
+          <a:sp3d>
+            <a:bevelT w="63500" h="25400"/>
+          </a:sp3d>
+        </a:effectStyle>
+      </a:effectStyleLst>
+      <a:bgFillStyleLst>
+        <a:solidFill>
+          <a:schemeClr val="phClr"/>
+        </a:solidFill>
+        <a:gradFill rotWithShape="1">
+          <a:gsLst>
+            <a:gs pos="0">
+              <a:schemeClr val="phClr">
+                <a:tint val="40000"/>
+                <a:satMod val="350000"/>
+              </a:schemeClr>
+            </a:gs>
+            <a:gs pos="40000">
+              <a:schemeClr val="phClr">
+                <a:tint val="45000"/>
+                <a:shade val="99000"/>
+                <a:satMod val="350000"/>
+              </a:schemeClr>
+            </a:gs>
+            <a:gs pos="100000">
+              <a:schemeClr val="phClr">
+                <a:shade val="20000"/>
+                <a:satMod val="255000"/>
+              </a:schemeClr>
+            </a:gs>
+          </a:gsLst>
+          <a:path path="circle">
+            <a:fillToRect l="50000" t="-80000" r="50000" b="180000"/>
+          </a:path>
+        </a:gradFill>
+        <a:gradFill rotWithShape="1">
+          <a:gsLst>
+            <a:gs pos="0">
+              <a:schemeClr val="phClr">
+                <a:tint val="80000"/>
+                <a:satMod val="300000"/>
+              </a:schemeClr>
+            </a:gs>
+            <a:gs pos="100000">
+              <a:schemeClr val="phClr">
+                <a:shade val="30000"/>
+                <a:satMod val="200000"/>
+              </a:schemeClr>
+            </a:gs>
+          </a:gsLst>
+          <a:path path="circle">
+            <a:fillToRect l="50000" t="50000" r="50000" b="50000"/>
+          </a:path>
+        </a:gradFill>
+      </a:bgFillStyleLst>
+    </a:fmtScheme>
+  </a:themeElements>
+</a:theme>
+</file>
+
+<file path=ppt/theme/theme2.xml><?xml version="1.0" encoding="utf-8"?>
 <a:theme xmlns:a="http://schemas.openxmlformats.org/drawingml/2006/main" xmlns:r="http://schemas.openxmlformats.org/officeDocument/2006/relationships" name="AMOS Slides Template">
   <a:themeElements>
     <a:clrScheme name="Simple Light">
@@ -20566,283 +20845,4 @@
     </a:fmtScheme>
   </a:themeElements>
 </a:theme>
-</file>
-
-<file path=ppt/theme/theme2.xml><?xml version="1.0" encoding="utf-8"?>
-<a:theme xmlns:a="http://schemas.openxmlformats.org/drawingml/2006/main" xmlns:r="http://schemas.openxmlformats.org/officeDocument/2006/relationships">
-  <a:themeElements>
-    <a:clrScheme name="Default">
-      <a:dk1>
-        <a:srgbClr val="000000"/>
-      </a:dk1>
-      <a:lt1>
-        <a:srgbClr val="FFFFFF"/>
-      </a:lt1>
-      <a:dk2>
-        <a:srgbClr val="158158"/>
-      </a:dk2>
-      <a:lt2>
-        <a:srgbClr val="F3F3F3"/>
-      </a:lt2>
-      <a:accent1>
-        <a:srgbClr val="058DC7"/>
-      </a:accent1>
-      <a:accent2>
-        <a:srgbClr val="50B432"/>
-      </a:accent2>
-      <a:accent3>
-        <a:srgbClr val="ED561B"/>
-      </a:accent3>
-      <a:accent4>
-        <a:srgbClr val="EDEF00"/>
-      </a:accent4>
-      <a:accent5>
-        <a:srgbClr val="24CBE5"/>
-      </a:accent5>
-      <a:accent6>
-        <a:srgbClr val="64E572"/>
-      </a:accent6>
-      <a:hlink>
-        <a:srgbClr val="2200CC"/>
-      </a:hlink>
-      <a:folHlink>
-        <a:srgbClr val="551A8B"/>
-      </a:folHlink>
-    </a:clrScheme>
-    <a:fontScheme name="Office">
-      <a:majorFont>
-        <a:latin typeface="Arial"/>
-        <a:ea typeface=""/>
-        <a:cs typeface=""/>
-        <a:font script="Jpan" typeface="ＭＳ Ｐゴシック"/>
-        <a:font script="Hang" typeface="맑은 고딕"/>
-        <a:font script="Hans" typeface="宋体"/>
-        <a:font script="Hant" typeface="新細明體"/>
-        <a:font script="Arab" typeface="Times New Roman"/>
-        <a:font script="Hebr" typeface="Times New Roman"/>
-        <a:font script="Thai" typeface="Angsana New"/>
-        <a:font script="Ethi" typeface="Nyala"/>
-        <a:font script="Beng" typeface="Vrinda"/>
-        <a:font script="Gujr" typeface="Shruti"/>
-        <a:font script="Khmr" typeface="MoolBoran"/>
-        <a:font script="Knda" typeface="Tunga"/>
-        <a:font script="Guru" typeface="Raavi"/>
-        <a:font script="Cans" typeface="Euphemia"/>
-        <a:font script="Cher" typeface="Plantagenet Cherokee"/>
-        <a:font script="Yiii" typeface="Microsoft Yi Baiti"/>
-        <a:font script="Tibt" typeface="Microsoft Himalaya"/>
-        <a:font script="Thaa" typeface="MV Boli"/>
-        <a:font script="Deva" typeface="Mangal"/>
-        <a:font script="Telu" typeface="Gautami"/>
-        <a:font script="Taml" typeface="Latha"/>
-        <a:font script="Syrc" typeface="Estrangelo Edessa"/>
-        <a:font script="Orya" typeface="Kalinga"/>
-        <a:font script="Mlym" typeface="Kartika"/>
-        <a:font script="Laoo" typeface="DokChampa"/>
-        <a:font script="Sinh" typeface="Iskoola Pota"/>
-        <a:font script="Mong" typeface="Mongolian Baiti"/>
-        <a:font script="Viet" typeface="Times New Roman"/>
-        <a:font script="Uigh" typeface="Microsoft Uighur"/>
-        <a:font script="Geor" typeface="Sylfaen"/>
-      </a:majorFont>
-      <a:minorFont>
-        <a:latin typeface="Arial"/>
-        <a:ea typeface=""/>
-        <a:cs typeface=""/>
-        <a:font script="Jpan" typeface="ＭＳ Ｐゴシック"/>
-        <a:font script="Hang" typeface="맑은 고딕"/>
-        <a:font script="Hans" typeface="宋体"/>
-        <a:font script="Hant" typeface="新細明體"/>
-        <a:font script="Arab" typeface="Arial"/>
-        <a:font script="Hebr" typeface="Arial"/>
-        <a:font script="Thai" typeface="Cordia New"/>
-        <a:font script="Ethi" typeface="Nyala"/>
-        <a:font script="Beng" typeface="Vrinda"/>
-        <a:font script="Gujr" typeface="Shruti"/>
-        <a:font script="Khmr" typeface="DaunPenh"/>
-        <a:font script="Knda" typeface="Tunga"/>
-        <a:font script="Guru" typeface="Raavi"/>
-        <a:font script="Cans" typeface="Euphemia"/>
-        <a:font script="Cher" typeface="Plantagenet Cherokee"/>
-        <a:font script="Yiii" typeface="Microsoft Yi Baiti"/>
-        <a:font script="Tibt" typeface="Microsoft Himalaya"/>
-        <a:font script="Thaa" typeface="MV Boli"/>
-        <a:font script="Deva" typeface="Mangal"/>
-        <a:font script="Telu" typeface="Gautami"/>
-        <a:font script="Taml" typeface="Latha"/>
-        <a:font script="Syrc" typeface="Estrangelo Edessa"/>
-        <a:font script="Orya" typeface="Kalinga"/>
-        <a:font script="Mlym" typeface="Kartika"/>
-        <a:font script="Laoo" typeface="DokChampa"/>
-        <a:font script="Sinh" typeface="Iskoola Pota"/>
-        <a:font script="Mong" typeface="Mongolian Baiti"/>
-        <a:font script="Viet" typeface="Arial"/>
-        <a:font script="Uigh" typeface="Microsoft Uighur"/>
-        <a:font script="Geor" typeface="Sylfaen"/>
-      </a:minorFont>
-    </a:fontScheme>
-    <a:fmtScheme name="Office">
-      <a:fillStyleLst>
-        <a:solidFill>
-          <a:schemeClr val="phClr"/>
-        </a:solidFill>
-        <a:gradFill rotWithShape="1">
-          <a:gsLst>
-            <a:gs pos="0">
-              <a:schemeClr val="phClr">
-                <a:tint val="50000"/>
-                <a:satMod val="300000"/>
-              </a:schemeClr>
-            </a:gs>
-            <a:gs pos="35000">
-              <a:schemeClr val="phClr">
-                <a:tint val="37000"/>
-                <a:satMod val="300000"/>
-              </a:schemeClr>
-            </a:gs>
-            <a:gs pos="100000">
-              <a:schemeClr val="phClr">
-                <a:tint val="15000"/>
-                <a:satMod val="350000"/>
-              </a:schemeClr>
-            </a:gs>
-          </a:gsLst>
-          <a:lin ang="16200000" scaled="1"/>
-        </a:gradFill>
-        <a:gradFill rotWithShape="1">
-          <a:gsLst>
-            <a:gs pos="0">
-              <a:schemeClr val="phClr">
-                <a:tint val="100000"/>
-                <a:shade val="100000"/>
-                <a:satMod val="130000"/>
-              </a:schemeClr>
-            </a:gs>
-            <a:gs pos="100000">
-              <a:schemeClr val="phClr">
-                <a:tint val="50000"/>
-                <a:shade val="100000"/>
-                <a:satMod val="350000"/>
-              </a:schemeClr>
-            </a:gs>
-          </a:gsLst>
-          <a:lin ang="16200000" scaled="0"/>
-        </a:gradFill>
-      </a:fillStyleLst>
-      <a:lnStyleLst>
-        <a:ln w="9525" cap="flat" cmpd="sng" algn="ctr">
-          <a:solidFill>
-            <a:schemeClr val="phClr">
-              <a:shade val="95000"/>
-              <a:satMod val="105000"/>
-            </a:schemeClr>
-          </a:solidFill>
-          <a:prstDash val="solid"/>
-        </a:ln>
-        <a:ln w="25400" cap="flat" cmpd="sng" algn="ctr">
-          <a:solidFill>
-            <a:schemeClr val="phClr"/>
-          </a:solidFill>
-          <a:prstDash val="solid"/>
-        </a:ln>
-        <a:ln w="38100" cap="flat" cmpd="sng" algn="ctr">
-          <a:solidFill>
-            <a:schemeClr val="phClr"/>
-          </a:solidFill>
-          <a:prstDash val="solid"/>
-        </a:ln>
-      </a:lnStyleLst>
-      <a:effectStyleLst>
-        <a:effectStyle>
-          <a:effectLst>
-            <a:outerShdw blurRad="40000" dist="20000" dir="5400000" rotWithShape="0">
-              <a:srgbClr val="000000">
-                <a:alpha val="38000"/>
-              </a:srgbClr>
-            </a:outerShdw>
-          </a:effectLst>
-        </a:effectStyle>
-        <a:effectStyle>
-          <a:effectLst>
-            <a:outerShdw blurRad="40000" dist="23000" dir="5400000" rotWithShape="0">
-              <a:srgbClr val="000000">
-                <a:alpha val="35000"/>
-              </a:srgbClr>
-            </a:outerShdw>
-          </a:effectLst>
-        </a:effectStyle>
-        <a:effectStyle>
-          <a:effectLst>
-            <a:outerShdw blurRad="40000" dist="23000" dir="5400000" rotWithShape="0">
-              <a:srgbClr val="000000">
-                <a:alpha val="35000"/>
-              </a:srgbClr>
-            </a:outerShdw>
-          </a:effectLst>
-          <a:scene3d>
-            <a:camera prst="orthographicFront">
-              <a:rot lat="0" lon="0" rev="0"/>
-            </a:camera>
-            <a:lightRig rig="threePt" dir="t">
-              <a:rot lat="0" lon="0" rev="1200000"/>
-            </a:lightRig>
-          </a:scene3d>
-          <a:sp3d>
-            <a:bevelT w="63500" h="25400"/>
-          </a:sp3d>
-        </a:effectStyle>
-      </a:effectStyleLst>
-      <a:bgFillStyleLst>
-        <a:solidFill>
-          <a:schemeClr val="phClr"/>
-        </a:solidFill>
-        <a:gradFill rotWithShape="1">
-          <a:gsLst>
-            <a:gs pos="0">
-              <a:schemeClr val="phClr">
-                <a:tint val="40000"/>
-                <a:satMod val="350000"/>
-              </a:schemeClr>
-            </a:gs>
-            <a:gs pos="40000">
-              <a:schemeClr val="phClr">
-                <a:tint val="45000"/>
-                <a:shade val="99000"/>
-                <a:satMod val="350000"/>
-              </a:schemeClr>
-            </a:gs>
-            <a:gs pos="100000">
-              <a:schemeClr val="phClr">
-                <a:shade val="20000"/>
-                <a:satMod val="255000"/>
-              </a:schemeClr>
-            </a:gs>
-          </a:gsLst>
-          <a:path path="circle">
-            <a:fillToRect l="50000" t="-80000" r="50000" b="180000"/>
-          </a:path>
-        </a:gradFill>
-        <a:gradFill rotWithShape="1">
-          <a:gsLst>
-            <a:gs pos="0">
-              <a:schemeClr val="phClr">
-                <a:tint val="80000"/>
-                <a:satMod val="300000"/>
-              </a:schemeClr>
-            </a:gs>
-            <a:gs pos="100000">
-              <a:schemeClr val="phClr">
-                <a:shade val="30000"/>
-                <a:satMod val="200000"/>
-              </a:schemeClr>
-            </a:gs>
-          </a:gsLst>
-          <a:path path="circle">
-            <a:fillToRect l="50000" t="50000" r="50000" b="50000"/>
-          </a:path>
-        </a:gradFill>
-      </a:bgFillStyleLst>
-    </a:fmtScheme>
-  </a:themeElements>
-</a:theme>
 </file>
--- a/Lecture slides/AMOS B05 - Agile Programming.pptx
+++ b/Lecture slides/AMOS B05 - Agile Programming.pptx
@@ -19072,7 +19072,7 @@
             <a:tbl>
               <a:tblPr>
                 <a:noFill/>
-                <a:tableStyleId>{2C25DEFE-EB13-46BB-99A0-56F9EF83F260}</a:tableStyleId>
+                <a:tableStyleId>{3A3AA1E9-4446-42F2-9D18-561367198AF3}</a:tableStyleId>
               </a:tblPr>
               <a:tblGrid>
                 <a:gridCol w="2865125"/>
@@ -20290,6 +20290,285 @@
 </file>
 
 <file path=ppt/theme/theme1.xml><?xml version="1.0" encoding="utf-8"?>
+<a:theme xmlns:a="http://schemas.openxmlformats.org/drawingml/2006/main" xmlns:r="http://schemas.openxmlformats.org/officeDocument/2006/relationships" name="AMOS Slides Template">
+  <a:themeElements>
+    <a:clrScheme name="Simple Light">
+      <a:dk1>
+        <a:srgbClr val="000000"/>
+      </a:dk1>
+      <a:lt1>
+        <a:srgbClr val="FFFFFF"/>
+      </a:lt1>
+      <a:dk2>
+        <a:srgbClr val="404040"/>
+      </a:dk2>
+      <a:lt2>
+        <a:srgbClr val="808080"/>
+      </a:lt2>
+      <a:accent1>
+        <a:srgbClr val="D0D0D0"/>
+      </a:accent1>
+      <a:accent2>
+        <a:srgbClr val="4169E1"/>
+      </a:accent2>
+      <a:accent3>
+        <a:srgbClr val="D50D01"/>
+      </a:accent3>
+      <a:accent4>
+        <a:srgbClr val="FEB612"/>
+      </a:accent4>
+      <a:accent5>
+        <a:srgbClr val="4CAF50"/>
+      </a:accent5>
+      <a:accent6>
+        <a:srgbClr val="8E44AD"/>
+      </a:accent6>
+      <a:hlink>
+        <a:srgbClr val="34A3C5"/>
+      </a:hlink>
+      <a:folHlink>
+        <a:srgbClr val="0097A7"/>
+      </a:folHlink>
+    </a:clrScheme>
+    <a:fontScheme name="Office">
+      <a:majorFont>
+        <a:latin typeface="Arial"/>
+        <a:ea typeface=""/>
+        <a:cs typeface=""/>
+        <a:font script="Jpan" typeface="ＭＳ Ｐゴシック"/>
+        <a:font script="Hang" typeface="맑은 고딕"/>
+        <a:font script="Hans" typeface="宋体"/>
+        <a:font script="Hant" typeface="新細明體"/>
+        <a:font script="Arab" typeface="Times New Roman"/>
+        <a:font script="Hebr" typeface="Times New Roman"/>
+        <a:font script="Thai" typeface="Angsana New"/>
+        <a:font script="Ethi" typeface="Nyala"/>
+        <a:font script="Beng" typeface="Vrinda"/>
+        <a:font script="Gujr" typeface="Shruti"/>
+        <a:font script="Khmr" typeface="MoolBoran"/>
+        <a:font script="Knda" typeface="Tunga"/>
+        <a:font script="Guru" typeface="Raavi"/>
+        <a:font script="Cans" typeface="Euphemia"/>
+        <a:font script="Cher" typeface="Plantagenet Cherokee"/>
+        <a:font script="Yiii" typeface="Microsoft Yi Baiti"/>
+        <a:font script="Tibt" typeface="Microsoft Himalaya"/>
+        <a:font script="Thaa" typeface="MV Boli"/>
+        <a:font script="Deva" typeface="Mangal"/>
+        <a:font script="Telu" typeface="Gautami"/>
+        <a:font script="Taml" typeface="Latha"/>
+        <a:font script="Syrc" typeface="Estrangelo Edessa"/>
+        <a:font script="Orya" typeface="Kalinga"/>
+        <a:font script="Mlym" typeface="Kartika"/>
+        <a:font script="Laoo" typeface="DokChampa"/>
+        <a:font script="Sinh" typeface="Iskoola Pota"/>
+        <a:font script="Mong" typeface="Mongolian Baiti"/>
+        <a:font script="Viet" typeface="Times New Roman"/>
+        <a:font script="Uigh" typeface="Microsoft Uighur"/>
+        <a:font script="Geor" typeface="Sylfaen"/>
+      </a:majorFont>
+      <a:minorFont>
+        <a:latin typeface="Arial"/>
+        <a:ea typeface=""/>
+        <a:cs typeface=""/>
+        <a:font script="Jpan" typeface="ＭＳ Ｐゴシック"/>
+        <a:font script="Hang" typeface="맑은 고딕"/>
+        <a:font script="Hans" typeface="宋体"/>
+        <a:font script="Hant" typeface="新細明體"/>
+        <a:font script="Arab" typeface="Arial"/>
+        <a:font script="Hebr" typeface="Arial"/>
+        <a:font script="Thai" typeface="Cordia New"/>
+        <a:font script="Ethi" typeface="Nyala"/>
+        <a:font script="Beng" typeface="Vrinda"/>
+        <a:font script="Gujr" typeface="Shruti"/>
+        <a:font script="Khmr" typeface="DaunPenh"/>
+        <a:font script="Knda" typeface="Tunga"/>
+        <a:font script="Guru" typeface="Raavi"/>
+        <a:font script="Cans" typeface="Euphemia"/>
+        <a:font script="Cher" typeface="Plantagenet Cherokee"/>
+        <a:font script="Yiii" typeface="Microsoft Yi Baiti"/>
+        <a:font script="Tibt" typeface="Microsoft Himalaya"/>
+        <a:font script="Thaa" typeface="MV Boli"/>
+        <a:font script="Deva" typeface="Mangal"/>
+        <a:font script="Telu" typeface="Gautami"/>
+        <a:font script="Taml" typeface="Latha"/>
+        <a:font script="Syrc" typeface="Estrangelo Edessa"/>
+        <a:font script="Orya" typeface="Kalinga"/>
+        <a:font script="Mlym" typeface="Kartika"/>
+        <a:font script="Laoo" typeface="DokChampa"/>
+        <a:font script="Sinh" typeface="Iskoola Pota"/>
+        <a:font script="Mong" typeface="Mongolian Baiti"/>
+        <a:font script="Viet" typeface="Arial"/>
+        <a:font script="Uigh" typeface="Microsoft Uighur"/>
+        <a:font script="Geor" typeface="Sylfaen"/>
+      </a:minorFont>
+    </a:fontScheme>
+    <a:fmtScheme name="Office">
+      <a:fillStyleLst>
+        <a:solidFill>
+          <a:schemeClr val="phClr"/>
+        </a:solidFill>
+        <a:gradFill rotWithShape="1">
+          <a:gsLst>
+            <a:gs pos="0">
+              <a:schemeClr val="phClr">
+                <a:tint val="50000"/>
+                <a:satMod val="300000"/>
+              </a:schemeClr>
+            </a:gs>
+            <a:gs pos="35000">
+              <a:schemeClr val="phClr">
+                <a:tint val="37000"/>
+                <a:satMod val="300000"/>
+              </a:schemeClr>
+            </a:gs>
+            <a:gs pos="100000">
+              <a:schemeClr val="phClr">
+                <a:tint val="15000"/>
+                <a:satMod val="350000"/>
+              </a:schemeClr>
+            </a:gs>
+          </a:gsLst>
+          <a:lin ang="16200000" scaled="1"/>
+        </a:gradFill>
+        <a:gradFill rotWithShape="1">
+          <a:gsLst>
+            <a:gs pos="0">
+              <a:schemeClr val="phClr">
+                <a:tint val="100000"/>
+                <a:shade val="100000"/>
+                <a:satMod val="130000"/>
+              </a:schemeClr>
+            </a:gs>
+            <a:gs pos="100000">
+              <a:schemeClr val="phClr">
+                <a:tint val="50000"/>
+                <a:shade val="100000"/>
+                <a:satMod val="350000"/>
+              </a:schemeClr>
+            </a:gs>
+          </a:gsLst>
+          <a:lin ang="16200000" scaled="0"/>
+        </a:gradFill>
+      </a:fillStyleLst>
+      <a:lnStyleLst>
+        <a:ln w="9525" cap="flat" cmpd="sng" algn="ctr">
+          <a:solidFill>
+            <a:schemeClr val="phClr">
+              <a:shade val="95000"/>
+              <a:satMod val="105000"/>
+            </a:schemeClr>
+          </a:solidFill>
+          <a:prstDash val="solid"/>
+        </a:ln>
+        <a:ln w="25400" cap="flat" cmpd="sng" algn="ctr">
+          <a:solidFill>
+            <a:schemeClr val="phClr"/>
+          </a:solidFill>
+          <a:prstDash val="solid"/>
+        </a:ln>
+        <a:ln w="38100" cap="flat" cmpd="sng" algn="ctr">
+          <a:solidFill>
+            <a:schemeClr val="phClr"/>
+          </a:solidFill>
+          <a:prstDash val="solid"/>
+        </a:ln>
+      </a:lnStyleLst>
+      <a:effectStyleLst>
+        <a:effectStyle>
+          <a:effectLst>
+            <a:outerShdw blurRad="40000" dist="20000" dir="5400000" rotWithShape="0">
+              <a:srgbClr val="000000">
+                <a:alpha val="38000"/>
+              </a:srgbClr>
+            </a:outerShdw>
+          </a:effectLst>
+        </a:effectStyle>
+        <a:effectStyle>
+          <a:effectLst>
+            <a:outerShdw blurRad="40000" dist="23000" dir="5400000" rotWithShape="0">
+              <a:srgbClr val="000000">
+                <a:alpha val="35000"/>
+              </a:srgbClr>
+            </a:outerShdw>
+          </a:effectLst>
+        </a:effectStyle>
+        <a:effectStyle>
+          <a:effectLst>
+            <a:outerShdw blurRad="40000" dist="23000" dir="5400000" rotWithShape="0">
+              <a:srgbClr val="000000">
+                <a:alpha val="35000"/>
+              </a:srgbClr>
+            </a:outerShdw>
+          </a:effectLst>
+          <a:scene3d>
+            <a:camera prst="orthographicFront">
+              <a:rot lat="0" lon="0" rev="0"/>
+            </a:camera>
+            <a:lightRig rig="threePt" dir="t">
+              <a:rot lat="0" lon="0" rev="1200000"/>
+            </a:lightRig>
+          </a:scene3d>
+          <a:sp3d>
+            <a:bevelT w="63500" h="25400"/>
+          </a:sp3d>
+        </a:effectStyle>
+      </a:effectStyleLst>
+      <a:bgFillStyleLst>
+        <a:solidFill>
+          <a:schemeClr val="phClr"/>
+        </a:solidFill>
+        <a:gradFill rotWithShape="1">
+          <a:gsLst>
+            <a:gs pos="0">
+              <a:schemeClr val="phClr">
+                <a:tint val="40000"/>
+                <a:satMod val="350000"/>
+              </a:schemeClr>
+            </a:gs>
+            <a:gs pos="40000">
+              <a:schemeClr val="phClr">
+                <a:tint val="45000"/>
+                <a:shade val="99000"/>
+                <a:satMod val="350000"/>
+              </a:schemeClr>
+            </a:gs>
+            <a:gs pos="100000">
+              <a:schemeClr val="phClr">
+                <a:shade val="20000"/>
+                <a:satMod val="255000"/>
+              </a:schemeClr>
+            </a:gs>
+          </a:gsLst>
+          <a:path path="circle">
+            <a:fillToRect l="50000" t="-80000" r="50000" b="180000"/>
+          </a:path>
+        </a:gradFill>
+        <a:gradFill rotWithShape="1">
+          <a:gsLst>
+            <a:gs pos="0">
+              <a:schemeClr val="phClr">
+                <a:tint val="80000"/>
+                <a:satMod val="300000"/>
+              </a:schemeClr>
+            </a:gs>
+            <a:gs pos="100000">
+              <a:schemeClr val="phClr">
+                <a:shade val="30000"/>
+                <a:satMod val="200000"/>
+              </a:schemeClr>
+            </a:gs>
+          </a:gsLst>
+          <a:path path="circle">
+            <a:fillToRect l="50000" t="50000" r="50000" b="50000"/>
+          </a:path>
+        </a:gradFill>
+      </a:bgFillStyleLst>
+    </a:fmtScheme>
+  </a:themeElements>
+</a:theme>
+</file>
+
+<file path=ppt/theme/theme2.xml><?xml version="1.0" encoding="utf-8"?>
 <a:theme xmlns:a="http://schemas.openxmlformats.org/drawingml/2006/main" xmlns:r="http://schemas.openxmlformats.org/officeDocument/2006/relationships">
   <a:themeElements>
     <a:clrScheme name="Default">
@@ -20566,283 +20845,4 @@
     </a:fmtScheme>
   </a:themeElements>
 </a:theme>
-</file>
-
-<file path=ppt/theme/theme2.xml><?xml version="1.0" encoding="utf-8"?>
-<a:theme xmlns:a="http://schemas.openxmlformats.org/drawingml/2006/main" xmlns:r="http://schemas.openxmlformats.org/officeDocument/2006/relationships" name="AMOS Slides Template">
-  <a:themeElements>
-    <a:clrScheme name="Simple Light">
-      <a:dk1>
-        <a:srgbClr val="000000"/>
-      </a:dk1>
-      <a:lt1>
-        <a:srgbClr val="FFFFFF"/>
-      </a:lt1>
-      <a:dk2>
-        <a:srgbClr val="404040"/>
-      </a:dk2>
-      <a:lt2>
-        <a:srgbClr val="808080"/>
-      </a:lt2>
-      <a:accent1>
-        <a:srgbClr val="D0D0D0"/>
-      </a:accent1>
-      <a:accent2>
-        <a:srgbClr val="4169E1"/>
-      </a:accent2>
-      <a:accent3>
-        <a:srgbClr val="D50D01"/>
-      </a:accent3>
-      <a:accent4>
-        <a:srgbClr val="FEB612"/>
-      </a:accent4>
-      <a:accent5>
-        <a:srgbClr val="4CAF50"/>
-      </a:accent5>
-      <a:accent6>
-        <a:srgbClr val="8E44AD"/>
-      </a:accent6>
-      <a:hlink>
-        <a:srgbClr val="34A3C5"/>
-      </a:hlink>
-      <a:folHlink>
-        <a:srgbClr val="0097A7"/>
-      </a:folHlink>
-    </a:clrScheme>
-    <a:fontScheme name="Office">
-      <a:majorFont>
-        <a:latin typeface="Arial"/>
-        <a:ea typeface=""/>
-        <a:cs typeface=""/>
-        <a:font script="Jpan" typeface="ＭＳ Ｐゴシック"/>
-        <a:font script="Hang" typeface="맑은 고딕"/>
-        <a:font script="Hans" typeface="宋体"/>
-        <a:font script="Hant" typeface="新細明體"/>
-        <a:font script="Arab" typeface="Times New Roman"/>
-        <a:font script="Hebr" typeface="Times New Roman"/>
-        <a:font script="Thai" typeface="Angsana New"/>
-        <a:font script="Ethi" typeface="Nyala"/>
-        <a:font script="Beng" typeface="Vrinda"/>
-        <a:font script="Gujr" typeface="Shruti"/>
-        <a:font script="Khmr" typeface="MoolBoran"/>
-        <a:font script="Knda" typeface="Tunga"/>
-        <a:font script="Guru" typeface="Raavi"/>
-        <a:font script="Cans" typeface="Euphemia"/>
-        <a:font script="Cher" typeface="Plantagenet Cherokee"/>
-        <a:font script="Yiii" typeface="Microsoft Yi Baiti"/>
-        <a:font script="Tibt" typeface="Microsoft Himalaya"/>
-        <a:font script="Thaa" typeface="MV Boli"/>
-        <a:font script="Deva" typeface="Mangal"/>
-        <a:font script="Telu" typeface="Gautami"/>
-        <a:font script="Taml" typeface="Latha"/>
-        <a:font script="Syrc" typeface="Estrangelo Edessa"/>
-        <a:font script="Orya" typeface="Kalinga"/>
-        <a:font script="Mlym" typeface="Kartika"/>
-        <a:font script="Laoo" typeface="DokChampa"/>
-        <a:font script="Sinh" typeface="Iskoola Pota"/>
-        <a:font script="Mong" typeface="Mongolian Baiti"/>
-        <a:font script="Viet" typeface="Times New Roman"/>
-        <a:font script="Uigh" typeface="Microsoft Uighur"/>
-        <a:font script="Geor" typeface="Sylfaen"/>
-      </a:majorFont>
-      <a:minorFont>
-        <a:latin typeface="Arial"/>
-        <a:ea typeface=""/>
-        <a:cs typeface=""/>
-        <a:font script="Jpan" typeface="ＭＳ Ｐゴシック"/>
-        <a:font script="Hang" typeface="맑은 고딕"/>
-        <a:font script="Hans" typeface="宋体"/>
-        <a:font script="Hant" typeface="新細明體"/>
-        <a:font script="Arab" typeface="Arial"/>
-        <a:font script="Hebr" typeface="Arial"/>
-        <a:font script="Thai" typeface="Cordia New"/>
-        <a:font script="Ethi" typeface="Nyala"/>
-        <a:font script="Beng" typeface="Vrinda"/>
-        <a:font script="Gujr" typeface="Shruti"/>
-        <a:font script="Khmr" typeface="DaunPenh"/>
-        <a:font script="Knda" typeface="Tunga"/>
-        <a:font script="Guru" typeface="Raavi"/>
-        <a:font script="Cans" typeface="Euphemia"/>
-        <a:font script="Cher" typeface="Plantagenet Cherokee"/>
-        <a:font script="Yiii" typeface="Microsoft Yi Baiti"/>
-        <a:font script="Tibt" typeface="Microsoft Himalaya"/>
-        <a:font script="Thaa" typeface="MV Boli"/>
-        <a:font script="Deva" typeface="Mangal"/>
-        <a:font script="Telu" typeface="Gautami"/>
-        <a:font script="Taml" typeface="Latha"/>
-        <a:font script="Syrc" typeface="Estrangelo Edessa"/>
-        <a:font script="Orya" typeface="Kalinga"/>
-        <a:font script="Mlym" typeface="Kartika"/>
-        <a:font script="Laoo" typeface="DokChampa"/>
-        <a:font script="Sinh" typeface="Iskoola Pota"/>
-        <a:font script="Mong" typeface="Mongolian Baiti"/>
-        <a:font script="Viet" typeface="Arial"/>
-        <a:font script="Uigh" typeface="Microsoft Uighur"/>
-        <a:font script="Geor" typeface="Sylfaen"/>
-      </a:minorFont>
-    </a:fontScheme>
-    <a:fmtScheme name="Office">
-      <a:fillStyleLst>
-        <a:solidFill>
-          <a:schemeClr val="phClr"/>
-        </a:solidFill>
-        <a:gradFill rotWithShape="1">
-          <a:gsLst>
-            <a:gs pos="0">
-              <a:schemeClr val="phClr">
-                <a:tint val="50000"/>
-                <a:satMod val="300000"/>
-              </a:schemeClr>
-            </a:gs>
-            <a:gs pos="35000">
-              <a:schemeClr val="phClr">
-                <a:tint val="37000"/>
-                <a:satMod val="300000"/>
-              </a:schemeClr>
-            </a:gs>
-            <a:gs pos="100000">
-              <a:schemeClr val="phClr">
-                <a:tint val="15000"/>
-                <a:satMod val="350000"/>
-              </a:schemeClr>
-            </a:gs>
-          </a:gsLst>
-          <a:lin ang="16200000" scaled="1"/>
-        </a:gradFill>
-        <a:gradFill rotWithShape="1">
-          <a:gsLst>
-            <a:gs pos="0">
-              <a:schemeClr val="phClr">
-                <a:tint val="100000"/>
-                <a:shade val="100000"/>
-                <a:satMod val="130000"/>
-              </a:schemeClr>
-            </a:gs>
-            <a:gs pos="100000">
-              <a:schemeClr val="phClr">
-                <a:tint val="50000"/>
-                <a:shade val="100000"/>
-                <a:satMod val="350000"/>
-              </a:schemeClr>
-            </a:gs>
-          </a:gsLst>
-          <a:lin ang="16200000" scaled="0"/>
-        </a:gradFill>
-      </a:fillStyleLst>
-      <a:lnStyleLst>
-        <a:ln w="9525" cap="flat" cmpd="sng" algn="ctr">
-          <a:solidFill>
-            <a:schemeClr val="phClr">
-              <a:shade val="95000"/>
-              <a:satMod val="105000"/>
-            </a:schemeClr>
-          </a:solidFill>
-          <a:prstDash val="solid"/>
-        </a:ln>
-        <a:ln w="25400" cap="flat" cmpd="sng" algn="ctr">
-          <a:solidFill>
-            <a:schemeClr val="phClr"/>
-          </a:solidFill>
-          <a:prstDash val="solid"/>
-        </a:ln>
-        <a:ln w="38100" cap="flat" cmpd="sng" algn="ctr">
-          <a:solidFill>
-            <a:schemeClr val="phClr"/>
-          </a:solidFill>
-          <a:prstDash val="solid"/>
-        </a:ln>
-      </a:lnStyleLst>
-      <a:effectStyleLst>
-        <a:effectStyle>
-          <a:effectLst>
-            <a:outerShdw blurRad="40000" dist="20000" dir="5400000" rotWithShape="0">
-              <a:srgbClr val="000000">
-                <a:alpha val="38000"/>
-              </a:srgbClr>
-            </a:outerShdw>
-          </a:effectLst>
-        </a:effectStyle>
-        <a:effectStyle>
-          <a:effectLst>
-            <a:outerShdw blurRad="40000" dist="23000" dir="5400000" rotWithShape="0">
-              <a:srgbClr val="000000">
-                <a:alpha val="35000"/>
-              </a:srgbClr>
-            </a:outerShdw>
-          </a:effectLst>
-        </a:effectStyle>
-        <a:effectStyle>
-          <a:effectLst>
-            <a:outerShdw blurRad="40000" dist="23000" dir="5400000" rotWithShape="0">
-              <a:srgbClr val="000000">
-                <a:alpha val="35000"/>
-              </a:srgbClr>
-            </a:outerShdw>
-          </a:effectLst>
-          <a:scene3d>
-            <a:camera prst="orthographicFront">
-              <a:rot lat="0" lon="0" rev="0"/>
-            </a:camera>
-            <a:lightRig rig="threePt" dir="t">
-              <a:rot lat="0" lon="0" rev="1200000"/>
-            </a:lightRig>
-          </a:scene3d>
-          <a:sp3d>
-            <a:bevelT w="63500" h="25400"/>
-          </a:sp3d>
-        </a:effectStyle>
-      </a:effectStyleLst>
-      <a:bgFillStyleLst>
-        <a:solidFill>
-          <a:schemeClr val="phClr"/>
-        </a:solidFill>
-        <a:gradFill rotWithShape="1">
-          <a:gsLst>
-            <a:gs pos="0">
-              <a:schemeClr val="phClr">
-                <a:tint val="40000"/>
-                <a:satMod val="350000"/>
-              </a:schemeClr>
-            </a:gs>
-            <a:gs pos="40000">
-              <a:schemeClr val="phClr">
-                <a:tint val="45000"/>
-                <a:shade val="99000"/>
-                <a:satMod val="350000"/>
-              </a:schemeClr>
-            </a:gs>
-            <a:gs pos="100000">
-              <a:schemeClr val="phClr">
-                <a:shade val="20000"/>
-                <a:satMod val="255000"/>
-              </a:schemeClr>
-            </a:gs>
-          </a:gsLst>
-          <a:path path="circle">
-            <a:fillToRect l="50000" t="-80000" r="50000" b="180000"/>
-          </a:path>
-        </a:gradFill>
-        <a:gradFill rotWithShape="1">
-          <a:gsLst>
-            <a:gs pos="0">
-              <a:schemeClr val="phClr">
-                <a:tint val="80000"/>
-                <a:satMod val="300000"/>
-              </a:schemeClr>
-            </a:gs>
-            <a:gs pos="100000">
-              <a:schemeClr val="phClr">
-                <a:shade val="30000"/>
-                <a:satMod val="200000"/>
-              </a:schemeClr>
-            </a:gs>
-          </a:gsLst>
-          <a:path path="circle">
-            <a:fillToRect l="50000" t="50000" r="50000" b="50000"/>
-          </a:path>
-        </a:gradFill>
-      </a:bgFillStyleLst>
-    </a:fmtScheme>
-  </a:themeElements>
-</a:theme>
 </file>
--- a/Lecture slides/AMOS B05 - Agile Programming.pptx
+++ b/Lecture slides/AMOS B05 - Agile Programming.pptx
@@ -9033,7 +9033,7 @@
         <p:spPr>
           <a:xfrm>
             <a:off x="274320" y="914400"/>
-            <a:ext cx="8595360" cy="3502840"/>
+            <a:ext cx="8595360" cy="3495446"/>
           </a:xfrm>
           <a:prstGeom prst="rect">
             <a:avLst/>
@@ -9191,7 +9191,7 @@
         <p:spPr>
           <a:xfrm>
             <a:off x="274320" y="914400"/>
-            <a:ext cx="8595360" cy="3502840"/>
+            <a:ext cx="8595360" cy="3495446"/>
           </a:xfrm>
           <a:prstGeom prst="rect">
             <a:avLst/>
@@ -11427,7 +11427,7 @@
         <p:spPr>
           <a:xfrm>
             <a:off x="274320" y="914400"/>
-            <a:ext cx="8595360" cy="3502840"/>
+            <a:ext cx="8595360" cy="3495446"/>
           </a:xfrm>
           <a:prstGeom prst="rect">
             <a:avLst/>
@@ -12755,7 +12755,7 @@
         </p:blipFill>
         <p:spPr>
           <a:xfrm>
-            <a:off x="274320" y="2103120"/>
+            <a:off x="274320" y="2011680"/>
             <a:ext cx="8595359" cy="1757274"/>
           </a:xfrm>
           <a:prstGeom prst="rect">
@@ -13291,7 +13291,7 @@
         <p:spPr>
           <a:xfrm>
             <a:off x="274320" y="914400"/>
-            <a:ext cx="8595360" cy="3502840"/>
+            <a:ext cx="8595360" cy="3495446"/>
           </a:xfrm>
           <a:prstGeom prst="rect">
             <a:avLst/>
@@ -16765,7 +16765,7 @@
         <p:spPr>
           <a:xfrm>
             <a:off x="274320" y="914400"/>
-            <a:ext cx="8595360" cy="3502840"/>
+            <a:ext cx="8595360" cy="3495446"/>
           </a:xfrm>
           <a:prstGeom prst="rect">
             <a:avLst/>
@@ -19072,7 +19072,7 @@
             <a:tbl>
               <a:tblPr>
                 <a:noFill/>
-                <a:tableStyleId>{3A3AA1E9-4446-42F2-9D18-561367198AF3}</a:tableStyleId>
+                <a:tableStyleId>{CFFEA0B8-F8E8-408A-AEF3-0871D8092AD9}</a:tableStyleId>
               </a:tblPr>
               <a:tblGrid>
                 <a:gridCol w="2865125"/>
@@ -20290,6 +20290,285 @@
 </file>
 
 <file path=ppt/theme/theme1.xml><?xml version="1.0" encoding="utf-8"?>
+<a:theme xmlns:a="http://schemas.openxmlformats.org/drawingml/2006/main" xmlns:r="http://schemas.openxmlformats.org/officeDocument/2006/relationships">
+  <a:themeElements>
+    <a:clrScheme name="Default">
+      <a:dk1>
+        <a:srgbClr val="000000"/>
+      </a:dk1>
+      <a:lt1>
+        <a:srgbClr val="FFFFFF"/>
+      </a:lt1>
+      <a:dk2>
+        <a:srgbClr val="158158"/>
+      </a:dk2>
+      <a:lt2>
+        <a:srgbClr val="F3F3F3"/>
+      </a:lt2>
+      <a:accent1>
+        <a:srgbClr val="058DC7"/>
+      </a:accent1>
+      <a:accent2>
+        <a:srgbClr val="50B432"/>
+      </a:accent2>
+      <a:accent3>
+        <a:srgbClr val="ED561B"/>
+      </a:accent3>
+      <a:accent4>
+        <a:srgbClr val="EDEF00"/>
+      </a:accent4>
+      <a:accent5>
+        <a:srgbClr val="24CBE5"/>
+      </a:accent5>
+      <a:accent6>
+        <a:srgbClr val="64E572"/>
+      </a:accent6>
+      <a:hlink>
+        <a:srgbClr val="2200CC"/>
+      </a:hlink>
+      <a:folHlink>
+        <a:srgbClr val="551A8B"/>
+      </a:folHlink>
+    </a:clrScheme>
+    <a:fontScheme name="Office">
+      <a:majorFont>
+        <a:latin typeface="Arial"/>
+        <a:ea typeface=""/>
+        <a:cs typeface=""/>
+        <a:font script="Jpan" typeface="ＭＳ Ｐゴシック"/>
+        <a:font script="Hang" typeface="맑은 고딕"/>
+        <a:font script="Hans" typeface="宋体"/>
+        <a:font script="Hant" typeface="新細明體"/>
+        <a:font script="Arab" typeface="Times New Roman"/>
+        <a:font script="Hebr" typeface="Times New Roman"/>
+        <a:font script="Thai" typeface="Angsana New"/>
+        <a:font script="Ethi" typeface="Nyala"/>
+        <a:font script="Beng" typeface="Vrinda"/>
+        <a:font script="Gujr" typeface="Shruti"/>
+        <a:font script="Khmr" typeface="MoolBoran"/>
+        <a:font script="Knda" typeface="Tunga"/>
+        <a:font script="Guru" typeface="Raavi"/>
+        <a:font script="Cans" typeface="Euphemia"/>
+        <a:font script="Cher" typeface="Plantagenet Cherokee"/>
+        <a:font script="Yiii" typeface="Microsoft Yi Baiti"/>
+        <a:font script="Tibt" typeface="Microsoft Himalaya"/>
+        <a:font script="Thaa" typeface="MV Boli"/>
+        <a:font script="Deva" typeface="Mangal"/>
+        <a:font script="Telu" typeface="Gautami"/>
+        <a:font script="Taml" typeface="Latha"/>
+        <a:font script="Syrc" typeface="Estrangelo Edessa"/>
+        <a:font script="Orya" typeface="Kalinga"/>
+        <a:font script="Mlym" typeface="Kartika"/>
+        <a:font script="Laoo" typeface="DokChampa"/>
+        <a:font script="Sinh" typeface="Iskoola Pota"/>
+        <a:font script="Mong" typeface="Mongolian Baiti"/>
+        <a:font script="Viet" typeface="Times New Roman"/>
+        <a:font script="Uigh" typeface="Microsoft Uighur"/>
+        <a:font script="Geor" typeface="Sylfaen"/>
+      </a:majorFont>
+      <a:minorFont>
+        <a:latin typeface="Arial"/>
+        <a:ea typeface=""/>
+        <a:cs typeface=""/>
+        <a:font script="Jpan" typeface="ＭＳ Ｐゴシック"/>
+        <a:font script="Hang" typeface="맑은 고딕"/>
+        <a:font script="Hans" typeface="宋体"/>
+        <a:font script="Hant" typeface="新細明體"/>
+        <a:font script="Arab" typeface="Arial"/>
+        <a:font script="Hebr" typeface="Arial"/>
+        <a:font script="Thai" typeface="Cordia New"/>
+        <a:font script="Ethi" typeface="Nyala"/>
+        <a:font script="Beng" typeface="Vrinda"/>
+        <a:font script="Gujr" typeface="Shruti"/>
+        <a:font script="Khmr" typeface="DaunPenh"/>
+        <a:font script="Knda" typeface="Tunga"/>
+        <a:font script="Guru" typeface="Raavi"/>
+        <a:font script="Cans" typeface="Euphemia"/>
+        <a:font script="Cher" typeface="Plantagenet Cherokee"/>
+        <a:font script="Yiii" typeface="Microsoft Yi Baiti"/>
+        <a:font script="Tibt" typeface="Microsoft Himalaya"/>
+        <a:font script="Thaa" typeface="MV Boli"/>
+        <a:font script="Deva" typeface="Mangal"/>
+        <a:font script="Telu" typeface="Gautami"/>
+        <a:font script="Taml" typeface="Latha"/>
+        <a:font script="Syrc" typeface="Estrangelo Edessa"/>
+        <a:font script="Orya" typeface="Kalinga"/>
+        <a:font script="Mlym" typeface="Kartika"/>
+        <a:font script="Laoo" typeface="DokChampa"/>
+        <a:font script="Sinh" typeface="Iskoola Pota"/>
+        <a:font script="Mong" typeface="Mongolian Baiti"/>
+        <a:font script="Viet" typeface="Arial"/>
+        <a:font script="Uigh" typeface="Microsoft Uighur"/>
+        <a:font script="Geor" typeface="Sylfaen"/>
+      </a:minorFont>
+    </a:fontScheme>
+    <a:fmtScheme name="Office">
+      <a:fillStyleLst>
+        <a:solidFill>
+          <a:schemeClr val="phClr"/>
+        </a:solidFill>
+        <a:gradFill rotWithShape="1">
+          <a:gsLst>
+            <a:gs pos="0">
+              <a:schemeClr val="phClr">
+                <a:tint val="50000"/>
+                <a:satMod val="300000"/>
+              </a:schemeClr>
+            </a:gs>
+            <a:gs pos="35000">
+              <a:schemeClr val="phClr">
+                <a:tint val="37000"/>
+                <a:satMod val="300000"/>
+              </a:schemeClr>
+            </a:gs>
+            <a:gs pos="100000">
+              <a:schemeClr val="phClr">
+                <a:tint val="15000"/>
+                <a:satMod val="350000"/>
+              </a:schemeClr>
+            </a:gs>
+          </a:gsLst>
+          <a:lin ang="16200000" scaled="1"/>
+        </a:gradFill>
+        <a:gradFill rotWithShape="1">
+          <a:gsLst>
+            <a:gs pos="0">
+              <a:schemeClr val="phClr">
+                <a:tint val="100000"/>
+                <a:shade val="100000"/>
+                <a:satMod val="130000"/>
+              </a:schemeClr>
+            </a:gs>
+            <a:gs pos="100000">
+              <a:schemeClr val="phClr">
+                <a:tint val="50000"/>
+                <a:shade val="100000"/>
+                <a:satMod val="350000"/>
+              </a:schemeClr>
+            </a:gs>
+          </a:gsLst>
+          <a:lin ang="16200000" scaled="0"/>
+        </a:gradFill>
+      </a:fillStyleLst>
+      <a:lnStyleLst>
+        <a:ln w="9525" cap="flat" cmpd="sng" algn="ctr">
+          <a:solidFill>
+            <a:schemeClr val="phClr">
+              <a:shade val="95000"/>
+              <a:satMod val="105000"/>
+            </a:schemeClr>
+          </a:solidFill>
+          <a:prstDash val="solid"/>
+        </a:ln>
+        <a:ln w="25400" cap="flat" cmpd="sng" algn="ctr">
+          <a:solidFill>
+            <a:schemeClr val="phClr"/>
+          </a:solidFill>
+          <a:prstDash val="solid"/>
+        </a:ln>
+        <a:ln w="38100" cap="flat" cmpd="sng" algn="ctr">
+          <a:solidFill>
+            <a:schemeClr val="phClr"/>
+          </a:solidFill>
+          <a:prstDash val="solid"/>
+        </a:ln>
+      </a:lnStyleLst>
+      <a:effectStyleLst>
+        <a:effectStyle>
+          <a:effectLst>
+            <a:outerShdw blurRad="40000" dist="20000" dir="5400000" rotWithShape="0">
+              <a:srgbClr val="000000">
+                <a:alpha val="38000"/>
+              </a:srgbClr>
+            </a:outerShdw>
+          </a:effectLst>
+        </a:effectStyle>
+        <a:effectStyle>
+          <a:effectLst>
+            <a:outerShdw blurRad="40000" dist="23000" dir="5400000" rotWithShape="0">
+              <a:srgbClr val="000000">
+                <a:alpha val="35000"/>
+              </a:srgbClr>
+            </a:outerShdw>
+          </a:effectLst>
+        </a:effectStyle>
+        <a:effectStyle>
+          <a:effectLst>
+            <a:outerShdw blurRad="40000" dist="23000" dir="5400000" rotWithShape="0">
+              <a:srgbClr val="000000">
+                <a:alpha val="35000"/>
+              </a:srgbClr>
+            </a:outerShdw>
+          </a:effectLst>
+          <a:scene3d>
+            <a:camera prst="orthographicFront">
+              <a:rot lat="0" lon="0" rev="0"/>
+            </a:camera>
+            <a:lightRig rig="threePt" dir="t">
+              <a:rot lat="0" lon="0" rev="1200000"/>
+            </a:lightRig>
+          </a:scene3d>
+          <a:sp3d>
+            <a:bevelT w="63500" h="25400"/>
+          </a:sp3d>
+        </a:effectStyle>
+      </a:effectStyleLst>
+      <a:bgFillStyleLst>
+        <a:solidFill>
+          <a:schemeClr val="phClr"/>
+        </a:solidFill>
+        <a:gradFill rotWithShape="1">
+          <a:gsLst>
+            <a:gs pos="0">
+              <a:schemeClr val="phClr">
+                <a:tint val="40000"/>
+                <a:satMod val="350000"/>
+              </a:schemeClr>
+            </a:gs>
+            <a:gs pos="40000">
+              <a:schemeClr val="phClr">
+                <a:tint val="45000"/>
+                <a:shade val="99000"/>
+                <a:satMod val="350000"/>
+              </a:schemeClr>
+            </a:gs>
+            <a:gs pos="100000">
+              <a:schemeClr val="phClr">
+                <a:shade val="20000"/>
+                <a:satMod val="255000"/>
+              </a:schemeClr>
+            </a:gs>
+          </a:gsLst>
+          <a:path path="circle">
+            <a:fillToRect l="50000" t="-80000" r="50000" b="180000"/>
+          </a:path>
+        </a:gradFill>
+        <a:gradFill rotWithShape="1">
+          <a:gsLst>
+            <a:gs pos="0">
+              <a:schemeClr val="phClr">
+                <a:tint val="80000"/>
+                <a:satMod val="300000"/>
+              </a:schemeClr>
+            </a:gs>
+            <a:gs pos="100000">
+              <a:schemeClr val="phClr">
+                <a:shade val="30000"/>
+                <a:satMod val="200000"/>
+              </a:schemeClr>
+            </a:gs>
+          </a:gsLst>
+          <a:path path="circle">
+            <a:fillToRect l="50000" t="50000" r="50000" b="50000"/>
+          </a:path>
+        </a:gradFill>
+      </a:bgFillStyleLst>
+    </a:fmtScheme>
+  </a:themeElements>
+</a:theme>
+</file>
+
+<file path=ppt/theme/theme2.xml><?xml version="1.0" encoding="utf-8"?>
 <a:theme xmlns:a="http://schemas.openxmlformats.org/drawingml/2006/main" xmlns:r="http://schemas.openxmlformats.org/officeDocument/2006/relationships" name="AMOS Slides Template">
   <a:themeElements>
     <a:clrScheme name="Simple Light">
@@ -20566,283 +20845,4 @@
     </a:fmtScheme>
   </a:themeElements>
 </a:theme>
-</file>
-
-<file path=ppt/theme/theme2.xml><?xml version="1.0" encoding="utf-8"?>
-<a:theme xmlns:a="http://schemas.openxmlformats.org/drawingml/2006/main" xmlns:r="http://schemas.openxmlformats.org/officeDocument/2006/relationships">
-  <a:themeElements>
-    <a:clrScheme name="Default">
-      <a:dk1>
-        <a:srgbClr val="000000"/>
-      </a:dk1>
-      <a:lt1>
-        <a:srgbClr val="FFFFFF"/>
-      </a:lt1>
-      <a:dk2>
-        <a:srgbClr val="158158"/>
-      </a:dk2>
-      <a:lt2>
-        <a:srgbClr val="F3F3F3"/>
-      </a:lt2>
-      <a:accent1>
-        <a:srgbClr val="058DC7"/>
-      </a:accent1>
-      <a:accent2>
-        <a:srgbClr val="50B432"/>
-      </a:accent2>
-      <a:accent3>
-        <a:srgbClr val="ED561B"/>
-      </a:accent3>
-      <a:accent4>
-        <a:srgbClr val="EDEF00"/>
-      </a:accent4>
-      <a:accent5>
-        <a:srgbClr val="24CBE5"/>
-      </a:accent5>
-      <a:accent6>
-        <a:srgbClr val="64E572"/>
-      </a:accent6>
-      <a:hlink>
-        <a:srgbClr val="2200CC"/>
-      </a:hlink>
-      <a:folHlink>
-        <a:srgbClr val="551A8B"/>
-      </a:folHlink>
-    </a:clrScheme>
-    <a:fontScheme name="Office">
-      <a:majorFont>
-        <a:latin typeface="Arial"/>
-        <a:ea typeface=""/>
-        <a:cs typeface=""/>
-        <a:font script="Jpan" typeface="ＭＳ Ｐゴシック"/>
-        <a:font script="Hang" typeface="맑은 고딕"/>
-        <a:font script="Hans" typeface="宋体"/>
-        <a:font script="Hant" typeface="新細明體"/>
-        <a:font script="Arab" typeface="Times New Roman"/>
-        <a:font script="Hebr" typeface="Times New Roman"/>
-        <a:font script="Thai" typeface="Angsana New"/>
-        <a:font script="Ethi" typeface="Nyala"/>
-        <a:font script="Beng" typeface="Vrinda"/>
-        <a:font script="Gujr" typeface="Shruti"/>
-        <a:font script="Khmr" typeface="MoolBoran"/>
-        <a:font script="Knda" typeface="Tunga"/>
-        <a:font script="Guru" typeface="Raavi"/>
-        <a:font script="Cans" typeface="Euphemia"/>
-        <a:font script="Cher" typeface="Plantagenet Cherokee"/>
-        <a:font script="Yiii" typeface="Microsoft Yi Baiti"/>
-        <a:font script="Tibt" typeface="Microsoft Himalaya"/>
-        <a:font script="Thaa" typeface="MV Boli"/>
-        <a:font script="Deva" typeface="Mangal"/>
-        <a:font script="Telu" typeface="Gautami"/>
-        <a:font script="Taml" typeface="Latha"/>
-        <a:font script="Syrc" typeface="Estrangelo Edessa"/>
-        <a:font script="Orya" typeface="Kalinga"/>
-        <a:font script="Mlym" typeface="Kartika"/>
-        <a:font script="Laoo" typeface="DokChampa"/>
-        <a:font script="Sinh" typeface="Iskoola Pota"/>
-        <a:font script="Mong" typeface="Mongolian Baiti"/>
-        <a:font script="Viet" typeface="Times New Roman"/>
-        <a:font script="Uigh" typeface="Microsoft Uighur"/>
-        <a:font script="Geor" typeface="Sylfaen"/>
-      </a:majorFont>
-      <a:minorFont>
-        <a:latin typeface="Arial"/>
-        <a:ea typeface=""/>
-        <a:cs typeface=""/>
-        <a:font script="Jpan" typeface="ＭＳ Ｐゴシック"/>
-        <a:font script="Hang" typeface="맑은 고딕"/>
-        <a:font script="Hans" typeface="宋体"/>
-        <a:font script="Hant" typeface="新細明體"/>
-        <a:font script="Arab" typeface="Arial"/>
-        <a:font script="Hebr" typeface="Arial"/>
-        <a:font script="Thai" typeface="Cordia New"/>
-        <a:font script="Ethi" typeface="Nyala"/>
-        <a:font script="Beng" typeface="Vrinda"/>
-        <a:font script="Gujr" typeface="Shruti"/>
-        <a:font script="Khmr" typeface="DaunPenh"/>
-        <a:font script="Knda" typeface="Tunga"/>
-        <a:font script="Guru" typeface="Raavi"/>
-        <a:font script="Cans" typeface="Euphemia"/>
-        <a:font script="Cher" typeface="Plantagenet Cherokee"/>
-        <a:font script="Yiii" typeface="Microsoft Yi Baiti"/>
-        <a:font script="Tibt" typeface="Microsoft Himalaya"/>
-        <a:font script="Thaa" typeface="MV Boli"/>
-        <a:font script="Deva" typeface="Mangal"/>
-        <a:font script="Telu" typeface="Gautami"/>
-        <a:font script="Taml" typeface="Latha"/>
-        <a:font script="Syrc" typeface="Estrangelo Edessa"/>
-        <a:font script="Orya" typeface="Kalinga"/>
-        <a:font script="Mlym" typeface="Kartika"/>
-        <a:font script="Laoo" typeface="DokChampa"/>
-        <a:font script="Sinh" typeface="Iskoola Pota"/>
-        <a:font script="Mong" typeface="Mongolian Baiti"/>
-        <a:font script="Viet" typeface="Arial"/>
-        <a:font script="Uigh" typeface="Microsoft Uighur"/>
-        <a:font script="Geor" typeface="Sylfaen"/>
-      </a:minorFont>
-    </a:fontScheme>
-    <a:fmtScheme name="Office">
-      <a:fillStyleLst>
-        <a:solidFill>
-          <a:schemeClr val="phClr"/>
-        </a:solidFill>
-        <a:gradFill rotWithShape="1">
-          <a:gsLst>
-            <a:gs pos="0">
-              <a:schemeClr val="phClr">
-                <a:tint val="50000"/>
-                <a:satMod val="300000"/>
-              </a:schemeClr>
-            </a:gs>
-            <a:gs pos="35000">
-              <a:schemeClr val="phClr">
-                <a:tint val="37000"/>
-                <a:satMod val="300000"/>
-              </a:schemeClr>
-            </a:gs>
-            <a:gs pos="100000">
-              <a:schemeClr val="phClr">
-                <a:tint val="15000"/>
-                <a:satMod val="350000"/>
-              </a:schemeClr>
-            </a:gs>
-          </a:gsLst>
-          <a:lin ang="16200000" scaled="1"/>
-        </a:gradFill>
-        <a:gradFill rotWithShape="1">
-          <a:gsLst>
-            <a:gs pos="0">
-              <a:schemeClr val="phClr">
-                <a:tint val="100000"/>
-                <a:shade val="100000"/>
-                <a:satMod val="130000"/>
-              </a:schemeClr>
-            </a:gs>
-            <a:gs pos="100000">
-              <a:schemeClr val="phClr">
-                <a:tint val="50000"/>
-                <a:shade val="100000"/>
-                <a:satMod val="350000"/>
-              </a:schemeClr>
-            </a:gs>
-          </a:gsLst>
-          <a:lin ang="16200000" scaled="0"/>
-        </a:gradFill>
-      </a:fillStyleLst>
-      <a:lnStyleLst>
-        <a:ln w="9525" cap="flat" cmpd="sng" algn="ctr">
-          <a:solidFill>
-            <a:schemeClr val="phClr">
-              <a:shade val="95000"/>
-              <a:satMod val="105000"/>
-            </a:schemeClr>
-          </a:solidFill>
-          <a:prstDash val="solid"/>
-        </a:ln>
-        <a:ln w="25400" cap="flat" cmpd="sng" algn="ctr">
-          <a:solidFill>
-            <a:schemeClr val="phClr"/>
-          </a:solidFill>
-          <a:prstDash val="solid"/>
-        </a:ln>
-        <a:ln w="38100" cap="flat" cmpd="sng" algn="ctr">
-          <a:solidFill>
-            <a:schemeClr val="phClr"/>
-          </a:solidFill>
-          <a:prstDash val="solid"/>
-        </a:ln>
-      </a:lnStyleLst>
-      <a:effectStyleLst>
-        <a:effectStyle>
-          <a:effectLst>
-            <a:outerShdw blurRad="40000" dist="20000" dir="5400000" rotWithShape="0">
-              <a:srgbClr val="000000">
-                <a:alpha val="38000"/>
-              </a:srgbClr>
-            </a:outerShdw>
-          </a:effectLst>
-        </a:effectStyle>
-        <a:effectStyle>
-          <a:effectLst>
-            <a:outerShdw blurRad="40000" dist="23000" dir="5400000" rotWithShape="0">
-              <a:srgbClr val="000000">
-                <a:alpha val="35000"/>
-              </a:srgbClr>
-            </a:outerShdw>
-          </a:effectLst>
-        </a:effectStyle>
-        <a:effectStyle>
-          <a:effectLst>
-            <a:outerShdw blurRad="40000" dist="23000" dir="5400000" rotWithShape="0">
-              <a:srgbClr val="000000">
-                <a:alpha val="35000"/>
-              </a:srgbClr>
-            </a:outerShdw>
-          </a:effectLst>
-          <a:scene3d>
-            <a:camera prst="orthographicFront">
-              <a:rot lat="0" lon="0" rev="0"/>
-            </a:camera>
-            <a:lightRig rig="threePt" dir="t">
-              <a:rot lat="0" lon="0" rev="1200000"/>
-            </a:lightRig>
-          </a:scene3d>
-          <a:sp3d>
-            <a:bevelT w="63500" h="25400"/>
-          </a:sp3d>
-        </a:effectStyle>
-      </a:effectStyleLst>
-      <a:bgFillStyleLst>
-        <a:solidFill>
-          <a:schemeClr val="phClr"/>
-        </a:solidFill>
-        <a:gradFill rotWithShape="1">
-          <a:gsLst>
-            <a:gs pos="0">
-              <a:schemeClr val="phClr">
-                <a:tint val="40000"/>
-                <a:satMod val="350000"/>
-              </a:schemeClr>
-            </a:gs>
-            <a:gs pos="40000">
-              <a:schemeClr val="phClr">
-                <a:tint val="45000"/>
-                <a:shade val="99000"/>
-                <a:satMod val="350000"/>
-              </a:schemeClr>
-            </a:gs>
-            <a:gs pos="100000">
-              <a:schemeClr val="phClr">
-                <a:shade val="20000"/>
-                <a:satMod val="255000"/>
-              </a:schemeClr>
-            </a:gs>
-          </a:gsLst>
-          <a:path path="circle">
-            <a:fillToRect l="50000" t="-80000" r="50000" b="180000"/>
-          </a:path>
-        </a:gradFill>
-        <a:gradFill rotWithShape="1">
-          <a:gsLst>
-            <a:gs pos="0">
-              <a:schemeClr val="phClr">
-                <a:tint val="80000"/>
-                <a:satMod val="300000"/>
-              </a:schemeClr>
-            </a:gs>
-            <a:gs pos="100000">
-              <a:schemeClr val="phClr">
-                <a:shade val="30000"/>
-                <a:satMod val="200000"/>
-              </a:schemeClr>
-            </a:gs>
-          </a:gsLst>
-          <a:path path="circle">
-            <a:fillToRect l="50000" t="50000" r="50000" b="50000"/>
-          </a:path>
-        </a:gradFill>
-      </a:bgFillStyleLst>
-    </a:fmtScheme>
-  </a:themeElements>
-</a:theme>
 </file>
--- a/Lecture slides/AMOS B05 - Agile Programming.pptx
+++ b/Lecture slides/AMOS B05 - Agile Programming.pptx
@@ -8824,7 +8824,7 @@
             </a:pPr>
             <a:r>
               <a:rPr lang="en"/>
-              <a:t>Dirk Riehle, Univ. Erlangen</a:t>
+              <a:t>Dirk Riehle, FAU Erlangen</a:t>
             </a:r>
             <a:endParaRPr/>
           </a:p>
@@ -9191,7 +9191,7 @@
         <p:spPr>
           <a:xfrm>
             <a:off x="274320" y="914400"/>
-            <a:ext cx="8595360" cy="3495446"/>
+            <a:ext cx="8595360" cy="3493598"/>
           </a:xfrm>
           <a:prstGeom prst="rect">
             <a:avLst/>
@@ -19072,7 +19072,7 @@
             <a:tbl>
               <a:tblPr>
                 <a:noFill/>
-                <a:tableStyleId>{CFFEA0B8-F8E8-408A-AEF3-0871D8092AD9}</a:tableStyleId>
+                <a:tableStyleId>{C69C6701-925D-4193-A156-4DA8FBB357F8}</a:tableStyleId>
               </a:tblPr>
               <a:tblGrid>
                 <a:gridCol w="2865125"/>
@@ -19095,14 +19095,14 @@
                         <a:buNone/>
                       </a:pPr>
                       <a:r>
-                        <a:rPr b="1" lang="en" sz="1800">
+                        <a:rPr b="1" lang="en">
                           <a:solidFill>
                             <a:schemeClr val="lt1"/>
                           </a:solidFill>
                         </a:rPr>
                         <a:t>Query methods</a:t>
                       </a:r>
-                      <a:endParaRPr b="1" sz="1800">
+                      <a:endParaRPr b="1">
                         <a:solidFill>
                           <a:schemeClr val="lt1"/>
                         </a:solidFill>
@@ -19166,14 +19166,14 @@
                         <a:buNone/>
                       </a:pPr>
                       <a:r>
-                        <a:rPr b="1" lang="en" sz="1800">
+                        <a:rPr b="1" lang="en">
                           <a:solidFill>
                             <a:schemeClr val="lt1"/>
                           </a:solidFill>
                         </a:rPr>
                         <a:t>Mutation methods</a:t>
                       </a:r>
-                      <a:endParaRPr b="1" sz="1800">
+                      <a:endParaRPr b="1">
                         <a:solidFill>
                           <a:schemeClr val="lt1"/>
                         </a:solidFill>
@@ -19237,14 +19237,14 @@
                         <a:buNone/>
                       </a:pPr>
                       <a:r>
-                        <a:rPr b="1" lang="en" sz="1800">
+                        <a:rPr b="1" lang="en">
                           <a:solidFill>
                             <a:schemeClr val="lt1"/>
                           </a:solidFill>
                         </a:rPr>
                         <a:t>Helper methods</a:t>
                       </a:r>
-                      <a:endParaRPr b="1" sz="1800">
+                      <a:endParaRPr b="1">
                         <a:solidFill>
                           <a:schemeClr val="lt1"/>
                         </a:solidFill>
@@ -19310,10 +19310,10 @@
                         <a:buNone/>
                       </a:pPr>
                       <a:r>
-                        <a:rPr lang="en"/>
+                        <a:rPr lang="en" sz="1200"/>
                         <a:t>Get method (getter)</a:t>
                       </a:r>
-                      <a:endParaRPr/>
+                      <a:endParaRPr sz="1200"/>
                     </a:p>
                   </a:txBody>
                   <a:tcPr marT="91425" marB="91425" marR="91425" marL="91425" anchor="ctr">
@@ -19370,10 +19370,10 @@
                         <a:buNone/>
                       </a:pPr>
                       <a:r>
-                        <a:rPr lang="en"/>
+                        <a:rPr lang="en" sz="1200"/>
                         <a:t>Set method (setter)</a:t>
                       </a:r>
-                      <a:endParaRPr/>
+                      <a:endParaRPr sz="1200"/>
                     </a:p>
                   </a:txBody>
                   <a:tcPr marT="91425" marB="91425" marR="91425" marL="91425" anchor="ctr">
@@ -19430,10 +19430,10 @@
                         <a:buNone/>
                       </a:pPr>
                       <a:r>
-                        <a:rPr lang="en"/>
+                        <a:rPr lang="en" sz="1200"/>
                         <a:t>Factory method</a:t>
                       </a:r>
-                      <a:endParaRPr/>
+                      <a:endParaRPr sz="1200"/>
                     </a:p>
                   </a:txBody>
                   <a:tcPr marT="91425" marB="91425" marR="91425" marL="91425" anchor="ctr">
@@ -19492,10 +19492,10 @@
                         <a:buNone/>
                       </a:pPr>
                       <a:r>
-                        <a:rPr lang="en"/>
+                        <a:rPr lang="en" sz="1200"/>
                         <a:t>Boolean query methods</a:t>
                       </a:r>
-                      <a:endParaRPr/>
+                      <a:endParaRPr sz="1200"/>
                     </a:p>
                   </a:txBody>
                   <a:tcPr marT="91425" marB="91425" marR="91425" marL="91425" anchor="ctr">
@@ -19555,10 +19555,10 @@
                         <a:buNone/>
                       </a:pPr>
                       <a:r>
-                        <a:rPr lang="en"/>
+                        <a:rPr lang="en" sz="1200"/>
                         <a:t>Command method</a:t>
                       </a:r>
-                      <a:endParaRPr/>
+                      <a:endParaRPr sz="1200"/>
                     </a:p>
                   </a:txBody>
                   <a:tcPr marT="91425" marB="91425" marR="91425" marL="91425" anchor="ctr">
@@ -19618,10 +19618,10 @@
                         <a:buNone/>
                       </a:pPr>
                       <a:r>
-                        <a:rPr lang="en"/>
+                        <a:rPr lang="en" sz="1200"/>
                         <a:t>Cloning method</a:t>
                       </a:r>
-                      <a:endParaRPr/>
+                      <a:endParaRPr sz="1200"/>
                     </a:p>
                   </a:txBody>
                   <a:tcPr marT="91425" marB="91425" marR="91425" marL="91425" anchor="ctr">
@@ -19683,10 +19683,10 @@
                         <a:buNone/>
                       </a:pPr>
                       <a:r>
-                        <a:rPr lang="en"/>
+                        <a:rPr lang="en" sz="1200"/>
                         <a:t>Comparison method</a:t>
                       </a:r>
-                      <a:endParaRPr/>
+                      <a:endParaRPr sz="1200"/>
                     </a:p>
                   </a:txBody>
                   <a:tcPr marT="91425" marB="91425" marR="91425" marL="91425" anchor="ctr">
@@ -19743,10 +19743,10 @@
                         <a:buNone/>
                       </a:pPr>
                       <a:r>
-                        <a:rPr lang="en"/>
+                        <a:rPr lang="en" sz="1200"/>
                         <a:t>Initialization method</a:t>
                       </a:r>
-                      <a:endParaRPr/>
+                      <a:endParaRPr sz="1200"/>
                     </a:p>
                   </a:txBody>
                   <a:tcPr marT="91425" marB="91425" marR="91425" marL="91425" anchor="ctr">
@@ -19803,10 +19803,10 @@
                         <a:buNone/>
                       </a:pPr>
                       <a:r>
-                        <a:rPr lang="en"/>
+                        <a:rPr lang="en" sz="1200"/>
                         <a:t>Assertion method</a:t>
                       </a:r>
-                      <a:endParaRPr/>
+                      <a:endParaRPr sz="1200"/>
                     </a:p>
                   </a:txBody>
                   <a:tcPr marT="91425" marB="91425" marR="91425" marL="91425" anchor="ctr">
@@ -19865,10 +19865,10 @@
                         <a:buNone/>
                       </a:pPr>
                       <a:r>
-                        <a:rPr lang="en"/>
+                        <a:rPr lang="en" sz="1200"/>
                         <a:t>Conversion method</a:t>
                       </a:r>
-                      <a:endParaRPr/>
+                      <a:endParaRPr sz="1200"/>
                     </a:p>
                   </a:txBody>
                   <a:tcPr marT="91425" marB="91425" marR="91425" marL="91425" anchor="ctr">
@@ -19928,10 +19928,10 @@
                         <a:buNone/>
                       </a:pPr>
                       <a:r>
-                        <a:rPr lang="en"/>
+                        <a:rPr lang="en" sz="1200"/>
                         <a:t>Finalization method</a:t>
                       </a:r>
-                      <a:endParaRPr/>
+                      <a:endParaRPr sz="1200"/>
                     </a:p>
                   </a:txBody>
                   <a:tcPr marT="91425" marB="91425" marR="91425" marL="91425" anchor="ctr">
@@ -19991,10 +19991,10 @@
                         <a:buNone/>
                       </a:pPr>
                       <a:r>
-                        <a:rPr lang="en"/>
+                        <a:rPr lang="en" sz="1200"/>
                         <a:t>Logging method</a:t>
                       </a:r>
-                      <a:endParaRPr/>
+                      <a:endParaRPr sz="1200"/>
                     </a:p>
                   </a:txBody>
                   <a:tcPr marT="91425" marB="91425" marR="91425" marL="91425" anchor="ctr">
@@ -20056,10 +20056,10 @@
                         <a:buNone/>
                       </a:pPr>
                       <a:r>
-                        <a:rPr lang="en"/>
+                        <a:rPr lang="en" sz="1200"/>
                         <a:t>…</a:t>
                       </a:r>
-                      <a:endParaRPr/>
+                      <a:endParaRPr sz="1200"/>
                     </a:p>
                   </a:txBody>
                   <a:tcPr marT="91425" marB="91425" marR="91425" marL="91425" anchor="ctr">
@@ -20116,10 +20116,10 @@
                         <a:buNone/>
                       </a:pPr>
                       <a:r>
-                        <a:rPr lang="en"/>
+                        <a:rPr lang="en" sz="1200"/>
                         <a:t>…</a:t>
                       </a:r>
-                      <a:endParaRPr/>
+                      <a:endParaRPr sz="1200"/>
                     </a:p>
                   </a:txBody>
                   <a:tcPr marT="91425" marB="91425" marR="91425" marL="91425" anchor="ctr">
@@ -20176,10 +20176,10 @@
                         <a:buNone/>
                       </a:pPr>
                       <a:r>
-                        <a:rPr lang="en"/>
+                        <a:rPr lang="en" sz="1200"/>
                         <a:t>…</a:t>
                       </a:r>
-                      <a:endParaRPr/>
+                      <a:endParaRPr sz="1200"/>
                     </a:p>
                   </a:txBody>
                   <a:tcPr marT="91425" marB="91425" marR="91425" marL="91425" anchor="ctr">

--- a/Lecture slides/AMOS B05 - Agile Programming.pptx
+++ b/Lecture slides/AMOS B05 - Agile Programming.pptx
@@ -19072,7 +19072,7 @@
             <a:tbl>
               <a:tblPr>
                 <a:noFill/>
-                <a:tableStyleId>{C69C6701-925D-4193-A156-4DA8FBB357F8}</a:tableStyleId>
+                <a:tableStyleId>{62EB2A9A-D057-4935-8898-D239301CF016}</a:tableStyleId>
               </a:tblPr>
               <a:tblGrid>
                 <a:gridCol w="2865125"/>
@@ -19310,10 +19310,10 @@
                         <a:buNone/>
                       </a:pPr>
                       <a:r>
-                        <a:rPr lang="en" sz="1200"/>
+                        <a:rPr lang="en"/>
                         <a:t>Get method (getter)</a:t>
                       </a:r>
-                      <a:endParaRPr sz="1200"/>
+                      <a:endParaRPr/>
                     </a:p>
                   </a:txBody>
                   <a:tcPr marT="91425" marB="91425" marR="91425" marL="91425" anchor="ctr">
@@ -19370,10 +19370,10 @@
                         <a:buNone/>
                       </a:pPr>
                       <a:r>
-                        <a:rPr lang="en" sz="1200"/>
+                        <a:rPr lang="en"/>
                         <a:t>Set method (setter)</a:t>
                       </a:r>
-                      <a:endParaRPr sz="1200"/>
+                      <a:endParaRPr/>
                     </a:p>
                   </a:txBody>
                   <a:tcPr marT="91425" marB="91425" marR="91425" marL="91425" anchor="ctr">
@@ -19430,10 +19430,10 @@
                         <a:buNone/>
                       </a:pPr>
                       <a:r>
-                        <a:rPr lang="en" sz="1200"/>
+                        <a:rPr lang="en"/>
                         <a:t>Factory method</a:t>
                       </a:r>
-                      <a:endParaRPr sz="1200"/>
+                      <a:endParaRPr/>
                     </a:p>
                   </a:txBody>
                   <a:tcPr marT="91425" marB="91425" marR="91425" marL="91425" anchor="ctr">
@@ -19492,10 +19492,10 @@
                         <a:buNone/>
                       </a:pPr>
                       <a:r>
-                        <a:rPr lang="en" sz="1200"/>
+                        <a:rPr lang="en"/>
                         <a:t>Boolean query methods</a:t>
                       </a:r>
-                      <a:endParaRPr sz="1200"/>
+                      <a:endParaRPr/>
                     </a:p>
                   </a:txBody>
                   <a:tcPr marT="91425" marB="91425" marR="91425" marL="91425" anchor="ctr">
@@ -19555,10 +19555,10 @@
                         <a:buNone/>
                       </a:pPr>
                       <a:r>
-                        <a:rPr lang="en" sz="1200"/>
+                        <a:rPr lang="en"/>
                         <a:t>Command method</a:t>
                       </a:r>
-                      <a:endParaRPr sz="1200"/>
+                      <a:endParaRPr/>
                     </a:p>
                   </a:txBody>
                   <a:tcPr marT="91425" marB="91425" marR="91425" marL="91425" anchor="ctr">
@@ -19618,10 +19618,10 @@
                         <a:buNone/>
                       </a:pPr>
                       <a:r>
-                        <a:rPr lang="en" sz="1200"/>
+                        <a:rPr lang="en"/>
                         <a:t>Cloning method</a:t>
                       </a:r>
-                      <a:endParaRPr sz="1200"/>
+                      <a:endParaRPr/>
                     </a:p>
                   </a:txBody>
                   <a:tcPr marT="91425" marB="91425" marR="91425" marL="91425" anchor="ctr">
@@ -19683,10 +19683,10 @@
                         <a:buNone/>
                       </a:pPr>
                       <a:r>
-                        <a:rPr lang="en" sz="1200"/>
+                        <a:rPr lang="en"/>
                         <a:t>Comparison method</a:t>
                       </a:r>
-                      <a:endParaRPr sz="1200"/>
+                      <a:endParaRPr/>
                     </a:p>
                   </a:txBody>
                   <a:tcPr marT="91425" marB="91425" marR="91425" marL="91425" anchor="ctr">
@@ -19743,10 +19743,10 @@
                         <a:buNone/>
                       </a:pPr>
                       <a:r>
-                        <a:rPr lang="en" sz="1200"/>
+                        <a:rPr lang="en"/>
                         <a:t>Initialization method</a:t>
                       </a:r>
-                      <a:endParaRPr sz="1200"/>
+                      <a:endParaRPr/>
                     </a:p>
                   </a:txBody>
                   <a:tcPr marT="91425" marB="91425" marR="91425" marL="91425" anchor="ctr">
@@ -19803,10 +19803,10 @@
                         <a:buNone/>
                       </a:pPr>
                       <a:r>
-                        <a:rPr lang="en" sz="1200"/>
+                        <a:rPr lang="en"/>
                         <a:t>Assertion method</a:t>
                       </a:r>
-                      <a:endParaRPr sz="1200"/>
+                      <a:endParaRPr/>
                     </a:p>
                   </a:txBody>
                   <a:tcPr marT="91425" marB="91425" marR="91425" marL="91425" anchor="ctr">
@@ -19865,10 +19865,10 @@
                         <a:buNone/>
                       </a:pPr>
                       <a:r>
-                        <a:rPr lang="en" sz="1200"/>
+                        <a:rPr lang="en"/>
                         <a:t>Conversion method</a:t>
                       </a:r>
-                      <a:endParaRPr sz="1200"/>
+                      <a:endParaRPr/>
                     </a:p>
                   </a:txBody>
                   <a:tcPr marT="91425" marB="91425" marR="91425" marL="91425" anchor="ctr">
@@ -19928,10 +19928,10 @@
                         <a:buNone/>
                       </a:pPr>
                       <a:r>
-                        <a:rPr lang="en" sz="1200"/>
+                        <a:rPr lang="en"/>
                         <a:t>Finalization method</a:t>
                       </a:r>
-                      <a:endParaRPr sz="1200"/>
+                      <a:endParaRPr/>
                     </a:p>
                   </a:txBody>
                   <a:tcPr marT="91425" marB="91425" marR="91425" marL="91425" anchor="ctr">
@@ -19991,10 +19991,10 @@
                         <a:buNone/>
                       </a:pPr>
                       <a:r>
-                        <a:rPr lang="en" sz="1200"/>
+                        <a:rPr lang="en"/>
                         <a:t>Logging method</a:t>
                       </a:r>
-                      <a:endParaRPr sz="1200"/>
+                      <a:endParaRPr/>
                     </a:p>
                   </a:txBody>
                   <a:tcPr marT="91425" marB="91425" marR="91425" marL="91425" anchor="ctr">
@@ -20056,10 +20056,10 @@
                         <a:buNone/>
                       </a:pPr>
                       <a:r>
-                        <a:rPr lang="en" sz="1200"/>
+                        <a:rPr lang="en"/>
                         <a:t>…</a:t>
                       </a:r>
-                      <a:endParaRPr sz="1200"/>
+                      <a:endParaRPr/>
                     </a:p>
                   </a:txBody>
                   <a:tcPr marT="91425" marB="91425" marR="91425" marL="91425" anchor="ctr">
@@ -20116,10 +20116,10 @@
                         <a:buNone/>
                       </a:pPr>
                       <a:r>
-                        <a:rPr lang="en" sz="1200"/>
+                        <a:rPr lang="en"/>
                         <a:t>…</a:t>
                       </a:r>
-                      <a:endParaRPr sz="1200"/>
+                      <a:endParaRPr/>
                     </a:p>
                   </a:txBody>
                   <a:tcPr marT="91425" marB="91425" marR="91425" marL="91425" anchor="ctr">
@@ -20176,10 +20176,10 @@
                         <a:buNone/>
                       </a:pPr>
                       <a:r>
-                        <a:rPr lang="en" sz="1200"/>
+                        <a:rPr lang="en"/>
                         <a:t>…</a:t>
                       </a:r>
-                      <a:endParaRPr sz="1200"/>
+                      <a:endParaRPr/>
                     </a:p>
                   </a:txBody>
                   <a:tcPr marT="91425" marB="91425" marR="91425" marL="91425" anchor="ctr">

--- a/Lecture slides/AMOS B05 - Agile Programming.pptx
+++ b/Lecture slides/AMOS B05 - Agile Programming.pptx
@@ -9191,7 +9191,7 @@
         <p:spPr>
           <a:xfrm>
             <a:off x="274320" y="914400"/>
-            <a:ext cx="8595360" cy="3493598"/>
+            <a:ext cx="8595360" cy="3495446"/>
           </a:xfrm>
           <a:prstGeom prst="rect">
             <a:avLst/>
@@ -9397,26 +9397,16 @@
           </a:p>
         </p:txBody>
       </p:sp>
-      <p:pic>
-        <p:nvPicPr>
-          <p:cNvPr id="118" name="Google Shape;118;p20" title="Debt Metaphor explained by Ward Cunningham">
-            <a:hlinkClick r:id="rId4"/>
-          </p:cNvPr>
-          <p:cNvPicPr preferRelativeResize="0"/>
+      <p:sp>
+        <p:nvSpPr>
+          <p:cNvPr id="118" name="Google Shape;118;p20"/>
+          <p:cNvSpPr txBox="1"/>
           <p:nvPr/>
-        </p:nvPicPr>
-        <p:blipFill>
-          <a:blip r:embed="rId5">
-            <a:alphaModFix/>
-          </a:blip>
-          <a:stretch>
-            <a:fillRect/>
-          </a:stretch>
-        </p:blipFill>
-        <p:spPr>
-          <a:xfrm>
-            <a:off x="1332688" y="914400"/>
-            <a:ext cx="6478622" cy="3657600"/>
+        </p:nvSpPr>
+        <p:spPr>
+          <a:xfrm>
+            <a:off x="0" y="4233672"/>
+            <a:ext cx="7315200" cy="914400"/>
           </a:xfrm>
           <a:prstGeom prst="rect">
             <a:avLst/>
@@ -9426,17 +9416,87 @@
             <a:noFill/>
           </a:ln>
         </p:spPr>
-      </p:pic>
-      <p:sp>
-        <p:nvSpPr>
-          <p:cNvPr id="119" name="Google Shape;119;p20"/>
-          <p:cNvSpPr txBox="1"/>
+        <p:txBody>
+          <a:bodyPr anchorCtr="0" anchor="b" bIns="91425" lIns="91425" spcFirstLastPara="1" rIns="91425" wrap="square" tIns="91425">
+            <a:noAutofit/>
+          </a:bodyPr>
+          <a:lstStyle/>
+          <a:p>
+            <a:pPr indent="0" lvl="0" marL="0" rtl="0" algn="l">
+              <a:spcBef>
+                <a:spcPts val="0"/>
+              </a:spcBef>
+              <a:spcAft>
+                <a:spcPts val="0"/>
+              </a:spcAft>
+              <a:buNone/>
+            </a:pPr>
+            <a:r>
+              <a:rPr lang="en"/>
+              <a:t>[1] See </a:t>
+            </a:r>
+            <a:r>
+              <a:rPr lang="en" u="sng">
+                <a:solidFill>
+                  <a:schemeClr val="hlink"/>
+                </a:solidFill>
+                <a:hlinkClick r:id="rId4"/>
+              </a:rPr>
+              <a:t>https://en.wikipedia.org/wiki/Ward_Cunningham</a:t>
+            </a:r>
+            <a:endParaRPr/>
+          </a:p>
+          <a:p>
+            <a:pPr indent="0" lvl="0" marL="0" rtl="0" algn="l">
+              <a:spcBef>
+                <a:spcPts val="0"/>
+              </a:spcBef>
+              <a:spcAft>
+                <a:spcPts val="0"/>
+              </a:spcAft>
+              <a:buNone/>
+            </a:pPr>
+            <a:r>
+              <a:rPr lang="en"/>
+              <a:t>[2] See </a:t>
+            </a:r>
+            <a:r>
+              <a:rPr lang="en" u="sng">
+                <a:solidFill>
+                  <a:schemeClr val="hlink"/>
+                </a:solidFill>
+                <a:hlinkClick r:id="rId5"/>
+              </a:rPr>
+              <a:t>https://youtu.be/_NH_AIOsToo</a:t>
+            </a:r>
+            <a:r>
+              <a:rPr lang="en"/>
+              <a:t> </a:t>
+            </a:r>
+            <a:endParaRPr/>
+          </a:p>
+        </p:txBody>
+      </p:sp>
+      <p:pic>
+        <p:nvPicPr>
+          <p:cNvPr id="119" name="Google Shape;119;p20" title="The Debt Metaphor Ward Cunningham">
+            <a:hlinkClick r:id="rId6"/>
+          </p:cNvPr>
+          <p:cNvPicPr preferRelativeResize="0"/>
           <p:nvPr/>
-        </p:nvSpPr>
-        <p:spPr>
-          <a:xfrm>
-            <a:off x="0" y="4233672"/>
-            <a:ext cx="7315200" cy="914400"/>
+        </p:nvPicPr>
+        <p:blipFill>
+          <a:blip r:embed="rId7">
+            <a:alphaModFix/>
+          </a:blip>
+          <a:stretch>
+            <a:fillRect/>
+          </a:stretch>
+        </p:blipFill>
+        <p:spPr>
+          <a:xfrm>
+            <a:off x="274320" y="914400"/>
+            <a:ext cx="6400800" cy="3606084"/>
           </a:xfrm>
           <a:prstGeom prst="rect">
             <a:avLst/>
@@ -9446,67 +9506,7 @@
             <a:noFill/>
           </a:ln>
         </p:spPr>
-        <p:txBody>
-          <a:bodyPr anchorCtr="0" anchor="b" bIns="91425" lIns="91425" spcFirstLastPara="1" rIns="91425" wrap="square" tIns="91425">
-            <a:noAutofit/>
-          </a:bodyPr>
-          <a:lstStyle/>
-          <a:p>
-            <a:pPr indent="0" lvl="0" marL="0" rtl="0" algn="l">
-              <a:spcBef>
-                <a:spcPts val="0"/>
-              </a:spcBef>
-              <a:spcAft>
-                <a:spcPts val="0"/>
-              </a:spcAft>
-              <a:buNone/>
-            </a:pPr>
-            <a:r>
-              <a:rPr lang="en"/>
-              <a:t>[1] See </a:t>
-            </a:r>
-            <a:r>
-              <a:rPr lang="en" u="sng">
-                <a:solidFill>
-                  <a:schemeClr val="hlink"/>
-                </a:solidFill>
-                <a:hlinkClick r:id="rId6"/>
-              </a:rPr>
-              <a:t>https://en.wikipedia.org/wiki/Ward_Cunningham</a:t>
-            </a:r>
-            <a:endParaRPr/>
-          </a:p>
-          <a:p>
-            <a:pPr indent="0" lvl="0" marL="0" rtl="0" algn="l">
-              <a:spcBef>
-                <a:spcPts val="0"/>
-              </a:spcBef>
-              <a:spcAft>
-                <a:spcPts val="0"/>
-              </a:spcAft>
-              <a:buNone/>
-            </a:pPr>
-            <a:r>
-              <a:rPr lang="en"/>
-              <a:t>[2] See </a:t>
-            </a:r>
-            <a:r>
-              <a:rPr lang="en" u="sng">
-                <a:solidFill>
-                  <a:schemeClr val="hlink"/>
-                </a:solidFill>
-                <a:hlinkClick r:id="rId7"/>
-              </a:rPr>
-              <a:t>https://youtu.be/Jp5japiHAs4</a:t>
-            </a:r>
-            <a:r>
-              <a:rPr lang="en"/>
-              <a:t> </a:t>
-            </a:r>
-            <a:endParaRPr/>
-          </a:p>
-        </p:txBody>
-      </p:sp>
+      </p:pic>
     </p:spTree>
   </p:cSld>
   <p:clrMapOvr>
@@ -9546,7 +9546,7 @@
                                           </p:stCondLst>
                                         </p:cTn>
                                         <p:tgtEl>
-                                          <p:spTgt spid="118"/>
+                                          <p:spTgt spid="119"/>
                                         </p:tgtEl>
                                         <p:attrNameLst>
                                           <p:attrName>style.visibility</p:attrName>
@@ -9560,7 +9560,7 @@
                                       <p:cBhvr>
                                         <p:cTn dur="1000"/>
                                         <p:tgtEl>
-                                          <p:spTgt spid="118"/>
+                                          <p:spTgt spid="119"/>
                                         </p:tgtEl>
                                       </p:cBhvr>
                                     </p:animEffect>
@@ -12203,8 +12203,8 @@
         </p:blipFill>
         <p:spPr>
           <a:xfrm>
-            <a:off x="1340000" y="914400"/>
-            <a:ext cx="6464008" cy="3657601"/>
+            <a:off x="274320" y="914400"/>
+            <a:ext cx="7315202" cy="4138727"/>
           </a:xfrm>
           <a:prstGeom prst="rect">
             <a:avLst/>
@@ -12755,7 +12755,7 @@
         </p:blipFill>
         <p:spPr>
           <a:xfrm>
-            <a:off x="274320" y="2011680"/>
+            <a:off x="274320" y="2286000"/>
             <a:ext cx="8595359" cy="1757274"/>
           </a:xfrm>
           <a:prstGeom prst="rect">
@@ -19072,7 +19072,7 @@
             <a:tbl>
               <a:tblPr>
                 <a:noFill/>
-                <a:tableStyleId>{62EB2A9A-D057-4935-8898-D239301CF016}</a:tableStyleId>
+                <a:tableStyleId>{FA2365D2-307F-4F99-9DE4-79DBAB870132}</a:tableStyleId>
               </a:tblPr>
               <a:tblGrid>
                 <a:gridCol w="2865125"/>
